--- a/K8s-basic.pptx
+++ b/K8s-basic.pptx
@@ -19,13 +19,13 @@
     <p:sldId id="298" r:id="rId10"/>
     <p:sldId id="304" r:id="rId11"/>
     <p:sldId id="300" r:id="rId12"/>
-    <p:sldId id="301" r:id="rId13"/>
-    <p:sldId id="302" r:id="rId14"/>
-    <p:sldId id="303" r:id="rId15"/>
-    <p:sldId id="305" r:id="rId16"/>
-    <p:sldId id="310" r:id="rId17"/>
-    <p:sldId id="309" r:id="rId18"/>
-    <p:sldId id="325" r:id="rId19"/>
+    <p:sldId id="325" r:id="rId13"/>
+    <p:sldId id="301" r:id="rId14"/>
+    <p:sldId id="302" r:id="rId15"/>
+    <p:sldId id="303" r:id="rId16"/>
+    <p:sldId id="305" r:id="rId17"/>
+    <p:sldId id="310" r:id="rId18"/>
+    <p:sldId id="309" r:id="rId19"/>
     <p:sldId id="306" r:id="rId20"/>
     <p:sldId id="307" r:id="rId21"/>
     <p:sldId id="308" r:id="rId22"/>
@@ -444,7 +444,7 @@
           <a:p>
             <a:fld id="{2772BE4E-48FD-A347-A676-3904A5044681}" type="datetimeFigureOut">
               <a:rPr lang="it-IT" smtClean="0"/>
-              <a:t>22/05/2020</a:t>
+              <a:t>26/05/2020</a:t>
             </a:fld>
             <a:endParaRPr lang="it-IT" dirty="0"/>
           </a:p>
@@ -1789,6 +1789,235 @@
 </p:notes>
 </file>
 
+<file path=ppt/notesSlides/notesSlide9.xml><?xml version="1.0" encoding="utf-8"?>
+<p:notes xmlns:a="http://schemas.openxmlformats.org/drawingml/2006/main" xmlns:r="http://schemas.openxmlformats.org/officeDocument/2006/relationships" xmlns:p="http://schemas.openxmlformats.org/presentationml/2006/main">
+  <p:cSld>
+    <p:spTree>
+      <p:nvGrpSpPr>
+        <p:cNvPr id="1" name=""/>
+        <p:cNvGrpSpPr/>
+        <p:nvPr/>
+      </p:nvGrpSpPr>
+      <p:grpSpPr>
+        <a:xfrm>
+          <a:off x="0" y="0"/>
+          <a:ext cx="0" cy="0"/>
+          <a:chOff x="0" y="0"/>
+          <a:chExt cx="0" cy="0"/>
+        </a:xfrm>
+      </p:grpSpPr>
+      <p:sp>
+        <p:nvSpPr>
+          <p:cNvPr id="2" name="Slide Image Placeholder 1"/>
+          <p:cNvSpPr>
+            <a:spLocks noGrp="1" noRot="1" noChangeAspect="1"/>
+          </p:cNvSpPr>
+          <p:nvPr>
+            <p:ph type="sldImg"/>
+          </p:nvPr>
+        </p:nvSpPr>
+        <p:spPr>
+          <a:xfrm>
+            <a:off x="381000" y="685800"/>
+            <a:ext cx="6096000" cy="3429000"/>
+          </a:xfrm>
+        </p:spPr>
+      </p:sp>
+      <p:sp>
+        <p:nvSpPr>
+          <p:cNvPr id="3" name="Notes Placeholder 2"/>
+          <p:cNvSpPr>
+            <a:spLocks noGrp="1"/>
+          </p:cNvSpPr>
+          <p:nvPr>
+            <p:ph type="body" idx="1"/>
+          </p:nvPr>
+        </p:nvSpPr>
+        <p:spPr/>
+        <p:txBody>
+          <a:bodyPr/>
+          <a:lstStyle/>
+          <a:p>
+            <a:r>
+              <a:rPr lang="en-US" sz="2000" b="0" i="0" dirty="0" err="1">
+                <a:solidFill>
+                  <a:srgbClr val="212553"/>
+                </a:solidFill>
+                <a:effectLst/>
+                <a:latin typeface="Gibson" panose="02000000000000000000" pitchFamily="2" charset="77"/>
+                <a:ea typeface="Helvetica Neue"/>
+                <a:cs typeface="Helvetica Neue"/>
+                <a:sym typeface="Helvetica Neue"/>
+              </a:rPr>
+              <a:t>PersistentVolumes</a:t>
+            </a:r>
+            <a:r>
+              <a:rPr lang="en-US" sz="2000" b="0" i="0" dirty="0">
+                <a:solidFill>
+                  <a:srgbClr val="212553"/>
+                </a:solidFill>
+                <a:effectLst/>
+                <a:latin typeface="Gibson" panose="02000000000000000000" pitchFamily="2" charset="77"/>
+                <a:ea typeface="Helvetica Neue"/>
+                <a:cs typeface="Helvetica Neue"/>
+                <a:sym typeface="Helvetica Neue"/>
+              </a:rPr>
+              <a:t> that are dynamically created by a </a:t>
+            </a:r>
+            <a:r>
+              <a:rPr lang="en-US" sz="2000" b="0" i="0" dirty="0" err="1">
+                <a:solidFill>
+                  <a:srgbClr val="212553"/>
+                </a:solidFill>
+                <a:effectLst/>
+                <a:latin typeface="Gibson" panose="02000000000000000000" pitchFamily="2" charset="77"/>
+                <a:ea typeface="Helvetica Neue"/>
+                <a:cs typeface="Helvetica Neue"/>
+                <a:sym typeface="Helvetica Neue"/>
+              </a:rPr>
+              <a:t>StorageClass</a:t>
+            </a:r>
+            <a:r>
+              <a:rPr lang="en-US" sz="2000" b="0" i="0" dirty="0">
+                <a:solidFill>
+                  <a:srgbClr val="212553"/>
+                </a:solidFill>
+                <a:effectLst/>
+                <a:latin typeface="Gibson" panose="02000000000000000000" pitchFamily="2" charset="77"/>
+                <a:ea typeface="Helvetica Neue"/>
+                <a:cs typeface="Helvetica Neue"/>
+                <a:sym typeface="Helvetica Neue"/>
+              </a:rPr>
+              <a:t> will have the reclaim policy specified in the </a:t>
+            </a:r>
+            <a:r>
+              <a:rPr lang="en-US" dirty="0" err="1"/>
+              <a:t>reclaimPolicy</a:t>
+            </a:r>
+            <a:r>
+              <a:rPr lang="en-US" sz="2000" b="0" i="0" dirty="0">
+                <a:solidFill>
+                  <a:srgbClr val="212553"/>
+                </a:solidFill>
+                <a:effectLst/>
+                <a:latin typeface="Gibson" panose="02000000000000000000" pitchFamily="2" charset="77"/>
+                <a:ea typeface="Helvetica Neue"/>
+                <a:cs typeface="Helvetica Neue"/>
+                <a:sym typeface="Helvetica Neue"/>
+              </a:rPr>
+              <a:t> field of the class, which can be either </a:t>
+            </a:r>
+            <a:r>
+              <a:rPr lang="en-US" dirty="0"/>
+              <a:t>Delete</a:t>
+            </a:r>
+            <a:r>
+              <a:rPr lang="en-US" sz="2000" b="0" i="0" dirty="0">
+                <a:solidFill>
+                  <a:srgbClr val="212553"/>
+                </a:solidFill>
+                <a:effectLst/>
+                <a:latin typeface="Gibson" panose="02000000000000000000" pitchFamily="2" charset="77"/>
+                <a:ea typeface="Helvetica Neue"/>
+                <a:cs typeface="Helvetica Neue"/>
+                <a:sym typeface="Helvetica Neue"/>
+              </a:rPr>
+              <a:t> or </a:t>
+            </a:r>
+            <a:r>
+              <a:rPr lang="en-US" dirty="0"/>
+              <a:t>Retain</a:t>
+            </a:r>
+            <a:r>
+              <a:rPr lang="en-US" sz="2000" b="0" i="0" dirty="0">
+                <a:solidFill>
+                  <a:srgbClr val="212553"/>
+                </a:solidFill>
+                <a:effectLst/>
+                <a:latin typeface="Gibson" panose="02000000000000000000" pitchFamily="2" charset="77"/>
+                <a:ea typeface="Helvetica Neue"/>
+                <a:cs typeface="Helvetica Neue"/>
+                <a:sym typeface="Helvetica Neue"/>
+              </a:rPr>
+              <a:t>. If no </a:t>
+            </a:r>
+            <a:r>
+              <a:rPr lang="en-US" dirty="0" err="1"/>
+              <a:t>reclaimPolicy</a:t>
+            </a:r>
+            <a:r>
+              <a:rPr lang="en-US" sz="2000" b="0" i="0" dirty="0">
+                <a:solidFill>
+                  <a:srgbClr val="212553"/>
+                </a:solidFill>
+                <a:effectLst/>
+                <a:latin typeface="Gibson" panose="02000000000000000000" pitchFamily="2" charset="77"/>
+                <a:ea typeface="Helvetica Neue"/>
+                <a:cs typeface="Helvetica Neue"/>
+                <a:sym typeface="Helvetica Neue"/>
+              </a:rPr>
+              <a:t> is specified when a </a:t>
+            </a:r>
+            <a:r>
+              <a:rPr lang="en-US" sz="2000" b="0" i="0" dirty="0" err="1">
+                <a:solidFill>
+                  <a:srgbClr val="212553"/>
+                </a:solidFill>
+                <a:effectLst/>
+                <a:latin typeface="Gibson" panose="02000000000000000000" pitchFamily="2" charset="77"/>
+                <a:ea typeface="Helvetica Neue"/>
+                <a:cs typeface="Helvetica Neue"/>
+                <a:sym typeface="Helvetica Neue"/>
+              </a:rPr>
+              <a:t>StorageClass</a:t>
+            </a:r>
+            <a:r>
+              <a:rPr lang="en-US" sz="2000" b="0" i="0" dirty="0">
+                <a:solidFill>
+                  <a:srgbClr val="212553"/>
+                </a:solidFill>
+                <a:effectLst/>
+                <a:latin typeface="Gibson" panose="02000000000000000000" pitchFamily="2" charset="77"/>
+                <a:ea typeface="Helvetica Neue"/>
+                <a:cs typeface="Helvetica Neue"/>
+                <a:sym typeface="Helvetica Neue"/>
+              </a:rPr>
+              <a:t> object is created, it will default to </a:t>
+            </a:r>
+            <a:r>
+              <a:rPr lang="en-US" dirty="0"/>
+              <a:t>Delete</a:t>
+            </a:r>
+            <a:r>
+              <a:rPr lang="en-US" sz="2000" b="0" i="0" dirty="0">
+                <a:solidFill>
+                  <a:srgbClr val="212553"/>
+                </a:solidFill>
+                <a:effectLst/>
+                <a:latin typeface="Gibson" panose="02000000000000000000" pitchFamily="2" charset="77"/>
+                <a:ea typeface="Helvetica Neue"/>
+                <a:cs typeface="Helvetica Neue"/>
+                <a:sym typeface="Helvetica Neue"/>
+              </a:rPr>
+              <a:t>.</a:t>
+            </a:r>
+            <a:endParaRPr lang="en-US" dirty="0"/>
+          </a:p>
+        </p:txBody>
+      </p:sp>
+    </p:spTree>
+    <p:extLst>
+      <p:ext uri="{BB962C8B-B14F-4D97-AF65-F5344CB8AC3E}">
+        <p14:creationId xmlns:p14="http://schemas.microsoft.com/office/powerpoint/2010/main" val="1579774968"/>
+      </p:ext>
+    </p:extLst>
+  </p:cSld>
+  <p:clrMapOvr>
+    <a:masterClrMapping/>
+  </p:clrMapOvr>
+</p:notes>
+</file>
+
 <file path=ppt/slideLayouts/slideLayout1.xml><?xml version="1.0" encoding="utf-8"?>
 <p:sldLayout xmlns:a="http://schemas.openxmlformats.org/drawingml/2006/main" xmlns:r="http://schemas.openxmlformats.org/officeDocument/2006/relationships" xmlns:p="http://schemas.openxmlformats.org/presentationml/2006/main" userDrawn="1">
   <p:cSld name="cover 02">
@@ -1926,7 +2155,7 @@
           </a:ln>
           <a:extLst>
             <a:ext uri="{C572A759-6A51-4108-AA02-DFA0A04FC94B}">
-              <ma14:wrappingTextBoxFlag xmlns="" xmlns:ma14="http://schemas.microsoft.com/office/mac/drawingml/2011/main" val="1"/>
+              <ma14:wrappingTextBoxFlag xmlns:ma14="http://schemas.microsoft.com/office/mac/drawingml/2011/main" xmlns="" val="1"/>
             </a:ext>
           </a:extLst>
         </p:spPr>
@@ -2334,7 +2563,7 @@
           </a:ln>
           <a:extLst>
             <a:ext uri="{C572A759-6A51-4108-AA02-DFA0A04FC94B}">
-              <ma14:wrappingTextBoxFlag xmlns="" xmlns:ma14="http://schemas.microsoft.com/office/mac/drawingml/2011/main" val="1"/>
+              <ma14:wrappingTextBoxFlag xmlns:ma14="http://schemas.microsoft.com/office/mac/drawingml/2011/main" xmlns="" val="1"/>
             </a:ext>
           </a:extLst>
         </p:spPr>
@@ -2480,7 +2709,7 @@
           </a:ln>
           <a:extLst>
             <a:ext uri="{C572A759-6A51-4108-AA02-DFA0A04FC94B}">
-              <ma14:wrappingTextBoxFlag xmlns="" xmlns:ma14="http://schemas.microsoft.com/office/mac/drawingml/2011/main" val="1"/>
+              <ma14:wrappingTextBoxFlag xmlns:ma14="http://schemas.microsoft.com/office/mac/drawingml/2011/main" xmlns="" val="1"/>
             </a:ext>
           </a:extLst>
         </p:spPr>
@@ -4041,7 +4270,7 @@
           </a:ln>
           <a:extLst>
             <a:ext uri="{C572A759-6A51-4108-AA02-DFA0A04FC94B}">
-              <ma14:wrappingTextBoxFlag xmlns="" xmlns:ma14="http://schemas.microsoft.com/office/mac/drawingml/2011/main" val="1"/>
+              <ma14:wrappingTextBoxFlag xmlns:ma14="http://schemas.microsoft.com/office/mac/drawingml/2011/main" xmlns="" val="1"/>
             </a:ext>
           </a:extLst>
         </p:spPr>
@@ -4252,7 +4481,7 @@
           </a:ln>
           <a:extLst>
             <a:ext uri="{C572A759-6A51-4108-AA02-DFA0A04FC94B}">
-              <ma14:wrappingTextBoxFlag xmlns="" xmlns:ma14="http://schemas.microsoft.com/office/mac/drawingml/2011/main" val="1"/>
+              <ma14:wrappingTextBoxFlag xmlns:ma14="http://schemas.microsoft.com/office/mac/drawingml/2011/main" xmlns="" val="1"/>
             </a:ext>
           </a:extLst>
         </p:spPr>
@@ -4486,7 +4715,7 @@
           </a:ln>
           <a:extLst>
             <a:ext uri="{C572A759-6A51-4108-AA02-DFA0A04FC94B}">
-              <ma14:wrappingTextBoxFlag xmlns="" xmlns:ma14="http://schemas.microsoft.com/office/mac/drawingml/2011/main" val="1"/>
+              <ma14:wrappingTextBoxFlag xmlns:ma14="http://schemas.microsoft.com/office/mac/drawingml/2011/main" xmlns="" val="1"/>
             </a:ext>
           </a:extLst>
         </p:spPr>
@@ -4868,7 +5097,7 @@
           </a:ln>
           <a:extLst>
             <a:ext uri="{C572A759-6A51-4108-AA02-DFA0A04FC94B}">
-              <ma14:wrappingTextBoxFlag xmlns="" xmlns:ma14="http://schemas.microsoft.com/office/mac/drawingml/2011/main" val="1"/>
+              <ma14:wrappingTextBoxFlag xmlns:ma14="http://schemas.microsoft.com/office/mac/drawingml/2011/main" xmlns="" val="1"/>
             </a:ext>
           </a:extLst>
         </p:spPr>
@@ -6441,7 +6670,7 @@
           </a:ln>
           <a:extLst>
             <a:ext uri="{C572A759-6A51-4108-AA02-DFA0A04FC94B}">
-              <ma14:wrappingTextBoxFlag xmlns="" xmlns:ma14="http://schemas.microsoft.com/office/mac/drawingml/2011/main" val="1"/>
+              <ma14:wrappingTextBoxFlag xmlns:ma14="http://schemas.microsoft.com/office/mac/drawingml/2011/main" xmlns="" val="1"/>
             </a:ext>
           </a:extLst>
         </p:spPr>
@@ -6488,7 +6717,7 @@
           </a:ln>
           <a:extLst>
             <a:ext uri="{C572A759-6A51-4108-AA02-DFA0A04FC94B}">
-              <ma14:wrappingTextBoxFlag xmlns="" xmlns:ma14="http://schemas.microsoft.com/office/mac/drawingml/2011/main" val="1"/>
+              <ma14:wrappingTextBoxFlag xmlns:ma14="http://schemas.microsoft.com/office/mac/drawingml/2011/main" xmlns="" val="1"/>
             </a:ext>
           </a:extLst>
         </p:spPr>
@@ -6663,7 +6892,7 @@
           </a:ln>
           <a:extLst>
             <a:ext uri="{C572A759-6A51-4108-AA02-DFA0A04FC94B}">
-              <ma14:wrappingTextBoxFlag xmlns="" xmlns:ma14="http://schemas.microsoft.com/office/mac/drawingml/2011/main" val="1"/>
+              <ma14:wrappingTextBoxFlag xmlns:ma14="http://schemas.microsoft.com/office/mac/drawingml/2011/main" xmlns="" val="1"/>
             </a:ext>
           </a:extLst>
         </p:spPr>
@@ -6702,7 +6931,7 @@
           </a:ln>
           <a:extLst>
             <a:ext uri="{C572A759-6A51-4108-AA02-DFA0A04FC94B}">
-              <ma14:wrappingTextBoxFlag xmlns="" xmlns:ma14="http://schemas.microsoft.com/office/mac/drawingml/2011/main" val="1"/>
+              <ma14:wrappingTextBoxFlag xmlns:ma14="http://schemas.microsoft.com/office/mac/drawingml/2011/main" xmlns="" val="1"/>
             </a:ext>
           </a:extLst>
         </p:spPr>
@@ -7659,6 +7888,173 @@
           <p:cNvPr id="2" name="Title 1">
             <a:extLst>
               <a:ext uri="{FF2B5EF4-FFF2-40B4-BE49-F238E27FC236}">
+                <a16:creationId xmlns:a16="http://schemas.microsoft.com/office/drawing/2014/main" id="{DE57D191-5DF2-48DC-93FD-B4B7FEFDE570}"/>
+              </a:ext>
+            </a:extLst>
+          </p:cNvPr>
+          <p:cNvSpPr>
+            <a:spLocks noGrp="1"/>
+          </p:cNvSpPr>
+          <p:nvPr>
+            <p:ph type="title"/>
+          </p:nvPr>
+        </p:nvSpPr>
+        <p:spPr/>
+        <p:txBody>
+          <a:bodyPr/>
+          <a:lstStyle/>
+          <a:p>
+            <a:r>
+              <a:rPr lang="en-US" dirty="0"/>
+              <a:t>Interacting with the cluster</a:t>
+            </a:r>
+          </a:p>
+        </p:txBody>
+      </p:sp>
+      <p:sp>
+        <p:nvSpPr>
+          <p:cNvPr id="3" name="Text Placeholder 2">
+            <a:extLst>
+              <a:ext uri="{FF2B5EF4-FFF2-40B4-BE49-F238E27FC236}">
+                <a16:creationId xmlns:a16="http://schemas.microsoft.com/office/drawing/2014/main" id="{B54A0047-9431-47DF-8590-1209339F7B6B}"/>
+              </a:ext>
+            </a:extLst>
+          </p:cNvPr>
+          <p:cNvSpPr>
+            <a:spLocks noGrp="1"/>
+          </p:cNvSpPr>
+          <p:nvPr>
+            <p:ph type="body" sz="quarter" idx="13"/>
+          </p:nvPr>
+        </p:nvSpPr>
+        <p:spPr/>
+        <p:txBody>
+          <a:bodyPr/>
+          <a:lstStyle/>
+          <a:p>
+            <a:endParaRPr lang="en-US" dirty="0"/>
+          </a:p>
+        </p:txBody>
+      </p:sp>
+      <p:sp>
+        <p:nvSpPr>
+          <p:cNvPr id="4" name="Text Placeholder 3">
+            <a:extLst>
+              <a:ext uri="{FF2B5EF4-FFF2-40B4-BE49-F238E27FC236}">
+                <a16:creationId xmlns:a16="http://schemas.microsoft.com/office/drawing/2014/main" id="{3B363C71-73AB-4296-893D-63EF4C006CE7}"/>
+              </a:ext>
+            </a:extLst>
+          </p:cNvPr>
+          <p:cNvSpPr>
+            <a:spLocks noGrp="1"/>
+          </p:cNvSpPr>
+          <p:nvPr>
+            <p:ph type="body" idx="1"/>
+          </p:nvPr>
+        </p:nvSpPr>
+        <p:spPr/>
+        <p:txBody>
+          <a:bodyPr/>
+          <a:lstStyle/>
+          <a:p>
+            <a:r>
+              <a:rPr lang="en-US" dirty="0"/>
+              <a:t>The API server is the only entry point to the cluster</a:t>
+            </a:r>
+          </a:p>
+          <a:p>
+            <a:pPr lvl="1"/>
+            <a:r>
+              <a:rPr lang="en-US" dirty="0"/>
+              <a:t>Likely you will never interact with the API server directly</a:t>
+            </a:r>
+          </a:p>
+          <a:p>
+            <a:r>
+              <a:rPr lang="en-US" dirty="0" err="1"/>
+              <a:t>Kubectl</a:t>
+            </a:r>
+            <a:r>
+              <a:rPr lang="en-US" dirty="0"/>
+              <a:t> is the mainstream tool (command line)</a:t>
+            </a:r>
+          </a:p>
+          <a:p>
+            <a:pPr lvl="1"/>
+            <a:r>
+              <a:rPr lang="en-US" dirty="0"/>
+              <a:t>Inspect the cluster</a:t>
+            </a:r>
+          </a:p>
+          <a:p>
+            <a:pPr lvl="1"/>
+            <a:r>
+              <a:rPr lang="en-US" dirty="0"/>
+              <a:t>Modify </a:t>
+            </a:r>
+          </a:p>
+          <a:p>
+            <a:pPr lvl="1"/>
+            <a:r>
+              <a:rPr lang="en-US" dirty="0"/>
+              <a:t>Deploy (mainly via yaml files, more on it later)</a:t>
+            </a:r>
+          </a:p>
+          <a:p>
+            <a:r>
+              <a:rPr lang="en-US" dirty="0"/>
+              <a:t>The K8s dashboard</a:t>
+            </a:r>
+          </a:p>
+          <a:p>
+            <a:pPr lvl="1"/>
+            <a:r>
+              <a:rPr lang="en-US" dirty="0"/>
+              <a:t>Can accomplish many kubectl tasks using a web UI </a:t>
+            </a:r>
+          </a:p>
+          <a:p>
+            <a:pPr lvl="1"/>
+            <a:endParaRPr lang="en-US" dirty="0"/>
+          </a:p>
+        </p:txBody>
+      </p:sp>
+    </p:spTree>
+    <p:extLst>
+      <p:ext uri="{BB962C8B-B14F-4D97-AF65-F5344CB8AC3E}">
+        <p14:creationId xmlns:p14="http://schemas.microsoft.com/office/powerpoint/2010/main" val="3010709768"/>
+      </p:ext>
+    </p:extLst>
+  </p:cSld>
+  <p:clrMapOvr>
+    <a:masterClrMapping/>
+  </p:clrMapOvr>
+  <p:transition spd="med"/>
+</p:sld>
+</file>
+
+<file path=ppt/slides/slide11.xml><?xml version="1.0" encoding="utf-8"?>
+<p:sld xmlns:a="http://schemas.openxmlformats.org/drawingml/2006/main" xmlns:r="http://schemas.openxmlformats.org/officeDocument/2006/relationships" xmlns:p="http://schemas.openxmlformats.org/presentationml/2006/main">
+  <p:cSld>
+    <p:spTree>
+      <p:nvGrpSpPr>
+        <p:cNvPr id="1" name=""/>
+        <p:cNvGrpSpPr/>
+        <p:nvPr/>
+      </p:nvGrpSpPr>
+      <p:grpSpPr>
+        <a:xfrm>
+          <a:off x="0" y="0"/>
+          <a:ext cx="0" cy="0"/>
+          <a:chOff x="0" y="0"/>
+          <a:chExt cx="0" cy="0"/>
+        </a:xfrm>
+      </p:grpSpPr>
+      <p:sp>
+        <p:nvSpPr>
+          <p:cNvPr id="2" name="Title 1">
+            <a:extLst>
+              <a:ext uri="{FF2B5EF4-FFF2-40B4-BE49-F238E27FC236}">
                 <a16:creationId xmlns:a16="http://schemas.microsoft.com/office/drawing/2014/main" id="{8373B57A-6A23-49D0-A996-9F3263C6B4F2}"/>
               </a:ext>
             </a:extLst>
@@ -7727,10 +8123,15 @@
             <p:ph type="body" idx="1"/>
           </p:nvPr>
         </p:nvSpPr>
-        <p:spPr/>
+        <p:spPr>
+          <a:xfrm>
+            <a:off x="1805572" y="4276166"/>
+            <a:ext cx="21005801" cy="8955740"/>
+          </a:xfrm>
+        </p:spPr>
         <p:txBody>
           <a:bodyPr>
-            <a:normAutofit lnSpcReduction="10000"/>
+            <a:normAutofit/>
           </a:bodyPr>
           <a:lstStyle/>
           <a:p>
@@ -7795,12 +8196,23 @@
           <a:p>
             <a:pPr lvl="1"/>
             <a:r>
+              <a:rPr lang="en-US" dirty="0"/>
+              <a:t>Kubectl config use-context &lt;context name&gt;</a:t>
+            </a:r>
+          </a:p>
+          <a:p>
+            <a:pPr lvl="1"/>
+            <a:r>
+              <a:rPr lang="en-US" dirty="0"/>
+              <a:t>Use –context &lt;</a:t>
+            </a:r>
+            <a:r>
               <a:rPr lang="en-US" dirty="0" err="1"/>
-              <a:t>Kubectl</a:t>
-            </a:r>
-            <a:r>
-              <a:rPr lang="en-US" dirty="0"/>
-              <a:t> config use-context &lt;context name&gt;</a:t>
+              <a:t>clustrname</a:t>
+            </a:r>
+            <a:r>
+              <a:rPr lang="en-US" dirty="0"/>
+              <a:t>&gt; on commands to avoid switching active context </a:t>
             </a:r>
           </a:p>
           <a:p>
@@ -7874,7 +8286,7 @@
 </p:sld>
 </file>
 
-<file path=ppt/slides/slide11.xml><?xml version="1.0" encoding="utf-8"?>
+<file path=ppt/slides/slide12.xml><?xml version="1.0" encoding="utf-8"?>
 <p:sld xmlns:a="http://schemas.openxmlformats.org/drawingml/2006/main" xmlns:r="http://schemas.openxmlformats.org/officeDocument/2006/relationships" xmlns:p="http://schemas.openxmlformats.org/presentationml/2006/main">
   <p:cSld>
     <p:spTree>
@@ -8243,196 +8655,6 @@
 </p:sld>
 </file>
 
-<file path=ppt/slides/slide12.xml><?xml version="1.0" encoding="utf-8"?>
-<p:sld xmlns:a="http://schemas.openxmlformats.org/drawingml/2006/main" xmlns:r="http://schemas.openxmlformats.org/officeDocument/2006/relationships" xmlns:p="http://schemas.openxmlformats.org/presentationml/2006/main">
-  <p:cSld>
-    <p:spTree>
-      <p:nvGrpSpPr>
-        <p:cNvPr id="1" name=""/>
-        <p:cNvGrpSpPr/>
-        <p:nvPr/>
-      </p:nvGrpSpPr>
-      <p:grpSpPr>
-        <a:xfrm>
-          <a:off x="0" y="0"/>
-          <a:ext cx="0" cy="0"/>
-          <a:chOff x="0" y="0"/>
-          <a:chExt cx="0" cy="0"/>
-        </a:xfrm>
-      </p:grpSpPr>
-      <p:sp>
-        <p:nvSpPr>
-          <p:cNvPr id="2" name="Title 1">
-            <a:extLst>
-              <a:ext uri="{FF2B5EF4-FFF2-40B4-BE49-F238E27FC236}">
-                <a16:creationId xmlns:a16="http://schemas.microsoft.com/office/drawing/2014/main" id="{9523A741-9282-4641-8A8A-E89D6A8D7A67}"/>
-              </a:ext>
-            </a:extLst>
-          </p:cNvPr>
-          <p:cNvSpPr>
-            <a:spLocks noGrp="1"/>
-          </p:cNvSpPr>
-          <p:nvPr>
-            <p:ph type="title"/>
-          </p:nvPr>
-        </p:nvSpPr>
-        <p:spPr/>
-        <p:txBody>
-          <a:bodyPr/>
-          <a:lstStyle/>
-          <a:p>
-            <a:r>
-              <a:rPr lang="it-IT" dirty="0" err="1"/>
-              <a:t>Deploy</a:t>
-            </a:r>
-            <a:r>
-              <a:rPr lang="it-IT" dirty="0"/>
-              <a:t> to cluster – </a:t>
-            </a:r>
-            <a:r>
-              <a:rPr lang="it-IT" dirty="0" err="1"/>
-              <a:t>walkthrough</a:t>
-            </a:r>
-            <a:endParaRPr lang="en-US" dirty="0"/>
-          </a:p>
-        </p:txBody>
-      </p:sp>
-      <p:sp>
-        <p:nvSpPr>
-          <p:cNvPr id="3" name="Text Placeholder 2">
-            <a:extLst>
-              <a:ext uri="{FF2B5EF4-FFF2-40B4-BE49-F238E27FC236}">
-                <a16:creationId xmlns:a16="http://schemas.microsoft.com/office/drawing/2014/main" id="{BB4D3080-FD6D-4DFC-AFBF-5419BEDE805B}"/>
-              </a:ext>
-            </a:extLst>
-          </p:cNvPr>
-          <p:cNvSpPr>
-            <a:spLocks noGrp="1"/>
-          </p:cNvSpPr>
-          <p:nvPr>
-            <p:ph type="body" sz="quarter" idx="13"/>
-          </p:nvPr>
-        </p:nvSpPr>
-        <p:spPr/>
-        <p:txBody>
-          <a:bodyPr/>
-          <a:lstStyle/>
-          <a:p>
-            <a:r>
-              <a:rPr lang="it-IT" dirty="0"/>
-              <a:t>YAML</a:t>
-            </a:r>
-            <a:endParaRPr lang="en-US" dirty="0"/>
-          </a:p>
-        </p:txBody>
-      </p:sp>
-      <p:sp>
-        <p:nvSpPr>
-          <p:cNvPr id="4" name="Text Placeholder 3">
-            <a:extLst>
-              <a:ext uri="{FF2B5EF4-FFF2-40B4-BE49-F238E27FC236}">
-                <a16:creationId xmlns:a16="http://schemas.microsoft.com/office/drawing/2014/main" id="{3C0E5083-B208-4C42-B0E3-4341A595854E}"/>
-              </a:ext>
-            </a:extLst>
-          </p:cNvPr>
-          <p:cNvSpPr>
-            <a:spLocks noGrp="1"/>
-          </p:cNvSpPr>
-          <p:nvPr>
-            <p:ph type="body" idx="1"/>
-          </p:nvPr>
-        </p:nvSpPr>
-        <p:spPr>
-          <a:xfrm>
-            <a:off x="1805572" y="3637722"/>
-            <a:ext cx="21005801" cy="9039807"/>
-          </a:xfrm>
-        </p:spPr>
-        <p:txBody>
-          <a:bodyPr>
-            <a:normAutofit/>
-          </a:bodyPr>
-          <a:lstStyle/>
-          <a:p>
-            <a:r>
-              <a:rPr lang="en-US" dirty="0"/>
-              <a:t>Some basic commands can be sent straight through command line (e.g. create namespace)</a:t>
-            </a:r>
-          </a:p>
-          <a:p>
-            <a:r>
-              <a:rPr lang="en-US" dirty="0"/>
-              <a:t>Recommended way is to use a declarative approach </a:t>
-            </a:r>
-          </a:p>
-          <a:p>
-            <a:pPr lvl="1"/>
-            <a:r>
-              <a:rPr lang="en-US" dirty="0"/>
-              <a:t>you tell the cluster what you want, not how accomplish what you want</a:t>
-            </a:r>
-          </a:p>
-          <a:p>
-            <a:pPr lvl="1"/>
-            <a:r>
-              <a:rPr lang="en-US" dirty="0"/>
-              <a:t>desired state expressed through yaml files </a:t>
-            </a:r>
-          </a:p>
-          <a:p>
-            <a:pPr lvl="1"/>
-            <a:r>
-              <a:rPr lang="en-US" dirty="0"/>
-              <a:t>Infrastructure as code (as azure arm templates)</a:t>
-            </a:r>
-          </a:p>
-          <a:p>
-            <a:r>
-              <a:rPr lang="en-US" dirty="0"/>
-              <a:t>Pass yaml file / files to kubectl apply –f &lt;filename&gt; and you are done</a:t>
-            </a:r>
-          </a:p>
-          <a:p>
-            <a:pPr lvl="1"/>
-            <a:r>
-              <a:rPr lang="en-US" dirty="0"/>
-              <a:t>Want to edit on the fly ? </a:t>
-            </a:r>
-            <a:br>
-              <a:rPr lang="en-US" dirty="0"/>
-            </a:br>
-            <a:r>
-              <a:rPr lang="en-US" dirty="0"/>
-              <a:t>kubectl edit deployment/&lt;deployment name&gt; -n &lt;namespace&gt; (download definition, open editor, push on save)</a:t>
-            </a:r>
-            <a:br>
-              <a:rPr lang="en-US" dirty="0"/>
-            </a:br>
-            <a:r>
-              <a:rPr lang="en-US" dirty="0"/>
-              <a:t>or do the same using the dashboard</a:t>
-            </a:r>
-          </a:p>
-          <a:p>
-            <a:pPr lvl="1"/>
-            <a:endParaRPr lang="en-US" dirty="0"/>
-          </a:p>
-        </p:txBody>
-      </p:sp>
-    </p:spTree>
-    <p:extLst>
-      <p:ext uri="{BB962C8B-B14F-4D97-AF65-F5344CB8AC3E}">
-        <p14:creationId xmlns:p14="http://schemas.microsoft.com/office/powerpoint/2010/main" val="208220828"/>
-      </p:ext>
-    </p:extLst>
-  </p:cSld>
-  <p:clrMapOvr>
-    <a:masterClrMapping/>
-  </p:clrMapOvr>
-  <p:transition spd="med"/>
-</p:sld>
-</file>
-
 <file path=ppt/slides/slide13.xml><?xml version="1.0" encoding="utf-8"?>
 <p:sld xmlns:a="http://schemas.openxmlformats.org/drawingml/2006/main" xmlns:r="http://schemas.openxmlformats.org/officeDocument/2006/relationships" xmlns:p="http://schemas.openxmlformats.org/presentationml/2006/main">
   <p:cSld>
@@ -8455,7 +8677,7 @@
           <p:cNvPr id="2" name="Title 1">
             <a:extLst>
               <a:ext uri="{FF2B5EF4-FFF2-40B4-BE49-F238E27FC236}">
-                <a16:creationId xmlns:a16="http://schemas.microsoft.com/office/drawing/2014/main" id="{D079A862-12F3-45DE-913B-EAB3EEEAFAE7}"/>
+                <a16:creationId xmlns:a16="http://schemas.microsoft.com/office/drawing/2014/main" id="{9523A741-9282-4641-8A8A-E89D6A8D7A67}"/>
               </a:ext>
             </a:extLst>
           </p:cNvPr>
@@ -8477,7 +8699,19 @@
             </a:r>
             <a:r>
               <a:rPr lang="it-IT" dirty="0"/>
-              <a:t> to cluster</a:t>
+              <a:t> to cluster (</a:t>
+            </a:r>
+            <a:r>
+              <a:rPr lang="it-IT" dirty="0" err="1"/>
+              <a:t>kind</a:t>
+            </a:r>
+            <a:r>
+              <a:rPr lang="it-IT" dirty="0"/>
+              <a:t>) – </a:t>
+            </a:r>
+            <a:r>
+              <a:rPr lang="it-IT" dirty="0" err="1"/>
+              <a:t>walkthrough</a:t>
             </a:r>
             <a:endParaRPr lang="en-US" dirty="0"/>
           </a:p>
@@ -8488,7 +8722,7 @@
           <p:cNvPr id="3" name="Text Placeholder 2">
             <a:extLst>
               <a:ext uri="{FF2B5EF4-FFF2-40B4-BE49-F238E27FC236}">
-                <a16:creationId xmlns:a16="http://schemas.microsoft.com/office/drawing/2014/main" id="{318D02EE-C092-4263-A7B4-71A3C2DA81E3}"/>
+                <a16:creationId xmlns:a16="http://schemas.microsoft.com/office/drawing/2014/main" id="{BB4D3080-FD6D-4DFC-AFBF-5419BEDE805B}"/>
               </a:ext>
             </a:extLst>
           </p:cNvPr>
@@ -8506,15 +8740,7 @@
           <a:p>
             <a:r>
               <a:rPr lang="it-IT" dirty="0"/>
-              <a:t>Create </a:t>
-            </a:r>
-            <a:r>
-              <a:rPr lang="it-IT" dirty="0" err="1"/>
-              <a:t>Namespace</a:t>
-            </a:r>
-            <a:r>
-              <a:rPr lang="it-IT" dirty="0"/>
-              <a:t> and secret</a:t>
+              <a:t>YAML</a:t>
             </a:r>
             <a:endParaRPr lang="en-US" dirty="0"/>
           </a:p>
@@ -8522,126 +8748,101 @@
       </p:sp>
       <p:sp>
         <p:nvSpPr>
-          <p:cNvPr id="5" name="Rectangle 4">
+          <p:cNvPr id="4" name="Text Placeholder 3">
             <a:extLst>
               <a:ext uri="{FF2B5EF4-FFF2-40B4-BE49-F238E27FC236}">
-                <a16:creationId xmlns:a16="http://schemas.microsoft.com/office/drawing/2014/main" id="{75883539-F4FF-4F41-B467-A46E65E927DD}"/>
+                <a16:creationId xmlns:a16="http://schemas.microsoft.com/office/drawing/2014/main" id="{3C0E5083-B208-4C42-B0E3-4341A595854E}"/>
               </a:ext>
             </a:extLst>
           </p:cNvPr>
-          <p:cNvSpPr/>
-          <p:nvPr/>
+          <p:cNvSpPr>
+            <a:spLocks noGrp="1"/>
+          </p:cNvSpPr>
+          <p:nvPr>
+            <p:ph type="body" idx="1"/>
+          </p:nvPr>
         </p:nvSpPr>
         <p:spPr>
           <a:xfrm>
-            <a:off x="413051" y="5608928"/>
-            <a:ext cx="17095304" cy="1280672"/>
+            <a:off x="1805572" y="3637722"/>
+            <a:ext cx="21005801" cy="9039807"/>
           </a:xfrm>
-          <a:prstGeom prst="rect">
-            <a:avLst/>
-          </a:prstGeom>
         </p:spPr>
         <p:txBody>
-          <a:bodyPr wrap="square">
-            <a:spAutoFit/>
+          <a:bodyPr>
+            <a:normAutofit/>
           </a:bodyPr>
           <a:lstStyle/>
           <a:p>
             <a:r>
-              <a:rPr lang="en-US" sz="3600" dirty="0" err="1"/>
-              <a:t>kubectl</a:t>
-            </a:r>
-            <a:r>
-              <a:rPr lang="en-US" sz="3600" dirty="0"/>
-              <a:t> create secret docker-registry &lt;</a:t>
-            </a:r>
-            <a:r>
-              <a:rPr lang="en-US" sz="3600" dirty="0" err="1"/>
-              <a:t>secretname</a:t>
-            </a:r>
-            <a:r>
-              <a:rPr lang="en-US" sz="3600" dirty="0"/>
-              <a:t>&gt; --docker-server=mycontainerregistry.azurecr.io --docker-username=XXXX --docker-password=XXXX --docker-email=e.s@deltatre.it -n dev</a:t>
-            </a:r>
-          </a:p>
-        </p:txBody>
-      </p:sp>
-      <p:sp>
-        <p:nvSpPr>
-          <p:cNvPr id="6" name="Rectangle 5">
-            <a:extLst>
-              <a:ext uri="{FF2B5EF4-FFF2-40B4-BE49-F238E27FC236}">
-                <a16:creationId xmlns:a16="http://schemas.microsoft.com/office/drawing/2014/main" id="{9AA35EA6-901B-4663-BE75-C6B9CCD02188}"/>
-              </a:ext>
-            </a:extLst>
-          </p:cNvPr>
-          <p:cNvSpPr/>
-          <p:nvPr/>
-        </p:nvSpPr>
-        <p:spPr>
-          <a:xfrm>
-            <a:off x="413051" y="4480750"/>
-            <a:ext cx="6506909" cy="550920"/>
-          </a:xfrm>
-          <a:prstGeom prst="rect">
-            <a:avLst/>
-          </a:prstGeom>
-        </p:spPr>
-        <p:txBody>
-          <a:bodyPr wrap="none">
-            <a:spAutoFit/>
-          </a:bodyPr>
-          <a:lstStyle/>
-          <a:p>
-            <a:r>
-              <a:rPr lang="en-US" sz="4000" dirty="0" err="1"/>
-              <a:t>kubectl</a:t>
-            </a:r>
-            <a:r>
-              <a:rPr lang="en-US" sz="4000" dirty="0"/>
-              <a:t> create namespace dev</a:t>
-            </a:r>
-          </a:p>
-        </p:txBody>
-      </p:sp>
-      <p:sp>
-        <p:nvSpPr>
-          <p:cNvPr id="8" name="Rectangle 7">
-            <a:extLst>
-              <a:ext uri="{FF2B5EF4-FFF2-40B4-BE49-F238E27FC236}">
-                <a16:creationId xmlns:a16="http://schemas.microsoft.com/office/drawing/2014/main" id="{6902008F-6F7E-45B1-8837-A6FACB70F056}"/>
-              </a:ext>
-            </a:extLst>
-          </p:cNvPr>
-          <p:cNvSpPr/>
-          <p:nvPr/>
-        </p:nvSpPr>
-        <p:spPr>
-          <a:xfrm>
-            <a:off x="413050" y="7873306"/>
-            <a:ext cx="10626627" cy="550920"/>
-          </a:xfrm>
-          <a:prstGeom prst="rect">
-            <a:avLst/>
-          </a:prstGeom>
-        </p:spPr>
-        <p:txBody>
-          <a:bodyPr wrap="none">
-            <a:spAutoFit/>
-          </a:bodyPr>
-          <a:lstStyle/>
-          <a:p>
-            <a:r>
-              <a:rPr lang="en-US" sz="4000" dirty="0"/>
-              <a:t>(secrets cannot be read from another namespace)</a:t>
-            </a:r>
+              <a:rPr lang="en-US" dirty="0"/>
+              <a:t>Some basic commands can be sent straight through command line (e.g. create namespace)</a:t>
+            </a:r>
+          </a:p>
+          <a:p>
+            <a:r>
+              <a:rPr lang="en-US" dirty="0"/>
+              <a:t>Recommended way is to use a declarative approach </a:t>
+            </a:r>
+          </a:p>
+          <a:p>
+            <a:pPr lvl="1"/>
+            <a:r>
+              <a:rPr lang="en-US" dirty="0"/>
+              <a:t>you tell the cluster what you want, not how accomplish what you want</a:t>
+            </a:r>
+          </a:p>
+          <a:p>
+            <a:pPr lvl="1"/>
+            <a:r>
+              <a:rPr lang="en-US" dirty="0"/>
+              <a:t>desired state expressed through yaml files </a:t>
+            </a:r>
+          </a:p>
+          <a:p>
+            <a:pPr lvl="1"/>
+            <a:r>
+              <a:rPr lang="en-US" dirty="0"/>
+              <a:t>Infrastructure as code (as azure arm templates)</a:t>
+            </a:r>
+          </a:p>
+          <a:p>
+            <a:r>
+              <a:rPr lang="en-US" dirty="0"/>
+              <a:t>Pass yaml file / files to kubectl apply –f &lt;filename&gt; and you are done</a:t>
+            </a:r>
+          </a:p>
+          <a:p>
+            <a:pPr lvl="1"/>
+            <a:r>
+              <a:rPr lang="en-US" dirty="0"/>
+              <a:t>Want to edit on the fly ? </a:t>
+            </a:r>
+            <a:br>
+              <a:rPr lang="en-US" dirty="0"/>
+            </a:br>
+            <a:r>
+              <a:rPr lang="en-US" dirty="0"/>
+              <a:t>kubectl edit deployment/&lt;deployment name&gt; -n &lt;namespace&gt; (download definition, open editor, push on save)</a:t>
+            </a:r>
+            <a:br>
+              <a:rPr lang="en-US" dirty="0"/>
+            </a:br>
+            <a:r>
+              <a:rPr lang="en-US" dirty="0"/>
+              <a:t>or do the same using the dashboard</a:t>
+            </a:r>
+          </a:p>
+          <a:p>
+            <a:pPr lvl="1"/>
+            <a:endParaRPr lang="en-US" dirty="0"/>
           </a:p>
         </p:txBody>
       </p:sp>
     </p:spTree>
     <p:extLst>
       <p:ext uri="{BB962C8B-B14F-4D97-AF65-F5344CB8AC3E}">
-        <p14:creationId xmlns:p14="http://schemas.microsoft.com/office/powerpoint/2010/main" val="2909603245"/>
+        <p14:creationId xmlns:p14="http://schemas.microsoft.com/office/powerpoint/2010/main" val="208220828"/>
       </p:ext>
     </p:extLst>
   </p:cSld>
@@ -8674,7 +8875,7 @@
           <p:cNvPr id="2" name="Title 1">
             <a:extLst>
               <a:ext uri="{FF2B5EF4-FFF2-40B4-BE49-F238E27FC236}">
-                <a16:creationId xmlns:a16="http://schemas.microsoft.com/office/drawing/2014/main" id="{64BDBF55-7CC9-40E2-9A3E-924D0C771E71}"/>
+                <a16:creationId xmlns:a16="http://schemas.microsoft.com/office/drawing/2014/main" id="{D079A862-12F3-45DE-913B-EAB3EEEAFAE7}"/>
               </a:ext>
             </a:extLst>
           </p:cNvPr>
@@ -8707,7 +8908,7 @@
           <p:cNvPr id="3" name="Text Placeholder 2">
             <a:extLst>
               <a:ext uri="{FF2B5EF4-FFF2-40B4-BE49-F238E27FC236}">
-                <a16:creationId xmlns:a16="http://schemas.microsoft.com/office/drawing/2014/main" id="{CA9025A8-1FF2-482B-8A32-9EB29EC0A351}"/>
+                <a16:creationId xmlns:a16="http://schemas.microsoft.com/office/drawing/2014/main" id="{318D02EE-C092-4263-A7B4-71A3C2DA81E3}"/>
               </a:ext>
             </a:extLst>
           </p:cNvPr>
@@ -8723,131 +8924,60 @@
           <a:bodyPr/>
           <a:lstStyle/>
           <a:p>
-            <a:endParaRPr lang="en-US"/>
-          </a:p>
-        </p:txBody>
-      </p:sp>
-      <p:sp>
-        <p:nvSpPr>
-          <p:cNvPr id="4" name="Text Placeholder 3">
+            <a:r>
+              <a:rPr lang="it-IT" dirty="0"/>
+              <a:t>Create </a:t>
+            </a:r>
+            <a:r>
+              <a:rPr lang="it-IT" dirty="0" err="1"/>
+              <a:t>Namespace</a:t>
+            </a:r>
+            <a:endParaRPr lang="en-US" dirty="0"/>
+          </a:p>
+        </p:txBody>
+      </p:sp>
+      <p:sp>
+        <p:nvSpPr>
+          <p:cNvPr id="6" name="Rectangle 5">
             <a:extLst>
               <a:ext uri="{FF2B5EF4-FFF2-40B4-BE49-F238E27FC236}">
-                <a16:creationId xmlns:a16="http://schemas.microsoft.com/office/drawing/2014/main" id="{9018B713-3F85-4D9F-B237-2CD6F1EEF2C0}"/>
+                <a16:creationId xmlns:a16="http://schemas.microsoft.com/office/drawing/2014/main" id="{9AA35EA6-901B-4663-BE75-C6B9CCD02188}"/>
               </a:ext>
             </a:extLst>
           </p:cNvPr>
-          <p:cNvSpPr>
-            <a:spLocks noGrp="1"/>
-          </p:cNvSpPr>
-          <p:nvPr>
-            <p:ph type="body" idx="1"/>
-          </p:nvPr>
-        </p:nvSpPr>
-        <p:spPr/>
-        <p:txBody>
-          <a:bodyPr/>
+          <p:cNvSpPr/>
+          <p:nvPr/>
+        </p:nvSpPr>
+        <p:spPr>
+          <a:xfrm>
+            <a:off x="413051" y="4480750"/>
+            <a:ext cx="6506909" cy="550920"/>
+          </a:xfrm>
+          <a:prstGeom prst="rect">
+            <a:avLst/>
+          </a:prstGeom>
+        </p:spPr>
+        <p:txBody>
+          <a:bodyPr wrap="none">
+            <a:spAutoFit/>
+          </a:bodyPr>
           <a:lstStyle/>
           <a:p>
             <a:r>
-              <a:rPr lang="en-US" dirty="0"/>
-              <a:t>To deploy an app running on the cluster to the outside world, you need at minimum 3 k8s resources defined in a yaml file</a:t>
-            </a:r>
-          </a:p>
-          <a:p>
-            <a:pPr lvl="1"/>
-            <a:r>
-              <a:rPr lang="en-US" b="1" dirty="0"/>
-              <a:t>Deployment</a:t>
-            </a:r>
-            <a:r>
-              <a:rPr lang="en-US" dirty="0"/>
-              <a:t> (what image to deploy, how many replicas, etc..)</a:t>
-            </a:r>
-          </a:p>
-          <a:p>
-            <a:pPr lvl="1"/>
-            <a:r>
-              <a:rPr lang="en-US" b="1" dirty="0"/>
-              <a:t>Service</a:t>
-            </a:r>
-            <a:r>
-              <a:rPr lang="en-US" dirty="0"/>
-              <a:t> </a:t>
-            </a:r>
-          </a:p>
-          <a:p>
-            <a:pPr lvl="1"/>
-            <a:r>
-              <a:rPr lang="en-US" b="1" dirty="0"/>
-              <a:t>Ingress Rule </a:t>
-            </a:r>
-            <a:r>
-              <a:rPr lang="en-US" dirty="0"/>
-              <a:t>(requires an </a:t>
-            </a:r>
-            <a:r>
-              <a:rPr lang="en-US" b="1" i="1" dirty="0"/>
-              <a:t>ingress controller</a:t>
-            </a:r>
-            <a:r>
-              <a:rPr lang="en-US" dirty="0"/>
-              <a:t> available (installed up front) in the cluster </a:t>
-            </a:r>
-          </a:p>
-          <a:p>
-            <a:pPr lvl="2"/>
-            <a:r>
-              <a:rPr lang="en-US" dirty="0"/>
-              <a:t>Not strictly required, services can be of type </a:t>
-            </a:r>
-            <a:r>
-              <a:rPr lang="en-US" dirty="0" err="1"/>
-              <a:t>LoadBalancer</a:t>
-            </a:r>
-            <a:r>
-              <a:rPr lang="en-US" dirty="0"/>
-              <a:t>, but this implies a separate public IP for each web app, which is not an optimal solution, cloud providers put limits on public </a:t>
-            </a:r>
-            <a:r>
-              <a:rPr lang="en-US" dirty="0" err="1"/>
-              <a:t>ip</a:t>
-            </a:r>
-            <a:r>
-              <a:rPr lang="en-US" dirty="0"/>
-              <a:t> provisioning</a:t>
-            </a:r>
-          </a:p>
-          <a:p>
-            <a:pPr lvl="1"/>
-            <a:r>
-              <a:rPr lang="en-US" b="1" dirty="0" err="1"/>
-              <a:t>configMaps</a:t>
-            </a:r>
-            <a:r>
-              <a:rPr lang="en-US" b="1" dirty="0"/>
-              <a:t> </a:t>
-            </a:r>
-            <a:r>
-              <a:rPr lang="en-US" dirty="0"/>
-              <a:t>: define “per environment” settings for you app  (env variables or files injected into the container)</a:t>
-            </a:r>
-          </a:p>
-          <a:p>
-            <a:pPr lvl="2"/>
-            <a:r>
-              <a:rPr lang="en-US" dirty="0"/>
-              <a:t>For sure you don’t want to make an image for each environment</a:t>
-            </a:r>
-          </a:p>
-          <a:p>
-            <a:endParaRPr lang="en-US" dirty="0"/>
+              <a:rPr lang="en-US" sz="4000" dirty="0" err="1"/>
+              <a:t>kubectl</a:t>
+            </a:r>
+            <a:r>
+              <a:rPr lang="en-US" sz="4000" dirty="0"/>
+              <a:t> create namespace dev</a:t>
+            </a:r>
           </a:p>
         </p:txBody>
       </p:sp>
     </p:spTree>
     <p:extLst>
       <p:ext uri="{BB962C8B-B14F-4D97-AF65-F5344CB8AC3E}">
-        <p14:creationId xmlns:p14="http://schemas.microsoft.com/office/powerpoint/2010/main" val="1804269025"/>
+        <p14:creationId xmlns:p14="http://schemas.microsoft.com/office/powerpoint/2010/main" val="2909603245"/>
       </p:ext>
     </p:extLst>
   </p:cSld>
@@ -8880,7 +9010,7 @@
           <p:cNvPr id="2" name="Title 1">
             <a:extLst>
               <a:ext uri="{FF2B5EF4-FFF2-40B4-BE49-F238E27FC236}">
-                <a16:creationId xmlns:a16="http://schemas.microsoft.com/office/drawing/2014/main" id="{994B5F37-87A4-4E85-AA89-F22C2CFC72C2}"/>
+                <a16:creationId xmlns:a16="http://schemas.microsoft.com/office/drawing/2014/main" id="{64BDBF55-7CC9-40E2-9A3E-924D0C771E71}"/>
               </a:ext>
             </a:extLst>
           </p:cNvPr>
@@ -8897,9 +9027,14 @@
           <a:lstStyle/>
           <a:p>
             <a:r>
-              <a:rPr lang="en-US" dirty="0"/>
-              <a:t>Ingress controller</a:t>
-            </a:r>
+              <a:rPr lang="it-IT" dirty="0" err="1"/>
+              <a:t>Deploy</a:t>
+            </a:r>
+            <a:r>
+              <a:rPr lang="it-IT" dirty="0"/>
+              <a:t> to cluster</a:t>
+            </a:r>
+            <a:endParaRPr lang="en-US" dirty="0"/>
           </a:p>
         </p:txBody>
       </p:sp>
@@ -8908,7 +9043,7 @@
           <p:cNvPr id="3" name="Text Placeholder 2">
             <a:extLst>
               <a:ext uri="{FF2B5EF4-FFF2-40B4-BE49-F238E27FC236}">
-                <a16:creationId xmlns:a16="http://schemas.microsoft.com/office/drawing/2014/main" id="{73CEDA83-B6C6-4F91-B10E-ACAC8ABAE4CB}"/>
+                <a16:creationId xmlns:a16="http://schemas.microsoft.com/office/drawing/2014/main" id="{CA9025A8-1FF2-482B-8A32-9EB29EC0A351}"/>
               </a:ext>
             </a:extLst>
           </p:cNvPr>
@@ -8933,7 +9068,7 @@
           <p:cNvPr id="4" name="Text Placeholder 3">
             <a:extLst>
               <a:ext uri="{FF2B5EF4-FFF2-40B4-BE49-F238E27FC236}">
-                <a16:creationId xmlns:a16="http://schemas.microsoft.com/office/drawing/2014/main" id="{D11EEE12-B5F3-412A-AEC7-E3E22C9A15DA}"/>
+                <a16:creationId xmlns:a16="http://schemas.microsoft.com/office/drawing/2014/main" id="{9018B713-3F85-4D9F-B237-2CD6F1EEF2C0}"/>
               </a:ext>
             </a:extLst>
           </p:cNvPr>
@@ -8944,31 +9079,70 @@
             <p:ph type="body" idx="1"/>
           </p:nvPr>
         </p:nvSpPr>
-        <p:spPr>
-          <a:xfrm>
-            <a:off x="634999" y="3793896"/>
-            <a:ext cx="21005801" cy="7069396"/>
-          </a:xfrm>
-        </p:spPr>
+        <p:spPr/>
         <p:txBody>
           <a:bodyPr/>
           <a:lstStyle/>
           <a:p>
             <a:r>
               <a:rPr lang="en-US" dirty="0"/>
-              <a:t>As a reverse proxy </a:t>
-            </a:r>
-          </a:p>
-          <a:p>
-            <a:r>
-              <a:rPr lang="en-US" dirty="0"/>
-              <a:t>Routes request to services according to ingress rules</a:t>
-            </a:r>
-          </a:p>
-          <a:p>
-            <a:r>
-              <a:rPr lang="en-US" dirty="0"/>
-              <a:t>Requires a single public </a:t>
+              <a:t>To deploy an app running on the cluster to the outside world, you need at minimum 3 k8s resources defined in a yaml file</a:t>
+            </a:r>
+          </a:p>
+          <a:p>
+            <a:pPr lvl="1"/>
+            <a:r>
+              <a:rPr lang="en-US" b="1" dirty="0"/>
+              <a:t>Deployment</a:t>
+            </a:r>
+            <a:r>
+              <a:rPr lang="en-US" dirty="0"/>
+              <a:t> (what image to deploy, how many replicas, etc..)</a:t>
+            </a:r>
+          </a:p>
+          <a:p>
+            <a:pPr lvl="1"/>
+            <a:r>
+              <a:rPr lang="en-US" b="1" dirty="0"/>
+              <a:t>Service</a:t>
+            </a:r>
+            <a:r>
+              <a:rPr lang="en-US" dirty="0"/>
+              <a:t> </a:t>
+            </a:r>
+          </a:p>
+          <a:p>
+            <a:pPr lvl="1"/>
+            <a:r>
+              <a:rPr lang="en-US" b="1" dirty="0"/>
+              <a:t>Ingress Rule </a:t>
+            </a:r>
+            <a:r>
+              <a:rPr lang="en-US" dirty="0"/>
+              <a:t>(requires an </a:t>
+            </a:r>
+            <a:r>
+              <a:rPr lang="en-US" b="1" i="1" dirty="0"/>
+              <a:t>ingress controller</a:t>
+            </a:r>
+            <a:r>
+              <a:rPr lang="en-US" dirty="0"/>
+              <a:t> available (installed up front) in the cluster </a:t>
+            </a:r>
+          </a:p>
+          <a:p>
+            <a:pPr lvl="2"/>
+            <a:r>
+              <a:rPr lang="en-US" dirty="0"/>
+              <a:t>Not strictly required, services can be of type </a:t>
+            </a:r>
+            <a:r>
+              <a:rPr lang="en-US" dirty="0" err="1"/>
+              <a:t>LoadBalancer</a:t>
+            </a:r>
+            <a:r>
+              <a:rPr lang="en-US" dirty="0"/>
+              <a:t>, but this implies a separate public IP for each web app, which is not an optimal solution, cloud providers put limits on public </a:t>
             </a:r>
             <a:r>
               <a:rPr lang="en-US" dirty="0" err="1"/>
@@ -8976,57 +9150,51 @@
             </a:r>
             <a:r>
               <a:rPr lang="en-US" dirty="0"/>
-              <a:t> address </a:t>
-            </a:r>
-          </a:p>
-          <a:p>
-            <a:r>
-              <a:rPr lang="en-US" dirty="0"/>
-              <a:t>http and https only</a:t>
-            </a:r>
-          </a:p>
-        </p:txBody>
-      </p:sp>
-      <p:pic>
-        <p:nvPicPr>
-          <p:cNvPr id="6" name="Picture 5" descr="A close up of a logo&#10;&#10;Description automatically generated">
-            <a:extLst>
-              <a:ext uri="{FF2B5EF4-FFF2-40B4-BE49-F238E27FC236}">
-                <a16:creationId xmlns:a16="http://schemas.microsoft.com/office/drawing/2014/main" id="{FAF7C40B-7752-4CC1-A89B-C0A531119C06}"/>
-              </a:ext>
-            </a:extLst>
-          </p:cNvPr>
-          <p:cNvPicPr>
-            <a:picLocks noChangeAspect="1"/>
-          </p:cNvPicPr>
-          <p:nvPr/>
-        </p:nvPicPr>
-        <p:blipFill>
-          <a:blip r:embed="rId2">
-            <a:extLst>
-              <a:ext uri="{28A0092B-C50C-407E-A947-70E740481C1C}">
-                <a14:useLocalDpi xmlns:a14="http://schemas.microsoft.com/office/drawing/2010/main" val="0"/>
-              </a:ext>
-            </a:extLst>
-          </a:blip>
-          <a:stretch>
-            <a:fillRect/>
-          </a:stretch>
-        </p:blipFill>
-        <p:spPr>
-          <a:xfrm>
-            <a:off x="7961604" y="5208539"/>
-            <a:ext cx="15159653" cy="8171560"/>
-          </a:xfrm>
-          <a:prstGeom prst="rect">
-            <a:avLst/>
-          </a:prstGeom>
-        </p:spPr>
-      </p:pic>
+              <a:t> provisioning</a:t>
+            </a:r>
+          </a:p>
+          <a:p>
+            <a:pPr lvl="1"/>
+            <a:r>
+              <a:rPr lang="en-US" b="1" dirty="0" err="1"/>
+              <a:t>configMaps</a:t>
+            </a:r>
+            <a:r>
+              <a:rPr lang="en-US" b="1" dirty="0"/>
+              <a:t> </a:t>
+            </a:r>
+            <a:r>
+              <a:rPr lang="en-US" dirty="0"/>
+              <a:t>: define “per environment” settings for you app  (env variables or files injected into the container)</a:t>
+            </a:r>
+          </a:p>
+          <a:p>
+            <a:pPr lvl="2"/>
+            <a:r>
+              <a:rPr lang="en-US" dirty="0"/>
+              <a:t>For sure you don’t want to make an image for each environment</a:t>
+            </a:r>
+          </a:p>
+          <a:p>
+            <a:r>
+              <a:rPr lang="en-US" dirty="0"/>
+              <a:t>WATCH OUT: kubectl apply will do nothing if yaml file has not changed (“problematic” for deployment yaml: use of latest tag, changes in </a:t>
+            </a:r>
+            <a:r>
+              <a:rPr lang="en-US"/>
+              <a:t>config map)</a:t>
+            </a:r>
+            <a:endParaRPr lang="en-US" dirty="0"/>
+          </a:p>
+          <a:p>
+            <a:endParaRPr lang="en-US" dirty="0"/>
+          </a:p>
+        </p:txBody>
+      </p:sp>
     </p:spTree>
     <p:extLst>
       <p:ext uri="{BB962C8B-B14F-4D97-AF65-F5344CB8AC3E}">
-        <p14:creationId xmlns:p14="http://schemas.microsoft.com/office/powerpoint/2010/main" val="2611050659"/>
+        <p14:creationId xmlns:p14="http://schemas.microsoft.com/office/powerpoint/2010/main" val="1804269025"/>
       </p:ext>
     </p:extLst>
   </p:cSld>
@@ -10364,7 +10532,7 @@
           </a:prstGeom>
           <a:extLst>
             <a:ext uri="{C572A759-6A51-4108-AA02-DFA0A04FC94B}">
-              <ma14:wrappingTextBoxFlag xmlns="" xmlns:ma14="http://schemas.microsoft.com/office/mac/drawingml/2011/main" val="1"/>
+              <ma14:wrappingTextBoxFlag xmlns:ma14="http://schemas.microsoft.com/office/mac/drawingml/2011/main" xmlns="" val="1"/>
             </a:ext>
           </a:extLst>
         </p:spPr>
@@ -10610,7 +10778,7 @@
           </a:ln>
           <a:extLst>
             <a:ext uri="{C572A759-6A51-4108-AA02-DFA0A04FC94B}">
-              <ma14:wrappingTextBoxFlag xmlns="" xmlns:ma14="http://schemas.microsoft.com/office/mac/drawingml/2011/main" val="1"/>
+              <ma14:wrappingTextBoxFlag xmlns:ma14="http://schemas.microsoft.com/office/mac/drawingml/2011/main" xmlns="" val="1"/>
             </a:ext>
           </a:extLst>
         </p:spPr>
@@ -11961,17 +12129,6 @@
               <a:t>Think twice before going to PRD using K8s storage </a:t>
             </a:r>
           </a:p>
-          <a:p>
-            <a:pPr lvl="1"/>
-            <a:r>
-              <a:rPr lang="en-US"/>
-              <a:t>Still </a:t>
-            </a:r>
-            <a:r>
-              <a:rPr lang="en-US" dirty="0"/>
-              <a:t>suggested to choose an external database engine / storage</a:t>
-            </a:r>
-          </a:p>
         </p:txBody>
       </p:sp>
     </p:spTree>
@@ -12085,18 +12242,18 @@
         </p:nvSpPr>
         <p:spPr>
           <a:xfrm>
-            <a:off x="1805572" y="3793896"/>
-            <a:ext cx="21005801" cy="8883633"/>
+            <a:off x="1805572" y="3282870"/>
+            <a:ext cx="21005801" cy="10164190"/>
           </a:xfrm>
         </p:spPr>
         <p:txBody>
           <a:bodyPr>
-            <a:normAutofit lnSpcReduction="10000"/>
+            <a:normAutofit/>
           </a:bodyPr>
           <a:lstStyle/>
           <a:p>
             <a:r>
-              <a:rPr lang="en-US" dirty="0"/>
+              <a:rPr lang="en-US" b="1" dirty="0"/>
               <a:t>Storage class</a:t>
             </a:r>
           </a:p>
@@ -12146,8 +12303,20 @@
             </a:r>
           </a:p>
           <a:p>
-            <a:r>
-              <a:rPr lang="en-US" dirty="0"/>
+            <a:pPr lvl="2"/>
+            <a:r>
+              <a:rPr lang="en-US" dirty="0"/>
+              <a:t>Watch out for </a:t>
+            </a:r>
+            <a:r>
+              <a:rPr lang="en-US" dirty="0" err="1"/>
+              <a:t>ReclaimPolicy</a:t>
+            </a:r>
+            <a:endParaRPr lang="en-US" dirty="0"/>
+          </a:p>
+          <a:p>
+            <a:r>
+              <a:rPr lang="en-US" b="1" dirty="0"/>
               <a:t>Persistent Volume (PV)</a:t>
             </a:r>
           </a:p>
@@ -12160,7 +12329,7 @@
           </a:p>
           <a:p>
             <a:r>
-              <a:rPr lang="en-US" dirty="0"/>
+              <a:rPr lang="en-US" b="1" dirty="0"/>
               <a:t>Persistent Volume Claim</a:t>
             </a:r>
           </a:p>
@@ -12823,16 +12992,6 @@
           <a:p>
             <a:r>
               <a:rPr lang="en-US" dirty="0" err="1"/>
-              <a:t>Autoscalers</a:t>
-            </a:r>
-            <a:r>
-              <a:rPr lang="en-US" dirty="0"/>
-              <a:t> (horizontal, vertical) </a:t>
-            </a:r>
-          </a:p>
-          <a:p>
-            <a:r>
-              <a:rPr lang="en-US" dirty="0" err="1"/>
               <a:t>StatefullSets</a:t>
             </a:r>
             <a:r>
@@ -12958,7 +13117,7 @@
           </a:prstGeom>
           <a:extLst>
             <a:ext uri="{C572A759-6A51-4108-AA02-DFA0A04FC94B}">
-              <ma14:wrappingTextBoxFlag xmlns="" xmlns:ma14="http://schemas.microsoft.com/office/mac/drawingml/2011/main" val="1"/>
+              <ma14:wrappingTextBoxFlag xmlns:ma14="http://schemas.microsoft.com/office/mac/drawingml/2011/main" xmlns="" val="1"/>
             </a:ext>
           </a:extLst>
         </p:spPr>
@@ -13148,7 +13307,7 @@
           </a:ln>
           <a:extLst>
             <a:ext uri="{C572A759-6A51-4108-AA02-DFA0A04FC94B}">
-              <ma14:wrappingTextBoxFlag xmlns="" xmlns:ma14="http://schemas.microsoft.com/office/mac/drawingml/2011/main" val="1"/>
+              <ma14:wrappingTextBoxFlag xmlns:ma14="http://schemas.microsoft.com/office/mac/drawingml/2011/main" xmlns="" val="1"/>
             </a:ext>
           </a:extLst>
         </p:spPr>
@@ -13282,15 +13441,26 @@
           <a:p>
             <a:r>
               <a:rPr lang="en-US" dirty="0"/>
-              <a:t>K8s on cloud providers (managed) </a:t>
+              <a:t>Managed K8s on cloud providers (managed) </a:t>
             </a:r>
             <a:r>
               <a:rPr lang="en-US" dirty="0">
                 <a:latin typeface="Gibson"/>
                 <a:sym typeface="Gibson"/>
               </a:rPr>
-              <a:t>AKS (Azure) , EKS (Aws), GKE (Google)</a:t>
-            </a:r>
+              <a:t>AKS (Azure) , EKS (Aws), GKE (Google), Digital Ocean, </a:t>
+            </a:r>
+            <a:r>
+              <a:rPr lang="en-US" dirty="0" err="1">
+                <a:latin typeface="Gibson"/>
+                <a:sym typeface="Gibson"/>
+              </a:rPr>
+              <a:t>etc</a:t>
+            </a:r>
+            <a:endParaRPr lang="en-US" dirty="0">
+              <a:latin typeface="Gibson"/>
+              <a:sym typeface="Gibson"/>
+            </a:endParaRPr>
           </a:p>
           <a:p>
             <a:r>
@@ -13420,7 +13590,7 @@
           </a:prstGeom>
           <a:extLst>
             <a:ext uri="{C572A759-6A51-4108-AA02-DFA0A04FC94B}">
-              <ma14:wrappingTextBoxFlag xmlns="" xmlns:ma14="http://schemas.microsoft.com/office/mac/drawingml/2011/main" val="1"/>
+              <ma14:wrappingTextBoxFlag xmlns:ma14="http://schemas.microsoft.com/office/mac/drawingml/2011/main" xmlns="" val="1"/>
             </a:ext>
           </a:extLst>
         </p:spPr>
@@ -13664,7 +13834,7 @@
           </a:ln>
           <a:extLst>
             <a:ext uri="{C572A759-6A51-4108-AA02-DFA0A04FC94B}">
-              <ma14:wrappingTextBoxFlag xmlns="" xmlns:ma14="http://schemas.microsoft.com/office/mac/drawingml/2011/main" val="1"/>
+              <ma14:wrappingTextBoxFlag xmlns:ma14="http://schemas.microsoft.com/office/mac/drawingml/2011/main" xmlns="" val="1"/>
             </a:ext>
           </a:extLst>
         </p:spPr>
@@ -14030,7 +14200,7 @@
           </a:prstGeom>
           <a:extLst>
             <a:ext uri="{C572A759-6A51-4108-AA02-DFA0A04FC94B}">
-              <ma14:wrappingTextBoxFlag xmlns="" xmlns:ma14="http://schemas.microsoft.com/office/mac/drawingml/2011/main" val="1"/>
+              <ma14:wrappingTextBoxFlag xmlns:ma14="http://schemas.microsoft.com/office/mac/drawingml/2011/main" xmlns="" val="1"/>
             </a:ext>
           </a:extLst>
         </p:spPr>
@@ -14277,7 +14447,7 @@
           </a:ln>
           <a:extLst>
             <a:ext uri="{C572A759-6A51-4108-AA02-DFA0A04FC94B}">
-              <ma14:wrappingTextBoxFlag xmlns="" xmlns:ma14="http://schemas.microsoft.com/office/mac/drawingml/2011/main" val="1"/>
+              <ma14:wrappingTextBoxFlag xmlns:ma14="http://schemas.microsoft.com/office/mac/drawingml/2011/main" xmlns="" val="1"/>
             </a:ext>
           </a:extLst>
         </p:spPr>
@@ -14340,7 +14510,7 @@
           <p:cNvPr id="2" name="Title 1">
             <a:extLst>
               <a:ext uri="{FF2B5EF4-FFF2-40B4-BE49-F238E27FC236}">
-                <a16:creationId xmlns:a16="http://schemas.microsoft.com/office/drawing/2014/main" id="{DE57D191-5DF2-48DC-93FD-B4B7FEFDE570}"/>
+                <a16:creationId xmlns:a16="http://schemas.microsoft.com/office/drawing/2014/main" id="{994B5F37-87A4-4E85-AA89-F22C2CFC72C2}"/>
               </a:ext>
             </a:extLst>
           </p:cNvPr>
@@ -14358,7 +14528,7 @@
           <a:p>
             <a:r>
               <a:rPr lang="en-US" dirty="0"/>
-              <a:t>Interacting with the cluster</a:t>
+              <a:t>Ingress controller</a:t>
             </a:r>
           </a:p>
         </p:txBody>
@@ -14368,7 +14538,7 @@
           <p:cNvPr id="3" name="Text Placeholder 2">
             <a:extLst>
               <a:ext uri="{FF2B5EF4-FFF2-40B4-BE49-F238E27FC236}">
-                <a16:creationId xmlns:a16="http://schemas.microsoft.com/office/drawing/2014/main" id="{B54A0047-9431-47DF-8590-1209339F7B6B}"/>
+                <a16:creationId xmlns:a16="http://schemas.microsoft.com/office/drawing/2014/main" id="{73CEDA83-B6C6-4F91-B10E-ACAC8ABAE4CB}"/>
               </a:ext>
             </a:extLst>
           </p:cNvPr>
@@ -14384,7 +14554,7 @@
           <a:bodyPr/>
           <a:lstStyle/>
           <a:p>
-            <a:endParaRPr lang="en-US" dirty="0"/>
+            <a:endParaRPr lang="en-US"/>
           </a:p>
         </p:txBody>
       </p:sp>
@@ -14393,7 +14563,7 @@
           <p:cNvPr id="4" name="Text Placeholder 3">
             <a:extLst>
               <a:ext uri="{FF2B5EF4-FFF2-40B4-BE49-F238E27FC236}">
-                <a16:creationId xmlns:a16="http://schemas.microsoft.com/office/drawing/2014/main" id="{3B363C71-73AB-4296-893D-63EF4C006CE7}"/>
+                <a16:creationId xmlns:a16="http://schemas.microsoft.com/office/drawing/2014/main" id="{D11EEE12-B5F3-412A-AEC7-E3E22C9A15DA}"/>
               </a:ext>
             </a:extLst>
           </p:cNvPr>
@@ -14404,88 +14574,159 @@
             <p:ph type="body" idx="1"/>
           </p:nvPr>
         </p:nvSpPr>
-        <p:spPr/>
-        <p:txBody>
-          <a:bodyPr/>
+        <p:spPr>
+          <a:xfrm>
+            <a:off x="634999" y="3793896"/>
+            <a:ext cx="21005801" cy="7069396"/>
+          </a:xfrm>
+        </p:spPr>
+        <p:txBody>
+          <a:bodyPr>
+            <a:normAutofit/>
+          </a:bodyPr>
           <a:lstStyle/>
           <a:p>
             <a:r>
               <a:rPr lang="en-US" dirty="0"/>
-              <a:t>The API server is the only entry point to the cluster</a:t>
-            </a:r>
-          </a:p>
-          <a:p>
-            <a:pPr lvl="1"/>
-            <a:r>
-              <a:rPr lang="en-US" dirty="0"/>
-              <a:t>Likely you will never interact with the API server directly</a:t>
-            </a:r>
-          </a:p>
-          <a:p>
+              <a:t>Not a basic component of k8s but required in real world scenarios </a:t>
+            </a:r>
+          </a:p>
+          <a:p>
+            <a:r>
+              <a:rPr lang="en-US" dirty="0"/>
+              <a:t>Acts as a reverse proxy </a:t>
+            </a:r>
+          </a:p>
+          <a:p>
+            <a:r>
+              <a:rPr lang="en-US" dirty="0"/>
+              <a:t>Routes request to services according to </a:t>
+            </a:r>
+            <a:r>
+              <a:rPr lang="en-US" i="1" dirty="0"/>
+              <a:t>ingress rules</a:t>
+            </a:r>
+          </a:p>
+          <a:p>
+            <a:r>
+              <a:rPr lang="en-US" dirty="0"/>
+              <a:t>Requires a single public </a:t>
+            </a:r>
             <a:r>
               <a:rPr lang="en-US" dirty="0" err="1"/>
-              <a:t>Kubectl</a:t>
-            </a:r>
-            <a:r>
-              <a:rPr lang="en-US" dirty="0"/>
-              <a:t> is the mainstream tool (command line)</a:t>
-            </a:r>
-          </a:p>
-          <a:p>
-            <a:pPr lvl="1"/>
-            <a:r>
-              <a:rPr lang="en-US" dirty="0"/>
-              <a:t>Inspect the cluster</a:t>
-            </a:r>
-          </a:p>
-          <a:p>
-            <a:pPr lvl="1"/>
-            <a:r>
-              <a:rPr lang="en-US" dirty="0"/>
-              <a:t>Modify </a:t>
-            </a:r>
-          </a:p>
-          <a:p>
-            <a:pPr lvl="1"/>
-            <a:r>
-              <a:rPr lang="en-US" dirty="0"/>
-              <a:t>Deploy (mainly via yaml files, more on it later)</a:t>
-            </a:r>
-          </a:p>
-          <a:p>
-            <a:r>
-              <a:rPr lang="en-US" dirty="0"/>
-              <a:t>The K8s dashboard</a:t>
-            </a:r>
-          </a:p>
-          <a:p>
-            <a:pPr lvl="1"/>
-            <a:r>
-              <a:rPr lang="en-US" dirty="0"/>
-              <a:t>Can accomplish many kubectl tasks using a web UI </a:t>
-            </a:r>
-          </a:p>
-          <a:p>
-            <a:r>
-              <a:rPr lang="en-US" dirty="0"/>
-              <a:t>Other tools ì, such as </a:t>
+              <a:t>ip</a:t>
+            </a:r>
+            <a:r>
+              <a:rPr lang="en-US" dirty="0"/>
+              <a:t> address </a:t>
+            </a:r>
+          </a:p>
+          <a:p>
+            <a:r>
+              <a:rPr lang="en-US" dirty="0"/>
+              <a:t>http and https only</a:t>
+            </a:r>
+          </a:p>
+          <a:p>
+            <a:r>
+              <a:rPr lang="en-US" dirty="0"/>
+              <a:t>Many available: </a:t>
             </a:r>
             <a:r>
               <a:rPr lang="en-US" dirty="0" err="1"/>
-              <a:t>Kubernetic</a:t>
-            </a:r>
-            <a:endParaRPr lang="en-US" dirty="0"/>
-          </a:p>
-          <a:p>
-            <a:pPr lvl="1"/>
-            <a:endParaRPr lang="en-US" dirty="0"/>
-          </a:p>
-        </p:txBody>
-      </p:sp>
+              <a:t>Ngnix</a:t>
+            </a:r>
+            <a:r>
+              <a:rPr lang="en-US" dirty="0"/>
+              <a:t>, Kong, </a:t>
+            </a:r>
+            <a:r>
+              <a:rPr lang="en-US" dirty="0" err="1"/>
+              <a:t>Traefik</a:t>
+            </a:r>
+            <a:r>
+              <a:rPr lang="en-US" dirty="0"/>
+              <a:t>, </a:t>
+            </a:r>
+            <a:r>
+              <a:rPr lang="en-US" dirty="0" err="1"/>
+              <a:t>etc</a:t>
+            </a:r>
+            <a:r>
+              <a:rPr lang="en-US" dirty="0"/>
+              <a:t> ..</a:t>
+            </a:r>
+          </a:p>
+          <a:p>
+            <a:r>
+              <a:rPr lang="en-US" dirty="0"/>
+              <a:t>Integrates with </a:t>
+            </a:r>
+            <a:r>
+              <a:rPr lang="en-US" dirty="0" err="1"/>
+              <a:t>certmanager</a:t>
+            </a:r>
+            <a:r>
+              <a:rPr lang="en-US" dirty="0"/>
+              <a:t> component to </a:t>
+            </a:r>
+            <a:br>
+              <a:rPr lang="en-US" dirty="0"/>
+            </a:br>
+            <a:r>
+              <a:rPr lang="en-US" dirty="0"/>
+              <a:t>automatically provide and bind certificates </a:t>
+            </a:r>
+            <a:br>
+              <a:rPr lang="en-US" dirty="0"/>
+            </a:br>
+            <a:r>
+              <a:rPr lang="en-US" dirty="0"/>
+              <a:t>from “Let’s Encrypt” to ingress rules</a:t>
+            </a:r>
+          </a:p>
+        </p:txBody>
+      </p:sp>
+      <p:pic>
+        <p:nvPicPr>
+          <p:cNvPr id="6" name="Picture 5" descr="A close up of a logo&#10;&#10;Description automatically generated">
+            <a:extLst>
+              <a:ext uri="{FF2B5EF4-FFF2-40B4-BE49-F238E27FC236}">
+                <a16:creationId xmlns:a16="http://schemas.microsoft.com/office/drawing/2014/main" id="{FAF7C40B-7752-4CC1-A89B-C0A531119C06}"/>
+              </a:ext>
+            </a:extLst>
+          </p:cNvPr>
+          <p:cNvPicPr>
+            <a:picLocks noChangeAspect="1"/>
+          </p:cNvPicPr>
+          <p:nvPr/>
+        </p:nvPicPr>
+        <p:blipFill>
+          <a:blip r:embed="rId2">
+            <a:extLst>
+              <a:ext uri="{28A0092B-C50C-407E-A947-70E740481C1C}">
+                <a14:useLocalDpi xmlns:a14="http://schemas.microsoft.com/office/drawing/2010/main" val="0"/>
+              </a:ext>
+            </a:extLst>
+          </a:blip>
+          <a:stretch>
+            <a:fillRect/>
+          </a:stretch>
+        </p:blipFill>
+        <p:spPr>
+          <a:xfrm>
+            <a:off x="9224347" y="5544440"/>
+            <a:ext cx="15159653" cy="8171560"/>
+          </a:xfrm>
+          <a:prstGeom prst="rect">
+            <a:avLst/>
+          </a:prstGeom>
+        </p:spPr>
+      </p:pic>
     </p:spTree>
     <p:extLst>
       <p:ext uri="{BB962C8B-B14F-4D97-AF65-F5344CB8AC3E}">
-        <p14:creationId xmlns:p14="http://schemas.microsoft.com/office/powerpoint/2010/main" val="3010709768"/>
+        <p14:creationId xmlns:p14="http://schemas.microsoft.com/office/powerpoint/2010/main" val="2611050659"/>
       </p:ext>
     </p:extLst>
   </p:cSld>
@@ -16984,21 +17225,6 @@
 </file>
 
 <file path=customXml/item1.xml><?xml version="1.0" encoding="utf-8"?>
-<p:properties xmlns:p="http://schemas.microsoft.com/office/2006/metadata/properties" xmlns:xsi="http://www.w3.org/2001/XMLSchema-instance" xmlns:pc="http://schemas.microsoft.com/office/infopath/2007/PartnerControls">
-  <documentManagement/>
-</p:properties>
-</file>
-
-<file path=customXml/item2.xml><?xml version="1.0" encoding="utf-8"?>
-<?mso-contentType ?>
-<FormTemplates xmlns="http://schemas.microsoft.com/sharepoint/v3/contenttype/forms">
-  <Display>DocumentLibraryForm</Display>
-  <Edit>DocumentLibraryForm</Edit>
-  <New>DocumentLibraryForm</New>
-</FormTemplates>
-</file>
-
-<file path=customXml/item3.xml><?xml version="1.0" encoding="utf-8"?>
 <ct:contentTypeSchema xmlns:ct="http://schemas.microsoft.com/office/2006/metadata/contentType" xmlns:ma="http://schemas.microsoft.com/office/2006/metadata/properties/metaAttributes" ct:_="" ma:_="" ma:contentTypeName="Documento" ma:contentTypeID="0x010100E6A5A58969A45D48A3FDE48C16D47668" ma:contentTypeVersion="7" ma:contentTypeDescription="Creare un nuovo documento." ma:contentTypeScope="" ma:versionID="6a156910bfe1709bd52a834455f674b1">
   <xsd:schema xmlns:xsd="http://www.w3.org/2001/XMLSchema" xmlns:xs="http://www.w3.org/2001/XMLSchema" xmlns:p="http://schemas.microsoft.com/office/2006/metadata/properties" xmlns:ns2="c3ffa819-a771-4877-ad4d-25f776e91fc1" xmlns:ns3="9fad99a4-1f10-4083-bdc6-95bb547585ec" targetNamespace="http://schemas.microsoft.com/office/2006/metadata/properties" ma:root="true" ma:fieldsID="dccc4f762faa72a8390d0658fd5f380b" ns2:_="" ns3:_="">
     <xsd:import namespace="c3ffa819-a771-4877-ad4d-25f776e91fc1"/>
@@ -17183,32 +17409,22 @@
 </ct:contentTypeSchema>
 </file>
 
-<file path=customXml/itemProps1.xml><?xml version="1.0" encoding="utf-8"?>
-<ds:datastoreItem xmlns:ds="http://schemas.openxmlformats.org/officeDocument/2006/customXml" ds:itemID="{37F187F3-04C2-4986-B925-C49BDDD739C4}">
-  <ds:schemaRefs>
-    <ds:schemaRef ds:uri="http://purl.org/dc/elements/1.1/"/>
-    <ds:schemaRef ds:uri="http://schemas.microsoft.com/office/2006/metadata/properties"/>
-    <ds:schemaRef ds:uri="c3ffa819-a771-4877-ad4d-25f776e91fc1"/>
-    <ds:schemaRef ds:uri="9fad99a4-1f10-4083-bdc6-95bb547585ec"/>
-    <ds:schemaRef ds:uri="http://purl.org/dc/terms/"/>
-    <ds:schemaRef ds:uri="http://schemas.microsoft.com/office/infopath/2007/PartnerControls"/>
-    <ds:schemaRef ds:uri="http://schemas.microsoft.com/office/2006/documentManagement/types"/>
-    <ds:schemaRef ds:uri="http://schemas.openxmlformats.org/package/2006/metadata/core-properties"/>
-    <ds:schemaRef ds:uri="http://www.w3.org/XML/1998/namespace"/>
-    <ds:schemaRef ds:uri="http://purl.org/dc/dcmitype/"/>
-  </ds:schemaRefs>
-</ds:datastoreItem>
+<file path=customXml/item2.xml><?xml version="1.0" encoding="utf-8"?>
+<?mso-contentType ?>
+<FormTemplates xmlns="http://schemas.microsoft.com/sharepoint/v3/contenttype/forms">
+  <Display>DocumentLibraryForm</Display>
+  <Edit>DocumentLibraryForm</Edit>
+  <New>DocumentLibraryForm</New>
+</FormTemplates>
 </file>
 
-<file path=customXml/itemProps2.xml><?xml version="1.0" encoding="utf-8"?>
-<ds:datastoreItem xmlns:ds="http://schemas.openxmlformats.org/officeDocument/2006/customXml" ds:itemID="{81BFDE8D-C4DF-4F86-84B9-52E0C5AFDCD4}">
-  <ds:schemaRefs>
-    <ds:schemaRef ds:uri="http://schemas.microsoft.com/sharepoint/v3/contenttype/forms"/>
-  </ds:schemaRefs>
-</ds:datastoreItem>
+<file path=customXml/item3.xml><?xml version="1.0" encoding="utf-8"?>
+<p:properties xmlns:p="http://schemas.microsoft.com/office/2006/metadata/properties" xmlns:xsi="http://www.w3.org/2001/XMLSchema-instance" xmlns:pc="http://schemas.microsoft.com/office/infopath/2007/PartnerControls">
+  <documentManagement/>
+</p:properties>
 </file>
 
-<file path=customXml/itemProps3.xml><?xml version="1.0" encoding="utf-8"?>
+<file path=customXml/itemProps1.xml><?xml version="1.0" encoding="utf-8"?>
 <ds:datastoreItem xmlns:ds="http://schemas.openxmlformats.org/officeDocument/2006/customXml" ds:itemID="{7F298B02-FB17-484A-BB72-42168D5F181C}">
   <ds:schemaRefs>
     <ds:schemaRef ds:uri="http://schemas.microsoft.com/office/2006/metadata/contentType"/>
@@ -17225,4 +17441,29 @@
     <ds:schemaRef ds:uri="http://schemas.microsoft.com/internal/obd"/>
   </ds:schemaRefs>
 </ds:datastoreItem>
+</file>
+
+<file path=customXml/itemProps2.xml><?xml version="1.0" encoding="utf-8"?>
+<ds:datastoreItem xmlns:ds="http://schemas.openxmlformats.org/officeDocument/2006/customXml" ds:itemID="{81BFDE8D-C4DF-4F86-84B9-52E0C5AFDCD4}">
+  <ds:schemaRefs>
+    <ds:schemaRef ds:uri="http://schemas.microsoft.com/sharepoint/v3/contenttype/forms"/>
+  </ds:schemaRefs>
+</ds:datastoreItem>
+</file>
+
+<file path=customXml/itemProps3.xml><?xml version="1.0" encoding="utf-8"?>
+<ds:datastoreItem xmlns:ds="http://schemas.openxmlformats.org/officeDocument/2006/customXml" ds:itemID="{37F187F3-04C2-4986-B925-C49BDDD739C4}">
+  <ds:schemaRefs>
+    <ds:schemaRef ds:uri="http://purl.org/dc/elements/1.1/"/>
+    <ds:schemaRef ds:uri="http://schemas.microsoft.com/office/2006/metadata/properties"/>
+    <ds:schemaRef ds:uri="c3ffa819-a771-4877-ad4d-25f776e91fc1"/>
+    <ds:schemaRef ds:uri="9fad99a4-1f10-4083-bdc6-95bb547585ec"/>
+    <ds:schemaRef ds:uri="http://purl.org/dc/terms/"/>
+    <ds:schemaRef ds:uri="http://schemas.microsoft.com/office/infopath/2007/PartnerControls"/>
+    <ds:schemaRef ds:uri="http://schemas.microsoft.com/office/2006/documentManagement/types"/>
+    <ds:schemaRef ds:uri="http://schemas.openxmlformats.org/package/2006/metadata/core-properties"/>
+    <ds:schemaRef ds:uri="http://www.w3.org/XML/1998/namespace"/>
+    <ds:schemaRef ds:uri="http://purl.org/dc/dcmitype/"/>
+  </ds:schemaRefs>
+</ds:datastoreItem>
 </file>
--- a/K8s-basic.pptx
+++ b/K8s-basic.pptx
@@ -5,10 +5,10 @@
     <p:sldMasterId id="2147483648" r:id="rId4"/>
   </p:sldMasterIdLst>
   <p:notesMasterIdLst>
-    <p:notesMasterId r:id="rId32"/>
+    <p:notesMasterId r:id="rId33"/>
   </p:notesMasterIdLst>
   <p:handoutMasterIdLst>
-    <p:handoutMasterId r:id="rId33"/>
+    <p:handoutMasterId r:id="rId34"/>
   </p:handoutMasterIdLst>
   <p:sldIdLst>
     <p:sldId id="257" r:id="rId5"/>
@@ -24,20 +24,21 @@
     <p:sldId id="302" r:id="rId15"/>
     <p:sldId id="303" r:id="rId16"/>
     <p:sldId id="305" r:id="rId17"/>
-    <p:sldId id="310" r:id="rId18"/>
-    <p:sldId id="309" r:id="rId19"/>
-    <p:sldId id="306" r:id="rId20"/>
-    <p:sldId id="307" r:id="rId21"/>
+    <p:sldId id="322" r:id="rId18"/>
+    <p:sldId id="310" r:id="rId19"/>
+    <p:sldId id="309" r:id="rId20"/>
+    <p:sldId id="328" r:id="rId21"/>
     <p:sldId id="308" r:id="rId22"/>
-    <p:sldId id="311" r:id="rId23"/>
-    <p:sldId id="312" r:id="rId24"/>
-    <p:sldId id="313" r:id="rId25"/>
-    <p:sldId id="322" r:id="rId26"/>
-    <p:sldId id="314" r:id="rId27"/>
-    <p:sldId id="316" r:id="rId28"/>
-    <p:sldId id="315" r:id="rId29"/>
-    <p:sldId id="327" r:id="rId30"/>
-    <p:sldId id="321" r:id="rId31"/>
+    <p:sldId id="307" r:id="rId23"/>
+    <p:sldId id="306" r:id="rId24"/>
+    <p:sldId id="311" r:id="rId25"/>
+    <p:sldId id="312" r:id="rId26"/>
+    <p:sldId id="313" r:id="rId27"/>
+    <p:sldId id="314" r:id="rId28"/>
+    <p:sldId id="316" r:id="rId29"/>
+    <p:sldId id="315" r:id="rId30"/>
+    <p:sldId id="327" r:id="rId31"/>
+    <p:sldId id="321" r:id="rId32"/>
   </p:sldIdLst>
   <p:sldSz cx="24384000" cy="13716000"/>
   <p:notesSz cx="6858000" cy="9144000"/>
@@ -2155,7 +2156,7 @@
           </a:ln>
           <a:extLst>
             <a:ext uri="{C572A759-6A51-4108-AA02-DFA0A04FC94B}">
-              <ma14:wrappingTextBoxFlag xmlns:ma14="http://schemas.microsoft.com/office/mac/drawingml/2011/main" xmlns="" val="1"/>
+              <ma14:wrappingTextBoxFlag xmlns="" xmlns:ma14="http://schemas.microsoft.com/office/mac/drawingml/2011/main" val="1"/>
             </a:ext>
           </a:extLst>
         </p:spPr>
@@ -2563,7 +2564,7 @@
           </a:ln>
           <a:extLst>
             <a:ext uri="{C572A759-6A51-4108-AA02-DFA0A04FC94B}">
-              <ma14:wrappingTextBoxFlag xmlns:ma14="http://schemas.microsoft.com/office/mac/drawingml/2011/main" xmlns="" val="1"/>
+              <ma14:wrappingTextBoxFlag xmlns="" xmlns:ma14="http://schemas.microsoft.com/office/mac/drawingml/2011/main" val="1"/>
             </a:ext>
           </a:extLst>
         </p:spPr>
@@ -2709,7 +2710,7 @@
           </a:ln>
           <a:extLst>
             <a:ext uri="{C572A759-6A51-4108-AA02-DFA0A04FC94B}">
-              <ma14:wrappingTextBoxFlag xmlns:ma14="http://schemas.microsoft.com/office/mac/drawingml/2011/main" xmlns="" val="1"/>
+              <ma14:wrappingTextBoxFlag xmlns="" xmlns:ma14="http://schemas.microsoft.com/office/mac/drawingml/2011/main" val="1"/>
             </a:ext>
           </a:extLst>
         </p:spPr>
@@ -4270,7 +4271,7 @@
           </a:ln>
           <a:extLst>
             <a:ext uri="{C572A759-6A51-4108-AA02-DFA0A04FC94B}">
-              <ma14:wrappingTextBoxFlag xmlns:ma14="http://schemas.microsoft.com/office/mac/drawingml/2011/main" xmlns="" val="1"/>
+              <ma14:wrappingTextBoxFlag xmlns="" xmlns:ma14="http://schemas.microsoft.com/office/mac/drawingml/2011/main" val="1"/>
             </a:ext>
           </a:extLst>
         </p:spPr>
@@ -4481,7 +4482,7 @@
           </a:ln>
           <a:extLst>
             <a:ext uri="{C572A759-6A51-4108-AA02-DFA0A04FC94B}">
-              <ma14:wrappingTextBoxFlag xmlns:ma14="http://schemas.microsoft.com/office/mac/drawingml/2011/main" xmlns="" val="1"/>
+              <ma14:wrappingTextBoxFlag xmlns="" xmlns:ma14="http://schemas.microsoft.com/office/mac/drawingml/2011/main" val="1"/>
             </a:ext>
           </a:extLst>
         </p:spPr>
@@ -4715,7 +4716,7 @@
           </a:ln>
           <a:extLst>
             <a:ext uri="{C572A759-6A51-4108-AA02-DFA0A04FC94B}">
-              <ma14:wrappingTextBoxFlag xmlns:ma14="http://schemas.microsoft.com/office/mac/drawingml/2011/main" xmlns="" val="1"/>
+              <ma14:wrappingTextBoxFlag xmlns="" xmlns:ma14="http://schemas.microsoft.com/office/mac/drawingml/2011/main" val="1"/>
             </a:ext>
           </a:extLst>
         </p:spPr>
@@ -5097,7 +5098,7 @@
           </a:ln>
           <a:extLst>
             <a:ext uri="{C572A759-6A51-4108-AA02-DFA0A04FC94B}">
-              <ma14:wrappingTextBoxFlag xmlns:ma14="http://schemas.microsoft.com/office/mac/drawingml/2011/main" xmlns="" val="1"/>
+              <ma14:wrappingTextBoxFlag xmlns="" xmlns:ma14="http://schemas.microsoft.com/office/mac/drawingml/2011/main" val="1"/>
             </a:ext>
           </a:extLst>
         </p:spPr>
@@ -6670,7 +6671,7 @@
           </a:ln>
           <a:extLst>
             <a:ext uri="{C572A759-6A51-4108-AA02-DFA0A04FC94B}">
-              <ma14:wrappingTextBoxFlag xmlns:ma14="http://schemas.microsoft.com/office/mac/drawingml/2011/main" xmlns="" val="1"/>
+              <ma14:wrappingTextBoxFlag xmlns="" xmlns:ma14="http://schemas.microsoft.com/office/mac/drawingml/2011/main" val="1"/>
             </a:ext>
           </a:extLst>
         </p:spPr>
@@ -6717,7 +6718,7 @@
           </a:ln>
           <a:extLst>
             <a:ext uri="{C572A759-6A51-4108-AA02-DFA0A04FC94B}">
-              <ma14:wrappingTextBoxFlag xmlns:ma14="http://schemas.microsoft.com/office/mac/drawingml/2011/main" xmlns="" val="1"/>
+              <ma14:wrappingTextBoxFlag xmlns="" xmlns:ma14="http://schemas.microsoft.com/office/mac/drawingml/2011/main" val="1"/>
             </a:ext>
           </a:extLst>
         </p:spPr>
@@ -6892,7 +6893,7 @@
           </a:ln>
           <a:extLst>
             <a:ext uri="{C572A759-6A51-4108-AA02-DFA0A04FC94B}">
-              <ma14:wrappingTextBoxFlag xmlns:ma14="http://schemas.microsoft.com/office/mac/drawingml/2011/main" xmlns="" val="1"/>
+              <ma14:wrappingTextBoxFlag xmlns="" xmlns:ma14="http://schemas.microsoft.com/office/mac/drawingml/2011/main" val="1"/>
             </a:ext>
           </a:extLst>
         </p:spPr>
@@ -6931,7 +6932,7 @@
           </a:ln>
           <a:extLst>
             <a:ext uri="{C572A759-6A51-4108-AA02-DFA0A04FC94B}">
-              <ma14:wrappingTextBoxFlag xmlns:ma14="http://schemas.microsoft.com/office/mac/drawingml/2011/main" xmlns="" val="1"/>
+              <ma14:wrappingTextBoxFlag xmlns="" xmlns:ma14="http://schemas.microsoft.com/office/mac/drawingml/2011/main" val="1"/>
             </a:ext>
           </a:extLst>
         </p:spPr>
@@ -8699,15 +8700,7 @@
             </a:r>
             <a:r>
               <a:rPr lang="it-IT" dirty="0"/>
-              <a:t> to cluster (</a:t>
-            </a:r>
-            <a:r>
-              <a:rPr lang="it-IT" dirty="0" err="1"/>
-              <a:t>kind</a:t>
-            </a:r>
-            <a:r>
-              <a:rPr lang="it-IT" dirty="0"/>
-              <a:t>) – </a:t>
+              <a:t> to cluster– </a:t>
             </a:r>
             <a:r>
               <a:rPr lang="it-IT" dirty="0" err="1"/>
@@ -8782,7 +8775,11 @@
           <a:p>
             <a:r>
               <a:rPr lang="en-US" dirty="0"/>
-              <a:t>Recommended way is to use a declarative approach </a:t>
+              <a:t>Recommended way is to use a declarative approach. </a:t>
+            </a:r>
+            <a:r>
+              <a:rPr lang="en-US" b="1" dirty="0"/>
+              <a:t>Kubectl apply –f &lt;filename&gt;</a:t>
             </a:r>
           </a:p>
           <a:p>
@@ -8807,13 +8804,6 @@
             </a:r>
           </a:p>
           <a:p>
-            <a:r>
-              <a:rPr lang="en-US" dirty="0"/>
-              <a:t>Pass yaml file / files to kubectl apply –f &lt;filename&gt; and you are done</a:t>
-            </a:r>
-          </a:p>
-          <a:p>
-            <a:pPr lvl="1"/>
             <a:r>
               <a:rPr lang="en-US" dirty="0"/>
               <a:t>Want to edit on the fly ? </a:t>
@@ -8872,10 +8862,154 @@
       </p:grpSpPr>
       <p:sp>
         <p:nvSpPr>
-          <p:cNvPr id="2" name="Title 1">
+          <p:cNvPr id="4" name="Text Placeholder 3">
             <a:extLst>
               <a:ext uri="{FF2B5EF4-FFF2-40B4-BE49-F238E27FC236}">
-                <a16:creationId xmlns:a16="http://schemas.microsoft.com/office/drawing/2014/main" id="{D079A862-12F3-45DE-913B-EAB3EEEAFAE7}"/>
+                <a16:creationId xmlns:a16="http://schemas.microsoft.com/office/drawing/2014/main" id="{AE9FB48D-EC25-4212-8B3E-EA0779A843DA}"/>
+              </a:ext>
+            </a:extLst>
+          </p:cNvPr>
+          <p:cNvSpPr>
+            <a:spLocks noGrp="1"/>
+          </p:cNvSpPr>
+          <p:nvPr>
+            <p:ph type="body" idx="1"/>
+          </p:nvPr>
+        </p:nvSpPr>
+        <p:spPr>
+          <a:xfrm>
+            <a:off x="1805572" y="2596016"/>
+            <a:ext cx="21005801" cy="7170554"/>
+          </a:xfrm>
+        </p:spPr>
+        <p:txBody>
+          <a:bodyPr>
+            <a:normAutofit/>
+          </a:bodyPr>
+          <a:lstStyle/>
+          <a:p>
+            <a:pPr marL="0" indent="0">
+              <a:buNone/>
+            </a:pPr>
+            <a:r>
+              <a:rPr lang="en-US" dirty="0"/>
+              <a:t>One time cluster setup </a:t>
+            </a:r>
+          </a:p>
+          <a:p>
+            <a:pPr marL="514350" indent="-514350">
+              <a:buFont typeface="+mj-lt"/>
+              <a:buAutoNum type="arabicPeriod"/>
+            </a:pPr>
+            <a:r>
+              <a:rPr lang="en-US" dirty="0"/>
+              <a:t>Create the cluster</a:t>
+            </a:r>
+          </a:p>
+          <a:p>
+            <a:pPr marL="514350" indent="-514350">
+              <a:buFont typeface="+mj-lt"/>
+              <a:buAutoNum type="arabicPeriod"/>
+            </a:pPr>
+            <a:r>
+              <a:rPr lang="en-US" dirty="0"/>
+              <a:t>Install dashboard (skipped if available as built-in feature, as in </a:t>
+            </a:r>
+            <a:r>
+              <a:rPr lang="en-US" dirty="0" err="1"/>
+              <a:t>aks</a:t>
+            </a:r>
+            <a:r>
+              <a:rPr lang="en-US" dirty="0"/>
+              <a:t>)</a:t>
+            </a:r>
+          </a:p>
+          <a:p>
+            <a:pPr marL="1022350" lvl="1" indent="-514350">
+              <a:buFont typeface="+mj-lt"/>
+              <a:buAutoNum type="arabicPeriod"/>
+            </a:pPr>
+            <a:r>
+              <a:rPr lang="en-US" dirty="0"/>
+              <a:t>Adjust dashboard permissions</a:t>
+            </a:r>
+          </a:p>
+          <a:p>
+            <a:pPr marL="514350" indent="-514350">
+              <a:buFont typeface="+mj-lt"/>
+              <a:buAutoNum type="arabicPeriod"/>
+            </a:pPr>
+            <a:r>
+              <a:rPr lang="en-US" dirty="0"/>
+              <a:t>Install ingress controller (</a:t>
+            </a:r>
+            <a:r>
+              <a:rPr lang="en-US" dirty="0" err="1"/>
+              <a:t>ngnix</a:t>
+            </a:r>
+            <a:r>
+              <a:rPr lang="en-US" dirty="0"/>
+              <a:t> in the demo)</a:t>
+            </a:r>
+          </a:p>
+          <a:p>
+            <a:pPr marL="514350" indent="-514350">
+              <a:buFont typeface="+mj-lt"/>
+              <a:buAutoNum type="arabicPeriod"/>
+            </a:pPr>
+            <a:r>
+              <a:rPr lang="en-US" dirty="0"/>
+              <a:t>Install cert manager if https is required</a:t>
+            </a:r>
+          </a:p>
+          <a:p>
+            <a:pPr marL="514350" indent="-514350">
+              <a:buFont typeface="+mj-lt"/>
+              <a:buAutoNum type="arabicPeriod"/>
+            </a:pPr>
+            <a:r>
+              <a:rPr lang="en-US" dirty="0"/>
+              <a:t>Register </a:t>
+            </a:r>
+            <a:r>
+              <a:rPr lang="en-US" dirty="0" err="1"/>
+              <a:t>dns</a:t>
+            </a:r>
+            <a:r>
+              <a:rPr lang="en-US" dirty="0"/>
+              <a:t> name for the provided </a:t>
+            </a:r>
+            <a:r>
+              <a:rPr lang="en-US" dirty="0" err="1"/>
+              <a:t>LoadBalancer</a:t>
+            </a:r>
+            <a:r>
+              <a:rPr lang="en-US" dirty="0"/>
+              <a:t> Ip (AKS)</a:t>
+            </a:r>
+          </a:p>
+          <a:p>
+            <a:pPr marL="514350" indent="-514350">
+              <a:buFont typeface="+mj-lt"/>
+              <a:buAutoNum type="arabicPeriod"/>
+            </a:pPr>
+            <a:r>
+              <a:rPr lang="en-US" dirty="0"/>
+              <a:t>Set up persistent storage (storage class and persistent volume claim) (to be explained in next slides)</a:t>
+            </a:r>
+          </a:p>
+          <a:p>
+            <a:pPr lvl="1"/>
+            <a:endParaRPr lang="en-US" dirty="0"/>
+          </a:p>
+        </p:txBody>
+      </p:sp>
+      <p:sp>
+        <p:nvSpPr>
+          <p:cNvPr id="6" name="Title 5">
+            <a:extLst>
+              <a:ext uri="{FF2B5EF4-FFF2-40B4-BE49-F238E27FC236}">
+                <a16:creationId xmlns:a16="http://schemas.microsoft.com/office/drawing/2014/main" id="{C1647E81-962B-495E-A29A-0CB7BE4D552D}"/>
               </a:ext>
             </a:extLst>
           </p:cNvPr>
@@ -8892,84 +9026,8 @@
           <a:lstStyle/>
           <a:p>
             <a:r>
-              <a:rPr lang="it-IT" dirty="0" err="1"/>
-              <a:t>Deploy</a:t>
-            </a:r>
-            <a:r>
-              <a:rPr lang="it-IT" dirty="0"/>
-              <a:t> to cluster</a:t>
-            </a:r>
-            <a:endParaRPr lang="en-US" dirty="0"/>
-          </a:p>
-        </p:txBody>
-      </p:sp>
-      <p:sp>
-        <p:nvSpPr>
-          <p:cNvPr id="3" name="Text Placeholder 2">
-            <a:extLst>
-              <a:ext uri="{FF2B5EF4-FFF2-40B4-BE49-F238E27FC236}">
-                <a16:creationId xmlns:a16="http://schemas.microsoft.com/office/drawing/2014/main" id="{318D02EE-C092-4263-A7B4-71A3C2DA81E3}"/>
-              </a:ext>
-            </a:extLst>
-          </p:cNvPr>
-          <p:cNvSpPr>
-            <a:spLocks noGrp="1"/>
-          </p:cNvSpPr>
-          <p:nvPr>
-            <p:ph type="body" sz="quarter" idx="13"/>
-          </p:nvPr>
-        </p:nvSpPr>
-        <p:spPr/>
-        <p:txBody>
-          <a:bodyPr/>
-          <a:lstStyle/>
-          <a:p>
-            <a:r>
-              <a:rPr lang="it-IT" dirty="0"/>
-              <a:t>Create </a:t>
-            </a:r>
-            <a:r>
-              <a:rPr lang="it-IT" dirty="0" err="1"/>
-              <a:t>Namespace</a:t>
-            </a:r>
-            <a:endParaRPr lang="en-US" dirty="0"/>
-          </a:p>
-        </p:txBody>
-      </p:sp>
-      <p:sp>
-        <p:nvSpPr>
-          <p:cNvPr id="6" name="Rectangle 5">
-            <a:extLst>
-              <a:ext uri="{FF2B5EF4-FFF2-40B4-BE49-F238E27FC236}">
-                <a16:creationId xmlns:a16="http://schemas.microsoft.com/office/drawing/2014/main" id="{9AA35EA6-901B-4663-BE75-C6B9CCD02188}"/>
-              </a:ext>
-            </a:extLst>
-          </p:cNvPr>
-          <p:cNvSpPr/>
-          <p:nvPr/>
-        </p:nvSpPr>
-        <p:spPr>
-          <a:xfrm>
-            <a:off x="413051" y="4480750"/>
-            <a:ext cx="6506909" cy="550920"/>
-          </a:xfrm>
-          <a:prstGeom prst="rect">
-            <a:avLst/>
-          </a:prstGeom>
-        </p:spPr>
-        <p:txBody>
-          <a:bodyPr wrap="none">
-            <a:spAutoFit/>
-          </a:bodyPr>
-          <a:lstStyle/>
-          <a:p>
-            <a:r>
-              <a:rPr lang="en-US" sz="4000" dirty="0" err="1"/>
-              <a:t>kubectl</a:t>
-            </a:r>
-            <a:r>
-              <a:rPr lang="en-US" sz="4000" dirty="0"/>
-              <a:t> create namespace dev</a:t>
+              <a:rPr lang="en-US" dirty="0"/>
+              <a:t>Demo: Kind and AKS cluster</a:t>
             </a:r>
           </a:p>
         </p:txBody>
@@ -8977,7 +9035,7 @@
     </p:spTree>
     <p:extLst>
       <p:ext uri="{BB962C8B-B14F-4D97-AF65-F5344CB8AC3E}">
-        <p14:creationId xmlns:p14="http://schemas.microsoft.com/office/powerpoint/2010/main" val="2909603245"/>
+        <p14:creationId xmlns:p14="http://schemas.microsoft.com/office/powerpoint/2010/main" val="3979354483"/>
       </p:ext>
     </p:extLst>
   </p:cSld>
@@ -9010,7 +9068,7 @@
           <p:cNvPr id="2" name="Title 1">
             <a:extLst>
               <a:ext uri="{FF2B5EF4-FFF2-40B4-BE49-F238E27FC236}">
-                <a16:creationId xmlns:a16="http://schemas.microsoft.com/office/drawing/2014/main" id="{64BDBF55-7CC9-40E2-9A3E-924D0C771E71}"/>
+                <a16:creationId xmlns:a16="http://schemas.microsoft.com/office/drawing/2014/main" id="{D079A862-12F3-45DE-913B-EAB3EEEAFAE7}"/>
               </a:ext>
             </a:extLst>
           </p:cNvPr>
@@ -9032,7 +9090,7 @@
             </a:r>
             <a:r>
               <a:rPr lang="it-IT" dirty="0"/>
-              <a:t> to cluster</a:t>
+              <a:t> app to cluster</a:t>
             </a:r>
             <a:endParaRPr lang="en-US" dirty="0"/>
           </a:p>
@@ -9043,7 +9101,7 @@
           <p:cNvPr id="3" name="Text Placeholder 2">
             <a:extLst>
               <a:ext uri="{FF2B5EF4-FFF2-40B4-BE49-F238E27FC236}">
-                <a16:creationId xmlns:a16="http://schemas.microsoft.com/office/drawing/2014/main" id="{CA9025A8-1FF2-482B-8A32-9EB29EC0A351}"/>
+                <a16:creationId xmlns:a16="http://schemas.microsoft.com/office/drawing/2014/main" id="{318D02EE-C092-4263-A7B4-71A3C2DA81E3}"/>
               </a:ext>
             </a:extLst>
           </p:cNvPr>
@@ -9059,142 +9117,60 @@
           <a:bodyPr/>
           <a:lstStyle/>
           <a:p>
-            <a:endParaRPr lang="en-US"/>
-          </a:p>
-        </p:txBody>
-      </p:sp>
-      <p:sp>
-        <p:nvSpPr>
-          <p:cNvPr id="4" name="Text Placeholder 3">
+            <a:r>
+              <a:rPr lang="it-IT" dirty="0"/>
+              <a:t>Create </a:t>
+            </a:r>
+            <a:r>
+              <a:rPr lang="it-IT" dirty="0" err="1"/>
+              <a:t>Namespace</a:t>
+            </a:r>
+            <a:endParaRPr lang="en-US" dirty="0"/>
+          </a:p>
+        </p:txBody>
+      </p:sp>
+      <p:sp>
+        <p:nvSpPr>
+          <p:cNvPr id="6" name="Rectangle 5">
             <a:extLst>
               <a:ext uri="{FF2B5EF4-FFF2-40B4-BE49-F238E27FC236}">
-                <a16:creationId xmlns:a16="http://schemas.microsoft.com/office/drawing/2014/main" id="{9018B713-3F85-4D9F-B237-2CD6F1EEF2C0}"/>
+                <a16:creationId xmlns:a16="http://schemas.microsoft.com/office/drawing/2014/main" id="{9AA35EA6-901B-4663-BE75-C6B9CCD02188}"/>
               </a:ext>
             </a:extLst>
           </p:cNvPr>
-          <p:cNvSpPr>
-            <a:spLocks noGrp="1"/>
-          </p:cNvSpPr>
-          <p:nvPr>
-            <p:ph type="body" idx="1"/>
-          </p:nvPr>
-        </p:nvSpPr>
-        <p:spPr/>
-        <p:txBody>
-          <a:bodyPr/>
+          <p:cNvSpPr/>
+          <p:nvPr/>
+        </p:nvSpPr>
+        <p:spPr>
+          <a:xfrm>
+            <a:off x="413051" y="4480750"/>
+            <a:ext cx="6506909" cy="550920"/>
+          </a:xfrm>
+          <a:prstGeom prst="rect">
+            <a:avLst/>
+          </a:prstGeom>
+        </p:spPr>
+        <p:txBody>
+          <a:bodyPr wrap="none">
+            <a:spAutoFit/>
+          </a:bodyPr>
           <a:lstStyle/>
           <a:p>
             <a:r>
-              <a:rPr lang="en-US" dirty="0"/>
-              <a:t>To deploy an app running on the cluster to the outside world, you need at minimum 3 k8s resources defined in a yaml file</a:t>
-            </a:r>
-          </a:p>
-          <a:p>
-            <a:pPr lvl="1"/>
-            <a:r>
-              <a:rPr lang="en-US" b="1" dirty="0"/>
-              <a:t>Deployment</a:t>
-            </a:r>
-            <a:r>
-              <a:rPr lang="en-US" dirty="0"/>
-              <a:t> (what image to deploy, how many replicas, etc..)</a:t>
-            </a:r>
-          </a:p>
-          <a:p>
-            <a:pPr lvl="1"/>
-            <a:r>
-              <a:rPr lang="en-US" b="1" dirty="0"/>
-              <a:t>Service</a:t>
-            </a:r>
-            <a:r>
-              <a:rPr lang="en-US" dirty="0"/>
-              <a:t> </a:t>
-            </a:r>
-          </a:p>
-          <a:p>
-            <a:pPr lvl="1"/>
-            <a:r>
-              <a:rPr lang="en-US" b="1" dirty="0"/>
-              <a:t>Ingress Rule </a:t>
-            </a:r>
-            <a:r>
-              <a:rPr lang="en-US" dirty="0"/>
-              <a:t>(requires an </a:t>
-            </a:r>
-            <a:r>
-              <a:rPr lang="en-US" b="1" i="1" dirty="0"/>
-              <a:t>ingress controller</a:t>
-            </a:r>
-            <a:r>
-              <a:rPr lang="en-US" dirty="0"/>
-              <a:t> available (installed up front) in the cluster </a:t>
-            </a:r>
-          </a:p>
-          <a:p>
-            <a:pPr lvl="2"/>
-            <a:r>
-              <a:rPr lang="en-US" dirty="0"/>
-              <a:t>Not strictly required, services can be of type </a:t>
-            </a:r>
-            <a:r>
-              <a:rPr lang="en-US" dirty="0" err="1"/>
-              <a:t>LoadBalancer</a:t>
-            </a:r>
-            <a:r>
-              <a:rPr lang="en-US" dirty="0"/>
-              <a:t>, but this implies a separate public IP for each web app, which is not an optimal solution, cloud providers put limits on public </a:t>
-            </a:r>
-            <a:r>
-              <a:rPr lang="en-US" dirty="0" err="1"/>
-              <a:t>ip</a:t>
-            </a:r>
-            <a:r>
-              <a:rPr lang="en-US" dirty="0"/>
-              <a:t> provisioning</a:t>
-            </a:r>
-          </a:p>
-          <a:p>
-            <a:pPr lvl="1"/>
-            <a:r>
-              <a:rPr lang="en-US" b="1" dirty="0" err="1"/>
-              <a:t>configMaps</a:t>
-            </a:r>
-            <a:r>
-              <a:rPr lang="en-US" b="1" dirty="0"/>
-              <a:t> </a:t>
-            </a:r>
-            <a:r>
-              <a:rPr lang="en-US" dirty="0"/>
-              <a:t>: define “per environment” settings for you app  (env variables or files injected into the container)</a:t>
-            </a:r>
-          </a:p>
-          <a:p>
-            <a:pPr lvl="2"/>
-            <a:r>
-              <a:rPr lang="en-US" dirty="0"/>
-              <a:t>For sure you don’t want to make an image for each environment</a:t>
-            </a:r>
-          </a:p>
-          <a:p>
-            <a:r>
-              <a:rPr lang="en-US" dirty="0"/>
-              <a:t>WATCH OUT: kubectl apply will do nothing if yaml file has not changed (“problematic” for deployment yaml: use of latest tag, changes in </a:t>
-            </a:r>
-            <a:r>
-              <a:rPr lang="en-US"/>
-              <a:t>config map)</a:t>
-            </a:r>
-            <a:endParaRPr lang="en-US" dirty="0"/>
-          </a:p>
-          <a:p>
-            <a:endParaRPr lang="en-US" dirty="0"/>
+              <a:rPr lang="en-US" sz="4000" dirty="0" err="1"/>
+              <a:t>kubectl</a:t>
+            </a:r>
+            <a:r>
+              <a:rPr lang="en-US" sz="4000" dirty="0"/>
+              <a:t> create namespace dev</a:t>
+            </a:r>
           </a:p>
         </p:txBody>
       </p:sp>
     </p:spTree>
     <p:extLst>
       <p:ext uri="{BB962C8B-B14F-4D97-AF65-F5344CB8AC3E}">
-        <p14:creationId xmlns:p14="http://schemas.microsoft.com/office/powerpoint/2010/main" val="1804269025"/>
+        <p14:creationId xmlns:p14="http://schemas.microsoft.com/office/powerpoint/2010/main" val="2909603245"/>
       </p:ext>
     </p:extLst>
   </p:cSld>
@@ -9227,7 +9203,7 @@
           <p:cNvPr id="2" name="Title 1">
             <a:extLst>
               <a:ext uri="{FF2B5EF4-FFF2-40B4-BE49-F238E27FC236}">
-                <a16:creationId xmlns:a16="http://schemas.microsoft.com/office/drawing/2014/main" id="{86E57E8B-EA94-40A5-9213-AEBB8BAF0DD4}"/>
+                <a16:creationId xmlns:a16="http://schemas.microsoft.com/office/drawing/2014/main" id="{64BDBF55-7CC9-40E2-9A3E-924D0C771E71}"/>
               </a:ext>
             </a:extLst>
           </p:cNvPr>
@@ -9249,7 +9225,7 @@
             </a:r>
             <a:r>
               <a:rPr lang="it-IT" dirty="0"/>
-              <a:t> to cluster</a:t>
+              <a:t> app to cluster</a:t>
             </a:r>
             <a:endParaRPr lang="en-US" dirty="0"/>
           </a:p>
@@ -9260,7 +9236,7 @@
           <p:cNvPr id="3" name="Text Placeholder 2">
             <a:extLst>
               <a:ext uri="{FF2B5EF4-FFF2-40B4-BE49-F238E27FC236}">
-                <a16:creationId xmlns:a16="http://schemas.microsoft.com/office/drawing/2014/main" id="{1AAAED32-57B9-4801-BD2C-E713FEEAB6BD}"/>
+                <a16:creationId xmlns:a16="http://schemas.microsoft.com/office/drawing/2014/main" id="{CA9025A8-1FF2-482B-8A32-9EB29EC0A351}"/>
               </a:ext>
             </a:extLst>
           </p:cNvPr>
@@ -9276,246 +9252,146 @@
           <a:bodyPr/>
           <a:lstStyle/>
           <a:p>
-            <a:r>
-              <a:rPr lang="it-IT" dirty="0" err="1"/>
-              <a:t>Ingress</a:t>
-            </a:r>
-            <a:endParaRPr lang="en-US" dirty="0"/>
-          </a:p>
-        </p:txBody>
-      </p:sp>
-      <p:sp>
-        <p:nvSpPr>
-          <p:cNvPr id="5" name="Rectangle 4">
+            <a:endParaRPr lang="en-US"/>
+          </a:p>
+        </p:txBody>
+      </p:sp>
+      <p:sp>
+        <p:nvSpPr>
+          <p:cNvPr id="4" name="Text Placeholder 3">
             <a:extLst>
               <a:ext uri="{FF2B5EF4-FFF2-40B4-BE49-F238E27FC236}">
-                <a16:creationId xmlns:a16="http://schemas.microsoft.com/office/drawing/2014/main" id="{9943757B-B1F3-4FCE-98AF-1EA57A299199}"/>
+                <a16:creationId xmlns:a16="http://schemas.microsoft.com/office/drawing/2014/main" id="{9018B713-3F85-4D9F-B237-2CD6F1EEF2C0}"/>
               </a:ext>
             </a:extLst>
           </p:cNvPr>
-          <p:cNvSpPr/>
-          <p:nvPr/>
-        </p:nvSpPr>
-        <p:spPr>
-          <a:xfrm>
-            <a:off x="1152939" y="5157471"/>
-            <a:ext cx="19679478" cy="7445115"/>
-          </a:xfrm>
-          <a:prstGeom prst="rect">
-            <a:avLst/>
-          </a:prstGeom>
-        </p:spPr>
-        <p:txBody>
-          <a:bodyPr wrap="square">
-            <a:spAutoFit/>
-          </a:bodyPr>
+          <p:cNvSpPr>
+            <a:spLocks noGrp="1"/>
+          </p:cNvSpPr>
+          <p:nvPr>
+            <p:ph type="body" idx="1"/>
+          </p:nvPr>
+        </p:nvSpPr>
+        <p:spPr/>
+        <p:txBody>
+          <a:bodyPr/>
           <a:lstStyle/>
           <a:p>
             <a:r>
-              <a:rPr lang="en-US" sz="4000" dirty="0" err="1"/>
-              <a:t>apiVersion</a:t>
-            </a:r>
-            <a:r>
-              <a:rPr lang="en-US" sz="4000" dirty="0"/>
-              <a:t>: extensions/v1beta1</a:t>
-            </a:r>
-          </a:p>
-          <a:p>
-            <a:r>
-              <a:rPr lang="en-US" sz="4000" dirty="0"/>
-              <a:t>kind: </a:t>
-            </a:r>
-            <a:r>
-              <a:rPr lang="en-US" sz="4000" dirty="0">
-                <a:highlight>
-                  <a:srgbClr val="00FFFF"/>
-                </a:highlight>
-              </a:rPr>
-              <a:t>Ingress</a:t>
-            </a:r>
-          </a:p>
-          <a:p>
-            <a:r>
-              <a:rPr lang="en-US" sz="4000" dirty="0"/>
-              <a:t>metadata:</a:t>
-            </a:r>
-          </a:p>
-          <a:p>
-            <a:r>
-              <a:rPr lang="en-US" sz="4000" dirty="0"/>
-              <a:t>  name: k8sdemohelm</a:t>
-            </a:r>
-          </a:p>
-          <a:p>
-            <a:r>
-              <a:rPr lang="en-US" sz="4000" dirty="0"/>
-              <a:t>  namespace: dev</a:t>
-            </a:r>
-          </a:p>
-          <a:p>
-            <a:r>
-              <a:rPr lang="en-US" sz="4000" dirty="0"/>
-              <a:t>  annotations:</a:t>
-            </a:r>
-          </a:p>
-          <a:p>
-            <a:r>
-              <a:rPr lang="en-US" sz="4000" dirty="0"/>
-              <a:t>    </a:t>
-            </a:r>
-            <a:r>
-              <a:rPr lang="en-US" sz="4000" i="1" dirty="0">
-                <a:highlight>
-                  <a:srgbClr val="C0C0C0"/>
-                </a:highlight>
-              </a:rPr>
-              <a:t>kubernetes.io/</a:t>
-            </a:r>
-            <a:r>
-              <a:rPr lang="en-US" sz="4000" i="1" dirty="0" err="1">
-                <a:highlight>
-                  <a:srgbClr val="C0C0C0"/>
-                </a:highlight>
-              </a:rPr>
-              <a:t>ingress.class</a:t>
-            </a:r>
-            <a:r>
-              <a:rPr lang="en-US" sz="4000" i="1" dirty="0">
-                <a:highlight>
-                  <a:srgbClr val="C0C0C0"/>
-                </a:highlight>
-              </a:rPr>
-              <a:t>: </a:t>
-            </a:r>
-            <a:r>
-              <a:rPr lang="en-US" sz="4000" i="1" dirty="0" err="1">
-                <a:highlight>
-                  <a:srgbClr val="C0C0C0"/>
-                </a:highlight>
-              </a:rPr>
-              <a:t>nginx</a:t>
-            </a:r>
-            <a:endParaRPr lang="en-US" sz="4000" i="1" dirty="0">
-              <a:highlight>
-                <a:srgbClr val="C0C0C0"/>
-              </a:highlight>
-            </a:endParaRPr>
-          </a:p>
-          <a:p>
-            <a:r>
-              <a:rPr lang="en-US" sz="4000" i="1" dirty="0">
-                <a:highlight>
-                  <a:srgbClr val="C0C0C0"/>
-                </a:highlight>
-              </a:rPr>
-              <a:t>    nginx.ingress.kubernetes.io/rewrite-target: /</a:t>
-            </a:r>
-          </a:p>
-          <a:p>
-            <a:r>
-              <a:rPr lang="en-US" sz="4000" dirty="0"/>
-              <a:t>spec:</a:t>
-            </a:r>
-          </a:p>
-          <a:p>
-            <a:r>
-              <a:rPr lang="en-US" sz="4000" dirty="0"/>
-              <a:t>  rules:</a:t>
-            </a:r>
-          </a:p>
-          <a:p>
-            <a:r>
-              <a:rPr lang="en-US" sz="4000" dirty="0"/>
-              <a:t>    - host: </a:t>
-            </a:r>
-            <a:r>
-              <a:rPr lang="en-US" sz="4000" dirty="0">
-                <a:highlight>
-                  <a:srgbClr val="FFFF00"/>
-                </a:highlight>
-              </a:rPr>
-              <a:t>d3k8sdemo.westeurope.cloudapp.azure.com</a:t>
-            </a:r>
-          </a:p>
-          <a:p>
-            <a:r>
-              <a:rPr lang="en-US" sz="4000" dirty="0"/>
-              <a:t>      http:</a:t>
-            </a:r>
-          </a:p>
-          <a:p>
-            <a:r>
-              <a:rPr lang="en-US" sz="4000" dirty="0"/>
-              <a:t>        paths:</a:t>
-            </a:r>
-          </a:p>
-          <a:p>
-            <a:r>
-              <a:rPr lang="en-US" sz="4000" dirty="0"/>
-              <a:t>          - path: /</a:t>
-            </a:r>
-            <a:r>
-              <a:rPr lang="en-US" sz="4000" dirty="0" err="1">
-                <a:highlight>
-                  <a:srgbClr val="FFFF00"/>
-                </a:highlight>
-              </a:rPr>
-              <a:t>demoapihelm</a:t>
-            </a:r>
-            <a:endParaRPr lang="en-US" sz="4000" dirty="0">
-              <a:highlight>
-                <a:srgbClr val="FFFF00"/>
-              </a:highlight>
-            </a:endParaRPr>
-          </a:p>
-          <a:p>
-            <a:r>
-              <a:rPr lang="en-US" sz="4000" dirty="0"/>
-              <a:t>            backend:</a:t>
-            </a:r>
-          </a:p>
-          <a:p>
-            <a:r>
-              <a:rPr lang="en-US" sz="4000" dirty="0"/>
-              <a:t>              </a:t>
-            </a:r>
-            <a:r>
-              <a:rPr lang="en-US" sz="4000" dirty="0" err="1"/>
-              <a:t>serviceName</a:t>
-            </a:r>
-            <a:r>
-              <a:rPr lang="en-US" sz="4000" dirty="0"/>
-              <a:t>: </a:t>
-            </a:r>
-            <a:r>
-              <a:rPr lang="en-US" sz="4000" dirty="0">
-                <a:highlight>
-                  <a:srgbClr val="FFFF00"/>
-                </a:highlight>
-              </a:rPr>
-              <a:t>k8sdemohelm</a:t>
-            </a:r>
-          </a:p>
-          <a:p>
-            <a:r>
-              <a:rPr lang="en-US" sz="4000" dirty="0"/>
-              <a:t>              </a:t>
-            </a:r>
-            <a:r>
-              <a:rPr lang="en-US" sz="4000" dirty="0" err="1"/>
-              <a:t>servicePort</a:t>
-            </a:r>
-            <a:r>
-              <a:rPr lang="en-US" sz="4000" dirty="0"/>
-              <a:t>: 80</a:t>
-            </a:r>
+              <a:rPr lang="en-US" dirty="0"/>
+              <a:t>To deploy an app running on the cluster to the outside world, you need at minimum 3 k8s resources defined in a yaml file</a:t>
+            </a:r>
+          </a:p>
+          <a:p>
+            <a:pPr lvl="1"/>
+            <a:r>
+              <a:rPr lang="en-US" b="1" dirty="0"/>
+              <a:t>Deployment</a:t>
+            </a:r>
+            <a:r>
+              <a:rPr lang="en-US" dirty="0"/>
+              <a:t> (what image to deploy, how many replicas, etc..)</a:t>
+            </a:r>
+          </a:p>
+          <a:p>
+            <a:pPr lvl="1"/>
+            <a:r>
+              <a:rPr lang="en-US" b="1" dirty="0"/>
+              <a:t>Service</a:t>
+            </a:r>
+            <a:r>
+              <a:rPr lang="en-US" dirty="0"/>
+              <a:t> (</a:t>
+            </a:r>
+            <a:r>
+              <a:rPr lang="en-US" dirty="0" err="1"/>
+              <a:t>ClusterIp</a:t>
+            </a:r>
+            <a:r>
+              <a:rPr lang="en-US"/>
+              <a:t>)</a:t>
+            </a:r>
+            <a:endParaRPr lang="en-US" dirty="0"/>
+          </a:p>
+          <a:p>
+            <a:pPr lvl="1"/>
+            <a:r>
+              <a:rPr lang="en-US" b="1" dirty="0"/>
+              <a:t>Ingress Rule </a:t>
+            </a:r>
+            <a:r>
+              <a:rPr lang="en-US" dirty="0"/>
+              <a:t>(requires an </a:t>
+            </a:r>
+            <a:r>
+              <a:rPr lang="en-US" b="1" i="1" dirty="0"/>
+              <a:t>ingress controller</a:t>
+            </a:r>
+            <a:r>
+              <a:rPr lang="en-US" dirty="0"/>
+              <a:t> available (installed up front) in the cluster </a:t>
+            </a:r>
+          </a:p>
+          <a:p>
+            <a:pPr lvl="2"/>
+            <a:r>
+              <a:rPr lang="en-US" dirty="0"/>
+              <a:t>Not strictly required, services can be of type </a:t>
+            </a:r>
+            <a:r>
+              <a:rPr lang="en-US" dirty="0" err="1"/>
+              <a:t>LoadBalancer</a:t>
+            </a:r>
+            <a:r>
+              <a:rPr lang="en-US" dirty="0"/>
+              <a:t>, but this implies a separate public IP for each web app, which is not an optimal solution, cloud providers put limits on public </a:t>
+            </a:r>
+            <a:r>
+              <a:rPr lang="en-US" dirty="0" err="1"/>
+              <a:t>ip</a:t>
+            </a:r>
+            <a:r>
+              <a:rPr lang="en-US" dirty="0"/>
+              <a:t> provisioning</a:t>
+            </a:r>
+          </a:p>
+          <a:p>
+            <a:pPr lvl="1"/>
+            <a:r>
+              <a:rPr lang="en-US" b="1" dirty="0" err="1"/>
+              <a:t>configMaps</a:t>
+            </a:r>
+            <a:r>
+              <a:rPr lang="en-US" b="1" dirty="0"/>
+              <a:t> </a:t>
+            </a:r>
+            <a:r>
+              <a:rPr lang="en-US" dirty="0"/>
+              <a:t>: define “per environment” settings for you app  (env variables or files injected into the container)</a:t>
+            </a:r>
+          </a:p>
+          <a:p>
+            <a:pPr lvl="2"/>
+            <a:r>
+              <a:rPr lang="en-US" dirty="0"/>
+              <a:t>For sure you don’t want to make an image for each environment</a:t>
+            </a:r>
+          </a:p>
+          <a:p>
+            <a:r>
+              <a:rPr lang="en-US" dirty="0"/>
+              <a:t>WATCH OUT: kubectl apply will do nothing if yaml file has not changed (“problematic” for deployment yaml: use of latest tag, changes in config map)</a:t>
+            </a:r>
+          </a:p>
+          <a:p>
+            <a:endParaRPr lang="en-US" dirty="0"/>
           </a:p>
         </p:txBody>
       </p:sp>
     </p:spTree>
     <p:extLst>
       <p:ext uri="{BB962C8B-B14F-4D97-AF65-F5344CB8AC3E}">
-        <p14:creationId xmlns:p14="http://schemas.microsoft.com/office/powerpoint/2010/main" val="3838510198"/>
+        <p14:creationId xmlns:p14="http://schemas.microsoft.com/office/powerpoint/2010/main" val="1804269025"/>
       </p:ext>
     </p:extLst>
   </p:cSld>
@@ -9548,7 +9424,7 @@
           <p:cNvPr id="2" name="Title 1">
             <a:extLst>
               <a:ext uri="{FF2B5EF4-FFF2-40B4-BE49-F238E27FC236}">
-                <a16:creationId xmlns:a16="http://schemas.microsoft.com/office/drawing/2014/main" id="{86E57E8B-EA94-40A5-9213-AEBB8BAF0DD4}"/>
+                <a16:creationId xmlns:a16="http://schemas.microsoft.com/office/drawing/2014/main" id="{4A610F31-5704-4FB5-B8EE-2B146ABFDD54}"/>
               </a:ext>
             </a:extLst>
           </p:cNvPr>
@@ -9581,7 +9457,7 @@
           <p:cNvPr id="3" name="Text Placeholder 2">
             <a:extLst>
               <a:ext uri="{FF2B5EF4-FFF2-40B4-BE49-F238E27FC236}">
-                <a16:creationId xmlns:a16="http://schemas.microsoft.com/office/drawing/2014/main" id="{1AAAED32-57B9-4801-BD2C-E713FEEAB6BD}"/>
+                <a16:creationId xmlns:a16="http://schemas.microsoft.com/office/drawing/2014/main" id="{45547718-901D-4C08-BB56-1CB3D5574160}"/>
               </a:ext>
             </a:extLst>
           </p:cNvPr>
@@ -9598,238 +9474,252 @@
           <a:lstStyle/>
           <a:p>
             <a:r>
-              <a:rPr lang="it-IT" dirty="0"/>
-              <a:t>Service</a:t>
-            </a:r>
-            <a:endParaRPr lang="en-US" dirty="0"/>
-          </a:p>
-        </p:txBody>
-      </p:sp>
-      <p:sp>
-        <p:nvSpPr>
-          <p:cNvPr id="5" name="Rectangle 4">
+              <a:rPr lang="en-US" dirty="0"/>
+              <a:t>Config Map</a:t>
+            </a:r>
+          </a:p>
+        </p:txBody>
+      </p:sp>
+      <p:sp>
+        <p:nvSpPr>
+          <p:cNvPr id="4" name="Text Placeholder 3">
             <a:extLst>
               <a:ext uri="{FF2B5EF4-FFF2-40B4-BE49-F238E27FC236}">
-                <a16:creationId xmlns:a16="http://schemas.microsoft.com/office/drawing/2014/main" id="{9943757B-B1F3-4FCE-98AF-1EA57A299199}"/>
+                <a16:creationId xmlns:a16="http://schemas.microsoft.com/office/drawing/2014/main" id="{11AFB451-7FE0-4A9C-858A-93D8A0337153}"/>
               </a:ext>
             </a:extLst>
           </p:cNvPr>
-          <p:cNvSpPr/>
-          <p:nvPr/>
+          <p:cNvSpPr>
+            <a:spLocks noGrp="1"/>
+          </p:cNvSpPr>
+          <p:nvPr>
+            <p:ph type="body" idx="1"/>
+          </p:nvPr>
         </p:nvSpPr>
         <p:spPr>
           <a:xfrm>
-            <a:off x="1152939" y="5157471"/>
-            <a:ext cx="19679478" cy="7014228"/>
+            <a:off x="6260841" y="3282869"/>
+            <a:ext cx="21005801" cy="9394660"/>
           </a:xfrm>
-          <a:prstGeom prst="rect">
-            <a:avLst/>
-          </a:prstGeom>
         </p:spPr>
         <p:txBody>
-          <a:bodyPr wrap="square">
-            <a:spAutoFit/>
+          <a:bodyPr>
+            <a:normAutofit/>
           </a:bodyPr>
           <a:lstStyle/>
           <a:p>
-            <a:r>
-              <a:rPr lang="en-US" sz="4000" dirty="0" err="1"/>
+            <a:pPr marL="0" indent="0">
+              <a:buNone/>
+            </a:pPr>
+            <a:r>
+              <a:rPr lang="en-US" sz="4000" dirty="0" err="1">
+                <a:solidFill>
+                  <a:srgbClr val="FF0000"/>
+                </a:solidFill>
+              </a:rPr>
               <a:t>apiVersion</a:t>
             </a:r>
             <a:r>
-              <a:rPr lang="en-US" sz="4000" dirty="0"/>
+              <a:rPr lang="en-US" sz="4000" dirty="0">
+                <a:solidFill>
+                  <a:srgbClr val="FF0000"/>
+                </a:solidFill>
+              </a:rPr>
               <a:t>: v1</a:t>
             </a:r>
-          </a:p>
-          <a:p>
-            <a:r>
-              <a:rPr lang="en-US" sz="4000" dirty="0"/>
+            <a:br>
+              <a:rPr lang="en-US" sz="4000" dirty="0">
+                <a:solidFill>
+                  <a:srgbClr val="FF0000"/>
+                </a:solidFill>
+              </a:rPr>
+            </a:br>
+            <a:r>
+              <a:rPr lang="en-US" sz="4000" dirty="0">
+                <a:solidFill>
+                  <a:srgbClr val="FF0000"/>
+                </a:solidFill>
+              </a:rPr>
               <a:t>kind: </a:t>
             </a:r>
             <a:r>
+              <a:rPr lang="en-US" sz="4000" dirty="0" err="1">
+                <a:solidFill>
+                  <a:srgbClr val="FF0000"/>
+                </a:solidFill>
+              </a:rPr>
+              <a:t>ConfigMap</a:t>
+            </a:r>
+            <a:br>
               <a:rPr lang="en-US" sz="4000" dirty="0">
-                <a:highlight>
-                  <a:srgbClr val="00FFFF"/>
-                </a:highlight>
+                <a:solidFill>
+                  <a:srgbClr val="FF0000"/>
+                </a:solidFill>
               </a:rPr>
-              <a:t>Service</a:t>
-            </a:r>
-          </a:p>
-          <a:p>
-            <a:r>
-              <a:rPr lang="en-US" sz="4000" dirty="0"/>
+            </a:br>
+            <a:r>
+              <a:rPr lang="en-US" sz="4000" dirty="0">
+                <a:solidFill>
+                  <a:srgbClr val="FF0000"/>
+                </a:solidFill>
+              </a:rPr>
               <a:t>metadata:</a:t>
             </a:r>
-          </a:p>
-          <a:p>
-            <a:r>
-              <a:rPr lang="en-US" sz="4000" dirty="0"/>
-              <a:t>  name: </a:t>
-            </a:r>
-            <a:r>
+            <a:br>
               <a:rPr lang="en-US" sz="4000" dirty="0">
-                <a:highlight>
-                  <a:srgbClr val="FFFF00"/>
-                </a:highlight>
+                <a:solidFill>
+                  <a:srgbClr val="FF0000"/>
+                </a:solidFill>
               </a:rPr>
-              <a:t>k8sdemohelm</a:t>
-            </a:r>
-          </a:p>
-          <a:p>
-            <a:r>
-              <a:rPr lang="en-US" sz="4000" dirty="0"/>
+            </a:br>
+            <a:r>
+              <a:rPr lang="en-US" sz="4000" dirty="0">
+                <a:solidFill>
+                  <a:srgbClr val="FF0000"/>
+                </a:solidFill>
+              </a:rPr>
+              <a:t>  name: k8sdemo-config-map</a:t>
+            </a:r>
+            <a:br>
+              <a:rPr lang="en-US" sz="4000" dirty="0">
+                <a:solidFill>
+                  <a:srgbClr val="FF0000"/>
+                </a:solidFill>
+              </a:rPr>
+            </a:br>
+            <a:r>
+              <a:rPr lang="en-US" sz="4000" dirty="0">
+                <a:solidFill>
+                  <a:srgbClr val="FF0000"/>
+                </a:solidFill>
+              </a:rPr>
               <a:t>  namespace: dev</a:t>
             </a:r>
-          </a:p>
-          <a:p>
-            <a:r>
-              <a:rPr lang="en-US" sz="4000" dirty="0"/>
-              <a:t>spec:</a:t>
-            </a:r>
-          </a:p>
-          <a:p>
-            <a:r>
-              <a:rPr lang="en-US" sz="4000" dirty="0"/>
-              <a:t>  type: </a:t>
+            <a:br>
+              <a:rPr lang="en-US" sz="4000" dirty="0">
+                <a:solidFill>
+                  <a:srgbClr val="FF0000"/>
+                </a:solidFill>
+              </a:rPr>
+            </a:br>
+            <a:r>
+              <a:rPr lang="en-US" sz="4000" dirty="0">
+                <a:solidFill>
+                  <a:srgbClr val="FF0000"/>
+                </a:solidFill>
+              </a:rPr>
+              <a:t>data:</a:t>
+            </a:r>
+            <a:br>
+              <a:rPr lang="en-US" sz="4000" dirty="0">
+                <a:solidFill>
+                  <a:srgbClr val="FF0000"/>
+                </a:solidFill>
+              </a:rPr>
+            </a:br>
+            <a:r>
+              <a:rPr lang="en-US" sz="4000" dirty="0">
+                <a:solidFill>
+                  <a:srgbClr val="FF0000"/>
+                </a:solidFill>
+              </a:rPr>
+              <a:t>  ASPNETCOREENVIRONMENT: "kind-env“</a:t>
+            </a:r>
+            <a:br>
+              <a:rPr lang="en-US" sz="4000" dirty="0">
+                <a:solidFill>
+                  <a:srgbClr val="FF0000"/>
+                </a:solidFill>
+              </a:rPr>
+            </a:br>
+            <a:r>
+              <a:rPr lang="en-US" sz="4000" dirty="0">
+                <a:solidFill>
+                  <a:srgbClr val="FF0000"/>
+                </a:solidFill>
+              </a:rPr>
+              <a:t>  </a:t>
             </a:r>
             <a:r>
               <a:rPr lang="en-US" sz="4000" dirty="0" err="1">
-                <a:highlight>
-                  <a:srgbClr val="FFFF00"/>
-                </a:highlight>
+                <a:solidFill>
+                  <a:srgbClr val="FF0000"/>
+                </a:solidFill>
               </a:rPr>
-              <a:t>ClusterIp</a:t>
-            </a:r>
-            <a:endParaRPr lang="en-US" sz="4000" dirty="0">
-              <a:highlight>
-                <a:srgbClr val="FFFF00"/>
-              </a:highlight>
-            </a:endParaRPr>
-          </a:p>
-          <a:p>
-            <a:r>
-              <a:rPr lang="en-US" sz="4000" dirty="0"/>
-              <a:t>  ports:</a:t>
-            </a:r>
-          </a:p>
-          <a:p>
-            <a:r>
-              <a:rPr lang="en-US" sz="4000" dirty="0"/>
-              <a:t>    - port: 80</a:t>
-            </a:r>
-          </a:p>
-          <a:p>
-            <a:r>
-              <a:rPr lang="en-US" sz="4000" dirty="0"/>
-              <a:t>      </a:t>
-            </a:r>
-            <a:r>
-              <a:rPr lang="en-US" sz="4000" dirty="0" err="1"/>
-              <a:t>targetPort</a:t>
-            </a:r>
-            <a:r>
-              <a:rPr lang="en-US" sz="4000" dirty="0"/>
-              <a:t>: 80</a:t>
-            </a:r>
-          </a:p>
-          <a:p>
-            <a:r>
-              <a:rPr lang="en-US" sz="4000" dirty="0"/>
-              <a:t>  selector:</a:t>
-            </a:r>
-          </a:p>
-          <a:p>
-            <a:r>
-              <a:rPr lang="en-US" sz="4000" dirty="0"/>
-              <a:t>    </a:t>
+              <a:t>appsettings.kind-env.json</a:t>
             </a:r>
             <a:r>
               <a:rPr lang="en-US" sz="4000" dirty="0">
-                <a:highlight>
-                  <a:srgbClr val="FFFF00"/>
-                </a:highlight>
+                <a:solidFill>
+                  <a:srgbClr val="FF0000"/>
+                </a:solidFill>
               </a:rPr>
-              <a:t>app: k8sdemohelm (can be selector on multiple tags)</a:t>
-            </a:r>
-          </a:p>
-          <a:p>
-            <a:endParaRPr lang="en-US" sz="4000" dirty="0">
-              <a:highlight>
-                <a:srgbClr val="FFFF00"/>
-              </a:highlight>
-            </a:endParaRPr>
-          </a:p>
-          <a:p>
-            <a:endParaRPr lang="en-US" sz="4000" dirty="0">
-              <a:highlight>
-                <a:srgbClr val="FFFF00"/>
-              </a:highlight>
-            </a:endParaRPr>
-          </a:p>
-          <a:p>
-            <a:r>
+              <a:t>: |-</a:t>
+            </a:r>
+            <a:br>
               <a:rPr lang="en-US" sz="4000" dirty="0">
-                <a:highlight>
-                  <a:srgbClr val="C0C0C0"/>
-                </a:highlight>
+                <a:solidFill>
+                  <a:srgbClr val="FF0000"/>
+                </a:solidFill>
               </a:rPr>
-              <a:t>Type: </a:t>
+            </a:br>
+            <a:r>
+              <a:rPr lang="en-US" sz="4000" dirty="0">
+                <a:solidFill>
+                  <a:srgbClr val="FF0000"/>
+                </a:solidFill>
+              </a:rPr>
+              <a:t>    {</a:t>
+            </a:r>
+          </a:p>
+          <a:p>
+            <a:pPr marL="0" indent="0">
+              <a:buNone/>
+            </a:pPr>
+            <a:r>
+              <a:rPr lang="en-US" sz="4000" dirty="0">
+                <a:solidFill>
+                  <a:srgbClr val="FF0000"/>
+                </a:solidFill>
+              </a:rPr>
+              <a:t>      "</a:t>
             </a:r>
             <a:r>
               <a:rPr lang="en-US" sz="4000" dirty="0" err="1">
-                <a:highlight>
-                  <a:srgbClr val="C0C0C0"/>
-                </a:highlight>
+                <a:solidFill>
+                  <a:srgbClr val="FF0000"/>
+                </a:solidFill>
               </a:rPr>
-              <a:t>ClusterIp</a:t>
+              <a:t>MySetting</a:t>
             </a:r>
             <a:r>
               <a:rPr lang="en-US" sz="4000" dirty="0">
-                <a:highlight>
-                  <a:srgbClr val="C0C0C0"/>
-                </a:highlight>
+                <a:solidFill>
+                  <a:srgbClr val="FF0000"/>
+                </a:solidFill>
               </a:rPr>
-              <a:t>, </a:t>
-            </a:r>
-            <a:r>
-              <a:rPr lang="en-US" sz="4000" dirty="0" err="1">
-                <a:highlight>
-                  <a:srgbClr val="C0C0C0"/>
-                </a:highlight>
+              <a:t>": "kind-setting"</a:t>
+            </a:r>
+          </a:p>
+          <a:p>
+            <a:pPr marL="0" indent="0">
+              <a:buNone/>
+            </a:pPr>
+            <a:r>
+              <a:rPr lang="en-US" sz="4000" dirty="0">
+                <a:solidFill>
+                  <a:srgbClr val="FF0000"/>
+                </a:solidFill>
               </a:rPr>
-              <a:t>NodePort</a:t>
-            </a:r>
-            <a:r>
-              <a:rPr lang="en-US" sz="4000" dirty="0">
-                <a:highlight>
-                  <a:srgbClr val="C0C0C0"/>
-                </a:highlight>
-              </a:rPr>
-              <a:t>, </a:t>
-            </a:r>
-            <a:r>
-              <a:rPr lang="en-US" sz="4000" dirty="0" err="1">
-                <a:highlight>
-                  <a:srgbClr val="C0C0C0"/>
-                </a:highlight>
-              </a:rPr>
-              <a:t>LoadBalancer</a:t>
-            </a:r>
-            <a:endParaRPr lang="en-US" sz="4000" dirty="0">
-              <a:highlight>
-                <a:srgbClr val="C0C0C0"/>
-              </a:highlight>
-            </a:endParaRPr>
-          </a:p>
-          <a:p>
-            <a:endParaRPr lang="en-US" sz="4000" dirty="0"/>
+              <a:t>    }</a:t>
+            </a:r>
           </a:p>
         </p:txBody>
       </p:sp>
     </p:spTree>
     <p:extLst>
       <p:ext uri="{BB962C8B-B14F-4D97-AF65-F5344CB8AC3E}">
-        <p14:creationId xmlns:p14="http://schemas.microsoft.com/office/powerpoint/2010/main" val="4042995166"/>
+        <p14:creationId xmlns:p14="http://schemas.microsoft.com/office/powerpoint/2010/main" val="3905558041"/>
       </p:ext>
     </p:extLst>
   </p:cSld>
@@ -9933,8 +9823,8 @@
         </p:nvSpPr>
         <p:spPr>
           <a:xfrm>
-            <a:off x="1152939" y="3282869"/>
-            <a:ext cx="19679478" cy="9766392"/>
+            <a:off x="8252986" y="594586"/>
+            <a:ext cx="19679478" cy="11874917"/>
           </a:xfrm>
           <a:prstGeom prst="rect">
             <a:avLst/>
@@ -9947,265 +9837,339 @@
           <a:lstStyle/>
           <a:p>
             <a:r>
-              <a:rPr lang="en-US" sz="3200" dirty="0" err="1"/>
+              <a:rPr lang="en-US" sz="2800" dirty="0" err="1"/>
               <a:t>apiVersion</a:t>
             </a:r>
             <a:r>
-              <a:rPr lang="en-US" sz="3200" dirty="0"/>
-              <a:t>: apps/v1beta2</a:t>
-            </a:r>
-          </a:p>
-          <a:p>
-            <a:r>
-              <a:rPr lang="en-US" sz="3200" dirty="0"/>
-              <a:t>kind: </a:t>
-            </a:r>
-            <a:r>
-              <a:rPr lang="en-US" sz="3200" dirty="0">
-                <a:highlight>
-                  <a:srgbClr val="00FFFF"/>
-                </a:highlight>
-              </a:rPr>
-              <a:t>Deployment</a:t>
-            </a:r>
-          </a:p>
-          <a:p>
-            <a:r>
-              <a:rPr lang="en-US" sz="3200" dirty="0"/>
+              <a:rPr lang="en-US" sz="2800" dirty="0"/>
+              <a:t>: apps/v1</a:t>
+            </a:r>
+          </a:p>
+          <a:p>
+            <a:r>
+              <a:rPr lang="en-US" sz="2800" dirty="0"/>
+              <a:t>kind: Deployment</a:t>
+            </a:r>
+          </a:p>
+          <a:p>
+            <a:r>
+              <a:rPr lang="en-US" sz="2800" dirty="0"/>
               <a:t>metadata:</a:t>
             </a:r>
           </a:p>
           <a:p>
             <a:r>
-              <a:rPr lang="en-US" sz="3200" dirty="0"/>
-              <a:t>  name: k8sdemohelm</a:t>
-            </a:r>
-          </a:p>
-          <a:p>
-            <a:r>
-              <a:rPr lang="en-US" sz="3200" dirty="0"/>
+              <a:rPr lang="en-US" sz="2800" dirty="0"/>
+              <a:t>  name: k8sdemo</a:t>
+            </a:r>
+          </a:p>
+          <a:p>
+            <a:r>
+              <a:rPr lang="en-US" sz="2800" dirty="0"/>
               <a:t>  namespace: dev</a:t>
             </a:r>
           </a:p>
           <a:p>
             <a:r>
-              <a:rPr lang="en-US" sz="3200" dirty="0"/>
+              <a:rPr lang="en-US" sz="2800" dirty="0"/>
               <a:t>  labels:</a:t>
             </a:r>
           </a:p>
           <a:p>
             <a:r>
-              <a:rPr lang="en-US" sz="3200" dirty="0"/>
-              <a:t>    app: k8sdemohelm</a:t>
-            </a:r>
-          </a:p>
-          <a:p>
-            <a:r>
-              <a:rPr lang="en-US" sz="3200" dirty="0"/>
+              <a:rPr lang="en-US" sz="2800" dirty="0"/>
+              <a:t>    app: k8sdemo</a:t>
+            </a:r>
+          </a:p>
+          <a:p>
+            <a:r>
+              <a:rPr lang="en-US" sz="2800" dirty="0"/>
               <a:t>spec:</a:t>
             </a:r>
           </a:p>
           <a:p>
             <a:r>
-              <a:rPr lang="en-US" sz="3200" dirty="0"/>
+              <a:rPr lang="en-US" sz="2800" b="1" dirty="0"/>
+              <a:t>  replicas: 1</a:t>
+            </a:r>
+          </a:p>
+          <a:p>
+            <a:r>
+              <a:rPr lang="en-US" sz="2800" dirty="0"/>
               <a:t>  </a:t>
             </a:r>
             <a:r>
-              <a:rPr lang="en-US" sz="3200" dirty="0">
-                <a:highlight>
-                  <a:srgbClr val="FFFF00"/>
-                </a:highlight>
-              </a:rPr>
-              <a:t>replicas: 1</a:t>
-            </a:r>
-          </a:p>
-          <a:p>
-            <a:r>
-              <a:rPr lang="en-US" sz="3200" dirty="0"/>
-              <a:t>  selector:</a:t>
-            </a:r>
-          </a:p>
-          <a:p>
-            <a:r>
-              <a:rPr lang="en-US" sz="3200" dirty="0">
-                <a:highlight>
-                  <a:srgbClr val="FFFF00"/>
-                </a:highlight>
-              </a:rPr>
+              <a:rPr lang="en-US" sz="2800" b="1" dirty="0"/>
+              <a:t>selector:</a:t>
+            </a:r>
+          </a:p>
+          <a:p>
+            <a:r>
+              <a:rPr lang="en-US" sz="2800" b="1" dirty="0"/>
               <a:t>    </a:t>
             </a:r>
             <a:r>
-              <a:rPr lang="en-US" sz="3200" dirty="0" err="1">
-                <a:highlight>
-                  <a:srgbClr val="FFFF00"/>
-                </a:highlight>
-              </a:rPr>
+              <a:rPr lang="en-US" sz="2800" b="1" dirty="0" err="1"/>
               <a:t>matchLabels</a:t>
             </a:r>
             <a:r>
-              <a:rPr lang="en-US" sz="3200" dirty="0">
-                <a:highlight>
-                  <a:srgbClr val="FFFF00"/>
-                </a:highlight>
-              </a:rPr>
+              <a:rPr lang="en-US" sz="2800" b="1" dirty="0"/>
               <a:t>:</a:t>
             </a:r>
           </a:p>
           <a:p>
             <a:r>
-              <a:rPr lang="en-US" sz="3200" dirty="0">
-                <a:highlight>
-                  <a:srgbClr val="FFFF00"/>
-                </a:highlight>
-              </a:rPr>
-              <a:t>      app: k8sdemohelm</a:t>
-            </a:r>
-          </a:p>
-          <a:p>
-            <a:r>
-              <a:rPr lang="en-US" sz="3200" dirty="0"/>
+              <a:rPr lang="en-US" sz="2800" b="1" dirty="0"/>
+              <a:t>      app: k8sdemo</a:t>
+            </a:r>
+          </a:p>
+          <a:p>
+            <a:r>
+              <a:rPr lang="en-US" sz="2800" dirty="0"/>
               <a:t>  template:</a:t>
             </a:r>
           </a:p>
           <a:p>
             <a:r>
-              <a:rPr lang="en-US" sz="3200" dirty="0"/>
+              <a:rPr lang="en-US" sz="2800" dirty="0"/>
               <a:t>    metadata:</a:t>
             </a:r>
           </a:p>
           <a:p>
             <a:r>
-              <a:rPr lang="en-US" sz="3200" dirty="0"/>
+              <a:rPr lang="en-US" sz="2800" dirty="0"/>
               <a:t>      labels:</a:t>
             </a:r>
           </a:p>
           <a:p>
             <a:r>
-              <a:rPr lang="en-US" sz="3200" dirty="0"/>
-              <a:t>        app: k8sdemohelm</a:t>
-            </a:r>
-          </a:p>
-          <a:p>
-            <a:r>
-              <a:rPr lang="en-US" sz="3200" dirty="0"/>
+              <a:rPr lang="en-US" sz="2800" dirty="0"/>
+              <a:t>        app: k8sdemo</a:t>
+            </a:r>
+          </a:p>
+          <a:p>
+            <a:r>
+              <a:rPr lang="en-US" sz="2800" dirty="0"/>
               <a:t>    spec:</a:t>
             </a:r>
           </a:p>
           <a:p>
             <a:r>
-              <a:rPr lang="en-US" sz="3200" dirty="0"/>
+              <a:rPr lang="en-US" sz="2800" dirty="0"/>
               <a:t>      containers:</a:t>
             </a:r>
           </a:p>
           <a:p>
             <a:r>
-              <a:rPr lang="en-US" sz="3200" dirty="0"/>
+              <a:rPr lang="en-US" sz="2800" dirty="0"/>
               <a:t>      - name: k8sdemo</a:t>
             </a:r>
           </a:p>
           <a:p>
             <a:r>
-              <a:rPr lang="en-US" sz="3200" dirty="0">
-                <a:highlight>
-                  <a:srgbClr val="FFFF00"/>
-                </a:highlight>
-              </a:rPr>
-              <a:t>        image: “mycontainerregistry.azurecr.io/k8sdemo:latest"</a:t>
-            </a:r>
-          </a:p>
-          <a:p>
-            <a:r>
-              <a:rPr lang="en-US" sz="3200" dirty="0"/>
+              <a:rPr lang="en-US" sz="2800" b="1" dirty="0"/>
+              <a:t>        image: </a:t>
+            </a:r>
+            <a:r>
+              <a:rPr lang="en-US" sz="2800" b="1" dirty="0" err="1"/>
+              <a:t>sabbadino</a:t>
+            </a:r>
+            <a:r>
+              <a:rPr lang="en-US" sz="2800" b="1" dirty="0"/>
+              <a:t>/k8sdemo:1.2</a:t>
+            </a:r>
+          </a:p>
+          <a:p>
+            <a:r>
+              <a:rPr lang="en-US" sz="2800" b="1" dirty="0"/>
               <a:t>        </a:t>
             </a:r>
             <a:r>
-              <a:rPr lang="en-US" sz="3200" dirty="0" err="1"/>
+              <a:rPr lang="en-US" sz="2800" b="1" dirty="0" err="1"/>
               <a:t>imagePullPolicy</a:t>
             </a:r>
             <a:r>
-              <a:rPr lang="en-US" sz="3200" dirty="0"/>
+              <a:rPr lang="en-US" sz="2800" b="1" dirty="0"/>
               <a:t>: Always</a:t>
             </a:r>
           </a:p>
           <a:p>
             <a:r>
-              <a:rPr lang="en-US" sz="3200" dirty="0"/>
+              <a:rPr lang="en-US" sz="2800" dirty="0"/>
               <a:t>        resources: null</a:t>
             </a:r>
           </a:p>
           <a:p>
-            <a:endParaRPr lang="en-US" sz="3200" dirty="0"/>
-          </a:p>
-          <a:p>
-            <a:r>
-              <a:rPr lang="en-US" sz="3200" dirty="0"/>
+            <a:r>
+              <a:rPr lang="en-US" sz="2800" dirty="0"/>
               <a:t>        ports:</a:t>
             </a:r>
           </a:p>
           <a:p>
             <a:r>
-              <a:rPr lang="en-US" sz="3200" dirty="0"/>
+              <a:rPr lang="en-US" sz="2800" dirty="0"/>
               <a:t>          - name: http</a:t>
             </a:r>
           </a:p>
           <a:p>
             <a:r>
-              <a:rPr lang="en-US" sz="3200" dirty="0"/>
+              <a:rPr lang="en-US" sz="2800" dirty="0"/>
               <a:t>            </a:t>
             </a:r>
             <a:r>
-              <a:rPr lang="en-US" sz="3200" dirty="0" err="1"/>
+              <a:rPr lang="en-US" sz="2800" dirty="0" err="1"/>
               <a:t>containerPort</a:t>
             </a:r>
             <a:r>
-              <a:rPr lang="en-US" sz="3200" dirty="0"/>
+              <a:rPr lang="en-US" sz="2800" dirty="0"/>
               <a:t>: 80</a:t>
             </a:r>
           </a:p>
           <a:p>
             <a:r>
-              <a:rPr lang="en-US" sz="3200" dirty="0">
-                <a:highlight>
-                  <a:srgbClr val="FFFF00"/>
-                </a:highlight>
-              </a:rPr>
-              <a:t>      </a:t>
-            </a:r>
-            <a:r>
-              <a:rPr lang="en-US" sz="3200" dirty="0" err="1">
-                <a:highlight>
-                  <a:srgbClr val="FFFF00"/>
-                </a:highlight>
-              </a:rPr>
-              <a:t>imagePullSecrets</a:t>
-            </a:r>
-            <a:r>
-              <a:rPr lang="en-US" sz="3200" dirty="0">
-                <a:highlight>
-                  <a:srgbClr val="FFFF00"/>
-                </a:highlight>
-              </a:rPr>
+              <a:rPr lang="en-US" sz="2800" dirty="0"/>
+              <a:t>        env:</a:t>
+            </a:r>
+          </a:p>
+          <a:p>
+            <a:r>
+              <a:rPr lang="en-US" sz="2800" dirty="0"/>
+              <a:t>        - name: ASPNETCORE_ENVIRONMENT</a:t>
+            </a:r>
+          </a:p>
+          <a:p>
+            <a:r>
+              <a:rPr lang="en-US" sz="2800" dirty="0"/>
+              <a:t>          </a:t>
+            </a:r>
+            <a:r>
+              <a:rPr lang="en-US" sz="2800" b="1" dirty="0" err="1"/>
+              <a:t>valueFrom</a:t>
+            </a:r>
+            <a:r>
+              <a:rPr lang="en-US" sz="2800" b="1" dirty="0"/>
               <a:t>:</a:t>
             </a:r>
           </a:p>
           <a:p>
             <a:r>
-              <a:rPr lang="en-US" sz="3200" dirty="0">
-                <a:highlight>
-                  <a:srgbClr val="FFFF00"/>
-                </a:highlight>
-              </a:rPr>
-              <a:t>      - name: </a:t>
-            </a:r>
-            <a:r>
-              <a:rPr lang="en-US" sz="3200" dirty="0" err="1">
-                <a:highlight>
-                  <a:srgbClr val="FFFF00"/>
-                </a:highlight>
-              </a:rPr>
-              <a:t>myregistryaccesskey</a:t>
-            </a:r>
-            <a:endParaRPr lang="en-US" sz="3200" dirty="0">
+              <a:rPr lang="en-US" sz="2800" b="1" dirty="0"/>
+              <a:t>              </a:t>
+            </a:r>
+            <a:r>
+              <a:rPr lang="en-US" sz="2800" b="1" dirty="0" err="1"/>
+              <a:t>configMapKeyRef</a:t>
+            </a:r>
+            <a:r>
+              <a:rPr lang="en-US" sz="2800" b="1" dirty="0"/>
+              <a:t>:</a:t>
+            </a:r>
+          </a:p>
+          <a:p>
+            <a:r>
+              <a:rPr lang="en-US" sz="2800" b="1" dirty="0"/>
+              <a:t>                name: k8sdemo-config-map</a:t>
+            </a:r>
+          </a:p>
+          <a:p>
+            <a:r>
+              <a:rPr lang="en-US" sz="2800" b="1" dirty="0"/>
+              <a:t>                key: ASPNETCOREENVIRONMENT</a:t>
+            </a:r>
+          </a:p>
+          <a:p>
+            <a:r>
+              <a:rPr lang="en-US" sz="2800" b="1" dirty="0"/>
+              <a:t>        </a:t>
+            </a:r>
+            <a:r>
+              <a:rPr lang="en-US" sz="2800" b="1" dirty="0" err="1"/>
+              <a:t>volumeMounts</a:t>
+            </a:r>
+            <a:r>
+              <a:rPr lang="en-US" sz="2800" b="1" dirty="0"/>
+              <a:t>:</a:t>
+            </a:r>
+          </a:p>
+          <a:p>
+            <a:r>
+              <a:rPr lang="en-US" sz="2800" b="1" dirty="0"/>
+              <a:t>        - name: settings-volume</a:t>
+            </a:r>
+          </a:p>
+          <a:p>
+            <a:r>
+              <a:rPr lang="en-US" sz="2800" b="1" dirty="0"/>
+              <a:t>          </a:t>
+            </a:r>
+            <a:r>
+              <a:rPr lang="en-US" sz="2800" b="1" dirty="0" err="1"/>
+              <a:t>mountPath</a:t>
+            </a:r>
+            <a:r>
+              <a:rPr lang="en-US" sz="2800" b="1" dirty="0"/>
+              <a:t>: /app/</a:t>
+            </a:r>
+            <a:r>
+              <a:rPr lang="en-US" sz="2800" b="1" dirty="0" err="1"/>
+              <a:t>appsettings.kind-env.json</a:t>
+            </a:r>
+            <a:endParaRPr lang="en-US" sz="2800" b="1" dirty="0"/>
+          </a:p>
+          <a:p>
+            <a:r>
+              <a:rPr lang="en-US" sz="2800" b="1" dirty="0"/>
+              <a:t>          </a:t>
+            </a:r>
+            <a:r>
+              <a:rPr lang="en-US" sz="2800" b="1" dirty="0" err="1"/>
+              <a:t>subPath</a:t>
+            </a:r>
+            <a:r>
+              <a:rPr lang="en-US" sz="2800" b="1" dirty="0"/>
+              <a:t>: </a:t>
+            </a:r>
+            <a:r>
+              <a:rPr lang="en-US" sz="2800" b="1" dirty="0" err="1"/>
+              <a:t>appsettings.kind-env.json</a:t>
+            </a:r>
+            <a:r>
+              <a:rPr lang="en-US" sz="2800" b="1" dirty="0"/>
+              <a:t>            </a:t>
+            </a:r>
+          </a:p>
+          <a:p>
+            <a:r>
+              <a:rPr lang="en-US" sz="2800" dirty="0"/>
+              <a:t>      volumes:</a:t>
+            </a:r>
+          </a:p>
+          <a:p>
+            <a:r>
+              <a:rPr lang="en-US" sz="2800" dirty="0"/>
+              <a:t>      - name: settings-volume</a:t>
+            </a:r>
+          </a:p>
+          <a:p>
+            <a:r>
+              <a:rPr lang="en-US" sz="2800" dirty="0"/>
+              <a:t>        </a:t>
+            </a:r>
+            <a:r>
+              <a:rPr lang="en-US" sz="2800" dirty="0" err="1"/>
+              <a:t>configMap</a:t>
+            </a:r>
+            <a:r>
+              <a:rPr lang="en-US" sz="2800" dirty="0"/>
+              <a:t>:</a:t>
+            </a:r>
+          </a:p>
+          <a:p>
+            <a:r>
+              <a:rPr lang="en-US" sz="2800" dirty="0"/>
+              <a:t>          name: k8sdemo-config-map </a:t>
+            </a:r>
+            <a:endParaRPr lang="en-US" sz="2800" dirty="0">
               <a:highlight>
                 <a:srgbClr val="FFFF00"/>
               </a:highlight>
@@ -10249,7 +10213,7 @@
           <p:cNvPr id="2" name="Title 1">
             <a:extLst>
               <a:ext uri="{FF2B5EF4-FFF2-40B4-BE49-F238E27FC236}">
-                <a16:creationId xmlns:a16="http://schemas.microsoft.com/office/drawing/2014/main" id="{EE70F559-8251-4D46-9246-DA5D35B10B4C}"/>
+                <a16:creationId xmlns:a16="http://schemas.microsoft.com/office/drawing/2014/main" id="{86E57E8B-EA94-40A5-9213-AEBB8BAF0DD4}"/>
               </a:ext>
             </a:extLst>
           </p:cNvPr>
@@ -10282,7 +10246,7 @@
           <p:cNvPr id="3" name="Text Placeholder 2">
             <a:extLst>
               <a:ext uri="{FF2B5EF4-FFF2-40B4-BE49-F238E27FC236}">
-                <a16:creationId xmlns:a16="http://schemas.microsoft.com/office/drawing/2014/main" id="{21DEBC65-BA00-4C38-B817-4CA076455813}"/>
+                <a16:creationId xmlns:a16="http://schemas.microsoft.com/office/drawing/2014/main" id="{1AAAED32-57B9-4801-BD2C-E713FEEAB6BD}"/>
               </a:ext>
             </a:extLst>
           </p:cNvPr>
@@ -10298,193 +10262,215 @@
           <a:bodyPr/>
           <a:lstStyle/>
           <a:p>
-            <a:endParaRPr lang="en-US"/>
-          </a:p>
-        </p:txBody>
-      </p:sp>
-      <p:sp>
-        <p:nvSpPr>
-          <p:cNvPr id="4" name="Text Placeholder 3">
+            <a:r>
+              <a:rPr lang="it-IT" dirty="0"/>
+              <a:t>Service</a:t>
+            </a:r>
+            <a:endParaRPr lang="en-US" dirty="0"/>
+          </a:p>
+        </p:txBody>
+      </p:sp>
+      <p:sp>
+        <p:nvSpPr>
+          <p:cNvPr id="5" name="Rectangle 4">
             <a:extLst>
               <a:ext uri="{FF2B5EF4-FFF2-40B4-BE49-F238E27FC236}">
-                <a16:creationId xmlns:a16="http://schemas.microsoft.com/office/drawing/2014/main" id="{316286F4-F5FF-44D0-A8DA-87B9CB209965}"/>
+                <a16:creationId xmlns:a16="http://schemas.microsoft.com/office/drawing/2014/main" id="{9943757B-B1F3-4FCE-98AF-1EA57A299199}"/>
               </a:ext>
             </a:extLst>
           </p:cNvPr>
-          <p:cNvSpPr>
-            <a:spLocks noGrp="1"/>
-          </p:cNvSpPr>
-          <p:nvPr>
-            <p:ph type="body" idx="1"/>
-          </p:nvPr>
-        </p:nvSpPr>
-        <p:spPr/>
-        <p:txBody>
-          <a:bodyPr/>
+          <p:cNvSpPr/>
+          <p:nvPr/>
+        </p:nvSpPr>
+        <p:spPr>
+          <a:xfrm>
+            <a:off x="1152939" y="5157471"/>
+            <a:ext cx="19679478" cy="7014228"/>
+          </a:xfrm>
+          <a:prstGeom prst="rect">
+            <a:avLst/>
+          </a:prstGeom>
+        </p:spPr>
+        <p:txBody>
+          <a:bodyPr wrap="square">
+            <a:spAutoFit/>
+          </a:bodyPr>
           <a:lstStyle/>
           <a:p>
             <a:r>
-              <a:rPr lang="en-US" dirty="0"/>
-              <a:t>Cross pod communication does not need to pass through an ingress:, better to go through services </a:t>
-            </a:r>
-          </a:p>
-          <a:p>
-            <a:r>
-              <a:rPr lang="en-US" dirty="0"/>
-              <a:t>Scenario : WEB Ap1 1 needs to call Web API 2</a:t>
-            </a:r>
-          </a:p>
-          <a:p>
-            <a:pPr lvl="1"/>
-            <a:r>
-              <a:rPr lang="en-US" dirty="0"/>
-              <a:t>Use the </a:t>
-            </a:r>
-            <a:r>
-              <a:rPr lang="en-US" i="1" dirty="0"/>
-              <a:t>service name</a:t>
-            </a:r>
-            <a:r>
-              <a:rPr lang="en-US" dirty="0"/>
-              <a:t> : </a:t>
-            </a:r>
-          </a:p>
-          <a:p>
-            <a:pPr lvl="2"/>
-            <a:r>
-              <a:rPr lang="en-US" dirty="0"/>
-              <a:t>Same namespace: </a:t>
-            </a:r>
-            <a:r>
-              <a:rPr lang="en-US" dirty="0">
-                <a:hlinkClick r:id="rId2"/>
+              <a:rPr lang="en-US" sz="4000" dirty="0" err="1"/>
+              <a:t>apiVersion</a:t>
+            </a:r>
+            <a:r>
+              <a:rPr lang="en-US" sz="4000" dirty="0"/>
+              <a:t>: v1</a:t>
+            </a:r>
+          </a:p>
+          <a:p>
+            <a:r>
+              <a:rPr lang="en-US" sz="4000" dirty="0"/>
+              <a:t>kind: Service</a:t>
+            </a:r>
+          </a:p>
+          <a:p>
+            <a:r>
+              <a:rPr lang="en-US" sz="4000" dirty="0"/>
+              <a:t>metadata:</a:t>
+            </a:r>
+          </a:p>
+          <a:p>
+            <a:r>
+              <a:rPr lang="en-US" sz="4000" dirty="0"/>
+              <a:t>  name: k8sdemo</a:t>
+            </a:r>
+          </a:p>
+          <a:p>
+            <a:r>
+              <a:rPr lang="en-US" sz="4000" dirty="0"/>
+              <a:t>  namespace: dev</a:t>
+            </a:r>
+          </a:p>
+          <a:p>
+            <a:r>
+              <a:rPr lang="en-US" sz="4000" dirty="0"/>
+              <a:t>spec:</a:t>
+            </a:r>
+          </a:p>
+          <a:p>
+            <a:r>
+              <a:rPr lang="en-US" sz="4000" dirty="0"/>
+              <a:t>  </a:t>
+            </a:r>
+            <a:r>
+              <a:rPr lang="en-US" sz="4000" b="1" dirty="0"/>
+              <a:t>type: </a:t>
+            </a:r>
+            <a:r>
+              <a:rPr lang="en-US" sz="4000" b="1" dirty="0" err="1"/>
+              <a:t>ClusterIP</a:t>
+            </a:r>
+            <a:endParaRPr lang="en-US" sz="4000" b="1" dirty="0"/>
+          </a:p>
+          <a:p>
+            <a:r>
+              <a:rPr lang="en-US" sz="4000" dirty="0"/>
+              <a:t>  ports:</a:t>
+            </a:r>
+          </a:p>
+          <a:p>
+            <a:r>
+              <a:rPr lang="en-US" sz="4000" dirty="0"/>
+              <a:t>    - port: 80</a:t>
+            </a:r>
+          </a:p>
+          <a:p>
+            <a:r>
+              <a:rPr lang="en-US" sz="4000" dirty="0"/>
+              <a:t>      </a:t>
+            </a:r>
+            <a:r>
+              <a:rPr lang="en-US" sz="4000" dirty="0" err="1"/>
+              <a:t>targetPort</a:t>
+            </a:r>
+            <a:r>
+              <a:rPr lang="en-US" sz="4000" dirty="0"/>
+              <a:t>: 80</a:t>
+            </a:r>
+          </a:p>
+          <a:p>
+            <a:r>
+              <a:rPr lang="en-US" sz="4000" dirty="0"/>
+              <a:t>  selector:</a:t>
+            </a:r>
+          </a:p>
+          <a:p>
+            <a:r>
+              <a:rPr lang="en-US" sz="4000" b="1" dirty="0"/>
+              <a:t>    app: k8sdemo</a:t>
+            </a:r>
+            <a:r>
+              <a:rPr lang="en-US" sz="4000" dirty="0"/>
+              <a:t> //selector for pods, can be a list</a:t>
+            </a:r>
+          </a:p>
+          <a:p>
+            <a:endParaRPr lang="en-US" sz="4000" dirty="0">
+              <a:highlight>
+                <a:srgbClr val="FFFF00"/>
+              </a:highlight>
+            </a:endParaRPr>
+          </a:p>
+          <a:p>
+            <a:endParaRPr lang="en-US" sz="4000" dirty="0">
+              <a:highlight>
+                <a:srgbClr val="FFFF00"/>
+              </a:highlight>
+            </a:endParaRPr>
+          </a:p>
+          <a:p>
+            <a:r>
+              <a:rPr lang="en-US" sz="4000" dirty="0">
+                <a:highlight>
+                  <a:srgbClr val="C0C0C0"/>
+                </a:highlight>
               </a:rPr>
-              <a:t>http://</a:t>
-            </a:r>
-            <a:r>
-              <a:rPr lang="en-US" dirty="0">
-                <a:sym typeface="Wingdings" panose="05000000000000000000" pitchFamily="2" charset="2"/>
+              <a:t>Type: </a:t>
+            </a:r>
+            <a:r>
+              <a:rPr lang="en-US" sz="4000" dirty="0" err="1">
+                <a:highlight>
+                  <a:srgbClr val="C0C0C0"/>
+                </a:highlight>
               </a:rPr>
-              <a:t>&lt;</a:t>
-            </a:r>
-            <a:r>
-              <a:rPr lang="en-US" dirty="0" err="1">
-                <a:sym typeface="Wingdings" panose="05000000000000000000" pitchFamily="2" charset="2"/>
+              <a:t>ClusterIp</a:t>
+            </a:r>
+            <a:r>
+              <a:rPr lang="en-US" sz="4000" dirty="0">
+                <a:highlight>
+                  <a:srgbClr val="C0C0C0"/>
+                </a:highlight>
               </a:rPr>
-              <a:t>targetservicename</a:t>
-            </a:r>
-            <a:r>
-              <a:rPr lang="en-US" dirty="0">
-                <a:sym typeface="Wingdings" panose="05000000000000000000" pitchFamily="2" charset="2"/>
+              <a:t>, </a:t>
+            </a:r>
+            <a:r>
+              <a:rPr lang="en-US" sz="4000" dirty="0" err="1">
+                <a:highlight>
+                  <a:srgbClr val="C0C0C0"/>
+                </a:highlight>
               </a:rPr>
-              <a:t>&gt;</a:t>
-            </a:r>
-            <a:r>
-              <a:rPr lang="en-US" dirty="0">
-                <a:hlinkClick r:id="rId2"/>
+              <a:t>NodePort</a:t>
+            </a:r>
+            <a:r>
+              <a:rPr lang="en-US" sz="4000" dirty="0">
+                <a:highlight>
+                  <a:srgbClr val="C0C0C0"/>
+                </a:highlight>
               </a:rPr>
-              <a:t>/</a:t>
-            </a:r>
-            <a:r>
-              <a:rPr lang="en-US" dirty="0"/>
-              <a:t>.. (doesn’t change from dev to prod </a:t>
-            </a:r>
-            <a:r>
-              <a:rPr lang="en-US" dirty="0">
-                <a:sym typeface="Wingdings" panose="05000000000000000000" pitchFamily="2" charset="2"/>
+              <a:t>, </a:t>
+            </a:r>
+            <a:r>
+              <a:rPr lang="en-US" sz="4000" dirty="0" err="1">
+                <a:highlight>
+                  <a:srgbClr val="C0C0C0"/>
+                </a:highlight>
               </a:rPr>
-              <a:t> ) </a:t>
-            </a:r>
-          </a:p>
-          <a:p>
-            <a:pPr lvl="2"/>
-            <a:r>
-              <a:rPr lang="en-US" dirty="0">
-                <a:sym typeface="Wingdings" panose="05000000000000000000" pitchFamily="2" charset="2"/>
-              </a:rPr>
-              <a:t>Different </a:t>
-            </a:r>
-            <a:r>
-              <a:rPr lang="en-US" dirty="0" err="1">
-                <a:sym typeface="Wingdings" panose="05000000000000000000" pitchFamily="2" charset="2"/>
-              </a:rPr>
-              <a:t>namesapace</a:t>
-            </a:r>
-            <a:r>
-              <a:rPr lang="en-US" dirty="0">
-                <a:sym typeface="Wingdings" panose="05000000000000000000" pitchFamily="2" charset="2"/>
-              </a:rPr>
-              <a:t>: http://&lt;targetservicename&gt;.&lt;target namespace where service resides&gt;</a:t>
-            </a:r>
-          </a:p>
-          <a:p>
-            <a:pPr lvl="1"/>
-            <a:r>
-              <a:rPr lang="en-US" dirty="0">
-                <a:sym typeface="Wingdings" panose="05000000000000000000" pitchFamily="2" charset="2"/>
-              </a:rPr>
-              <a:t>Ingress is only for http/https (uses an http reverse proxy)</a:t>
-            </a:r>
-          </a:p>
-          <a:p>
-            <a:pPr lvl="1"/>
-            <a:r>
-              <a:rPr lang="en-US" dirty="0">
-                <a:sym typeface="Wingdings" panose="05000000000000000000" pitchFamily="2" charset="2"/>
-              </a:rPr>
-              <a:t>through services any traffic on any port is fine </a:t>
-            </a:r>
-            <a:br>
-              <a:rPr lang="en-US" dirty="0">
-                <a:sym typeface="Wingdings" panose="05000000000000000000" pitchFamily="2" charset="2"/>
-              </a:rPr>
-            </a:br>
-            <a:br>
-              <a:rPr lang="en-US" dirty="0">
-                <a:sym typeface="Wingdings" panose="05000000000000000000" pitchFamily="2" charset="2"/>
-              </a:rPr>
-            </a:br>
-            <a:r>
-              <a:rPr lang="en-US" dirty="0">
-                <a:sym typeface="Wingdings" panose="05000000000000000000" pitchFamily="2" charset="2"/>
-              </a:rPr>
-              <a:t>"</a:t>
-            </a:r>
-            <a:r>
-              <a:rPr lang="en-US" dirty="0" err="1">
-                <a:sym typeface="Wingdings" panose="05000000000000000000" pitchFamily="2" charset="2"/>
-              </a:rPr>
-              <a:t>mongodb</a:t>
-            </a:r>
-            <a:r>
-              <a:rPr lang="en-US" dirty="0">
-                <a:sym typeface="Wingdings" panose="05000000000000000000" pitchFamily="2" charset="2"/>
-              </a:rPr>
-              <a:t>://user:pwd@</a:t>
-            </a:r>
-            <a:r>
-              <a:rPr lang="en-US" dirty="0">
-                <a:highlight>
-                  <a:srgbClr val="FFFF00"/>
-                </a:highlight>
-                <a:sym typeface="Wingdings" panose="05000000000000000000" pitchFamily="2" charset="2"/>
-              </a:rPr>
-              <a:t>mongodbsrv.mongodbnamespace</a:t>
-            </a:r>
-            <a:r>
-              <a:rPr lang="en-US" dirty="0">
-                <a:sym typeface="Wingdings" panose="05000000000000000000" pitchFamily="2" charset="2"/>
-              </a:rPr>
-              <a:t>:27017 .."</a:t>
-            </a:r>
-            <a:endParaRPr lang="en-US" dirty="0"/>
+              <a:t>LoadBalancer</a:t>
+            </a:r>
+            <a:endParaRPr lang="en-US" sz="4000" dirty="0">
+              <a:highlight>
+                <a:srgbClr val="C0C0C0"/>
+              </a:highlight>
+            </a:endParaRPr>
+          </a:p>
+          <a:p>
+            <a:endParaRPr lang="en-US" sz="4000" dirty="0"/>
           </a:p>
         </p:txBody>
       </p:sp>
     </p:spTree>
     <p:extLst>
       <p:ext uri="{BB962C8B-B14F-4D97-AF65-F5344CB8AC3E}">
-        <p14:creationId xmlns:p14="http://schemas.microsoft.com/office/powerpoint/2010/main" val="4156343219"/>
+        <p14:creationId xmlns:p14="http://schemas.microsoft.com/office/powerpoint/2010/main" val="4042995166"/>
       </p:ext>
     </p:extLst>
   </p:cSld>
@@ -10532,7 +10518,7 @@
           </a:prstGeom>
           <a:extLst>
             <a:ext uri="{C572A759-6A51-4108-AA02-DFA0A04FC94B}">
-              <ma14:wrappingTextBoxFlag xmlns:ma14="http://schemas.microsoft.com/office/mac/drawingml/2011/main" xmlns="" val="1"/>
+              <ma14:wrappingTextBoxFlag xmlns="" xmlns:ma14="http://schemas.microsoft.com/office/mac/drawingml/2011/main" val="1"/>
             </a:ext>
           </a:extLst>
         </p:spPr>
@@ -10778,7 +10764,7 @@
           </a:ln>
           <a:extLst>
             <a:ext uri="{C572A759-6A51-4108-AA02-DFA0A04FC94B}">
-              <ma14:wrappingTextBoxFlag xmlns:ma14="http://schemas.microsoft.com/office/mac/drawingml/2011/main" xmlns="" val="1"/>
+              <ma14:wrappingTextBoxFlag xmlns="" xmlns:ma14="http://schemas.microsoft.com/office/mac/drawingml/2011/main" val="1"/>
             </a:ext>
           </a:extLst>
         </p:spPr>
@@ -10841,6 +10827,542 @@
           <p:cNvPr id="2" name="Title 1">
             <a:extLst>
               <a:ext uri="{FF2B5EF4-FFF2-40B4-BE49-F238E27FC236}">
+                <a16:creationId xmlns:a16="http://schemas.microsoft.com/office/drawing/2014/main" id="{86E57E8B-EA94-40A5-9213-AEBB8BAF0DD4}"/>
+              </a:ext>
+            </a:extLst>
+          </p:cNvPr>
+          <p:cNvSpPr>
+            <a:spLocks noGrp="1"/>
+          </p:cNvSpPr>
+          <p:nvPr>
+            <p:ph type="title"/>
+          </p:nvPr>
+        </p:nvSpPr>
+        <p:spPr/>
+        <p:txBody>
+          <a:bodyPr/>
+          <a:lstStyle/>
+          <a:p>
+            <a:r>
+              <a:rPr lang="it-IT" dirty="0" err="1"/>
+              <a:t>Deploy</a:t>
+            </a:r>
+            <a:r>
+              <a:rPr lang="it-IT" dirty="0"/>
+              <a:t> to cluster</a:t>
+            </a:r>
+            <a:endParaRPr lang="en-US" dirty="0"/>
+          </a:p>
+        </p:txBody>
+      </p:sp>
+      <p:sp>
+        <p:nvSpPr>
+          <p:cNvPr id="3" name="Text Placeholder 2">
+            <a:extLst>
+              <a:ext uri="{FF2B5EF4-FFF2-40B4-BE49-F238E27FC236}">
+                <a16:creationId xmlns:a16="http://schemas.microsoft.com/office/drawing/2014/main" id="{1AAAED32-57B9-4801-BD2C-E713FEEAB6BD}"/>
+              </a:ext>
+            </a:extLst>
+          </p:cNvPr>
+          <p:cNvSpPr>
+            <a:spLocks noGrp="1"/>
+          </p:cNvSpPr>
+          <p:nvPr>
+            <p:ph type="body" sz="quarter" idx="13"/>
+          </p:nvPr>
+        </p:nvSpPr>
+        <p:spPr/>
+        <p:txBody>
+          <a:bodyPr/>
+          <a:lstStyle/>
+          <a:p>
+            <a:r>
+              <a:rPr lang="it-IT" dirty="0" err="1"/>
+              <a:t>Ingress</a:t>
+            </a:r>
+            <a:endParaRPr lang="en-US" dirty="0"/>
+          </a:p>
+        </p:txBody>
+      </p:sp>
+      <p:sp>
+        <p:nvSpPr>
+          <p:cNvPr id="5" name="Rectangle 4">
+            <a:extLst>
+              <a:ext uri="{FF2B5EF4-FFF2-40B4-BE49-F238E27FC236}">
+                <a16:creationId xmlns:a16="http://schemas.microsoft.com/office/drawing/2014/main" id="{9943757B-B1F3-4FCE-98AF-1EA57A299199}"/>
+              </a:ext>
+            </a:extLst>
+          </p:cNvPr>
+          <p:cNvSpPr/>
+          <p:nvPr/>
+        </p:nvSpPr>
+        <p:spPr>
+          <a:xfrm>
+            <a:off x="1152939" y="5157471"/>
+            <a:ext cx="19679478" cy="7445115"/>
+          </a:xfrm>
+          <a:prstGeom prst="rect">
+            <a:avLst/>
+          </a:prstGeom>
+        </p:spPr>
+        <p:txBody>
+          <a:bodyPr wrap="square">
+            <a:spAutoFit/>
+          </a:bodyPr>
+          <a:lstStyle/>
+          <a:p>
+            <a:r>
+              <a:rPr lang="en-US" sz="4000" dirty="0" err="1"/>
+              <a:t>apiVersion</a:t>
+            </a:r>
+            <a:r>
+              <a:rPr lang="en-US" sz="4000" dirty="0"/>
+              <a:t>: extensions/v1beta1</a:t>
+            </a:r>
+          </a:p>
+          <a:p>
+            <a:r>
+              <a:rPr lang="en-US" sz="4000" dirty="0"/>
+              <a:t>kind: Ingress</a:t>
+            </a:r>
+          </a:p>
+          <a:p>
+            <a:r>
+              <a:rPr lang="en-US" sz="4000" dirty="0"/>
+              <a:t>metadata:</a:t>
+            </a:r>
+          </a:p>
+          <a:p>
+            <a:r>
+              <a:rPr lang="en-US" sz="4000" dirty="0"/>
+              <a:t>  name: k8sdemo</a:t>
+            </a:r>
+          </a:p>
+          <a:p>
+            <a:r>
+              <a:rPr lang="en-US" sz="4000" dirty="0"/>
+              <a:t>  namespace: dev</a:t>
+            </a:r>
+          </a:p>
+          <a:p>
+            <a:r>
+              <a:rPr lang="en-US" sz="4000" dirty="0"/>
+              <a:t>  annotations:</a:t>
+            </a:r>
+          </a:p>
+          <a:p>
+            <a:r>
+              <a:rPr lang="en-US" sz="4000" dirty="0"/>
+              <a:t>    kubernetes.io/</a:t>
+            </a:r>
+            <a:r>
+              <a:rPr lang="en-US" sz="4000" dirty="0" err="1"/>
+              <a:t>ingress.class</a:t>
+            </a:r>
+            <a:r>
+              <a:rPr lang="en-US" sz="4000" dirty="0"/>
+              <a:t>: </a:t>
+            </a:r>
+            <a:r>
+              <a:rPr lang="en-US" sz="4000" dirty="0" err="1"/>
+              <a:t>nginx</a:t>
+            </a:r>
+            <a:endParaRPr lang="en-US" sz="4000" dirty="0"/>
+          </a:p>
+          <a:p>
+            <a:r>
+              <a:rPr lang="en-US" sz="4000" b="1" dirty="0"/>
+              <a:t>    nginx.ingress.kubernetes.io/rewrite-target: /$2</a:t>
+            </a:r>
+          </a:p>
+          <a:p>
+            <a:r>
+              <a:rPr lang="en-US" sz="4000" dirty="0"/>
+              <a:t>spec:</a:t>
+            </a:r>
+          </a:p>
+          <a:p>
+            <a:r>
+              <a:rPr lang="en-US" sz="4000" dirty="0"/>
+              <a:t>  rules:</a:t>
+            </a:r>
+          </a:p>
+          <a:p>
+            <a:r>
+              <a:rPr lang="en-US" sz="4000" dirty="0"/>
+              <a:t>    - host: localhost</a:t>
+            </a:r>
+          </a:p>
+          <a:p>
+            <a:r>
+              <a:rPr lang="en-US" sz="4000" dirty="0"/>
+              <a:t>      http:</a:t>
+            </a:r>
+          </a:p>
+          <a:p>
+            <a:r>
+              <a:rPr lang="en-US" sz="4000" dirty="0"/>
+              <a:t>        paths:</a:t>
+            </a:r>
+          </a:p>
+          <a:p>
+            <a:r>
+              <a:rPr lang="en-US" sz="4000" dirty="0"/>
+              <a:t>          - </a:t>
+            </a:r>
+            <a:r>
+              <a:rPr lang="en-US" sz="4000" b="1" dirty="0"/>
+              <a:t>path: /</a:t>
+            </a:r>
+            <a:r>
+              <a:rPr lang="en-US" sz="4000" b="1" dirty="0" err="1"/>
+              <a:t>demoapi</a:t>
+            </a:r>
+            <a:r>
+              <a:rPr lang="en-US" sz="4000" b="1" dirty="0"/>
+              <a:t>(/|$)(.*)</a:t>
+            </a:r>
+          </a:p>
+          <a:p>
+            <a:r>
+              <a:rPr lang="en-US" sz="4000" dirty="0"/>
+              <a:t>            backend:</a:t>
+            </a:r>
+          </a:p>
+          <a:p>
+            <a:r>
+              <a:rPr lang="en-US" sz="4000" b="1" dirty="0"/>
+              <a:t>              </a:t>
+            </a:r>
+            <a:r>
+              <a:rPr lang="en-US" sz="4000" b="1" dirty="0" err="1"/>
+              <a:t>serviceName</a:t>
+            </a:r>
+            <a:r>
+              <a:rPr lang="en-US" sz="4000" b="1" dirty="0"/>
+              <a:t>: k8sdemo</a:t>
+            </a:r>
+          </a:p>
+          <a:p>
+            <a:r>
+              <a:rPr lang="en-US" sz="4000" dirty="0"/>
+              <a:t>              </a:t>
+            </a:r>
+            <a:r>
+              <a:rPr lang="en-US" sz="4000" dirty="0" err="1"/>
+              <a:t>servicePort</a:t>
+            </a:r>
+            <a:r>
+              <a:rPr lang="en-US" sz="4000" dirty="0"/>
+              <a:t>: 80</a:t>
+            </a:r>
+          </a:p>
+        </p:txBody>
+      </p:sp>
+    </p:spTree>
+    <p:extLst>
+      <p:ext uri="{BB962C8B-B14F-4D97-AF65-F5344CB8AC3E}">
+        <p14:creationId xmlns:p14="http://schemas.microsoft.com/office/powerpoint/2010/main" val="3838510198"/>
+      </p:ext>
+    </p:extLst>
+  </p:cSld>
+  <p:clrMapOvr>
+    <a:masterClrMapping/>
+  </p:clrMapOvr>
+  <p:transition spd="med"/>
+</p:sld>
+</file>
+
+<file path=ppt/slides/slide21.xml><?xml version="1.0" encoding="utf-8"?>
+<p:sld xmlns:a="http://schemas.openxmlformats.org/drawingml/2006/main" xmlns:r="http://schemas.openxmlformats.org/officeDocument/2006/relationships" xmlns:p="http://schemas.openxmlformats.org/presentationml/2006/main">
+  <p:cSld>
+    <p:spTree>
+      <p:nvGrpSpPr>
+        <p:cNvPr id="1" name=""/>
+        <p:cNvGrpSpPr/>
+        <p:nvPr/>
+      </p:nvGrpSpPr>
+      <p:grpSpPr>
+        <a:xfrm>
+          <a:off x="0" y="0"/>
+          <a:ext cx="0" cy="0"/>
+          <a:chOff x="0" y="0"/>
+          <a:chExt cx="0" cy="0"/>
+        </a:xfrm>
+      </p:grpSpPr>
+      <p:sp>
+        <p:nvSpPr>
+          <p:cNvPr id="2" name="Title 1">
+            <a:extLst>
+              <a:ext uri="{FF2B5EF4-FFF2-40B4-BE49-F238E27FC236}">
+                <a16:creationId xmlns:a16="http://schemas.microsoft.com/office/drawing/2014/main" id="{EE70F559-8251-4D46-9246-DA5D35B10B4C}"/>
+              </a:ext>
+            </a:extLst>
+          </p:cNvPr>
+          <p:cNvSpPr>
+            <a:spLocks noGrp="1"/>
+          </p:cNvSpPr>
+          <p:nvPr>
+            <p:ph type="title"/>
+          </p:nvPr>
+        </p:nvSpPr>
+        <p:spPr/>
+        <p:txBody>
+          <a:bodyPr/>
+          <a:lstStyle/>
+          <a:p>
+            <a:r>
+              <a:rPr lang="it-IT" dirty="0" err="1"/>
+              <a:t>Deploy</a:t>
+            </a:r>
+            <a:r>
+              <a:rPr lang="it-IT" dirty="0"/>
+              <a:t> to cluster</a:t>
+            </a:r>
+            <a:endParaRPr lang="en-US" dirty="0"/>
+          </a:p>
+        </p:txBody>
+      </p:sp>
+      <p:sp>
+        <p:nvSpPr>
+          <p:cNvPr id="3" name="Text Placeholder 2">
+            <a:extLst>
+              <a:ext uri="{FF2B5EF4-FFF2-40B4-BE49-F238E27FC236}">
+                <a16:creationId xmlns:a16="http://schemas.microsoft.com/office/drawing/2014/main" id="{21DEBC65-BA00-4C38-B817-4CA076455813}"/>
+              </a:ext>
+            </a:extLst>
+          </p:cNvPr>
+          <p:cNvSpPr>
+            <a:spLocks noGrp="1"/>
+          </p:cNvSpPr>
+          <p:nvPr>
+            <p:ph type="body" sz="quarter" idx="13"/>
+          </p:nvPr>
+        </p:nvSpPr>
+        <p:spPr/>
+        <p:txBody>
+          <a:bodyPr/>
+          <a:lstStyle/>
+          <a:p>
+            <a:endParaRPr lang="en-US"/>
+          </a:p>
+        </p:txBody>
+      </p:sp>
+      <p:sp>
+        <p:nvSpPr>
+          <p:cNvPr id="4" name="Text Placeholder 3">
+            <a:extLst>
+              <a:ext uri="{FF2B5EF4-FFF2-40B4-BE49-F238E27FC236}">
+                <a16:creationId xmlns:a16="http://schemas.microsoft.com/office/drawing/2014/main" id="{316286F4-F5FF-44D0-A8DA-87B9CB209965}"/>
+              </a:ext>
+            </a:extLst>
+          </p:cNvPr>
+          <p:cNvSpPr>
+            <a:spLocks noGrp="1"/>
+          </p:cNvSpPr>
+          <p:nvPr>
+            <p:ph type="body" idx="1"/>
+          </p:nvPr>
+        </p:nvSpPr>
+        <p:spPr/>
+        <p:txBody>
+          <a:bodyPr/>
+          <a:lstStyle/>
+          <a:p>
+            <a:r>
+              <a:rPr lang="en-US" dirty="0"/>
+              <a:t>Cross pod communication does not need to pass through an ingress:, better to go through services </a:t>
+            </a:r>
+          </a:p>
+          <a:p>
+            <a:r>
+              <a:rPr lang="en-US" dirty="0"/>
+              <a:t>Scenario : WEB Ap1 1 needs to call Web API 2</a:t>
+            </a:r>
+          </a:p>
+          <a:p>
+            <a:pPr lvl="1"/>
+            <a:r>
+              <a:rPr lang="en-US" dirty="0"/>
+              <a:t>Use the </a:t>
+            </a:r>
+            <a:r>
+              <a:rPr lang="en-US" i="1" dirty="0"/>
+              <a:t>service name</a:t>
+            </a:r>
+            <a:r>
+              <a:rPr lang="en-US" dirty="0"/>
+              <a:t> : </a:t>
+            </a:r>
+          </a:p>
+          <a:p>
+            <a:pPr lvl="2"/>
+            <a:r>
+              <a:rPr lang="en-US" dirty="0"/>
+              <a:t>Same namespace: </a:t>
+            </a:r>
+            <a:r>
+              <a:rPr lang="en-US" dirty="0">
+                <a:hlinkClick r:id="rId2"/>
+              </a:rPr>
+              <a:t>http://</a:t>
+            </a:r>
+            <a:r>
+              <a:rPr lang="en-US" dirty="0">
+                <a:sym typeface="Wingdings" panose="05000000000000000000" pitchFamily="2" charset="2"/>
+              </a:rPr>
+              <a:t>&lt;</a:t>
+            </a:r>
+            <a:r>
+              <a:rPr lang="en-US" dirty="0" err="1">
+                <a:sym typeface="Wingdings" panose="05000000000000000000" pitchFamily="2" charset="2"/>
+              </a:rPr>
+              <a:t>targetservicename</a:t>
+            </a:r>
+            <a:r>
+              <a:rPr lang="en-US" dirty="0">
+                <a:sym typeface="Wingdings" panose="05000000000000000000" pitchFamily="2" charset="2"/>
+              </a:rPr>
+              <a:t>&gt;</a:t>
+            </a:r>
+            <a:r>
+              <a:rPr lang="en-US" dirty="0">
+                <a:hlinkClick r:id="rId2"/>
+              </a:rPr>
+              <a:t>/</a:t>
+            </a:r>
+            <a:r>
+              <a:rPr lang="en-US" dirty="0"/>
+              <a:t>.. (doesn’t change from dev to prod </a:t>
+            </a:r>
+            <a:r>
+              <a:rPr lang="en-US" dirty="0">
+                <a:sym typeface="Wingdings" panose="05000000000000000000" pitchFamily="2" charset="2"/>
+              </a:rPr>
+              <a:t> ) </a:t>
+            </a:r>
+          </a:p>
+          <a:p>
+            <a:pPr lvl="2"/>
+            <a:r>
+              <a:rPr lang="en-US" dirty="0">
+                <a:sym typeface="Wingdings" panose="05000000000000000000" pitchFamily="2" charset="2"/>
+              </a:rPr>
+              <a:t>Different </a:t>
+            </a:r>
+            <a:r>
+              <a:rPr lang="en-US" dirty="0" err="1">
+                <a:sym typeface="Wingdings" panose="05000000000000000000" pitchFamily="2" charset="2"/>
+              </a:rPr>
+              <a:t>namesapace</a:t>
+            </a:r>
+            <a:r>
+              <a:rPr lang="en-US" dirty="0">
+                <a:sym typeface="Wingdings" panose="05000000000000000000" pitchFamily="2" charset="2"/>
+              </a:rPr>
+              <a:t>: http://&lt;targetservicename&gt;.&lt;target namespace where service resides&gt;</a:t>
+            </a:r>
+          </a:p>
+          <a:p>
+            <a:pPr lvl="1"/>
+            <a:r>
+              <a:rPr lang="en-US" dirty="0">
+                <a:sym typeface="Wingdings" panose="05000000000000000000" pitchFamily="2" charset="2"/>
+              </a:rPr>
+              <a:t>Ingress is only for http/https (uses an http reverse proxy)</a:t>
+            </a:r>
+          </a:p>
+          <a:p>
+            <a:pPr lvl="1"/>
+            <a:r>
+              <a:rPr lang="en-US" dirty="0">
+                <a:sym typeface="Wingdings" panose="05000000000000000000" pitchFamily="2" charset="2"/>
+              </a:rPr>
+              <a:t>through services any traffic on any port is fine </a:t>
+            </a:r>
+            <a:br>
+              <a:rPr lang="en-US" dirty="0">
+                <a:sym typeface="Wingdings" panose="05000000000000000000" pitchFamily="2" charset="2"/>
+              </a:rPr>
+            </a:br>
+            <a:br>
+              <a:rPr lang="en-US" dirty="0">
+                <a:sym typeface="Wingdings" panose="05000000000000000000" pitchFamily="2" charset="2"/>
+              </a:rPr>
+            </a:br>
+            <a:r>
+              <a:rPr lang="en-US" dirty="0">
+                <a:sym typeface="Wingdings" panose="05000000000000000000" pitchFamily="2" charset="2"/>
+              </a:rPr>
+              <a:t>"</a:t>
+            </a:r>
+            <a:r>
+              <a:rPr lang="en-US" dirty="0" err="1">
+                <a:sym typeface="Wingdings" panose="05000000000000000000" pitchFamily="2" charset="2"/>
+              </a:rPr>
+              <a:t>mongodb</a:t>
+            </a:r>
+            <a:r>
+              <a:rPr lang="en-US" dirty="0">
+                <a:sym typeface="Wingdings" panose="05000000000000000000" pitchFamily="2" charset="2"/>
+              </a:rPr>
+              <a:t>://user:pwd@</a:t>
+            </a:r>
+            <a:r>
+              <a:rPr lang="en-US" dirty="0">
+                <a:highlight>
+                  <a:srgbClr val="FFFF00"/>
+                </a:highlight>
+                <a:sym typeface="Wingdings" panose="05000000000000000000" pitchFamily="2" charset="2"/>
+              </a:rPr>
+              <a:t>mongodbsrv.mongodbnamespace</a:t>
+            </a:r>
+            <a:r>
+              <a:rPr lang="en-US" dirty="0">
+                <a:sym typeface="Wingdings" panose="05000000000000000000" pitchFamily="2" charset="2"/>
+              </a:rPr>
+              <a:t>:27017 .."</a:t>
+            </a:r>
+            <a:endParaRPr lang="en-US" dirty="0"/>
+          </a:p>
+        </p:txBody>
+      </p:sp>
+    </p:spTree>
+    <p:extLst>
+      <p:ext uri="{BB962C8B-B14F-4D97-AF65-F5344CB8AC3E}">
+        <p14:creationId xmlns:p14="http://schemas.microsoft.com/office/powerpoint/2010/main" val="4156343219"/>
+      </p:ext>
+    </p:extLst>
+  </p:cSld>
+  <p:clrMapOvr>
+    <a:masterClrMapping/>
+  </p:clrMapOvr>
+  <p:transition spd="med"/>
+</p:sld>
+</file>
+
+<file path=ppt/slides/slide22.xml><?xml version="1.0" encoding="utf-8"?>
+<p:sld xmlns:a="http://schemas.openxmlformats.org/drawingml/2006/main" xmlns:r="http://schemas.openxmlformats.org/officeDocument/2006/relationships" xmlns:p="http://schemas.openxmlformats.org/presentationml/2006/main">
+  <p:cSld>
+    <p:spTree>
+      <p:nvGrpSpPr>
+        <p:cNvPr id="1" name=""/>
+        <p:cNvGrpSpPr/>
+        <p:nvPr/>
+      </p:nvGrpSpPr>
+      <p:grpSpPr>
+        <a:xfrm>
+          <a:off x="0" y="0"/>
+          <a:ext cx="0" cy="0"/>
+          <a:chOff x="0" y="0"/>
+          <a:chExt cx="0" cy="0"/>
+        </a:xfrm>
+      </p:grpSpPr>
+      <p:sp>
+        <p:nvSpPr>
+          <p:cNvPr id="2" name="Title 1">
+            <a:extLst>
+              <a:ext uri="{FF2B5EF4-FFF2-40B4-BE49-F238E27FC236}">
                 <a16:creationId xmlns:a16="http://schemas.microsoft.com/office/drawing/2014/main" id="{60EE38B1-D4B2-45EA-8A51-957D800D90D6}"/>
               </a:ext>
             </a:extLst>
@@ -10863,7 +11385,7 @@
             </a:r>
             <a:r>
               <a:rPr lang="it-IT" dirty="0"/>
-              <a:t> to cluster</a:t>
+              <a:t> to cluster : AKS with HELM</a:t>
             </a:r>
             <a:endParaRPr lang="en-US" dirty="0"/>
           </a:p>
@@ -10890,10 +11412,6 @@
           <a:bodyPr/>
           <a:lstStyle/>
           <a:p>
-            <a:r>
-              <a:rPr lang="it-IT" dirty="0" err="1"/>
-              <a:t>Helm</a:t>
-            </a:r>
             <a:endParaRPr lang="en-US" dirty="0"/>
           </a:p>
         </p:txBody>
@@ -11158,852 +11676,6 @@
 </p:sld>
 </file>
 
-<file path=ppt/slides/slide21.xml><?xml version="1.0" encoding="utf-8"?>
-<p:sld xmlns:a="http://schemas.openxmlformats.org/drawingml/2006/main" xmlns:r="http://schemas.openxmlformats.org/officeDocument/2006/relationships" xmlns:p="http://schemas.openxmlformats.org/presentationml/2006/main">
-  <p:cSld>
-    <p:spTree>
-      <p:nvGrpSpPr>
-        <p:cNvPr id="1" name=""/>
-        <p:cNvGrpSpPr/>
-        <p:nvPr/>
-      </p:nvGrpSpPr>
-      <p:grpSpPr>
-        <a:xfrm>
-          <a:off x="0" y="0"/>
-          <a:ext cx="0" cy="0"/>
-          <a:chOff x="0" y="0"/>
-          <a:chExt cx="0" cy="0"/>
-        </a:xfrm>
-      </p:grpSpPr>
-      <p:sp>
-        <p:nvSpPr>
-          <p:cNvPr id="2" name="Title 1">
-            <a:extLst>
-              <a:ext uri="{FF2B5EF4-FFF2-40B4-BE49-F238E27FC236}">
-                <a16:creationId xmlns:a16="http://schemas.microsoft.com/office/drawing/2014/main" id="{8FCD7F0C-8E61-4D06-A5F1-760EEF68A873}"/>
-              </a:ext>
-            </a:extLst>
-          </p:cNvPr>
-          <p:cNvSpPr>
-            <a:spLocks noGrp="1"/>
-          </p:cNvSpPr>
-          <p:nvPr>
-            <p:ph type="title"/>
-          </p:nvPr>
-        </p:nvSpPr>
-        <p:spPr/>
-        <p:txBody>
-          <a:bodyPr/>
-          <a:lstStyle/>
-          <a:p>
-            <a:endParaRPr lang="en-US"/>
-          </a:p>
-        </p:txBody>
-      </p:sp>
-      <p:sp>
-        <p:nvSpPr>
-          <p:cNvPr id="3" name="Text Placeholder 2">
-            <a:extLst>
-              <a:ext uri="{FF2B5EF4-FFF2-40B4-BE49-F238E27FC236}">
-                <a16:creationId xmlns:a16="http://schemas.microsoft.com/office/drawing/2014/main" id="{77969CBC-C469-47E2-B17C-C1C90C286FAC}"/>
-              </a:ext>
-            </a:extLst>
-          </p:cNvPr>
-          <p:cNvSpPr>
-            <a:spLocks noGrp="1"/>
-          </p:cNvSpPr>
-          <p:nvPr>
-            <p:ph type="body" sz="quarter" idx="13"/>
-          </p:nvPr>
-        </p:nvSpPr>
-        <p:spPr/>
-        <p:txBody>
-          <a:bodyPr/>
-          <a:lstStyle/>
-          <a:p>
-            <a:endParaRPr lang="en-US"/>
-          </a:p>
-        </p:txBody>
-      </p:sp>
-      <p:sp>
-        <p:nvSpPr>
-          <p:cNvPr id="5" name="Rectangle 4">
-            <a:extLst>
-              <a:ext uri="{FF2B5EF4-FFF2-40B4-BE49-F238E27FC236}">
-                <a16:creationId xmlns:a16="http://schemas.microsoft.com/office/drawing/2014/main" id="{EAA9578E-E97D-4825-B7BE-0436A35C07BE}"/>
-              </a:ext>
-            </a:extLst>
-          </p:cNvPr>
-          <p:cNvSpPr/>
-          <p:nvPr/>
-        </p:nvSpPr>
-        <p:spPr>
-          <a:xfrm>
-            <a:off x="413051" y="3923329"/>
-            <a:ext cx="12192000" cy="2826287"/>
-          </a:xfrm>
-          <a:prstGeom prst="rect">
-            <a:avLst/>
-          </a:prstGeom>
-        </p:spPr>
-        <p:txBody>
-          <a:bodyPr>
-            <a:spAutoFit/>
-          </a:bodyPr>
-          <a:lstStyle/>
-          <a:p>
-            <a:r>
-              <a:rPr lang="en-US" sz="2800" dirty="0" err="1"/>
-              <a:t>Ingress.yaml</a:t>
-            </a:r>
-            <a:endParaRPr lang="en-US" sz="2800" dirty="0"/>
-          </a:p>
-          <a:p>
-            <a:endParaRPr lang="en-US" sz="2800" dirty="0"/>
-          </a:p>
-          <a:p>
-            <a:endParaRPr lang="en-US" sz="2800" dirty="0"/>
-          </a:p>
-          <a:p>
-            <a:r>
-              <a:rPr lang="en-US" sz="2800" dirty="0" err="1"/>
-              <a:t>apiVersion</a:t>
-            </a:r>
-            <a:r>
-              <a:rPr lang="en-US" sz="2800" dirty="0"/>
-              <a:t>: extensions/v1beta1</a:t>
-            </a:r>
-          </a:p>
-          <a:p>
-            <a:r>
-              <a:rPr lang="en-US" sz="2800" dirty="0"/>
-              <a:t>kind: Ingress</a:t>
-            </a:r>
-          </a:p>
-          <a:p>
-            <a:r>
-              <a:rPr lang="en-US" sz="2800" dirty="0"/>
-              <a:t>metadata:</a:t>
-            </a:r>
-          </a:p>
-          <a:p>
-            <a:r>
-              <a:rPr lang="en-US" sz="2800" dirty="0"/>
-              <a:t>  name: k8sdemohelm</a:t>
-            </a:r>
-          </a:p>
-          <a:p>
-            <a:r>
-              <a:rPr lang="en-US" sz="2800" dirty="0"/>
-              <a:t>  namespace: </a:t>
-            </a:r>
-            <a:r>
-              <a:rPr lang="en-US" sz="2800" dirty="0">
-                <a:highlight>
-                  <a:srgbClr val="FFFF00"/>
-                </a:highlight>
-              </a:rPr>
-              <a:t>{{ .</a:t>
-            </a:r>
-            <a:r>
-              <a:rPr lang="en-US" sz="2800" dirty="0" err="1">
-                <a:highlight>
-                  <a:srgbClr val="FFFF00"/>
-                </a:highlight>
-              </a:rPr>
-              <a:t>Values.app.namespace</a:t>
-            </a:r>
-            <a:r>
-              <a:rPr lang="en-US" sz="2800" dirty="0">
-                <a:highlight>
-                  <a:srgbClr val="FFFF00"/>
-                </a:highlight>
-              </a:rPr>
-              <a:t> }}</a:t>
-            </a:r>
-          </a:p>
-          <a:p>
-            <a:r>
-              <a:rPr lang="en-US" sz="2800" dirty="0"/>
-              <a:t>  annotations:</a:t>
-            </a:r>
-          </a:p>
-        </p:txBody>
-      </p:sp>
-      <p:sp>
-        <p:nvSpPr>
-          <p:cNvPr id="6" name="Rectangle 5">
-            <a:extLst>
-              <a:ext uri="{FF2B5EF4-FFF2-40B4-BE49-F238E27FC236}">
-                <a16:creationId xmlns:a16="http://schemas.microsoft.com/office/drawing/2014/main" id="{46A269DD-B57F-4669-8AAB-E7D400F86CD9}"/>
-              </a:ext>
-            </a:extLst>
-          </p:cNvPr>
-          <p:cNvSpPr/>
-          <p:nvPr/>
-        </p:nvSpPr>
-        <p:spPr>
-          <a:xfrm>
-            <a:off x="8640417" y="3541826"/>
-            <a:ext cx="12192000" cy="3561616"/>
-          </a:xfrm>
-          <a:prstGeom prst="rect">
-            <a:avLst/>
-          </a:prstGeom>
-        </p:spPr>
-        <p:txBody>
-          <a:bodyPr>
-            <a:spAutoFit/>
-          </a:bodyPr>
-          <a:lstStyle/>
-          <a:p>
-            <a:r>
-              <a:rPr lang="en-US" sz="3200" dirty="0"/>
-              <a:t>Value file</a:t>
-            </a:r>
-          </a:p>
-          <a:p>
-            <a:endParaRPr lang="en-US" sz="3200" dirty="0"/>
-          </a:p>
-          <a:p>
-            <a:r>
-              <a:rPr lang="en-US" sz="3200" dirty="0" err="1"/>
-              <a:t>replicaCount</a:t>
-            </a:r>
-            <a:r>
-              <a:rPr lang="en-US" sz="3200" dirty="0"/>
-              <a:t>: 3</a:t>
-            </a:r>
-          </a:p>
-          <a:p>
-            <a:r>
-              <a:rPr lang="en-US" sz="3200" dirty="0"/>
-              <a:t>image:</a:t>
-            </a:r>
-          </a:p>
-          <a:p>
-            <a:r>
-              <a:rPr lang="en-US" sz="3200" dirty="0"/>
-              <a:t>  name: k8sdemo</a:t>
-            </a:r>
-          </a:p>
-          <a:p>
-            <a:r>
-              <a:rPr lang="en-US" sz="3200" dirty="0"/>
-              <a:t>  tag: latest</a:t>
-            </a:r>
-          </a:p>
-          <a:p>
-            <a:r>
-              <a:rPr lang="en-US" sz="3200" dirty="0">
-                <a:highlight>
-                  <a:srgbClr val="FFFF00"/>
-                </a:highlight>
-              </a:rPr>
-              <a:t>app: </a:t>
-            </a:r>
-          </a:p>
-          <a:p>
-            <a:r>
-              <a:rPr lang="en-US" sz="3200" dirty="0">
-                <a:highlight>
-                  <a:srgbClr val="FFFF00"/>
-                </a:highlight>
-              </a:rPr>
-              <a:t>  namespace: dev</a:t>
-            </a:r>
-          </a:p>
-          <a:p>
-            <a:r>
-              <a:rPr lang="en-US" sz="3200" dirty="0" err="1"/>
-              <a:t>configInfo</a:t>
-            </a:r>
-            <a:r>
-              <a:rPr lang="en-US" sz="3200" dirty="0"/>
-              <a:t>:  </a:t>
-            </a:r>
-          </a:p>
-          <a:p>
-            <a:r>
-              <a:rPr lang="en-US" sz="3200" dirty="0"/>
-              <a:t>  </a:t>
-            </a:r>
-            <a:r>
-              <a:rPr lang="en-US" sz="3200" dirty="0" err="1"/>
-              <a:t>mySetting</a:t>
-            </a:r>
-            <a:r>
-              <a:rPr lang="en-US" sz="3200" dirty="0"/>
-              <a:t>: "ciao"</a:t>
-            </a:r>
-          </a:p>
-        </p:txBody>
-      </p:sp>
-      <p:sp>
-        <p:nvSpPr>
-          <p:cNvPr id="7" name="Rectangle 6">
-            <a:extLst>
-              <a:ext uri="{FF2B5EF4-FFF2-40B4-BE49-F238E27FC236}">
-                <a16:creationId xmlns:a16="http://schemas.microsoft.com/office/drawing/2014/main" id="{63324F91-1F0B-4143-86DC-C5EC633F1D50}"/>
-              </a:ext>
-            </a:extLst>
-          </p:cNvPr>
-          <p:cNvSpPr/>
-          <p:nvPr/>
-        </p:nvSpPr>
-        <p:spPr>
-          <a:xfrm>
-            <a:off x="532324" y="7621034"/>
-            <a:ext cx="14323152" cy="436273"/>
-          </a:xfrm>
-          <a:prstGeom prst="rect">
-            <a:avLst/>
-          </a:prstGeom>
-        </p:spPr>
-        <p:txBody>
-          <a:bodyPr wrap="none">
-            <a:spAutoFit/>
-          </a:bodyPr>
-          <a:lstStyle/>
-          <a:p>
-            <a:r>
-              <a:rPr lang="en-US" sz="3000" dirty="0">
-                <a:solidFill>
-                  <a:srgbClr val="202361"/>
-                </a:solidFill>
-              </a:rPr>
-              <a:t>helm install &lt;deployment-name&gt; &lt;chart-folder&gt; -f </a:t>
-            </a:r>
-            <a:r>
-              <a:rPr lang="en-US" sz="3000" dirty="0" err="1">
-                <a:solidFill>
-                  <a:srgbClr val="202361"/>
-                </a:solidFill>
-              </a:rPr>
-              <a:t>myvalues.yaml</a:t>
-            </a:r>
-            <a:r>
-              <a:rPr lang="en-US" sz="3000" dirty="0">
-                <a:solidFill>
-                  <a:srgbClr val="202361"/>
-                </a:solidFill>
-              </a:rPr>
-              <a:t> –f </a:t>
-            </a:r>
-            <a:r>
-              <a:rPr lang="en-US" sz="3000" dirty="0" err="1">
-                <a:solidFill>
-                  <a:srgbClr val="202361"/>
-                </a:solidFill>
-              </a:rPr>
-              <a:t>anothervaluefile.yaml</a:t>
-            </a:r>
-            <a:endParaRPr lang="en-US" sz="3000" dirty="0">
-              <a:solidFill>
-                <a:srgbClr val="202361"/>
-              </a:solidFill>
-            </a:endParaRPr>
-          </a:p>
-        </p:txBody>
-      </p:sp>
-      <p:sp>
-        <p:nvSpPr>
-          <p:cNvPr id="8" name="Rectangle 7">
-            <a:extLst>
-              <a:ext uri="{FF2B5EF4-FFF2-40B4-BE49-F238E27FC236}">
-                <a16:creationId xmlns:a16="http://schemas.microsoft.com/office/drawing/2014/main" id="{8199AC55-2954-433D-ABF8-B7951B241646}"/>
-              </a:ext>
-            </a:extLst>
-          </p:cNvPr>
-          <p:cNvSpPr/>
-          <p:nvPr/>
-        </p:nvSpPr>
-        <p:spPr>
-          <a:xfrm>
-            <a:off x="576356" y="8385320"/>
-            <a:ext cx="12603130" cy="1728935"/>
-          </a:xfrm>
-          <a:prstGeom prst="rect">
-            <a:avLst/>
-          </a:prstGeom>
-        </p:spPr>
-        <p:txBody>
-          <a:bodyPr wrap="none">
-            <a:spAutoFit/>
-          </a:bodyPr>
-          <a:lstStyle/>
-          <a:p>
-            <a:r>
-              <a:rPr lang="en-US" sz="3000" dirty="0" err="1">
-                <a:solidFill>
-                  <a:srgbClr val="202361"/>
-                </a:solidFill>
-              </a:rPr>
-              <a:t>values.yaml</a:t>
-            </a:r>
-            <a:r>
-              <a:rPr lang="en-US" sz="3000" dirty="0">
-                <a:solidFill>
-                  <a:srgbClr val="202361"/>
-                </a:solidFill>
-              </a:rPr>
-              <a:t> file in root folder of the chart provides defaults</a:t>
-            </a:r>
-          </a:p>
-          <a:p>
-            <a:endParaRPr lang="en-US" sz="3000" dirty="0">
-              <a:solidFill>
-                <a:srgbClr val="202361"/>
-              </a:solidFill>
-            </a:endParaRPr>
-          </a:p>
-          <a:p>
-            <a:r>
-              <a:rPr lang="en-US" sz="3000" dirty="0">
-                <a:solidFill>
-                  <a:srgbClr val="202361"/>
-                </a:solidFill>
-              </a:rPr>
-              <a:t>Values can also be provided via command line, e.g. : --set </a:t>
-            </a:r>
-            <a:r>
-              <a:rPr lang="en-US" sz="3000" dirty="0" err="1">
-                <a:solidFill>
-                  <a:srgbClr val="202361"/>
-                </a:solidFill>
-              </a:rPr>
-              <a:t>app.namespace</a:t>
-            </a:r>
-            <a:r>
-              <a:rPr lang="en-US" sz="3000" dirty="0">
-                <a:solidFill>
-                  <a:srgbClr val="202361"/>
-                </a:solidFill>
-              </a:rPr>
-              <a:t>=dev2</a:t>
-            </a:r>
-          </a:p>
-          <a:p>
-            <a:endParaRPr lang="en-US" sz="3000" dirty="0">
-              <a:solidFill>
-                <a:srgbClr val="202361"/>
-              </a:solidFill>
-            </a:endParaRPr>
-          </a:p>
-          <a:p>
-            <a:r>
-              <a:rPr lang="en-US" sz="3000" dirty="0">
-                <a:solidFill>
-                  <a:srgbClr val="202361"/>
-                </a:solidFill>
-              </a:rPr>
-              <a:t>Values evaluation (override) from left to right</a:t>
-            </a:r>
-          </a:p>
-        </p:txBody>
-      </p:sp>
-      <p:sp>
-        <p:nvSpPr>
-          <p:cNvPr id="9" name="Rectangle 8">
-            <a:extLst>
-              <a:ext uri="{FF2B5EF4-FFF2-40B4-BE49-F238E27FC236}">
-                <a16:creationId xmlns:a16="http://schemas.microsoft.com/office/drawing/2014/main" id="{18050A73-67EB-4371-87A8-1DB429FCFB51}"/>
-              </a:ext>
-            </a:extLst>
-          </p:cNvPr>
-          <p:cNvSpPr/>
-          <p:nvPr/>
-        </p:nvSpPr>
-        <p:spPr>
-          <a:xfrm>
-            <a:off x="7295322" y="11282180"/>
-            <a:ext cx="16260417" cy="1728935"/>
-          </a:xfrm>
-          <a:prstGeom prst="rect">
-            <a:avLst/>
-          </a:prstGeom>
-        </p:spPr>
-        <p:txBody>
-          <a:bodyPr wrap="square">
-            <a:spAutoFit/>
-          </a:bodyPr>
-          <a:lstStyle/>
-          <a:p>
-            <a:r>
-              <a:rPr lang="en-US" sz="3000" dirty="0">
-                <a:solidFill>
-                  <a:srgbClr val="202361"/>
-                </a:solidFill>
-              </a:rPr>
-              <a:t>Tips: 	use upgrade –install for idempotency , use --recreate-pods to force pods restart </a:t>
-            </a:r>
-          </a:p>
-          <a:p>
-            <a:endParaRPr lang="en-US" sz="3000" dirty="0">
-              <a:solidFill>
-                <a:srgbClr val="202361"/>
-              </a:solidFill>
-            </a:endParaRPr>
-          </a:p>
-          <a:p>
-            <a:r>
-              <a:rPr lang="en-US" sz="3000" dirty="0">
-                <a:solidFill>
-                  <a:srgbClr val="202361"/>
-                </a:solidFill>
-              </a:rPr>
-              <a:t>helm upgrade --recreate-pods --install k8sdemowithhelm </a:t>
-            </a:r>
-            <a:r>
-              <a:rPr lang="en-US" sz="3000" dirty="0" err="1">
-                <a:solidFill>
-                  <a:srgbClr val="202361"/>
-                </a:solidFill>
-              </a:rPr>
-              <a:t>demoapp</a:t>
-            </a:r>
-            <a:r>
-              <a:rPr lang="en-US" sz="3000" dirty="0">
-                <a:solidFill>
-                  <a:srgbClr val="202361"/>
-                </a:solidFill>
-              </a:rPr>
-              <a:t> -f </a:t>
-            </a:r>
-            <a:r>
-              <a:rPr lang="en-US" sz="3000" dirty="0" err="1">
-                <a:solidFill>
-                  <a:srgbClr val="202361"/>
-                </a:solidFill>
-              </a:rPr>
-              <a:t>myvalues.yaml</a:t>
-            </a:r>
-            <a:endParaRPr lang="en-US" sz="3000" dirty="0">
-              <a:solidFill>
-                <a:srgbClr val="202361"/>
-              </a:solidFill>
-            </a:endParaRPr>
-          </a:p>
-          <a:p>
-            <a:endParaRPr lang="en-US" sz="3000" dirty="0">
-              <a:solidFill>
-                <a:srgbClr val="202361"/>
-              </a:solidFill>
-            </a:endParaRPr>
-          </a:p>
-          <a:p>
-            <a:r>
-              <a:rPr lang="en-US" sz="3000" dirty="0">
-                <a:solidFill>
-                  <a:srgbClr val="202361"/>
-                </a:solidFill>
-              </a:rPr>
-              <a:t>Delete a deployed chart: helm delete &lt;deployment-name&gt; --purge</a:t>
-            </a:r>
-          </a:p>
-        </p:txBody>
-      </p:sp>
-    </p:spTree>
-    <p:extLst>
-      <p:ext uri="{BB962C8B-B14F-4D97-AF65-F5344CB8AC3E}">
-        <p14:creationId xmlns:p14="http://schemas.microsoft.com/office/powerpoint/2010/main" val="2661414889"/>
-      </p:ext>
-    </p:extLst>
-  </p:cSld>
-  <p:clrMapOvr>
-    <a:masterClrMapping/>
-  </p:clrMapOvr>
-  <p:transition spd="med"/>
-</p:sld>
-</file>
-
-<file path=ppt/slides/slide22.xml><?xml version="1.0" encoding="utf-8"?>
-<p:sld xmlns:a="http://schemas.openxmlformats.org/drawingml/2006/main" xmlns:r="http://schemas.openxmlformats.org/officeDocument/2006/relationships" xmlns:p="http://schemas.openxmlformats.org/presentationml/2006/main">
-  <p:cSld>
-    <p:spTree>
-      <p:nvGrpSpPr>
-        <p:cNvPr id="1" name=""/>
-        <p:cNvGrpSpPr/>
-        <p:nvPr/>
-      </p:nvGrpSpPr>
-      <p:grpSpPr>
-        <a:xfrm>
-          <a:off x="0" y="0"/>
-          <a:ext cx="0" cy="0"/>
-          <a:chOff x="0" y="0"/>
-          <a:chExt cx="0" cy="0"/>
-        </a:xfrm>
-      </p:grpSpPr>
-      <p:sp>
-        <p:nvSpPr>
-          <p:cNvPr id="4" name="Text Placeholder 3">
-            <a:extLst>
-              <a:ext uri="{FF2B5EF4-FFF2-40B4-BE49-F238E27FC236}">
-                <a16:creationId xmlns:a16="http://schemas.microsoft.com/office/drawing/2014/main" id="{AE9FB48D-EC25-4212-8B3E-EA0779A843DA}"/>
-              </a:ext>
-            </a:extLst>
-          </p:cNvPr>
-          <p:cNvSpPr>
-            <a:spLocks noGrp="1"/>
-          </p:cNvSpPr>
-          <p:nvPr>
-            <p:ph type="body" idx="1"/>
-          </p:nvPr>
-        </p:nvSpPr>
-        <p:spPr>
-          <a:xfrm>
-            <a:off x="1805572" y="2596016"/>
-            <a:ext cx="21005801" cy="11119984"/>
-          </a:xfrm>
-        </p:spPr>
-        <p:txBody>
-          <a:bodyPr>
-            <a:normAutofit lnSpcReduction="10000"/>
-          </a:bodyPr>
-          <a:lstStyle/>
-          <a:p>
-            <a:pPr marL="514350" indent="-514350">
-              <a:buFont typeface="+mj-lt"/>
-              <a:buAutoNum type="arabicPeriod"/>
-            </a:pPr>
-            <a:r>
-              <a:rPr lang="en-US" dirty="0" err="1"/>
-              <a:t>Dotnetcore</a:t>
-            </a:r>
-            <a:r>
-              <a:rPr lang="en-US" dirty="0"/>
-              <a:t> web </a:t>
-            </a:r>
-            <a:r>
-              <a:rPr lang="en-US" dirty="0" err="1"/>
-              <a:t>api</a:t>
-            </a:r>
-            <a:r>
-              <a:rPr lang="en-US" dirty="0"/>
-              <a:t> project</a:t>
-            </a:r>
-          </a:p>
-          <a:p>
-            <a:pPr marL="1022350" lvl="1" indent="-514350">
-              <a:buFont typeface="+mj-lt"/>
-              <a:buAutoNum type="arabicPeriod"/>
-            </a:pPr>
-            <a:r>
-              <a:rPr lang="en-US" dirty="0" err="1"/>
-              <a:t>Dockerfile</a:t>
-            </a:r>
-            <a:endParaRPr lang="en-US" dirty="0"/>
-          </a:p>
-          <a:p>
-            <a:pPr marL="1022350" lvl="1" indent="-514350">
-              <a:buFont typeface="+mj-lt"/>
-              <a:buAutoNum type="arabicPeriod"/>
-            </a:pPr>
-            <a:r>
-              <a:rPr lang="en-US" dirty="0"/>
-              <a:t>Azure docker registry</a:t>
-            </a:r>
-          </a:p>
-          <a:p>
-            <a:pPr marL="1022350" lvl="1" indent="-514350">
-              <a:buFont typeface="+mj-lt"/>
-              <a:buAutoNum type="arabicPeriod"/>
-            </a:pPr>
-            <a:r>
-              <a:rPr lang="en-US" dirty="0"/>
-              <a:t>TFS Build definition</a:t>
-            </a:r>
-          </a:p>
-          <a:p>
-            <a:pPr marL="514350" indent="-514350">
-              <a:buFont typeface="+mj-lt"/>
-              <a:buAutoNum type="arabicPeriod"/>
-            </a:pPr>
-            <a:r>
-              <a:rPr lang="en-US" dirty="0"/>
-              <a:t>One time cluster setup </a:t>
-            </a:r>
-          </a:p>
-          <a:p>
-            <a:pPr marL="1022350" lvl="1" indent="-514350">
-              <a:buFont typeface="+mj-lt"/>
-              <a:buAutoNum type="arabicPeriod"/>
-            </a:pPr>
-            <a:r>
-              <a:rPr lang="en-US" dirty="0"/>
-              <a:t>Install dashboard (skipped if available as built-in feature, as in </a:t>
-            </a:r>
-            <a:r>
-              <a:rPr lang="en-US" dirty="0" err="1"/>
-              <a:t>aks</a:t>
-            </a:r>
-            <a:r>
-              <a:rPr lang="en-US" dirty="0"/>
-              <a:t>)</a:t>
-            </a:r>
-          </a:p>
-          <a:p>
-            <a:pPr marL="1022350" lvl="1" indent="-514350">
-              <a:buFont typeface="+mj-lt"/>
-              <a:buAutoNum type="arabicPeriod"/>
-            </a:pPr>
-            <a:r>
-              <a:rPr lang="en-US" dirty="0"/>
-              <a:t>Install tiller</a:t>
-            </a:r>
-          </a:p>
-          <a:p>
-            <a:pPr marL="1022350" lvl="1" indent="-514350">
-              <a:buFont typeface="+mj-lt"/>
-              <a:buAutoNum type="arabicPeriod"/>
-            </a:pPr>
-            <a:r>
-              <a:rPr lang="en-US" dirty="0"/>
-              <a:t>Install </a:t>
-            </a:r>
-            <a:r>
-              <a:rPr lang="en-US" dirty="0" err="1"/>
-              <a:t>ngnix</a:t>
-            </a:r>
-            <a:r>
-              <a:rPr lang="en-US" dirty="0"/>
-              <a:t> ingress controller via helm chart</a:t>
-            </a:r>
-          </a:p>
-          <a:p>
-            <a:pPr marL="1530350" lvl="2" indent="-514350">
-              <a:buFont typeface="+mj-lt"/>
-              <a:buAutoNum type="arabicPeriod"/>
-            </a:pPr>
-            <a:r>
-              <a:rPr lang="en-US" dirty="0"/>
-              <a:t>Register </a:t>
-            </a:r>
-            <a:r>
-              <a:rPr lang="en-US" dirty="0" err="1"/>
-              <a:t>dns</a:t>
-            </a:r>
-            <a:r>
-              <a:rPr lang="en-US" dirty="0"/>
-              <a:t> name for the provided </a:t>
-            </a:r>
-            <a:r>
-              <a:rPr lang="en-US" dirty="0" err="1"/>
-              <a:t>LoadBalancer</a:t>
-            </a:r>
-            <a:r>
-              <a:rPr lang="en-US" dirty="0"/>
-              <a:t> Ip</a:t>
-            </a:r>
-          </a:p>
-          <a:p>
-            <a:pPr marL="1022350" lvl="1" indent="-514350">
-              <a:buFont typeface="+mj-lt"/>
-              <a:buAutoNum type="arabicPeriod"/>
-            </a:pPr>
-            <a:r>
-              <a:rPr lang="en-US" dirty="0"/>
-              <a:t>Create namespace and secret for pulling image from azure docker registry </a:t>
-            </a:r>
-          </a:p>
-          <a:p>
-            <a:pPr marL="1022350" lvl="1" indent="-514350">
-              <a:buFont typeface="+mj-lt"/>
-              <a:buAutoNum type="arabicPeriod"/>
-            </a:pPr>
-            <a:r>
-              <a:rPr lang="en-US" dirty="0"/>
-              <a:t>Set up persistent storage (storage class and persistent volume claim) (to be explained in next slides)</a:t>
-            </a:r>
-          </a:p>
-          <a:p>
-            <a:pPr marL="514350" indent="-514350">
-              <a:buFont typeface="+mj-lt"/>
-              <a:buAutoNum type="arabicPeriod"/>
-            </a:pPr>
-            <a:r>
-              <a:rPr lang="en-US" dirty="0"/>
-              <a:t>Deploy web app using Helm chart</a:t>
-            </a:r>
-          </a:p>
-          <a:p>
-            <a:pPr marL="1022350" lvl="1" indent="-514350">
-              <a:buFont typeface="+mj-lt"/>
-              <a:buAutoNum type="arabicPeriod"/>
-            </a:pPr>
-            <a:r>
-              <a:rPr lang="en-US" dirty="0"/>
-              <a:t>Navigate to app </a:t>
-            </a:r>
-          </a:p>
-          <a:p>
-            <a:pPr marL="1022350" lvl="1" indent="-514350">
-              <a:buFont typeface="+mj-lt"/>
-              <a:buAutoNum type="arabicPeriod"/>
-            </a:pPr>
-            <a:r>
-              <a:rPr lang="en-US" dirty="0"/>
-              <a:t>Log into the pod via dashboard</a:t>
-            </a:r>
-          </a:p>
-          <a:p>
-            <a:pPr marL="1022350" lvl="1" indent="-514350">
-              <a:buFont typeface="+mj-lt"/>
-              <a:buAutoNum type="arabicPeriod"/>
-            </a:pPr>
-            <a:r>
-              <a:rPr lang="en-US" dirty="0"/>
-              <a:t>Show persistent storage</a:t>
-            </a:r>
-          </a:p>
-          <a:p>
-            <a:pPr lvl="1"/>
-            <a:endParaRPr lang="en-US" dirty="0"/>
-          </a:p>
-        </p:txBody>
-      </p:sp>
-      <p:sp>
-        <p:nvSpPr>
-          <p:cNvPr id="6" name="Title 5">
-            <a:extLst>
-              <a:ext uri="{FF2B5EF4-FFF2-40B4-BE49-F238E27FC236}">
-                <a16:creationId xmlns:a16="http://schemas.microsoft.com/office/drawing/2014/main" id="{C1647E81-962B-495E-A29A-0CB7BE4D552D}"/>
-              </a:ext>
-            </a:extLst>
-          </p:cNvPr>
-          <p:cNvSpPr>
-            <a:spLocks noGrp="1"/>
-          </p:cNvSpPr>
-          <p:nvPr>
-            <p:ph type="title"/>
-          </p:nvPr>
-        </p:nvSpPr>
-        <p:spPr/>
-        <p:txBody>
-          <a:bodyPr/>
-          <a:lstStyle/>
-          <a:p>
-            <a:r>
-              <a:rPr lang="en-US" dirty="0"/>
-              <a:t>Deploy walk-through</a:t>
-            </a:r>
-          </a:p>
-        </p:txBody>
-      </p:sp>
-    </p:spTree>
-    <p:extLst>
-      <p:ext uri="{BB962C8B-B14F-4D97-AF65-F5344CB8AC3E}">
-        <p14:creationId xmlns:p14="http://schemas.microsoft.com/office/powerpoint/2010/main" val="3979354483"/>
-      </p:ext>
-    </p:extLst>
-  </p:cSld>
-  <p:clrMapOvr>
-    <a:masterClrMapping/>
-  </p:clrMapOvr>
-  <p:transition spd="med"/>
-</p:sld>
-</file>
-
 <file path=ppt/slides/slide23.xml><?xml version="1.0" encoding="utf-8"?>
 <p:sld xmlns:a="http://schemas.openxmlformats.org/drawingml/2006/main" xmlns:r="http://schemas.openxmlformats.org/officeDocument/2006/relationships" xmlns:p="http://schemas.openxmlformats.org/presentationml/2006/main">
   <p:cSld>
@@ -12026,7 +11698,7 @@
           <p:cNvPr id="2" name="Title 1">
             <a:extLst>
               <a:ext uri="{FF2B5EF4-FFF2-40B4-BE49-F238E27FC236}">
-                <a16:creationId xmlns:a16="http://schemas.microsoft.com/office/drawing/2014/main" id="{CED7F8AA-6C14-4C65-A298-9AAD98803443}"/>
+                <a16:creationId xmlns:a16="http://schemas.microsoft.com/office/drawing/2014/main" id="{8FCD7F0C-8E61-4D06-A5F1-760EEF68A873}"/>
               </a:ext>
             </a:extLst>
           </p:cNvPr>
@@ -12042,19 +11714,7 @@
           <a:bodyPr/>
           <a:lstStyle/>
           <a:p>
-            <a:r>
-              <a:rPr lang="it-IT" dirty="0"/>
-              <a:t>(</a:t>
-            </a:r>
-            <a:r>
-              <a:rPr lang="it-IT" dirty="0" err="1"/>
-              <a:t>persistent</a:t>
-            </a:r>
-            <a:r>
-              <a:rPr lang="it-IT" dirty="0"/>
-              <a:t>) Storage</a:t>
-            </a:r>
-            <a:endParaRPr lang="en-US" dirty="0"/>
+            <a:endParaRPr lang="en-US"/>
           </a:p>
         </p:txBody>
       </p:sp>
@@ -12063,7 +11723,7 @@
           <p:cNvPr id="3" name="Text Placeholder 2">
             <a:extLst>
               <a:ext uri="{FF2B5EF4-FFF2-40B4-BE49-F238E27FC236}">
-                <a16:creationId xmlns:a16="http://schemas.microsoft.com/office/drawing/2014/main" id="{6E542C29-3547-4F74-A988-BAF25488669A}"/>
+                <a16:creationId xmlns:a16="http://schemas.microsoft.com/office/drawing/2014/main" id="{77969CBC-C469-47E2-B17C-C1C90C286FAC}"/>
               </a:ext>
             </a:extLst>
           </p:cNvPr>
@@ -12085,48 +11745,478 @@
       </p:sp>
       <p:sp>
         <p:nvSpPr>
-          <p:cNvPr id="4" name="Text Placeholder 3">
+          <p:cNvPr id="5" name="Rectangle 4">
             <a:extLst>
               <a:ext uri="{FF2B5EF4-FFF2-40B4-BE49-F238E27FC236}">
-                <a16:creationId xmlns:a16="http://schemas.microsoft.com/office/drawing/2014/main" id="{3FD9D76D-8024-42C9-AA89-A259E92D164E}"/>
+                <a16:creationId xmlns:a16="http://schemas.microsoft.com/office/drawing/2014/main" id="{EAA9578E-E97D-4825-B7BE-0436A35C07BE}"/>
               </a:ext>
             </a:extLst>
           </p:cNvPr>
-          <p:cNvSpPr>
-            <a:spLocks noGrp="1"/>
-          </p:cNvSpPr>
-          <p:nvPr>
-            <p:ph type="body" idx="1"/>
-          </p:nvPr>
+          <p:cNvSpPr/>
+          <p:nvPr/>
         </p:nvSpPr>
         <p:spPr>
           <a:xfrm>
-            <a:off x="1805572" y="3597965"/>
-            <a:ext cx="21005801" cy="9079564"/>
+            <a:off x="413051" y="3923329"/>
+            <a:ext cx="12192000" cy="2826287"/>
           </a:xfrm>
+          <a:prstGeom prst="rect">
+            <a:avLst/>
+          </a:prstGeom>
         </p:spPr>
         <p:txBody>
           <a:bodyPr>
-            <a:normAutofit/>
+            <a:spAutoFit/>
           </a:bodyPr>
           <a:lstStyle/>
           <a:p>
             <a:r>
-              <a:rPr lang="en-US" dirty="0"/>
-              <a:t>Pods are ephemeral, when restarted what they wrote on disk is lost</a:t>
-            </a:r>
-          </a:p>
-          <a:p>
-            <a:r>
-              <a:rPr lang="en-US" dirty="0"/>
-              <a:t>K8s offers an abstraction to hide as much as possible specific details of external (cloud) storage provider</a:t>
-            </a:r>
-          </a:p>
-          <a:p>
-            <a:pPr lvl="1"/>
-            <a:r>
-              <a:rPr lang="en-US" dirty="0"/>
-              <a:t>Think twice before going to PRD using K8s storage </a:t>
+              <a:rPr lang="en-US" sz="2800" dirty="0" err="1"/>
+              <a:t>Ingress.yaml</a:t>
+            </a:r>
+            <a:endParaRPr lang="en-US" sz="2800" dirty="0"/>
+          </a:p>
+          <a:p>
+            <a:endParaRPr lang="en-US" sz="2800" dirty="0"/>
+          </a:p>
+          <a:p>
+            <a:endParaRPr lang="en-US" sz="2800" dirty="0"/>
+          </a:p>
+          <a:p>
+            <a:r>
+              <a:rPr lang="en-US" sz="2800" dirty="0" err="1"/>
+              <a:t>apiVersion</a:t>
+            </a:r>
+            <a:r>
+              <a:rPr lang="en-US" sz="2800" dirty="0"/>
+              <a:t>: extensions/v1beta1</a:t>
+            </a:r>
+          </a:p>
+          <a:p>
+            <a:r>
+              <a:rPr lang="en-US" sz="2800" dirty="0"/>
+              <a:t>kind: Ingress</a:t>
+            </a:r>
+          </a:p>
+          <a:p>
+            <a:r>
+              <a:rPr lang="en-US" sz="2800" dirty="0"/>
+              <a:t>metadata:</a:t>
+            </a:r>
+          </a:p>
+          <a:p>
+            <a:r>
+              <a:rPr lang="en-US" sz="2800" dirty="0"/>
+              <a:t>  name: k8sdemohelm</a:t>
+            </a:r>
+          </a:p>
+          <a:p>
+            <a:r>
+              <a:rPr lang="en-US" sz="2800" dirty="0"/>
+              <a:t>  namespace: </a:t>
+            </a:r>
+            <a:r>
+              <a:rPr lang="en-US" sz="2800" dirty="0">
+                <a:highlight>
+                  <a:srgbClr val="FFFF00"/>
+                </a:highlight>
+              </a:rPr>
+              <a:t>{{ .</a:t>
+            </a:r>
+            <a:r>
+              <a:rPr lang="en-US" sz="2800" dirty="0" err="1">
+                <a:highlight>
+                  <a:srgbClr val="FFFF00"/>
+                </a:highlight>
+              </a:rPr>
+              <a:t>Values.app.namespace</a:t>
+            </a:r>
+            <a:r>
+              <a:rPr lang="en-US" sz="2800" dirty="0">
+                <a:highlight>
+                  <a:srgbClr val="FFFF00"/>
+                </a:highlight>
+              </a:rPr>
+              <a:t> }}</a:t>
+            </a:r>
+          </a:p>
+          <a:p>
+            <a:r>
+              <a:rPr lang="en-US" sz="2800" dirty="0"/>
+              <a:t>  annotations:</a:t>
+            </a:r>
+          </a:p>
+        </p:txBody>
+      </p:sp>
+      <p:sp>
+        <p:nvSpPr>
+          <p:cNvPr id="6" name="Rectangle 5">
+            <a:extLst>
+              <a:ext uri="{FF2B5EF4-FFF2-40B4-BE49-F238E27FC236}">
+                <a16:creationId xmlns:a16="http://schemas.microsoft.com/office/drawing/2014/main" id="{46A269DD-B57F-4669-8AAB-E7D400F86CD9}"/>
+              </a:ext>
+            </a:extLst>
+          </p:cNvPr>
+          <p:cNvSpPr/>
+          <p:nvPr/>
+        </p:nvSpPr>
+        <p:spPr>
+          <a:xfrm>
+            <a:off x="8640417" y="3541826"/>
+            <a:ext cx="12192000" cy="3561616"/>
+          </a:xfrm>
+          <a:prstGeom prst="rect">
+            <a:avLst/>
+          </a:prstGeom>
+        </p:spPr>
+        <p:txBody>
+          <a:bodyPr>
+            <a:spAutoFit/>
+          </a:bodyPr>
+          <a:lstStyle/>
+          <a:p>
+            <a:r>
+              <a:rPr lang="en-US" sz="3200" dirty="0"/>
+              <a:t>Value file</a:t>
+            </a:r>
+          </a:p>
+          <a:p>
+            <a:endParaRPr lang="en-US" sz="3200" dirty="0"/>
+          </a:p>
+          <a:p>
+            <a:r>
+              <a:rPr lang="en-US" sz="3200" dirty="0" err="1"/>
+              <a:t>replicaCount</a:t>
+            </a:r>
+            <a:r>
+              <a:rPr lang="en-US" sz="3200" dirty="0"/>
+              <a:t>: 3</a:t>
+            </a:r>
+          </a:p>
+          <a:p>
+            <a:r>
+              <a:rPr lang="en-US" sz="3200" dirty="0"/>
+              <a:t>image:</a:t>
+            </a:r>
+          </a:p>
+          <a:p>
+            <a:r>
+              <a:rPr lang="en-US" sz="3200" dirty="0"/>
+              <a:t>  name: k8sdemo</a:t>
+            </a:r>
+          </a:p>
+          <a:p>
+            <a:r>
+              <a:rPr lang="en-US" sz="3200" dirty="0"/>
+              <a:t>  tag: latest</a:t>
+            </a:r>
+          </a:p>
+          <a:p>
+            <a:r>
+              <a:rPr lang="en-US" sz="3200" dirty="0">
+                <a:highlight>
+                  <a:srgbClr val="FFFF00"/>
+                </a:highlight>
+              </a:rPr>
+              <a:t>app: </a:t>
+            </a:r>
+          </a:p>
+          <a:p>
+            <a:r>
+              <a:rPr lang="en-US" sz="3200" dirty="0">
+                <a:highlight>
+                  <a:srgbClr val="FFFF00"/>
+                </a:highlight>
+              </a:rPr>
+              <a:t>  namespace: dev</a:t>
+            </a:r>
+          </a:p>
+          <a:p>
+            <a:r>
+              <a:rPr lang="en-US" sz="3200" dirty="0" err="1"/>
+              <a:t>configInfo</a:t>
+            </a:r>
+            <a:r>
+              <a:rPr lang="en-US" sz="3200" dirty="0"/>
+              <a:t>:  </a:t>
+            </a:r>
+          </a:p>
+          <a:p>
+            <a:r>
+              <a:rPr lang="en-US" sz="3200" dirty="0"/>
+              <a:t>  </a:t>
+            </a:r>
+            <a:r>
+              <a:rPr lang="en-US" sz="3200" dirty="0" err="1"/>
+              <a:t>mySetting</a:t>
+            </a:r>
+            <a:r>
+              <a:rPr lang="en-US" sz="3200" dirty="0"/>
+              <a:t>: "ciao"</a:t>
+            </a:r>
+          </a:p>
+        </p:txBody>
+      </p:sp>
+      <p:sp>
+        <p:nvSpPr>
+          <p:cNvPr id="7" name="Rectangle 6">
+            <a:extLst>
+              <a:ext uri="{FF2B5EF4-FFF2-40B4-BE49-F238E27FC236}">
+                <a16:creationId xmlns:a16="http://schemas.microsoft.com/office/drawing/2014/main" id="{63324F91-1F0B-4143-86DC-C5EC633F1D50}"/>
+              </a:ext>
+            </a:extLst>
+          </p:cNvPr>
+          <p:cNvSpPr/>
+          <p:nvPr/>
+        </p:nvSpPr>
+        <p:spPr>
+          <a:xfrm>
+            <a:off x="532324" y="7621034"/>
+            <a:ext cx="14323152" cy="436273"/>
+          </a:xfrm>
+          <a:prstGeom prst="rect">
+            <a:avLst/>
+          </a:prstGeom>
+        </p:spPr>
+        <p:txBody>
+          <a:bodyPr wrap="none">
+            <a:spAutoFit/>
+          </a:bodyPr>
+          <a:lstStyle/>
+          <a:p>
+            <a:r>
+              <a:rPr lang="en-US" sz="3000" dirty="0">
+                <a:solidFill>
+                  <a:srgbClr val="202361"/>
+                </a:solidFill>
+              </a:rPr>
+              <a:t>helm install &lt;deployment-name&gt; &lt;chart-folder&gt; -f </a:t>
+            </a:r>
+            <a:r>
+              <a:rPr lang="en-US" sz="3000" dirty="0" err="1">
+                <a:solidFill>
+                  <a:srgbClr val="202361"/>
+                </a:solidFill>
+              </a:rPr>
+              <a:t>myvalues.yaml</a:t>
+            </a:r>
+            <a:r>
+              <a:rPr lang="en-US" sz="3000" dirty="0">
+                <a:solidFill>
+                  <a:srgbClr val="202361"/>
+                </a:solidFill>
+              </a:rPr>
+              <a:t> –f </a:t>
+            </a:r>
+            <a:r>
+              <a:rPr lang="en-US" sz="3000" dirty="0" err="1">
+                <a:solidFill>
+                  <a:srgbClr val="202361"/>
+                </a:solidFill>
+              </a:rPr>
+              <a:t>anothervaluefile.yaml</a:t>
+            </a:r>
+            <a:endParaRPr lang="en-US" sz="3000" dirty="0">
+              <a:solidFill>
+                <a:srgbClr val="202361"/>
+              </a:solidFill>
+            </a:endParaRPr>
+          </a:p>
+        </p:txBody>
+      </p:sp>
+      <p:sp>
+        <p:nvSpPr>
+          <p:cNvPr id="8" name="Rectangle 7">
+            <a:extLst>
+              <a:ext uri="{FF2B5EF4-FFF2-40B4-BE49-F238E27FC236}">
+                <a16:creationId xmlns:a16="http://schemas.microsoft.com/office/drawing/2014/main" id="{8199AC55-2954-433D-ABF8-B7951B241646}"/>
+              </a:ext>
+            </a:extLst>
+          </p:cNvPr>
+          <p:cNvSpPr/>
+          <p:nvPr/>
+        </p:nvSpPr>
+        <p:spPr>
+          <a:xfrm>
+            <a:off x="576356" y="8385320"/>
+            <a:ext cx="12603130" cy="1728935"/>
+          </a:xfrm>
+          <a:prstGeom prst="rect">
+            <a:avLst/>
+          </a:prstGeom>
+        </p:spPr>
+        <p:txBody>
+          <a:bodyPr wrap="none">
+            <a:spAutoFit/>
+          </a:bodyPr>
+          <a:lstStyle/>
+          <a:p>
+            <a:r>
+              <a:rPr lang="en-US" sz="3000" dirty="0" err="1">
+                <a:solidFill>
+                  <a:srgbClr val="202361"/>
+                </a:solidFill>
+              </a:rPr>
+              <a:t>values.yaml</a:t>
+            </a:r>
+            <a:r>
+              <a:rPr lang="en-US" sz="3000" dirty="0">
+                <a:solidFill>
+                  <a:srgbClr val="202361"/>
+                </a:solidFill>
+              </a:rPr>
+              <a:t> file in root folder of the chart provides defaults</a:t>
+            </a:r>
+          </a:p>
+          <a:p>
+            <a:endParaRPr lang="en-US" sz="3000" dirty="0">
+              <a:solidFill>
+                <a:srgbClr val="202361"/>
+              </a:solidFill>
+            </a:endParaRPr>
+          </a:p>
+          <a:p>
+            <a:r>
+              <a:rPr lang="en-US" sz="3000" dirty="0">
+                <a:solidFill>
+                  <a:srgbClr val="202361"/>
+                </a:solidFill>
+              </a:rPr>
+              <a:t>Values can also be provided via command line, e.g. : --set </a:t>
+            </a:r>
+            <a:r>
+              <a:rPr lang="en-US" sz="3000" dirty="0" err="1">
+                <a:solidFill>
+                  <a:srgbClr val="202361"/>
+                </a:solidFill>
+              </a:rPr>
+              <a:t>app.namespace</a:t>
+            </a:r>
+            <a:r>
+              <a:rPr lang="en-US" sz="3000" dirty="0">
+                <a:solidFill>
+                  <a:srgbClr val="202361"/>
+                </a:solidFill>
+              </a:rPr>
+              <a:t>=dev2</a:t>
+            </a:r>
+          </a:p>
+          <a:p>
+            <a:endParaRPr lang="en-US" sz="3000" dirty="0">
+              <a:solidFill>
+                <a:srgbClr val="202361"/>
+              </a:solidFill>
+            </a:endParaRPr>
+          </a:p>
+          <a:p>
+            <a:r>
+              <a:rPr lang="en-US" sz="3000" dirty="0">
+                <a:solidFill>
+                  <a:srgbClr val="202361"/>
+                </a:solidFill>
+              </a:rPr>
+              <a:t>Values evaluation (override) from left to right</a:t>
+            </a:r>
+          </a:p>
+        </p:txBody>
+      </p:sp>
+      <p:sp>
+        <p:nvSpPr>
+          <p:cNvPr id="9" name="Rectangle 8">
+            <a:extLst>
+              <a:ext uri="{FF2B5EF4-FFF2-40B4-BE49-F238E27FC236}">
+                <a16:creationId xmlns:a16="http://schemas.microsoft.com/office/drawing/2014/main" id="{18050A73-67EB-4371-87A8-1DB429FCFB51}"/>
+              </a:ext>
+            </a:extLst>
+          </p:cNvPr>
+          <p:cNvSpPr/>
+          <p:nvPr/>
+        </p:nvSpPr>
+        <p:spPr>
+          <a:xfrm>
+            <a:off x="7295322" y="11282180"/>
+            <a:ext cx="16260417" cy="1728935"/>
+          </a:xfrm>
+          <a:prstGeom prst="rect">
+            <a:avLst/>
+          </a:prstGeom>
+        </p:spPr>
+        <p:txBody>
+          <a:bodyPr wrap="square">
+            <a:spAutoFit/>
+          </a:bodyPr>
+          <a:lstStyle/>
+          <a:p>
+            <a:r>
+              <a:rPr lang="en-US" sz="3000" dirty="0">
+                <a:solidFill>
+                  <a:srgbClr val="202361"/>
+                </a:solidFill>
+              </a:rPr>
+              <a:t>Tips: 	use upgrade –install for idempotency , use --recreate-pods to force pods restart </a:t>
+            </a:r>
+          </a:p>
+          <a:p>
+            <a:endParaRPr lang="en-US" sz="3000" dirty="0">
+              <a:solidFill>
+                <a:srgbClr val="202361"/>
+              </a:solidFill>
+            </a:endParaRPr>
+          </a:p>
+          <a:p>
+            <a:r>
+              <a:rPr lang="en-US" sz="3000" dirty="0">
+                <a:solidFill>
+                  <a:srgbClr val="202361"/>
+                </a:solidFill>
+              </a:rPr>
+              <a:t>helm upgrade --recreate-pods --install k8sdemowithhelm </a:t>
+            </a:r>
+            <a:r>
+              <a:rPr lang="en-US" sz="3000" dirty="0" err="1">
+                <a:solidFill>
+                  <a:srgbClr val="202361"/>
+                </a:solidFill>
+              </a:rPr>
+              <a:t>demoapp</a:t>
+            </a:r>
+            <a:r>
+              <a:rPr lang="en-US" sz="3000" dirty="0">
+                <a:solidFill>
+                  <a:srgbClr val="202361"/>
+                </a:solidFill>
+              </a:rPr>
+              <a:t> -f </a:t>
+            </a:r>
+            <a:r>
+              <a:rPr lang="en-US" sz="3000" dirty="0" err="1">
+                <a:solidFill>
+                  <a:srgbClr val="202361"/>
+                </a:solidFill>
+              </a:rPr>
+              <a:t>myvalues.yaml</a:t>
+            </a:r>
+            <a:endParaRPr lang="en-US" sz="3000" dirty="0">
+              <a:solidFill>
+                <a:srgbClr val="202361"/>
+              </a:solidFill>
+            </a:endParaRPr>
+          </a:p>
+          <a:p>
+            <a:endParaRPr lang="en-US" sz="3000" dirty="0">
+              <a:solidFill>
+                <a:srgbClr val="202361"/>
+              </a:solidFill>
+            </a:endParaRPr>
+          </a:p>
+          <a:p>
+            <a:r>
+              <a:rPr lang="en-US" sz="3000" dirty="0">
+                <a:solidFill>
+                  <a:srgbClr val="202361"/>
+                </a:solidFill>
+              </a:rPr>
+              <a:t>Delete a deployed chart: helm delete &lt;deployment-name&gt; --purge</a:t>
             </a:r>
           </a:p>
         </p:txBody>
@@ -12134,7 +12224,7 @@
     </p:spTree>
     <p:extLst>
       <p:ext uri="{BB962C8B-B14F-4D97-AF65-F5344CB8AC3E}">
-        <p14:creationId xmlns:p14="http://schemas.microsoft.com/office/powerpoint/2010/main" val="3545926822"/>
+        <p14:creationId xmlns:p14="http://schemas.microsoft.com/office/powerpoint/2010/main" val="2661414889"/>
       </p:ext>
     </p:extLst>
   </p:cSld>
@@ -12167,7 +12257,7 @@
           <p:cNvPr id="2" name="Title 1">
             <a:extLst>
               <a:ext uri="{FF2B5EF4-FFF2-40B4-BE49-F238E27FC236}">
-                <a16:creationId xmlns:a16="http://schemas.microsoft.com/office/drawing/2014/main" id="{8DC4B02A-6432-4FF7-9861-D98D573F3DE3}"/>
+                <a16:creationId xmlns:a16="http://schemas.microsoft.com/office/drawing/2014/main" id="{CED7F8AA-6C14-4C65-A298-9AAD98803443}"/>
               </a:ext>
             </a:extLst>
           </p:cNvPr>
@@ -12204,7 +12294,7 @@
           <p:cNvPr id="3" name="Text Placeholder 2">
             <a:extLst>
               <a:ext uri="{FF2B5EF4-FFF2-40B4-BE49-F238E27FC236}">
-                <a16:creationId xmlns:a16="http://schemas.microsoft.com/office/drawing/2014/main" id="{39B0F179-F9C2-4479-BD8F-864771456A1B}"/>
+                <a16:creationId xmlns:a16="http://schemas.microsoft.com/office/drawing/2014/main" id="{6E542C29-3547-4F74-A988-BAF25488669A}"/>
               </a:ext>
             </a:extLst>
           </p:cNvPr>
@@ -12229,7 +12319,7 @@
           <p:cNvPr id="4" name="Text Placeholder 3">
             <a:extLst>
               <a:ext uri="{FF2B5EF4-FFF2-40B4-BE49-F238E27FC236}">
-                <a16:creationId xmlns:a16="http://schemas.microsoft.com/office/drawing/2014/main" id="{226ECEB4-86B7-4D24-95C3-972D8B0ED23B}"/>
+                <a16:creationId xmlns:a16="http://schemas.microsoft.com/office/drawing/2014/main" id="{3FD9D76D-8024-42C9-AA89-A259E92D164E}"/>
               </a:ext>
             </a:extLst>
           </p:cNvPr>
@@ -12242,8 +12332,8 @@
         </p:nvSpPr>
         <p:spPr>
           <a:xfrm>
-            <a:off x="1805572" y="3282870"/>
-            <a:ext cx="21005801" cy="10164190"/>
+            <a:off x="1805572" y="3597965"/>
+            <a:ext cx="21005801" cy="9079564"/>
           </a:xfrm>
         </p:spPr>
         <p:txBody>
@@ -12253,133 +12343,29 @@
           <a:lstStyle/>
           <a:p>
             <a:r>
-              <a:rPr lang="en-US" b="1" dirty="0"/>
-              <a:t>Storage class</a:t>
+              <a:rPr lang="en-US" dirty="0"/>
+              <a:t>Pods are ephemeral, when restarted what they wrote on disk is lost</a:t>
+            </a:r>
+          </a:p>
+          <a:p>
+            <a:r>
+              <a:rPr lang="en-US" dirty="0"/>
+              <a:t>K8s offers an abstraction to hide as much as possible specific details of external (cloud) storage provider</a:t>
             </a:r>
           </a:p>
           <a:p>
             <a:pPr lvl="1"/>
             <a:r>
               <a:rPr lang="en-US" dirty="0"/>
-              <a:t>Link to cloud specific storage options, e.g. </a:t>
-            </a:r>
-          </a:p>
-          <a:p>
-            <a:pPr lvl="2"/>
-            <a:r>
-              <a:rPr lang="en-US" dirty="0"/>
-              <a:t>Azure disk single </a:t>
-            </a:r>
-            <a:r>
-              <a:rPr lang="en-US" i="1" dirty="0" err="1"/>
-              <a:t>ReadWriteOnce</a:t>
-            </a:r>
-            <a:r>
-              <a:rPr lang="en-US" i="1" dirty="0"/>
-              <a:t>, </a:t>
-            </a:r>
-            <a:r>
-              <a:rPr lang="en-US" dirty="0"/>
-              <a:t>more performance</a:t>
-            </a:r>
-          </a:p>
-          <a:p>
-            <a:pPr lvl="2"/>
-            <a:r>
-              <a:rPr lang="en-US" dirty="0"/>
-              <a:t>Azure files (Storage Account) – </a:t>
-            </a:r>
-            <a:r>
-              <a:rPr lang="en-US" i="1" dirty="0" err="1"/>
-              <a:t>ReadWriteMany</a:t>
-            </a:r>
-            <a:r>
-              <a:rPr lang="en-US" i="1" dirty="0"/>
-              <a:t>, </a:t>
-            </a:r>
-            <a:r>
-              <a:rPr lang="en-US" dirty="0"/>
-              <a:t>less performance</a:t>
-            </a:r>
-          </a:p>
-          <a:p>
-            <a:pPr lvl="2"/>
-            <a:r>
-              <a:rPr lang="en-US" dirty="0"/>
-              <a:t>Watch out for </a:t>
-            </a:r>
-            <a:r>
-              <a:rPr lang="en-US" dirty="0" err="1"/>
-              <a:t>ReclaimPolicy</a:t>
-            </a:r>
-            <a:endParaRPr lang="en-US" dirty="0"/>
-          </a:p>
-          <a:p>
-            <a:r>
-              <a:rPr lang="en-US" b="1" dirty="0"/>
-              <a:t>Persistent Volume (PV)</a:t>
-            </a:r>
-          </a:p>
-          <a:p>
-            <a:pPr lvl="1"/>
-            <a:r>
-              <a:rPr lang="en-US" dirty="0"/>
-              <a:t>Actual storage instance </a:t>
-            </a:r>
-          </a:p>
-          <a:p>
-            <a:r>
-              <a:rPr lang="en-US" b="1" dirty="0"/>
-              <a:t>Persistent Volume Claim</a:t>
-            </a:r>
-          </a:p>
-          <a:p>
-            <a:pPr lvl="1"/>
-            <a:r>
-              <a:rPr lang="en-US" dirty="0"/>
-              <a:t>Storage Requirement (refer to a storage class)</a:t>
-            </a:r>
-          </a:p>
-          <a:p>
-            <a:r>
-              <a:rPr lang="en-US" dirty="0"/>
-              <a:t>Yaml Deployment refer to a storage class (never to a PV explicitly)</a:t>
-            </a:r>
-          </a:p>
-          <a:p>
-            <a:pPr lvl="1"/>
-            <a:r>
-              <a:rPr lang="en-US" dirty="0"/>
-              <a:t>If no storage class is defined the default one is used (if defined)</a:t>
-            </a:r>
-          </a:p>
-          <a:p>
-            <a:r>
-              <a:rPr lang="en-US" dirty="0"/>
-              <a:t>PV can be provisioned dynamically or created upfront by the administrator</a:t>
-            </a:r>
-          </a:p>
-          <a:p>
-            <a:pPr lvl="1"/>
-            <a:r>
-              <a:rPr lang="en-US" dirty="0"/>
-              <a:t>If created upfront, PVC pick up the PV referencing it or </a:t>
-            </a:r>
-            <a:r>
-              <a:rPr lang="en-US" dirty="0" err="1"/>
-              <a:t>viceversa</a:t>
-            </a:r>
-            <a:endParaRPr lang="en-US" dirty="0"/>
-          </a:p>
-          <a:p>
-            <a:endParaRPr lang="en-US" dirty="0"/>
+              <a:t>Think twice before going to PRD using K8s storage </a:t>
+            </a:r>
           </a:p>
         </p:txBody>
       </p:sp>
     </p:spTree>
     <p:extLst>
       <p:ext uri="{BB962C8B-B14F-4D97-AF65-F5344CB8AC3E}">
-        <p14:creationId xmlns:p14="http://schemas.microsoft.com/office/powerpoint/2010/main" val="187770712"/>
+        <p14:creationId xmlns:p14="http://schemas.microsoft.com/office/powerpoint/2010/main" val="3545926822"/>
       </p:ext>
     </p:extLst>
   </p:cSld>
@@ -12412,7 +12398,7 @@
           <p:cNvPr id="2" name="Title 1">
             <a:extLst>
               <a:ext uri="{FF2B5EF4-FFF2-40B4-BE49-F238E27FC236}">
-                <a16:creationId xmlns:a16="http://schemas.microsoft.com/office/drawing/2014/main" id="{6D01E74F-CA25-42B3-8332-719DEC907E7B}"/>
+                <a16:creationId xmlns:a16="http://schemas.microsoft.com/office/drawing/2014/main" id="{8DC4B02A-6432-4FF7-9861-D98D573F3DE3}"/>
               </a:ext>
             </a:extLst>
           </p:cNvPr>
@@ -12430,7 +12416,15 @@
           <a:p>
             <a:r>
               <a:rPr lang="it-IT" dirty="0"/>
-              <a:t>RBAC Security</a:t>
+              <a:t>(</a:t>
+            </a:r>
+            <a:r>
+              <a:rPr lang="it-IT" dirty="0" err="1"/>
+              <a:t>persistent</a:t>
+            </a:r>
+            <a:r>
+              <a:rPr lang="it-IT" dirty="0"/>
+              <a:t>) Storage</a:t>
             </a:r>
             <a:endParaRPr lang="en-US" dirty="0"/>
           </a:p>
@@ -12441,7 +12435,7 @@
           <p:cNvPr id="3" name="Text Placeholder 2">
             <a:extLst>
               <a:ext uri="{FF2B5EF4-FFF2-40B4-BE49-F238E27FC236}">
-                <a16:creationId xmlns:a16="http://schemas.microsoft.com/office/drawing/2014/main" id="{A4546F77-555F-4B8E-9D01-4C2B4DED2203}"/>
+                <a16:creationId xmlns:a16="http://schemas.microsoft.com/office/drawing/2014/main" id="{39B0F179-F9C2-4479-BD8F-864771456A1B}"/>
               </a:ext>
             </a:extLst>
           </p:cNvPr>
@@ -12457,10 +12451,7 @@
           <a:bodyPr/>
           <a:lstStyle/>
           <a:p>
-            <a:r>
-              <a:rPr lang="en-US" dirty="0"/>
-              <a:t>Role Based Access Security</a:t>
-            </a:r>
+            <a:endParaRPr lang="en-US"/>
           </a:p>
         </p:txBody>
       </p:sp>
@@ -12469,7 +12460,7 @@
           <p:cNvPr id="4" name="Text Placeholder 3">
             <a:extLst>
               <a:ext uri="{FF2B5EF4-FFF2-40B4-BE49-F238E27FC236}">
-                <a16:creationId xmlns:a16="http://schemas.microsoft.com/office/drawing/2014/main" id="{88D220A3-497A-4413-B1FC-B4EAD81BB8B7}"/>
+                <a16:creationId xmlns:a16="http://schemas.microsoft.com/office/drawing/2014/main" id="{226ECEB4-86B7-4D24-95C3-972D8B0ED23B}"/>
               </a:ext>
             </a:extLst>
           </p:cNvPr>
@@ -12480,163 +12471,146 @@
             <p:ph type="body" idx="1"/>
           </p:nvPr>
         </p:nvSpPr>
-        <p:spPr/>
+        <p:spPr>
+          <a:xfrm>
+            <a:off x="1805572" y="3282870"/>
+            <a:ext cx="21005801" cy="10164190"/>
+          </a:xfrm>
+        </p:spPr>
         <p:txBody>
           <a:bodyPr>
-            <a:normAutofit fontScale="92500" lnSpcReduction="20000"/>
+            <a:normAutofit/>
           </a:bodyPr>
           <a:lstStyle/>
           <a:p>
             <a:r>
-              <a:rPr lang="en-US" dirty="0"/>
-              <a:t>Authorization model controlling access to the API server</a:t>
+              <a:rPr lang="en-US" b="1" dirty="0"/>
+              <a:t>Storage class</a:t>
             </a:r>
           </a:p>
           <a:p>
             <a:pPr lvl="1"/>
             <a:r>
               <a:rPr lang="en-US" dirty="0"/>
-              <a:t>What endpoints and what verbs</a:t>
-            </a:r>
-          </a:p>
-          <a:p>
-            <a:r>
-              <a:rPr lang="en-US" dirty="0"/>
-              <a:t>Entered stable mode in 1.8</a:t>
-            </a:r>
-          </a:p>
-          <a:p>
-            <a:r>
-              <a:rPr lang="en-US" dirty="0"/>
-              <a:t>Defines four top-level resources</a:t>
+              <a:t>Link to cloud specific storage options, e.g. </a:t>
+            </a:r>
+          </a:p>
+          <a:p>
+            <a:pPr lvl="2"/>
+            <a:r>
+              <a:rPr lang="en-US" dirty="0"/>
+              <a:t>Azure disk single </a:t>
+            </a:r>
+            <a:r>
+              <a:rPr lang="en-US" i="1" dirty="0" err="1"/>
+              <a:t>ReadWriteOnce</a:t>
+            </a:r>
+            <a:r>
+              <a:rPr lang="en-US" i="1" dirty="0"/>
+              <a:t>, </a:t>
+            </a:r>
+            <a:r>
+              <a:rPr lang="en-US" dirty="0"/>
+              <a:t>more performance</a:t>
+            </a:r>
+          </a:p>
+          <a:p>
+            <a:pPr lvl="2"/>
+            <a:r>
+              <a:rPr lang="en-US" dirty="0"/>
+              <a:t>Azure files (Storage Account) – </a:t>
+            </a:r>
+            <a:r>
+              <a:rPr lang="en-US" i="1" dirty="0" err="1"/>
+              <a:t>ReadWriteMany</a:t>
+            </a:r>
+            <a:r>
+              <a:rPr lang="en-US" i="1" dirty="0"/>
+              <a:t>, </a:t>
+            </a:r>
+            <a:r>
+              <a:rPr lang="en-US" dirty="0"/>
+              <a:t>less performance</a:t>
+            </a:r>
+          </a:p>
+          <a:p>
+            <a:pPr lvl="2"/>
+            <a:r>
+              <a:rPr lang="en-US" dirty="0"/>
+              <a:t>Watch out for </a:t>
+            </a:r>
+            <a:r>
+              <a:rPr lang="en-US" dirty="0" err="1"/>
+              <a:t>ReclaimPolicy</a:t>
+            </a:r>
+            <a:endParaRPr lang="en-US" dirty="0"/>
+          </a:p>
+          <a:p>
+            <a:r>
+              <a:rPr lang="en-US" b="1" dirty="0"/>
+              <a:t>Persistent Volume (PV)</a:t>
             </a:r>
           </a:p>
           <a:p>
             <a:pPr lvl="1"/>
             <a:r>
               <a:rPr lang="en-US" dirty="0"/>
-              <a:t>Role (namespace specific) and </a:t>
+              <a:t>Actual storage instance </a:t>
+            </a:r>
+          </a:p>
+          <a:p>
+            <a:r>
+              <a:rPr lang="en-US" b="1" dirty="0"/>
+              <a:t>Persistent Volume Claim</a:t>
+            </a:r>
+          </a:p>
+          <a:p>
+            <a:pPr lvl="1"/>
+            <a:r>
+              <a:rPr lang="en-US" dirty="0"/>
+              <a:t>Storage Requirement (refer to a storage class)</a:t>
+            </a:r>
+          </a:p>
+          <a:p>
+            <a:r>
+              <a:rPr lang="en-US" dirty="0"/>
+              <a:t>Yaml Deployment refer to a storage class (never to a PV explicitly)</a:t>
+            </a:r>
+          </a:p>
+          <a:p>
+            <a:pPr lvl="1"/>
+            <a:r>
+              <a:rPr lang="en-US" dirty="0"/>
+              <a:t>If no storage class is defined the default one is used (if defined)</a:t>
+            </a:r>
+          </a:p>
+          <a:p>
+            <a:r>
+              <a:rPr lang="en-US" dirty="0"/>
+              <a:t>PV can be provisioned dynamically or created upfront by the administrator</a:t>
+            </a:r>
+          </a:p>
+          <a:p>
+            <a:pPr lvl="1"/>
+            <a:r>
+              <a:rPr lang="en-US" dirty="0"/>
+              <a:t>If created upfront, PVC pick up the PV referencing it or </a:t>
             </a:r>
             <a:r>
               <a:rPr lang="en-US" dirty="0" err="1"/>
-              <a:t>ClusterRole</a:t>
-            </a:r>
-            <a:r>
-              <a:rPr lang="en-US" dirty="0"/>
-              <a:t> (cluster wide)</a:t>
-            </a:r>
-          </a:p>
-          <a:p>
-            <a:pPr lvl="2"/>
-            <a:r>
-              <a:rPr lang="en-US" dirty="0"/>
-              <a:t>contains rules that represent a set of permissions</a:t>
-            </a:r>
-          </a:p>
-          <a:p>
-            <a:pPr lvl="2"/>
-            <a:r>
-              <a:rPr lang="en-US" dirty="0" err="1"/>
-              <a:t>ClusterRoles</a:t>
-            </a:r>
-            <a:r>
-              <a:rPr lang="en-US" dirty="0"/>
-              <a:t> can be aggregated</a:t>
-            </a:r>
-          </a:p>
-          <a:p>
-            <a:pPr lvl="1"/>
-            <a:r>
-              <a:rPr lang="en-US" dirty="0" err="1"/>
-              <a:t>RoleBinding</a:t>
-            </a:r>
-            <a:r>
-              <a:rPr lang="en-US" dirty="0"/>
-              <a:t> and </a:t>
-            </a:r>
-            <a:r>
-              <a:rPr lang="en-US" dirty="0" err="1"/>
-              <a:t>ClusterRoleBinding</a:t>
+              <a:t>viceversa</a:t>
             </a:r>
             <a:endParaRPr lang="en-US" dirty="0"/>
           </a:p>
           <a:p>
-            <a:pPr lvl="2"/>
-            <a:r>
-              <a:rPr lang="en-US" dirty="0"/>
-              <a:t>Bind Roles / </a:t>
-            </a:r>
-            <a:r>
-              <a:rPr lang="en-US" dirty="0" err="1"/>
-              <a:t>ClusterRoles</a:t>
-            </a:r>
-            <a:r>
-              <a:rPr lang="en-US" dirty="0"/>
-              <a:t> to subjects : user, groups or </a:t>
-            </a:r>
-            <a:r>
-              <a:rPr lang="en-US" b="1" dirty="0" err="1"/>
-              <a:t>serviceAccounts</a:t>
-            </a:r>
-            <a:endParaRPr lang="en-US" b="1" dirty="0"/>
-          </a:p>
-          <a:p>
-            <a:pPr lvl="2"/>
-            <a:r>
-              <a:rPr lang="en-US" dirty="0"/>
-              <a:t>We will focus here on </a:t>
-            </a:r>
-            <a:r>
-              <a:rPr lang="en-US" b="1" dirty="0" err="1"/>
-              <a:t>serviceAccounts</a:t>
-            </a:r>
-            <a:endParaRPr lang="en-US" b="1" dirty="0"/>
-          </a:p>
-          <a:p>
-            <a:pPr lvl="2"/>
-            <a:r>
-              <a:rPr lang="en-US" dirty="0"/>
-              <a:t>K8s has no build in support for user authentication (run the </a:t>
-            </a:r>
-            <a:r>
-              <a:rPr lang="en-US" dirty="0" err="1"/>
-              <a:t>api</a:t>
-            </a:r>
-            <a:r>
-              <a:rPr lang="en-US" dirty="0"/>
-              <a:t> server with proper option passing a </a:t>
-            </a:r>
-            <a:r>
-              <a:rPr lang="en-US" dirty="0" err="1"/>
-              <a:t>pem</a:t>
-            </a:r>
-            <a:r>
-              <a:rPr lang="en-US" dirty="0"/>
-              <a:t> file, </a:t>
-            </a:r>
-            <a:r>
-              <a:rPr lang="en-US" dirty="0" err="1"/>
-              <a:t>usernameppwd</a:t>
-            </a:r>
-            <a:r>
-              <a:rPr lang="en-US" dirty="0"/>
-              <a:t> file, </a:t>
-            </a:r>
-            <a:r>
-              <a:rPr lang="en-US" dirty="0" err="1"/>
-              <a:t>etc</a:t>
-            </a:r>
-            <a:r>
-              <a:rPr lang="en-US" dirty="0"/>
-              <a:t>)</a:t>
-            </a:r>
+            <a:endParaRPr lang="en-US" dirty="0"/>
           </a:p>
         </p:txBody>
       </p:sp>
     </p:spTree>
     <p:extLst>
       <p:ext uri="{BB962C8B-B14F-4D97-AF65-F5344CB8AC3E}">
-        <p14:creationId xmlns:p14="http://schemas.microsoft.com/office/powerpoint/2010/main" val="3483870758"/>
+        <p14:creationId xmlns:p14="http://schemas.microsoft.com/office/powerpoint/2010/main" val="187770712"/>
       </p:ext>
     </p:extLst>
   </p:cSld>
@@ -12669,6 +12643,263 @@
           <p:cNvPr id="2" name="Title 1">
             <a:extLst>
               <a:ext uri="{FF2B5EF4-FFF2-40B4-BE49-F238E27FC236}">
+                <a16:creationId xmlns:a16="http://schemas.microsoft.com/office/drawing/2014/main" id="{6D01E74F-CA25-42B3-8332-719DEC907E7B}"/>
+              </a:ext>
+            </a:extLst>
+          </p:cNvPr>
+          <p:cNvSpPr>
+            <a:spLocks noGrp="1"/>
+          </p:cNvSpPr>
+          <p:nvPr>
+            <p:ph type="title"/>
+          </p:nvPr>
+        </p:nvSpPr>
+        <p:spPr/>
+        <p:txBody>
+          <a:bodyPr/>
+          <a:lstStyle/>
+          <a:p>
+            <a:r>
+              <a:rPr lang="it-IT" dirty="0"/>
+              <a:t>RBAC Security</a:t>
+            </a:r>
+            <a:endParaRPr lang="en-US" dirty="0"/>
+          </a:p>
+        </p:txBody>
+      </p:sp>
+      <p:sp>
+        <p:nvSpPr>
+          <p:cNvPr id="3" name="Text Placeholder 2">
+            <a:extLst>
+              <a:ext uri="{FF2B5EF4-FFF2-40B4-BE49-F238E27FC236}">
+                <a16:creationId xmlns:a16="http://schemas.microsoft.com/office/drawing/2014/main" id="{A4546F77-555F-4B8E-9D01-4C2B4DED2203}"/>
+              </a:ext>
+            </a:extLst>
+          </p:cNvPr>
+          <p:cNvSpPr>
+            <a:spLocks noGrp="1"/>
+          </p:cNvSpPr>
+          <p:nvPr>
+            <p:ph type="body" sz="quarter" idx="13"/>
+          </p:nvPr>
+        </p:nvSpPr>
+        <p:spPr/>
+        <p:txBody>
+          <a:bodyPr/>
+          <a:lstStyle/>
+          <a:p>
+            <a:r>
+              <a:rPr lang="en-US" dirty="0"/>
+              <a:t>Role Based Access Security</a:t>
+            </a:r>
+          </a:p>
+        </p:txBody>
+      </p:sp>
+      <p:sp>
+        <p:nvSpPr>
+          <p:cNvPr id="4" name="Text Placeholder 3">
+            <a:extLst>
+              <a:ext uri="{FF2B5EF4-FFF2-40B4-BE49-F238E27FC236}">
+                <a16:creationId xmlns:a16="http://schemas.microsoft.com/office/drawing/2014/main" id="{88D220A3-497A-4413-B1FC-B4EAD81BB8B7}"/>
+              </a:ext>
+            </a:extLst>
+          </p:cNvPr>
+          <p:cNvSpPr>
+            <a:spLocks noGrp="1"/>
+          </p:cNvSpPr>
+          <p:nvPr>
+            <p:ph type="body" idx="1"/>
+          </p:nvPr>
+        </p:nvSpPr>
+        <p:spPr/>
+        <p:txBody>
+          <a:bodyPr>
+            <a:normAutofit fontScale="92500" lnSpcReduction="20000"/>
+          </a:bodyPr>
+          <a:lstStyle/>
+          <a:p>
+            <a:r>
+              <a:rPr lang="en-US" dirty="0"/>
+              <a:t>Authorization model controlling access to the API server</a:t>
+            </a:r>
+          </a:p>
+          <a:p>
+            <a:pPr lvl="1"/>
+            <a:r>
+              <a:rPr lang="en-US" dirty="0"/>
+              <a:t>What endpoints and what verbs</a:t>
+            </a:r>
+          </a:p>
+          <a:p>
+            <a:r>
+              <a:rPr lang="en-US" dirty="0"/>
+              <a:t>Entered stable mode in 1.8</a:t>
+            </a:r>
+          </a:p>
+          <a:p>
+            <a:r>
+              <a:rPr lang="en-US" dirty="0"/>
+              <a:t>Defines four top-level resources</a:t>
+            </a:r>
+          </a:p>
+          <a:p>
+            <a:pPr lvl="1"/>
+            <a:r>
+              <a:rPr lang="en-US" dirty="0"/>
+              <a:t>Role (namespace specific) and </a:t>
+            </a:r>
+            <a:r>
+              <a:rPr lang="en-US" dirty="0" err="1"/>
+              <a:t>ClusterRole</a:t>
+            </a:r>
+            <a:r>
+              <a:rPr lang="en-US" dirty="0"/>
+              <a:t> (cluster wide)</a:t>
+            </a:r>
+          </a:p>
+          <a:p>
+            <a:pPr lvl="2"/>
+            <a:r>
+              <a:rPr lang="en-US" dirty="0"/>
+              <a:t>contains rules that represent a set of permissions</a:t>
+            </a:r>
+          </a:p>
+          <a:p>
+            <a:pPr lvl="2"/>
+            <a:r>
+              <a:rPr lang="en-US" dirty="0" err="1"/>
+              <a:t>ClusterRoles</a:t>
+            </a:r>
+            <a:r>
+              <a:rPr lang="en-US" dirty="0"/>
+              <a:t> can be aggregated</a:t>
+            </a:r>
+          </a:p>
+          <a:p>
+            <a:pPr lvl="1"/>
+            <a:r>
+              <a:rPr lang="en-US" dirty="0" err="1"/>
+              <a:t>RoleBinding</a:t>
+            </a:r>
+            <a:r>
+              <a:rPr lang="en-US" dirty="0"/>
+              <a:t> and </a:t>
+            </a:r>
+            <a:r>
+              <a:rPr lang="en-US" dirty="0" err="1"/>
+              <a:t>ClusterRoleBinding</a:t>
+            </a:r>
+            <a:endParaRPr lang="en-US" dirty="0"/>
+          </a:p>
+          <a:p>
+            <a:pPr lvl="2"/>
+            <a:r>
+              <a:rPr lang="en-US" dirty="0"/>
+              <a:t>Bind Roles / </a:t>
+            </a:r>
+            <a:r>
+              <a:rPr lang="en-US" dirty="0" err="1"/>
+              <a:t>ClusterRoles</a:t>
+            </a:r>
+            <a:r>
+              <a:rPr lang="en-US" dirty="0"/>
+              <a:t> to subjects : user, groups or </a:t>
+            </a:r>
+            <a:r>
+              <a:rPr lang="en-US" b="1" dirty="0" err="1"/>
+              <a:t>serviceAccounts</a:t>
+            </a:r>
+            <a:endParaRPr lang="en-US" b="1" dirty="0"/>
+          </a:p>
+          <a:p>
+            <a:pPr lvl="2"/>
+            <a:r>
+              <a:rPr lang="en-US" dirty="0"/>
+              <a:t>We will focus here on </a:t>
+            </a:r>
+            <a:r>
+              <a:rPr lang="en-US" b="1" dirty="0" err="1"/>
+              <a:t>serviceAccounts</a:t>
+            </a:r>
+            <a:endParaRPr lang="en-US" b="1" dirty="0"/>
+          </a:p>
+          <a:p>
+            <a:pPr lvl="2"/>
+            <a:r>
+              <a:rPr lang="en-US" dirty="0"/>
+              <a:t>K8s has no build in support for user authentication (run the </a:t>
+            </a:r>
+            <a:r>
+              <a:rPr lang="en-US" dirty="0" err="1"/>
+              <a:t>api</a:t>
+            </a:r>
+            <a:r>
+              <a:rPr lang="en-US" dirty="0"/>
+              <a:t> server with proper option passing a </a:t>
+            </a:r>
+            <a:r>
+              <a:rPr lang="en-US" dirty="0" err="1"/>
+              <a:t>pem</a:t>
+            </a:r>
+            <a:r>
+              <a:rPr lang="en-US" dirty="0"/>
+              <a:t> file, </a:t>
+            </a:r>
+            <a:r>
+              <a:rPr lang="en-US" dirty="0" err="1"/>
+              <a:t>usernameppwd</a:t>
+            </a:r>
+            <a:r>
+              <a:rPr lang="en-US" dirty="0"/>
+              <a:t> file, </a:t>
+            </a:r>
+            <a:r>
+              <a:rPr lang="en-US" dirty="0" err="1"/>
+              <a:t>etc</a:t>
+            </a:r>
+            <a:r>
+              <a:rPr lang="en-US" dirty="0"/>
+              <a:t>)</a:t>
+            </a:r>
+          </a:p>
+        </p:txBody>
+      </p:sp>
+    </p:spTree>
+    <p:extLst>
+      <p:ext uri="{BB962C8B-B14F-4D97-AF65-F5344CB8AC3E}">
+        <p14:creationId xmlns:p14="http://schemas.microsoft.com/office/powerpoint/2010/main" val="3483870758"/>
+      </p:ext>
+    </p:extLst>
+  </p:cSld>
+  <p:clrMapOvr>
+    <a:masterClrMapping/>
+  </p:clrMapOvr>
+  <p:transition spd="med"/>
+</p:sld>
+</file>
+
+<file path=ppt/slides/slide27.xml><?xml version="1.0" encoding="utf-8"?>
+<p:sld xmlns:a="http://schemas.openxmlformats.org/drawingml/2006/main" xmlns:r="http://schemas.openxmlformats.org/officeDocument/2006/relationships" xmlns:p="http://schemas.openxmlformats.org/presentationml/2006/main">
+  <p:cSld>
+    <p:spTree>
+      <p:nvGrpSpPr>
+        <p:cNvPr id="1" name=""/>
+        <p:cNvGrpSpPr/>
+        <p:nvPr/>
+      </p:nvGrpSpPr>
+      <p:grpSpPr>
+        <a:xfrm>
+          <a:off x="0" y="0"/>
+          <a:ext cx="0" cy="0"/>
+          <a:chOff x="0" y="0"/>
+          <a:chExt cx="0" cy="0"/>
+        </a:xfrm>
+      </p:grpSpPr>
+      <p:sp>
+        <p:nvSpPr>
+          <p:cNvPr id="2" name="Title 1">
+            <a:extLst>
+              <a:ext uri="{FF2B5EF4-FFF2-40B4-BE49-F238E27FC236}">
                 <a16:creationId xmlns:a16="http://schemas.microsoft.com/office/drawing/2014/main" id="{59FF2E4E-54F4-4A62-9876-F49DD2F9A38E}"/>
               </a:ext>
             </a:extLst>
@@ -12856,7 +13087,7 @@
 </p:sld>
 </file>
 
-<file path=ppt/slides/slide27.xml><?xml version="1.0" encoding="utf-8"?>
+<file path=ppt/slides/slide28.xml><?xml version="1.0" encoding="utf-8"?>
 <p:sld xmlns:a="http://schemas.openxmlformats.org/drawingml/2006/main" xmlns:r="http://schemas.openxmlformats.org/officeDocument/2006/relationships" xmlns:p="http://schemas.openxmlformats.org/presentationml/2006/main">
   <p:cSld>
     <p:spTree>
@@ -13117,7 +13348,7 @@
           </a:prstGeom>
           <a:extLst>
             <a:ext uri="{C572A759-6A51-4108-AA02-DFA0A04FC94B}">
-              <ma14:wrappingTextBoxFlag xmlns:ma14="http://schemas.microsoft.com/office/mac/drawingml/2011/main" xmlns="" val="1"/>
+              <ma14:wrappingTextBoxFlag xmlns="" xmlns:ma14="http://schemas.microsoft.com/office/mac/drawingml/2011/main" val="1"/>
             </a:ext>
           </a:extLst>
         </p:spPr>
@@ -13307,7 +13538,7 @@
           </a:ln>
           <a:extLst>
             <a:ext uri="{C572A759-6A51-4108-AA02-DFA0A04FC94B}">
-              <ma14:wrappingTextBoxFlag xmlns:ma14="http://schemas.microsoft.com/office/mac/drawingml/2011/main" xmlns="" val="1"/>
+              <ma14:wrappingTextBoxFlag xmlns="" xmlns:ma14="http://schemas.microsoft.com/office/mac/drawingml/2011/main" val="1"/>
             </a:ext>
           </a:extLst>
         </p:spPr>
@@ -13590,7 +13821,7 @@
           </a:prstGeom>
           <a:extLst>
             <a:ext uri="{C572A759-6A51-4108-AA02-DFA0A04FC94B}">
-              <ma14:wrappingTextBoxFlag xmlns:ma14="http://schemas.microsoft.com/office/mac/drawingml/2011/main" xmlns="" val="1"/>
+              <ma14:wrappingTextBoxFlag xmlns="" xmlns:ma14="http://schemas.microsoft.com/office/mac/drawingml/2011/main" val="1"/>
             </a:ext>
           </a:extLst>
         </p:spPr>
@@ -13834,7 +14065,7 @@
           </a:ln>
           <a:extLst>
             <a:ext uri="{C572A759-6A51-4108-AA02-DFA0A04FC94B}">
-              <ma14:wrappingTextBoxFlag xmlns:ma14="http://schemas.microsoft.com/office/mac/drawingml/2011/main" xmlns="" val="1"/>
+              <ma14:wrappingTextBoxFlag xmlns="" xmlns:ma14="http://schemas.microsoft.com/office/mac/drawingml/2011/main" val="1"/>
             </a:ext>
           </a:extLst>
         </p:spPr>
@@ -14200,7 +14431,7 @@
           </a:prstGeom>
           <a:extLst>
             <a:ext uri="{C572A759-6A51-4108-AA02-DFA0A04FC94B}">
-              <ma14:wrappingTextBoxFlag xmlns:ma14="http://schemas.microsoft.com/office/mac/drawingml/2011/main" xmlns="" val="1"/>
+              <ma14:wrappingTextBoxFlag xmlns="" xmlns:ma14="http://schemas.microsoft.com/office/mac/drawingml/2011/main" val="1"/>
             </a:ext>
           </a:extLst>
         </p:spPr>
@@ -14366,29 +14597,33 @@
             </a:r>
             <a:r>
               <a:rPr lang="en-US" dirty="0"/>
-              <a:t>: to enable connectivity among pods and the outside world: </a:t>
-            </a:r>
-            <a:r>
-              <a:rPr lang="en-US" dirty="0" err="1"/>
+              <a:t>: to enable connectivity among pods and the outside world</a:t>
+            </a:r>
+            <a:r>
+              <a:rPr lang="en-US" b="1" dirty="0"/>
+              <a:t>: </a:t>
+            </a:r>
+            <a:r>
+              <a:rPr lang="en-US" b="1" dirty="0" err="1"/>
               <a:t>ClusterIp</a:t>
             </a:r>
             <a:r>
-              <a:rPr lang="en-US" dirty="0"/>
+              <a:rPr lang="en-US" b="1" dirty="0"/>
               <a:t>, </a:t>
             </a:r>
             <a:r>
-              <a:rPr lang="en-US" dirty="0" err="1"/>
+              <a:rPr lang="en-US" b="1" dirty="0" err="1"/>
               <a:t>NodePort</a:t>
             </a:r>
             <a:r>
-              <a:rPr lang="en-US" dirty="0"/>
+              <a:rPr lang="en-US" b="1" dirty="0"/>
               <a:t>, </a:t>
             </a:r>
             <a:r>
-              <a:rPr lang="en-US" dirty="0" err="1"/>
+              <a:rPr lang="en-US" b="1" dirty="0" err="1"/>
               <a:t>LoadBalancer</a:t>
             </a:r>
-            <a:endParaRPr lang="en-US" dirty="0"/>
+            <a:endParaRPr lang="en-US" b="1" dirty="0"/>
           </a:p>
           <a:p>
             <a:r>
@@ -14447,7 +14682,7 @@
           </a:ln>
           <a:extLst>
             <a:ext uri="{C572A759-6A51-4108-AA02-DFA0A04FC94B}">
-              <ma14:wrappingTextBoxFlag xmlns:ma14="http://schemas.microsoft.com/office/mac/drawingml/2011/main" xmlns="" val="1"/>
+              <ma14:wrappingTextBoxFlag xmlns="" xmlns:ma14="http://schemas.microsoft.com/office/mac/drawingml/2011/main" val="1"/>
             </a:ext>
           </a:extLst>
         </p:spPr>
@@ -17225,6 +17460,21 @@
 </file>
 
 <file path=customXml/item1.xml><?xml version="1.0" encoding="utf-8"?>
+<p:properties xmlns:p="http://schemas.microsoft.com/office/2006/metadata/properties" xmlns:xsi="http://www.w3.org/2001/XMLSchema-instance" xmlns:pc="http://schemas.microsoft.com/office/infopath/2007/PartnerControls">
+  <documentManagement/>
+</p:properties>
+</file>
+
+<file path=customXml/item2.xml><?xml version="1.0" encoding="utf-8"?>
+<?mso-contentType ?>
+<FormTemplates xmlns="http://schemas.microsoft.com/sharepoint/v3/contenttype/forms">
+  <Display>DocumentLibraryForm</Display>
+  <Edit>DocumentLibraryForm</Edit>
+  <New>DocumentLibraryForm</New>
+</FormTemplates>
+</file>
+
+<file path=customXml/item3.xml><?xml version="1.0" encoding="utf-8"?>
 <ct:contentTypeSchema xmlns:ct="http://schemas.microsoft.com/office/2006/metadata/contentType" xmlns:ma="http://schemas.microsoft.com/office/2006/metadata/properties/metaAttributes" ct:_="" ma:_="" ma:contentTypeName="Documento" ma:contentTypeID="0x010100E6A5A58969A45D48A3FDE48C16D47668" ma:contentTypeVersion="7" ma:contentTypeDescription="Creare un nuovo documento." ma:contentTypeScope="" ma:versionID="6a156910bfe1709bd52a834455f674b1">
   <xsd:schema xmlns:xsd="http://www.w3.org/2001/XMLSchema" xmlns:xs="http://www.w3.org/2001/XMLSchema" xmlns:p="http://schemas.microsoft.com/office/2006/metadata/properties" xmlns:ns2="c3ffa819-a771-4877-ad4d-25f776e91fc1" xmlns:ns3="9fad99a4-1f10-4083-bdc6-95bb547585ec" targetNamespace="http://schemas.microsoft.com/office/2006/metadata/properties" ma:root="true" ma:fieldsID="dccc4f762faa72a8390d0658fd5f380b" ns2:_="" ns3:_="">
     <xsd:import namespace="c3ffa819-a771-4877-ad4d-25f776e91fc1"/>
@@ -17409,22 +17659,32 @@
 </ct:contentTypeSchema>
 </file>
 
-<file path=customXml/item2.xml><?xml version="1.0" encoding="utf-8"?>
-<?mso-contentType ?>
-<FormTemplates xmlns="http://schemas.microsoft.com/sharepoint/v3/contenttype/forms">
-  <Display>DocumentLibraryForm</Display>
-  <Edit>DocumentLibraryForm</Edit>
-  <New>DocumentLibraryForm</New>
-</FormTemplates>
+<file path=customXml/itemProps1.xml><?xml version="1.0" encoding="utf-8"?>
+<ds:datastoreItem xmlns:ds="http://schemas.openxmlformats.org/officeDocument/2006/customXml" ds:itemID="{37F187F3-04C2-4986-B925-C49BDDD739C4}">
+  <ds:schemaRefs>
+    <ds:schemaRef ds:uri="http://purl.org/dc/elements/1.1/"/>
+    <ds:schemaRef ds:uri="http://schemas.microsoft.com/office/2006/metadata/properties"/>
+    <ds:schemaRef ds:uri="c3ffa819-a771-4877-ad4d-25f776e91fc1"/>
+    <ds:schemaRef ds:uri="9fad99a4-1f10-4083-bdc6-95bb547585ec"/>
+    <ds:schemaRef ds:uri="http://purl.org/dc/terms/"/>
+    <ds:schemaRef ds:uri="http://schemas.microsoft.com/office/infopath/2007/PartnerControls"/>
+    <ds:schemaRef ds:uri="http://schemas.microsoft.com/office/2006/documentManagement/types"/>
+    <ds:schemaRef ds:uri="http://schemas.openxmlformats.org/package/2006/metadata/core-properties"/>
+    <ds:schemaRef ds:uri="http://www.w3.org/XML/1998/namespace"/>
+    <ds:schemaRef ds:uri="http://purl.org/dc/dcmitype/"/>
+  </ds:schemaRefs>
+</ds:datastoreItem>
 </file>
 
-<file path=customXml/item3.xml><?xml version="1.0" encoding="utf-8"?>
-<p:properties xmlns:p="http://schemas.microsoft.com/office/2006/metadata/properties" xmlns:xsi="http://www.w3.org/2001/XMLSchema-instance" xmlns:pc="http://schemas.microsoft.com/office/infopath/2007/PartnerControls">
-  <documentManagement/>
-</p:properties>
+<file path=customXml/itemProps2.xml><?xml version="1.0" encoding="utf-8"?>
+<ds:datastoreItem xmlns:ds="http://schemas.openxmlformats.org/officeDocument/2006/customXml" ds:itemID="{81BFDE8D-C4DF-4F86-84B9-52E0C5AFDCD4}">
+  <ds:schemaRefs>
+    <ds:schemaRef ds:uri="http://schemas.microsoft.com/sharepoint/v3/contenttype/forms"/>
+  </ds:schemaRefs>
+</ds:datastoreItem>
 </file>
 
-<file path=customXml/itemProps1.xml><?xml version="1.0" encoding="utf-8"?>
+<file path=customXml/itemProps3.xml><?xml version="1.0" encoding="utf-8"?>
 <ds:datastoreItem xmlns:ds="http://schemas.openxmlformats.org/officeDocument/2006/customXml" ds:itemID="{7F298B02-FB17-484A-BB72-42168D5F181C}">
   <ds:schemaRefs>
     <ds:schemaRef ds:uri="http://schemas.microsoft.com/office/2006/metadata/contentType"/>
@@ -17441,29 +17701,4 @@
     <ds:schemaRef ds:uri="http://schemas.microsoft.com/internal/obd"/>
   </ds:schemaRefs>
 </ds:datastoreItem>
-</file>
-
-<file path=customXml/itemProps2.xml><?xml version="1.0" encoding="utf-8"?>
-<ds:datastoreItem xmlns:ds="http://schemas.openxmlformats.org/officeDocument/2006/customXml" ds:itemID="{81BFDE8D-C4DF-4F86-84B9-52E0C5AFDCD4}">
-  <ds:schemaRefs>
-    <ds:schemaRef ds:uri="http://schemas.microsoft.com/sharepoint/v3/contenttype/forms"/>
-  </ds:schemaRefs>
-</ds:datastoreItem>
-</file>
-
-<file path=customXml/itemProps3.xml><?xml version="1.0" encoding="utf-8"?>
-<ds:datastoreItem xmlns:ds="http://schemas.openxmlformats.org/officeDocument/2006/customXml" ds:itemID="{37F187F3-04C2-4986-B925-C49BDDD739C4}">
-  <ds:schemaRefs>
-    <ds:schemaRef ds:uri="http://purl.org/dc/elements/1.1/"/>
-    <ds:schemaRef ds:uri="http://schemas.microsoft.com/office/2006/metadata/properties"/>
-    <ds:schemaRef ds:uri="c3ffa819-a771-4877-ad4d-25f776e91fc1"/>
-    <ds:schemaRef ds:uri="9fad99a4-1f10-4083-bdc6-95bb547585ec"/>
-    <ds:schemaRef ds:uri="http://purl.org/dc/terms/"/>
-    <ds:schemaRef ds:uri="http://schemas.microsoft.com/office/infopath/2007/PartnerControls"/>
-    <ds:schemaRef ds:uri="http://schemas.microsoft.com/office/2006/documentManagement/types"/>
-    <ds:schemaRef ds:uri="http://schemas.openxmlformats.org/package/2006/metadata/core-properties"/>
-    <ds:schemaRef ds:uri="http://www.w3.org/XML/1998/namespace"/>
-    <ds:schemaRef ds:uri="http://purl.org/dc/dcmitype/"/>
-  </ds:schemaRefs>
-</ds:datastoreItem>
 </file>
--- a/K8s-basic.pptx
+++ b/K8s-basic.pptx
@@ -775,61 +775,6 @@
           <a:bodyPr/>
           <a:lstStyle/>
           <a:p>
-            <a:pPr marL="457200" indent="-457200">
-              <a:buAutoNum type="arabicParenR"/>
-            </a:pPr>
-            <a:r>
-              <a:rPr lang="en-US" dirty="0"/>
-              <a:t>Speaker presentation</a:t>
-            </a:r>
-          </a:p>
-          <a:p>
-            <a:pPr marL="457200" marR="0" lvl="0" indent="-457200" defTabSz="457200" eaLnBrk="1" fontAlgn="auto" latinLnBrk="0" hangingPunct="1">
-              <a:lnSpc>
-                <a:spcPct val="117999"/>
-              </a:lnSpc>
-              <a:spcBef>
-                <a:spcPts val="0"/>
-              </a:spcBef>
-              <a:spcAft>
-                <a:spcPts val="0"/>
-              </a:spcAft>
-              <a:buClrTx/>
-              <a:buSzTx/>
-              <a:buFontTx/>
-              <a:buAutoNum type="arabicParenR"/>
-              <a:tabLst/>
-              <a:defRPr/>
-            </a:pPr>
-            <a:r>
-              <a:rPr lang="en-US" dirty="0"/>
-              <a:t>A lot of material to stay in 1 hour , a few things had be left out, most relevant ones are mentioned in the last slide “Extras”</a:t>
-            </a:r>
-          </a:p>
-          <a:p>
-            <a:pPr marL="457200" marR="0" lvl="0" indent="-457200" defTabSz="457200" eaLnBrk="1" fontAlgn="auto" latinLnBrk="0" hangingPunct="1">
-              <a:lnSpc>
-                <a:spcPct val="117999"/>
-              </a:lnSpc>
-              <a:spcBef>
-                <a:spcPts val="0"/>
-              </a:spcBef>
-              <a:spcAft>
-                <a:spcPts val="0"/>
-              </a:spcAft>
-              <a:buClrTx/>
-              <a:buSzTx/>
-              <a:buFontTx/>
-              <a:buAutoNum type="arabicParenR"/>
-              <a:tabLst/>
-              <a:defRPr/>
-            </a:pPr>
-            <a:r>
-              <a:rPr lang="en-US" dirty="0"/>
-              <a:t>Demo based on Azure managed K8s cluster (AKS) – most anything apply on other cloud vendors cluster and K8s on docker for desktop</a:t>
-            </a:r>
-          </a:p>
-          <a:p>
             <a:endParaRPr lang="en-US" dirty="0"/>
           </a:p>
         </p:txBody>
@@ -2156,7 +2101,7 @@
           </a:ln>
           <a:extLst>
             <a:ext uri="{C572A759-6A51-4108-AA02-DFA0A04FC94B}">
-              <ma14:wrappingTextBoxFlag xmlns="" xmlns:ma14="http://schemas.microsoft.com/office/mac/drawingml/2011/main" val="1"/>
+              <ma14:wrappingTextBoxFlag xmlns:ma14="http://schemas.microsoft.com/office/mac/drawingml/2011/main" xmlns="" val="1"/>
             </a:ext>
           </a:extLst>
         </p:spPr>
@@ -2564,7 +2509,7 @@
           </a:ln>
           <a:extLst>
             <a:ext uri="{C572A759-6A51-4108-AA02-DFA0A04FC94B}">
-              <ma14:wrappingTextBoxFlag xmlns="" xmlns:ma14="http://schemas.microsoft.com/office/mac/drawingml/2011/main" val="1"/>
+              <ma14:wrappingTextBoxFlag xmlns:ma14="http://schemas.microsoft.com/office/mac/drawingml/2011/main" xmlns="" val="1"/>
             </a:ext>
           </a:extLst>
         </p:spPr>
@@ -2710,7 +2655,7 @@
           </a:ln>
           <a:extLst>
             <a:ext uri="{C572A759-6A51-4108-AA02-DFA0A04FC94B}">
-              <ma14:wrappingTextBoxFlag xmlns="" xmlns:ma14="http://schemas.microsoft.com/office/mac/drawingml/2011/main" val="1"/>
+              <ma14:wrappingTextBoxFlag xmlns:ma14="http://schemas.microsoft.com/office/mac/drawingml/2011/main" xmlns="" val="1"/>
             </a:ext>
           </a:extLst>
         </p:spPr>
@@ -4271,7 +4216,7 @@
           </a:ln>
           <a:extLst>
             <a:ext uri="{C572A759-6A51-4108-AA02-DFA0A04FC94B}">
-              <ma14:wrappingTextBoxFlag xmlns="" xmlns:ma14="http://schemas.microsoft.com/office/mac/drawingml/2011/main" val="1"/>
+              <ma14:wrappingTextBoxFlag xmlns:ma14="http://schemas.microsoft.com/office/mac/drawingml/2011/main" xmlns="" val="1"/>
             </a:ext>
           </a:extLst>
         </p:spPr>
@@ -4482,7 +4427,7 @@
           </a:ln>
           <a:extLst>
             <a:ext uri="{C572A759-6A51-4108-AA02-DFA0A04FC94B}">
-              <ma14:wrappingTextBoxFlag xmlns="" xmlns:ma14="http://schemas.microsoft.com/office/mac/drawingml/2011/main" val="1"/>
+              <ma14:wrappingTextBoxFlag xmlns:ma14="http://schemas.microsoft.com/office/mac/drawingml/2011/main" xmlns="" val="1"/>
             </a:ext>
           </a:extLst>
         </p:spPr>
@@ -4716,7 +4661,7 @@
           </a:ln>
           <a:extLst>
             <a:ext uri="{C572A759-6A51-4108-AA02-DFA0A04FC94B}">
-              <ma14:wrappingTextBoxFlag xmlns="" xmlns:ma14="http://schemas.microsoft.com/office/mac/drawingml/2011/main" val="1"/>
+              <ma14:wrappingTextBoxFlag xmlns:ma14="http://schemas.microsoft.com/office/mac/drawingml/2011/main" xmlns="" val="1"/>
             </a:ext>
           </a:extLst>
         </p:spPr>
@@ -5098,7 +5043,7 @@
           </a:ln>
           <a:extLst>
             <a:ext uri="{C572A759-6A51-4108-AA02-DFA0A04FC94B}">
-              <ma14:wrappingTextBoxFlag xmlns="" xmlns:ma14="http://schemas.microsoft.com/office/mac/drawingml/2011/main" val="1"/>
+              <ma14:wrappingTextBoxFlag xmlns:ma14="http://schemas.microsoft.com/office/mac/drawingml/2011/main" xmlns="" val="1"/>
             </a:ext>
           </a:extLst>
         </p:spPr>
@@ -6671,7 +6616,7 @@
           </a:ln>
           <a:extLst>
             <a:ext uri="{C572A759-6A51-4108-AA02-DFA0A04FC94B}">
-              <ma14:wrappingTextBoxFlag xmlns="" xmlns:ma14="http://schemas.microsoft.com/office/mac/drawingml/2011/main" val="1"/>
+              <ma14:wrappingTextBoxFlag xmlns:ma14="http://schemas.microsoft.com/office/mac/drawingml/2011/main" xmlns="" val="1"/>
             </a:ext>
           </a:extLst>
         </p:spPr>
@@ -6718,7 +6663,7 @@
           </a:ln>
           <a:extLst>
             <a:ext uri="{C572A759-6A51-4108-AA02-DFA0A04FC94B}">
-              <ma14:wrappingTextBoxFlag xmlns="" xmlns:ma14="http://schemas.microsoft.com/office/mac/drawingml/2011/main" val="1"/>
+              <ma14:wrappingTextBoxFlag xmlns:ma14="http://schemas.microsoft.com/office/mac/drawingml/2011/main" xmlns="" val="1"/>
             </a:ext>
           </a:extLst>
         </p:spPr>
@@ -6893,7 +6838,7 @@
           </a:ln>
           <a:extLst>
             <a:ext uri="{C572A759-6A51-4108-AA02-DFA0A04FC94B}">
-              <ma14:wrappingTextBoxFlag xmlns="" xmlns:ma14="http://schemas.microsoft.com/office/mac/drawingml/2011/main" val="1"/>
+              <ma14:wrappingTextBoxFlag xmlns:ma14="http://schemas.microsoft.com/office/mac/drawingml/2011/main" xmlns="" val="1"/>
             </a:ext>
           </a:extLst>
         </p:spPr>
@@ -6932,7 +6877,7 @@
           </a:ln>
           <a:extLst>
             <a:ext uri="{C572A759-6A51-4108-AA02-DFA0A04FC94B}">
-              <ma14:wrappingTextBoxFlag xmlns="" xmlns:ma14="http://schemas.microsoft.com/office/mac/drawingml/2011/main" val="1"/>
+              <ma14:wrappingTextBoxFlag xmlns:ma14="http://schemas.microsoft.com/office/mac/drawingml/2011/main" xmlns="" val="1"/>
             </a:ext>
           </a:extLst>
         </p:spPr>
@@ -8959,7 +8904,7 @@
             </a:pPr>
             <a:r>
               <a:rPr lang="en-US" dirty="0"/>
-              <a:t>Install cert manager if https is required</a:t>
+              <a:t>Install cert manager for https (AKS only)</a:t>
             </a:r>
           </a:p>
           <a:p>
@@ -8985,7 +8930,7 @@
             </a:r>
             <a:r>
               <a:rPr lang="en-US" dirty="0"/>
-              <a:t> Ip (AKS)</a:t>
+              <a:t> Ip (AKS only)</a:t>
             </a:r>
           </a:p>
           <a:p>
@@ -10518,7 +10463,7 @@
           </a:prstGeom>
           <a:extLst>
             <a:ext uri="{C572A759-6A51-4108-AA02-DFA0A04FC94B}">
-              <ma14:wrappingTextBoxFlag xmlns="" xmlns:ma14="http://schemas.microsoft.com/office/mac/drawingml/2011/main" val="1"/>
+              <ma14:wrappingTextBoxFlag xmlns:ma14="http://schemas.microsoft.com/office/mac/drawingml/2011/main" xmlns="" val="1"/>
             </a:ext>
           </a:extLst>
         </p:spPr>
@@ -10604,7 +10549,7 @@
         </p:spPr>
         <p:txBody>
           <a:bodyPr>
-            <a:normAutofit fontScale="77500" lnSpcReduction="20000"/>
+            <a:normAutofit fontScale="85000" lnSpcReduction="20000"/>
           </a:bodyPr>
           <a:lstStyle/>
           <a:p>
@@ -10695,14 +10640,14 @@
             <a:pPr lvl="1"/>
             <a:r>
               <a:rPr lang="en-US" dirty="0"/>
-              <a:t>Yaml and helm</a:t>
+              <a:t>Yaml (Kind)</a:t>
             </a:r>
           </a:p>
           <a:p>
             <a:pPr lvl="1"/>
             <a:r>
               <a:rPr lang="en-US" dirty="0"/>
-              <a:t>App Deploy  walk-through</a:t>
+              <a:t>Helm (AKS)</a:t>
             </a:r>
           </a:p>
           <a:p>
@@ -10728,17 +10673,6 @@
               <a:rPr lang="en-US" dirty="0"/>
               <a:t>Extras</a:t>
             </a:r>
-          </a:p>
-          <a:p>
-            <a:r>
-              <a:rPr lang="en-US" dirty="0"/>
-              <a:t>K8s on Docker for Desktop or </a:t>
-            </a:r>
-            <a:r>
-              <a:rPr lang="en-US" dirty="0" err="1"/>
-              <a:t>minikube</a:t>
-            </a:r>
-            <a:endParaRPr lang="en-US" dirty="0"/>
           </a:p>
           <a:p>
             <a:endParaRPr lang="en-US" dirty="0"/>
@@ -10764,7 +10698,7 @@
           </a:ln>
           <a:extLst>
             <a:ext uri="{C572A759-6A51-4108-AA02-DFA0A04FC94B}">
-              <ma14:wrappingTextBoxFlag xmlns="" xmlns:ma14="http://schemas.microsoft.com/office/mac/drawingml/2011/main" val="1"/>
+              <ma14:wrappingTextBoxFlag xmlns:ma14="http://schemas.microsoft.com/office/mac/drawingml/2011/main" xmlns="" val="1"/>
             </a:ext>
           </a:extLst>
         </p:spPr>
@@ -11112,12 +11046,12 @@
           <a:lstStyle/>
           <a:p>
             <a:r>
+              <a:rPr lang="it-IT" dirty="0"/>
+              <a:t>In-cluster </a:t>
+            </a:r>
+            <a:r>
               <a:rPr lang="it-IT" dirty="0" err="1"/>
-              <a:t>Deploy</a:t>
-            </a:r>
-            <a:r>
-              <a:rPr lang="it-IT" dirty="0"/>
-              <a:t> to cluster</a:t>
+              <a:t>communication</a:t>
             </a:r>
             <a:endParaRPr lang="en-US" dirty="0"/>
           </a:p>
@@ -11454,7 +11388,7 @@
           </a:p>
           <a:p>
             <a:r>
-              <a:rPr lang="en-US" dirty="0"/>
+              <a:rPr lang="en-US" b="1" dirty="0"/>
               <a:t>Token replacement, if conditions, iterations on templated yaml </a:t>
             </a:r>
           </a:p>
@@ -11464,6 +11398,32 @@
               <a:rPr lang="en-US" dirty="0"/>
               <a:t>Similar to azure arm templates </a:t>
             </a:r>
+          </a:p>
+          <a:p>
+            <a:r>
+              <a:rPr lang="en-US" dirty="0"/>
+              <a:t>Many public repo with helm deployment of different resources</a:t>
+            </a:r>
+          </a:p>
+          <a:p>
+            <a:pPr lvl="1"/>
+            <a:r>
+              <a:rPr lang="en-US" dirty="0">
+                <a:hlinkClick r:id="rId2"/>
+              </a:rPr>
+              <a:t>https://hub.helm.sh/</a:t>
+            </a:r>
+            <a:endParaRPr lang="en-US" dirty="0"/>
+          </a:p>
+          <a:p>
+            <a:pPr lvl="1"/>
+            <a:r>
+              <a:rPr lang="en-US" dirty="0">
+                <a:hlinkClick r:id="rId3"/>
+              </a:rPr>
+              <a:t>https://github.com/helm/charts</a:t>
+            </a:r>
+            <a:endParaRPr lang="en-US" dirty="0"/>
           </a:p>
           <a:p>
             <a:r>
@@ -11483,20 +11443,8 @@
             <a:pPr lvl="1"/>
             <a:r>
               <a:rPr lang="en-US" dirty="0"/>
-              <a:t>requires a server counter part (tiller). Install tiller running helm </a:t>
-            </a:r>
-            <a:r>
-              <a:rPr lang="en-US" dirty="0" err="1"/>
-              <a:t>init</a:t>
-            </a:r>
-            <a:r>
-              <a:rPr lang="en-US" dirty="0"/>
-              <a:t> </a:t>
-            </a:r>
-          </a:p>
-          <a:p>
-            <a:pPr lvl="1"/>
-            <a:endParaRPr lang="en-US" dirty="0"/>
+              <a:t>In version 3 it does not requires a server counter part (tiller)</a:t>
+            </a:r>
           </a:p>
         </p:txBody>
       </p:sp>
@@ -11515,14 +11463,14 @@
           <p:nvPr/>
         </p:nvPicPr>
         <p:blipFill>
-          <a:blip r:embed="rId2"/>
+          <a:blip r:embed="rId4"/>
           <a:stretch>
             <a:fillRect/>
           </a:stretch>
         </p:blipFill>
         <p:spPr>
           <a:xfrm>
-            <a:off x="2163831" y="10058403"/>
+            <a:off x="15101619" y="7548566"/>
             <a:ext cx="4585543" cy="2340045"/>
           </a:xfrm>
           <a:prstGeom prst="rect">
@@ -11545,14 +11493,14 @@
           <p:nvPr/>
         </p:nvPicPr>
         <p:blipFill>
-          <a:blip r:embed="rId3"/>
+          <a:blip r:embed="rId5"/>
           <a:stretch>
             <a:fillRect/>
           </a:stretch>
         </p:blipFill>
         <p:spPr>
           <a:xfrm>
-            <a:off x="8898835" y="10714387"/>
+            <a:off x="16684344" y="10644155"/>
             <a:ext cx="5535825" cy="2743199"/>
           </a:xfrm>
           <a:prstGeom prst="rect">
@@ -11574,7 +11522,7 @@
         </p:nvSpPr>
         <p:spPr>
           <a:xfrm>
-            <a:off x="7944678" y="10049120"/>
+            <a:off x="15551707" y="9968865"/>
             <a:ext cx="4737652" cy="595035"/>
           </a:xfrm>
           <a:prstGeom prst="rect">
@@ -11863,7 +11811,7 @@
         <p:spPr>
           <a:xfrm>
             <a:off x="8640417" y="3541826"/>
-            <a:ext cx="12192000" cy="3561616"/>
+            <a:ext cx="12192000" cy="1493358"/>
           </a:xfrm>
           <a:prstGeom prst="rect">
             <a:avLst/>
@@ -11882,34 +11830,6 @@
           </a:p>
           <a:p>
             <a:endParaRPr lang="en-US" sz="3200" dirty="0"/>
-          </a:p>
-          <a:p>
-            <a:r>
-              <a:rPr lang="en-US" sz="3200" dirty="0" err="1"/>
-              <a:t>replicaCount</a:t>
-            </a:r>
-            <a:r>
-              <a:rPr lang="en-US" sz="3200" dirty="0"/>
-              <a:t>: 3</a:t>
-            </a:r>
-          </a:p>
-          <a:p>
-            <a:r>
-              <a:rPr lang="en-US" sz="3200" dirty="0"/>
-              <a:t>image:</a:t>
-            </a:r>
-          </a:p>
-          <a:p>
-            <a:r>
-              <a:rPr lang="en-US" sz="3200" dirty="0"/>
-              <a:t>  name: k8sdemo</a:t>
-            </a:r>
-          </a:p>
-          <a:p>
-            <a:r>
-              <a:rPr lang="en-US" sz="3200" dirty="0"/>
-              <a:t>  tag: latest</a:t>
-            </a:r>
           </a:p>
           <a:p>
             <a:r>
@@ -11929,30 +11849,6 @@
                 </a:highlight>
               </a:rPr>
               <a:t>  namespace: dev</a:t>
-            </a:r>
-          </a:p>
-          <a:p>
-            <a:r>
-              <a:rPr lang="en-US" sz="3200" dirty="0" err="1"/>
-              <a:t>configInfo</a:t>
-            </a:r>
-            <a:r>
-              <a:rPr lang="en-US" sz="3200" dirty="0"/>
-              <a:t>:  </a:t>
-            </a:r>
-          </a:p>
-          <a:p>
-            <a:r>
-              <a:rPr lang="en-US" sz="3200" dirty="0"/>
-              <a:t>  </a:t>
-            </a:r>
-            <a:r>
-              <a:rPr lang="en-US" sz="3200" dirty="0" err="1"/>
-              <a:t>mySetting</a:t>
-            </a:r>
-            <a:r>
-              <a:rPr lang="en-US" sz="3200" dirty="0"/>
-              <a:t>: "ciao"</a:t>
             </a:r>
           </a:p>
         </p:txBody>
@@ -12153,7 +12049,7 @@
                   <a:srgbClr val="202361"/>
                 </a:solidFill>
               </a:rPr>
-              <a:t>Tips: 	use upgrade –install for idempotency , use --recreate-pods to force pods restart </a:t>
+              <a:t>Tips: 	use upgrade –install for idempotency  </a:t>
             </a:r>
           </a:p>
           <a:p>
@@ -12216,7 +12112,7 @@
                   <a:srgbClr val="202361"/>
                 </a:solidFill>
               </a:rPr>
-              <a:t>Delete a deployed chart: helm delete &lt;deployment-name&gt; --purge</a:t>
+              <a:t>Delete a deployed chart: helm delete &lt;deployment-name&gt;</a:t>
             </a:r>
           </a:p>
         </p:txBody>
@@ -13348,7 +13244,7 @@
           </a:prstGeom>
           <a:extLst>
             <a:ext uri="{C572A759-6A51-4108-AA02-DFA0A04FC94B}">
-              <ma14:wrappingTextBoxFlag xmlns="" xmlns:ma14="http://schemas.microsoft.com/office/mac/drawingml/2011/main" val="1"/>
+              <ma14:wrappingTextBoxFlag xmlns:ma14="http://schemas.microsoft.com/office/mac/drawingml/2011/main" xmlns="" val="1"/>
             </a:ext>
           </a:extLst>
         </p:spPr>
@@ -13538,7 +13434,7 @@
           </a:ln>
           <a:extLst>
             <a:ext uri="{C572A759-6A51-4108-AA02-DFA0A04FC94B}">
-              <ma14:wrappingTextBoxFlag xmlns="" xmlns:ma14="http://schemas.microsoft.com/office/mac/drawingml/2011/main" val="1"/>
+              <ma14:wrappingTextBoxFlag xmlns:ma14="http://schemas.microsoft.com/office/mac/drawingml/2011/main" xmlns="" val="1"/>
             </a:ext>
           </a:extLst>
         </p:spPr>
@@ -13821,7 +13717,7 @@
           </a:prstGeom>
           <a:extLst>
             <a:ext uri="{C572A759-6A51-4108-AA02-DFA0A04FC94B}">
-              <ma14:wrappingTextBoxFlag xmlns="" xmlns:ma14="http://schemas.microsoft.com/office/mac/drawingml/2011/main" val="1"/>
+              <ma14:wrappingTextBoxFlag xmlns:ma14="http://schemas.microsoft.com/office/mac/drawingml/2011/main" xmlns="" val="1"/>
             </a:ext>
           </a:extLst>
         </p:spPr>
@@ -13929,7 +13825,7 @@
             <a:pPr lvl="1"/>
             <a:r>
               <a:rPr lang="en-US" dirty="0"/>
-              <a:t>It lets you interact with virtual machines (nodes) hosting containers, all the networking stuff, etc.., as if you were interacting with a single entity</a:t>
+              <a:t>It lets you interact with virtual machines (nodes), containers, all the networking stuff, etc.., as if you were interacting with a single entity</a:t>
             </a:r>
           </a:p>
           <a:p>
@@ -14065,7 +13961,7 @@
           </a:ln>
           <a:extLst>
             <a:ext uri="{C572A759-6A51-4108-AA02-DFA0A04FC94B}">
-              <ma14:wrappingTextBoxFlag xmlns="" xmlns:ma14="http://schemas.microsoft.com/office/mac/drawingml/2011/main" val="1"/>
+              <ma14:wrappingTextBoxFlag xmlns:ma14="http://schemas.microsoft.com/office/mac/drawingml/2011/main" xmlns="" val="1"/>
             </a:ext>
           </a:extLst>
         </p:spPr>
@@ -14431,7 +14327,7 @@
           </a:prstGeom>
           <a:extLst>
             <a:ext uri="{C572A759-6A51-4108-AA02-DFA0A04FC94B}">
-              <ma14:wrappingTextBoxFlag xmlns="" xmlns:ma14="http://schemas.microsoft.com/office/mac/drawingml/2011/main" val="1"/>
+              <ma14:wrappingTextBoxFlag xmlns:ma14="http://schemas.microsoft.com/office/mac/drawingml/2011/main" xmlns="" val="1"/>
             </a:ext>
           </a:extLst>
         </p:spPr>
@@ -14682,7 +14578,7 @@
           </a:ln>
           <a:extLst>
             <a:ext uri="{C572A759-6A51-4108-AA02-DFA0A04FC94B}">
-              <ma14:wrappingTextBoxFlag xmlns="" xmlns:ma14="http://schemas.microsoft.com/office/mac/drawingml/2011/main" val="1"/>
+              <ma14:wrappingTextBoxFlag xmlns:ma14="http://schemas.microsoft.com/office/mac/drawingml/2011/main" xmlns="" val="1"/>
             </a:ext>
           </a:extLst>
         </p:spPr>
@@ -17460,21 +17356,6 @@
 </file>
 
 <file path=customXml/item1.xml><?xml version="1.0" encoding="utf-8"?>
-<p:properties xmlns:p="http://schemas.microsoft.com/office/2006/metadata/properties" xmlns:xsi="http://www.w3.org/2001/XMLSchema-instance" xmlns:pc="http://schemas.microsoft.com/office/infopath/2007/PartnerControls">
-  <documentManagement/>
-</p:properties>
-</file>
-
-<file path=customXml/item2.xml><?xml version="1.0" encoding="utf-8"?>
-<?mso-contentType ?>
-<FormTemplates xmlns="http://schemas.microsoft.com/sharepoint/v3/contenttype/forms">
-  <Display>DocumentLibraryForm</Display>
-  <Edit>DocumentLibraryForm</Edit>
-  <New>DocumentLibraryForm</New>
-</FormTemplates>
-</file>
-
-<file path=customXml/item3.xml><?xml version="1.0" encoding="utf-8"?>
 <ct:contentTypeSchema xmlns:ct="http://schemas.microsoft.com/office/2006/metadata/contentType" xmlns:ma="http://schemas.microsoft.com/office/2006/metadata/properties/metaAttributes" ct:_="" ma:_="" ma:contentTypeName="Documento" ma:contentTypeID="0x010100E6A5A58969A45D48A3FDE48C16D47668" ma:contentTypeVersion="7" ma:contentTypeDescription="Creare un nuovo documento." ma:contentTypeScope="" ma:versionID="6a156910bfe1709bd52a834455f674b1">
   <xsd:schema xmlns:xsd="http://www.w3.org/2001/XMLSchema" xmlns:xs="http://www.w3.org/2001/XMLSchema" xmlns:p="http://schemas.microsoft.com/office/2006/metadata/properties" xmlns:ns2="c3ffa819-a771-4877-ad4d-25f776e91fc1" xmlns:ns3="9fad99a4-1f10-4083-bdc6-95bb547585ec" targetNamespace="http://schemas.microsoft.com/office/2006/metadata/properties" ma:root="true" ma:fieldsID="dccc4f762faa72a8390d0658fd5f380b" ns2:_="" ns3:_="">
     <xsd:import namespace="c3ffa819-a771-4877-ad4d-25f776e91fc1"/>
@@ -17659,32 +17540,22 @@
 </ct:contentTypeSchema>
 </file>
 
-<file path=customXml/itemProps1.xml><?xml version="1.0" encoding="utf-8"?>
-<ds:datastoreItem xmlns:ds="http://schemas.openxmlformats.org/officeDocument/2006/customXml" ds:itemID="{37F187F3-04C2-4986-B925-C49BDDD739C4}">
-  <ds:schemaRefs>
-    <ds:schemaRef ds:uri="http://purl.org/dc/elements/1.1/"/>
-    <ds:schemaRef ds:uri="http://schemas.microsoft.com/office/2006/metadata/properties"/>
-    <ds:schemaRef ds:uri="c3ffa819-a771-4877-ad4d-25f776e91fc1"/>
-    <ds:schemaRef ds:uri="9fad99a4-1f10-4083-bdc6-95bb547585ec"/>
-    <ds:schemaRef ds:uri="http://purl.org/dc/terms/"/>
-    <ds:schemaRef ds:uri="http://schemas.microsoft.com/office/infopath/2007/PartnerControls"/>
-    <ds:schemaRef ds:uri="http://schemas.microsoft.com/office/2006/documentManagement/types"/>
-    <ds:schemaRef ds:uri="http://schemas.openxmlformats.org/package/2006/metadata/core-properties"/>
-    <ds:schemaRef ds:uri="http://www.w3.org/XML/1998/namespace"/>
-    <ds:schemaRef ds:uri="http://purl.org/dc/dcmitype/"/>
-  </ds:schemaRefs>
-</ds:datastoreItem>
+<file path=customXml/item2.xml><?xml version="1.0" encoding="utf-8"?>
+<?mso-contentType ?>
+<FormTemplates xmlns="http://schemas.microsoft.com/sharepoint/v3/contenttype/forms">
+  <Display>DocumentLibraryForm</Display>
+  <Edit>DocumentLibraryForm</Edit>
+  <New>DocumentLibraryForm</New>
+</FormTemplates>
 </file>
 
-<file path=customXml/itemProps2.xml><?xml version="1.0" encoding="utf-8"?>
-<ds:datastoreItem xmlns:ds="http://schemas.openxmlformats.org/officeDocument/2006/customXml" ds:itemID="{81BFDE8D-C4DF-4F86-84B9-52E0C5AFDCD4}">
-  <ds:schemaRefs>
-    <ds:schemaRef ds:uri="http://schemas.microsoft.com/sharepoint/v3/contenttype/forms"/>
-  </ds:schemaRefs>
-</ds:datastoreItem>
+<file path=customXml/item3.xml><?xml version="1.0" encoding="utf-8"?>
+<p:properties xmlns:p="http://schemas.microsoft.com/office/2006/metadata/properties" xmlns:xsi="http://www.w3.org/2001/XMLSchema-instance" xmlns:pc="http://schemas.microsoft.com/office/infopath/2007/PartnerControls">
+  <documentManagement/>
+</p:properties>
 </file>
 
-<file path=customXml/itemProps3.xml><?xml version="1.0" encoding="utf-8"?>
+<file path=customXml/itemProps1.xml><?xml version="1.0" encoding="utf-8"?>
 <ds:datastoreItem xmlns:ds="http://schemas.openxmlformats.org/officeDocument/2006/customXml" ds:itemID="{7F298B02-FB17-484A-BB72-42168D5F181C}">
   <ds:schemaRefs>
     <ds:schemaRef ds:uri="http://schemas.microsoft.com/office/2006/metadata/contentType"/>
@@ -17701,4 +17572,29 @@
     <ds:schemaRef ds:uri="http://schemas.microsoft.com/internal/obd"/>
   </ds:schemaRefs>
 </ds:datastoreItem>
+</file>
+
+<file path=customXml/itemProps2.xml><?xml version="1.0" encoding="utf-8"?>
+<ds:datastoreItem xmlns:ds="http://schemas.openxmlformats.org/officeDocument/2006/customXml" ds:itemID="{81BFDE8D-C4DF-4F86-84B9-52E0C5AFDCD4}">
+  <ds:schemaRefs>
+    <ds:schemaRef ds:uri="http://schemas.microsoft.com/sharepoint/v3/contenttype/forms"/>
+  </ds:schemaRefs>
+</ds:datastoreItem>
+</file>
+
+<file path=customXml/itemProps3.xml><?xml version="1.0" encoding="utf-8"?>
+<ds:datastoreItem xmlns:ds="http://schemas.openxmlformats.org/officeDocument/2006/customXml" ds:itemID="{37F187F3-04C2-4986-B925-C49BDDD739C4}">
+  <ds:schemaRefs>
+    <ds:schemaRef ds:uri="http://purl.org/dc/elements/1.1/"/>
+    <ds:schemaRef ds:uri="http://schemas.microsoft.com/office/2006/metadata/properties"/>
+    <ds:schemaRef ds:uri="c3ffa819-a771-4877-ad4d-25f776e91fc1"/>
+    <ds:schemaRef ds:uri="9fad99a4-1f10-4083-bdc6-95bb547585ec"/>
+    <ds:schemaRef ds:uri="http://purl.org/dc/terms/"/>
+    <ds:schemaRef ds:uri="http://schemas.microsoft.com/office/infopath/2007/PartnerControls"/>
+    <ds:schemaRef ds:uri="http://schemas.microsoft.com/office/2006/documentManagement/types"/>
+    <ds:schemaRef ds:uri="http://schemas.openxmlformats.org/package/2006/metadata/core-properties"/>
+    <ds:schemaRef ds:uri="http://www.w3.org/XML/1998/namespace"/>
+    <ds:schemaRef ds:uri="http://purl.org/dc/dcmitype/"/>
+  </ds:schemaRefs>
+</ds:datastoreItem>
 </file>
--- a/K8s-basic.pptx
+++ b/K8s-basic.pptx
@@ -17,21 +17,21 @@
     <p:sldId id="326" r:id="rId8"/>
     <p:sldId id="297" r:id="rId9"/>
     <p:sldId id="298" r:id="rId10"/>
-    <p:sldId id="304" r:id="rId11"/>
-    <p:sldId id="300" r:id="rId12"/>
-    <p:sldId id="325" r:id="rId13"/>
-    <p:sldId id="301" r:id="rId14"/>
-    <p:sldId id="302" r:id="rId15"/>
-    <p:sldId id="303" r:id="rId16"/>
-    <p:sldId id="305" r:id="rId17"/>
-    <p:sldId id="322" r:id="rId18"/>
-    <p:sldId id="310" r:id="rId19"/>
-    <p:sldId id="309" r:id="rId20"/>
-    <p:sldId id="328" r:id="rId21"/>
-    <p:sldId id="308" r:id="rId22"/>
-    <p:sldId id="307" r:id="rId23"/>
-    <p:sldId id="306" r:id="rId24"/>
-    <p:sldId id="311" r:id="rId25"/>
+    <p:sldId id="300" r:id="rId11"/>
+    <p:sldId id="325" r:id="rId12"/>
+    <p:sldId id="311" r:id="rId13"/>
+    <p:sldId id="304" r:id="rId14"/>
+    <p:sldId id="301" r:id="rId15"/>
+    <p:sldId id="302" r:id="rId16"/>
+    <p:sldId id="303" r:id="rId17"/>
+    <p:sldId id="305" r:id="rId18"/>
+    <p:sldId id="322" r:id="rId19"/>
+    <p:sldId id="310" r:id="rId20"/>
+    <p:sldId id="309" r:id="rId21"/>
+    <p:sldId id="328" r:id="rId22"/>
+    <p:sldId id="308" r:id="rId23"/>
+    <p:sldId id="307" r:id="rId24"/>
+    <p:sldId id="306" r:id="rId25"/>
     <p:sldId id="312" r:id="rId26"/>
     <p:sldId id="313" r:id="rId27"/>
     <p:sldId id="314" r:id="rId28"/>
@@ -445,7 +445,7 @@
           <a:p>
             <a:fld id="{2772BE4E-48FD-A347-A676-3904A5044681}" type="datetimeFigureOut">
               <a:rPr lang="it-IT" smtClean="0"/>
-              <a:t>26/05/2020</a:t>
+              <a:t>27/05/2020</a:t>
             </a:fld>
             <a:endParaRPr lang="it-IT" dirty="0"/>
           </a:p>
@@ -1305,252 +1305,57 @@
           <a:bodyPr/>
           <a:lstStyle/>
           <a:p>
-            <a:r>
-              <a:rPr lang="en-US" dirty="0"/>
-              <a:t>Download from (if not </a:t>
-            </a:r>
-            <a:r>
-              <a:rPr lang="en-US" dirty="0" err="1"/>
-              <a:t>alreadyinstalled</a:t>
-            </a:r>
-            <a:r>
-              <a:rPr lang="en-US" dirty="0"/>
-              <a:t>): </a:t>
-            </a:r>
-          </a:p>
-          <a:p>
-            <a:r>
-              <a:rPr lang="en-US" dirty="0">
-                <a:hlinkClick r:id="rId3"/>
-              </a:rPr>
-              <a:t>https://kubernetes.io/docs/tasks/access-application-cluster/web-ui-dashboard/</a:t>
-            </a:r>
-            <a:br>
-              <a:rPr lang="en-US" dirty="0"/>
-            </a:br>
-            <a:r>
-              <a:rPr lang="en-US" dirty="0"/>
-              <a:t>read instructions </a:t>
-            </a:r>
-            <a:br>
-              <a:rPr lang="en-US" dirty="0"/>
-            </a:br>
-            <a:endParaRPr lang="en-US" dirty="0"/>
-          </a:p>
-          <a:p>
-            <a:r>
-              <a:rPr lang="en-US" dirty="0"/>
-              <a:t>All (most?) cloud provider have the dashboard pre-installed.</a:t>
-            </a:r>
-          </a:p>
-          <a:p>
-            <a:r>
-              <a:rPr lang="en-US" dirty="0"/>
-              <a:t>But with basic RBAC permissions (which makes it pretty un-usable).</a:t>
-            </a:r>
-          </a:p>
-          <a:p>
-            <a:r>
-              <a:rPr lang="en-US" dirty="0"/>
-              <a:t>Unless security requirements in PRD environments, you generally grant </a:t>
-            </a:r>
-            <a:r>
-              <a:rPr lang="en-US" dirty="0" err="1"/>
-              <a:t>ClusterRole</a:t>
-            </a:r>
-            <a:r>
-              <a:rPr lang="en-US" dirty="0"/>
-              <a:t> : cluster-admin </a:t>
-            </a:r>
-            <a:br>
-              <a:rPr lang="en-US" dirty="0"/>
-            </a:br>
-            <a:endParaRPr lang="en-US" dirty="0"/>
-          </a:p>
-          <a:p>
-            <a:endParaRPr lang="en-US" dirty="0"/>
-          </a:p>
-          <a:p>
-            <a:r>
-              <a:rPr lang="en-US" dirty="0"/>
-              <a:t>How to access the dashboard may vary:</a:t>
-            </a:r>
-          </a:p>
-          <a:p>
-            <a:r>
-              <a:rPr lang="en-US" dirty="0"/>
-              <a:t>AKS : </a:t>
-            </a:r>
-            <a:r>
-              <a:rPr lang="en-US" sz="2000" b="1" i="0" dirty="0" err="1">
-                <a:solidFill>
-                  <a:srgbClr val="212553"/>
-                </a:solidFill>
-                <a:effectLst/>
-                <a:latin typeface="Gibson" panose="02000000000000000000" pitchFamily="2" charset="77"/>
-                <a:ea typeface="Helvetica Neue"/>
-                <a:cs typeface="Helvetica Neue"/>
-                <a:sym typeface="Helvetica Neue"/>
-              </a:rPr>
-              <a:t>az</a:t>
-            </a:r>
-            <a:r>
-              <a:rPr lang="en-US" sz="2000" b="1" i="0" dirty="0">
-                <a:solidFill>
-                  <a:srgbClr val="212553"/>
-                </a:solidFill>
-                <a:effectLst/>
-                <a:latin typeface="Gibson" panose="02000000000000000000" pitchFamily="2" charset="77"/>
-                <a:ea typeface="Helvetica Neue"/>
-                <a:cs typeface="Helvetica Neue"/>
-                <a:sym typeface="Helvetica Neue"/>
-              </a:rPr>
-              <a:t> </a:t>
-            </a:r>
-            <a:r>
-              <a:rPr lang="en-US" sz="2000" b="1" i="0" dirty="0" err="1">
-                <a:solidFill>
-                  <a:srgbClr val="212553"/>
-                </a:solidFill>
-                <a:effectLst/>
-                <a:latin typeface="Gibson" panose="02000000000000000000" pitchFamily="2" charset="77"/>
-                <a:ea typeface="Helvetica Neue"/>
-                <a:cs typeface="Helvetica Neue"/>
-                <a:sym typeface="Helvetica Neue"/>
-              </a:rPr>
-              <a:t>aks</a:t>
-            </a:r>
-            <a:r>
-              <a:rPr lang="en-US" sz="2000" b="1" i="0" dirty="0">
-                <a:solidFill>
-                  <a:srgbClr val="212553"/>
-                </a:solidFill>
-                <a:effectLst/>
-                <a:latin typeface="Gibson" panose="02000000000000000000" pitchFamily="2" charset="77"/>
-                <a:ea typeface="Helvetica Neue"/>
-                <a:cs typeface="Helvetica Neue"/>
-                <a:sym typeface="Helvetica Neue"/>
-              </a:rPr>
-              <a:t> browse --resource-group </a:t>
-            </a:r>
-            <a:r>
-              <a:rPr lang="en-US" sz="2000" b="0" i="0" dirty="0">
-                <a:solidFill>
-                  <a:srgbClr val="212553"/>
-                </a:solidFill>
-                <a:effectLst/>
-                <a:latin typeface="Gibson" panose="02000000000000000000" pitchFamily="2" charset="77"/>
-                <a:ea typeface="Helvetica Neue"/>
-                <a:cs typeface="Helvetica Neue"/>
-                <a:sym typeface="Helvetica Neue"/>
-              </a:rPr>
-              <a:t>&lt;</a:t>
-            </a:r>
-            <a:r>
-              <a:rPr lang="en-US" sz="2000" b="0" i="0" dirty="0" err="1">
-                <a:solidFill>
-                  <a:srgbClr val="212553"/>
-                </a:solidFill>
-                <a:effectLst/>
-                <a:latin typeface="Gibson" panose="02000000000000000000" pitchFamily="2" charset="77"/>
-                <a:ea typeface="Helvetica Neue"/>
-                <a:cs typeface="Helvetica Neue"/>
-                <a:sym typeface="Helvetica Neue"/>
-              </a:rPr>
-              <a:t>resourceGroup</a:t>
-            </a:r>
-            <a:r>
-              <a:rPr lang="en-US" sz="2000" b="0" i="0" dirty="0">
-                <a:solidFill>
-                  <a:srgbClr val="212553"/>
-                </a:solidFill>
-                <a:effectLst/>
-                <a:latin typeface="Gibson" panose="02000000000000000000" pitchFamily="2" charset="77"/>
-                <a:ea typeface="Helvetica Neue"/>
-                <a:cs typeface="Helvetica Neue"/>
-                <a:sym typeface="Helvetica Neue"/>
-              </a:rPr>
-              <a:t>&gt;</a:t>
-            </a:r>
-            <a:r>
-              <a:rPr lang="en-US" sz="2000" b="1" i="0" dirty="0">
-                <a:solidFill>
-                  <a:srgbClr val="212553"/>
-                </a:solidFill>
-                <a:effectLst/>
-                <a:latin typeface="Gibson" panose="02000000000000000000" pitchFamily="2" charset="77"/>
-                <a:ea typeface="Helvetica Neue"/>
-                <a:cs typeface="Helvetica Neue"/>
-                <a:sym typeface="Helvetica Neue"/>
-              </a:rPr>
-              <a:t>--name </a:t>
-            </a:r>
-            <a:r>
-              <a:rPr lang="en-US" sz="2000" b="0" i="0" dirty="0">
-                <a:solidFill>
-                  <a:srgbClr val="212553"/>
-                </a:solidFill>
-                <a:effectLst/>
-                <a:latin typeface="Gibson" panose="02000000000000000000" pitchFamily="2" charset="77"/>
-                <a:ea typeface="Helvetica Neue"/>
-                <a:cs typeface="Helvetica Neue"/>
-                <a:sym typeface="Helvetica Neue"/>
-              </a:rPr>
-              <a:t>&lt;</a:t>
-            </a:r>
-            <a:r>
-              <a:rPr lang="en-US" sz="2000" b="0" i="0" dirty="0" err="1">
-                <a:solidFill>
-                  <a:srgbClr val="212553"/>
-                </a:solidFill>
-                <a:effectLst/>
-                <a:latin typeface="Gibson" panose="02000000000000000000" pitchFamily="2" charset="77"/>
-                <a:ea typeface="Helvetica Neue"/>
-                <a:cs typeface="Helvetica Neue"/>
-                <a:sym typeface="Helvetica Neue"/>
-              </a:rPr>
-              <a:t>clusterName</a:t>
-            </a:r>
-            <a:r>
-              <a:rPr lang="en-US" sz="2000" b="0" i="0" dirty="0">
-                <a:solidFill>
-                  <a:srgbClr val="212553"/>
-                </a:solidFill>
-                <a:effectLst/>
-                <a:latin typeface="Gibson" panose="02000000000000000000" pitchFamily="2" charset="77"/>
-                <a:ea typeface="Helvetica Neue"/>
-                <a:cs typeface="Helvetica Neue"/>
-                <a:sym typeface="Helvetica Neue"/>
-              </a:rPr>
-              <a:t>&gt;</a:t>
-            </a:r>
-            <a:br>
-              <a:rPr lang="en-US" dirty="0"/>
-            </a:br>
-            <a:r>
-              <a:rPr lang="en-US" dirty="0"/>
-              <a:t>local cluster: provide a token (see </a:t>
-            </a:r>
-            <a:r>
-              <a:rPr lang="en-US" dirty="0">
-                <a:hlinkClick r:id="rId4"/>
-              </a:rPr>
-              <a:t>https://github.com/kubernetes/dashboard/blob/master/docs/user/access-control/creating-sample-user.md</a:t>
-            </a:r>
-            <a:r>
-              <a:rPr lang="en-US" dirty="0"/>
-              <a:t>) </a:t>
-            </a:r>
-          </a:p>
-          <a:p>
-            <a:endParaRPr lang="en-US" dirty="0"/>
+            <a:endParaRPr lang="it-IT" dirty="0"/>
+          </a:p>
+          <a:p>
+            <a:r>
+              <a:rPr lang="it-IT" dirty="0"/>
+              <a:t>Config </a:t>
+            </a:r>
+            <a:r>
+              <a:rPr lang="it-IT" dirty="0" err="1"/>
+              <a:t>map</a:t>
+            </a:r>
+            <a:r>
+              <a:rPr lang="it-IT" dirty="0"/>
+              <a:t> for </a:t>
+            </a:r>
+            <a:r>
+              <a:rPr lang="it-IT" dirty="0" err="1"/>
+              <a:t>configs</a:t>
+            </a:r>
+            <a:endParaRPr lang="it-IT" dirty="0"/>
+          </a:p>
+          <a:p>
+            <a:r>
+              <a:rPr lang="it-IT" dirty="0" err="1"/>
+              <a:t>Namespaces</a:t>
+            </a:r>
+            <a:r>
+              <a:rPr lang="it-IT" dirty="0"/>
+              <a:t> and </a:t>
+            </a:r>
+            <a:r>
+              <a:rPr lang="it-IT" dirty="0" err="1"/>
+              <a:t>visibility</a:t>
+            </a:r>
+            <a:r>
+              <a:rPr lang="it-IT" dirty="0"/>
+              <a:t> and naming </a:t>
+            </a:r>
+          </a:p>
+          <a:p>
+            <a:endParaRPr lang="it-IT" dirty="0"/>
+          </a:p>
+          <a:p>
+            <a:endParaRPr lang="it-IT" dirty="0"/>
           </a:p>
         </p:txBody>
       </p:sp>
     </p:spTree>
     <p:extLst>
       <p:ext uri="{BB962C8B-B14F-4D97-AF65-F5344CB8AC3E}">
-        <p14:creationId xmlns:p14="http://schemas.microsoft.com/office/powerpoint/2010/main" val="874478924"/>
+        <p14:creationId xmlns:p14="http://schemas.microsoft.com/office/powerpoint/2010/main" val="3863646891"/>
       </p:ext>
     </p:extLst>
   </p:cSld>
@@ -1609,57 +1414,14 @@
           <a:bodyPr/>
           <a:lstStyle/>
           <a:p>
-            <a:endParaRPr lang="it-IT" dirty="0"/>
-          </a:p>
-          <a:p>
-            <a:r>
-              <a:rPr lang="it-IT" dirty="0"/>
-              <a:t>Config </a:t>
-            </a:r>
-            <a:r>
-              <a:rPr lang="it-IT" dirty="0" err="1"/>
-              <a:t>map</a:t>
-            </a:r>
-            <a:r>
-              <a:rPr lang="it-IT" dirty="0"/>
-              <a:t> for </a:t>
-            </a:r>
-            <a:r>
-              <a:rPr lang="it-IT" dirty="0" err="1"/>
-              <a:t>configs</a:t>
-            </a:r>
-            <a:endParaRPr lang="it-IT" dirty="0"/>
-          </a:p>
-          <a:p>
-            <a:r>
-              <a:rPr lang="it-IT" dirty="0" err="1"/>
-              <a:t>Namespaces</a:t>
-            </a:r>
-            <a:r>
-              <a:rPr lang="it-IT" dirty="0"/>
-              <a:t> and </a:t>
-            </a:r>
-            <a:r>
-              <a:rPr lang="it-IT" dirty="0" err="1"/>
-              <a:t>visibility</a:t>
-            </a:r>
-            <a:r>
-              <a:rPr lang="it-IT" dirty="0"/>
-              <a:t> and naming </a:t>
-            </a:r>
-          </a:p>
-          <a:p>
-            <a:endParaRPr lang="it-IT" dirty="0"/>
-          </a:p>
-          <a:p>
-            <a:endParaRPr lang="it-IT" dirty="0"/>
+            <a:endParaRPr lang="en-US" dirty="0"/>
           </a:p>
         </p:txBody>
       </p:sp>
     </p:spTree>
     <p:extLst>
       <p:ext uri="{BB962C8B-B14F-4D97-AF65-F5344CB8AC3E}">
-        <p14:creationId xmlns:p14="http://schemas.microsoft.com/office/powerpoint/2010/main" val="3863646891"/>
+        <p14:creationId xmlns:p14="http://schemas.microsoft.com/office/powerpoint/2010/main" val="874478924"/>
       </p:ext>
     </p:extLst>
   </p:cSld>
@@ -2101,7 +1863,7 @@
           </a:ln>
           <a:extLst>
             <a:ext uri="{C572A759-6A51-4108-AA02-DFA0A04FC94B}">
-              <ma14:wrappingTextBoxFlag xmlns:ma14="http://schemas.microsoft.com/office/mac/drawingml/2011/main" xmlns="" val="1"/>
+              <ma14:wrappingTextBoxFlag xmlns="" xmlns:ma14="http://schemas.microsoft.com/office/mac/drawingml/2011/main" val="1"/>
             </a:ext>
           </a:extLst>
         </p:spPr>
@@ -2509,7 +2271,7 @@
           </a:ln>
           <a:extLst>
             <a:ext uri="{C572A759-6A51-4108-AA02-DFA0A04FC94B}">
-              <ma14:wrappingTextBoxFlag xmlns:ma14="http://schemas.microsoft.com/office/mac/drawingml/2011/main" xmlns="" val="1"/>
+              <ma14:wrappingTextBoxFlag xmlns="" xmlns:ma14="http://schemas.microsoft.com/office/mac/drawingml/2011/main" val="1"/>
             </a:ext>
           </a:extLst>
         </p:spPr>
@@ -2655,7 +2417,7 @@
           </a:ln>
           <a:extLst>
             <a:ext uri="{C572A759-6A51-4108-AA02-DFA0A04FC94B}">
-              <ma14:wrappingTextBoxFlag xmlns:ma14="http://schemas.microsoft.com/office/mac/drawingml/2011/main" xmlns="" val="1"/>
+              <ma14:wrappingTextBoxFlag xmlns="" xmlns:ma14="http://schemas.microsoft.com/office/mac/drawingml/2011/main" val="1"/>
             </a:ext>
           </a:extLst>
         </p:spPr>
@@ -4216,7 +3978,7 @@
           </a:ln>
           <a:extLst>
             <a:ext uri="{C572A759-6A51-4108-AA02-DFA0A04FC94B}">
-              <ma14:wrappingTextBoxFlag xmlns:ma14="http://schemas.microsoft.com/office/mac/drawingml/2011/main" xmlns="" val="1"/>
+              <ma14:wrappingTextBoxFlag xmlns="" xmlns:ma14="http://schemas.microsoft.com/office/mac/drawingml/2011/main" val="1"/>
             </a:ext>
           </a:extLst>
         </p:spPr>
@@ -4427,7 +4189,7 @@
           </a:ln>
           <a:extLst>
             <a:ext uri="{C572A759-6A51-4108-AA02-DFA0A04FC94B}">
-              <ma14:wrappingTextBoxFlag xmlns:ma14="http://schemas.microsoft.com/office/mac/drawingml/2011/main" xmlns="" val="1"/>
+              <ma14:wrappingTextBoxFlag xmlns="" xmlns:ma14="http://schemas.microsoft.com/office/mac/drawingml/2011/main" val="1"/>
             </a:ext>
           </a:extLst>
         </p:spPr>
@@ -4661,7 +4423,7 @@
           </a:ln>
           <a:extLst>
             <a:ext uri="{C572A759-6A51-4108-AA02-DFA0A04FC94B}">
-              <ma14:wrappingTextBoxFlag xmlns:ma14="http://schemas.microsoft.com/office/mac/drawingml/2011/main" xmlns="" val="1"/>
+              <ma14:wrappingTextBoxFlag xmlns="" xmlns:ma14="http://schemas.microsoft.com/office/mac/drawingml/2011/main" val="1"/>
             </a:ext>
           </a:extLst>
         </p:spPr>
@@ -5043,7 +4805,7 @@
           </a:ln>
           <a:extLst>
             <a:ext uri="{C572A759-6A51-4108-AA02-DFA0A04FC94B}">
-              <ma14:wrappingTextBoxFlag xmlns:ma14="http://schemas.microsoft.com/office/mac/drawingml/2011/main" xmlns="" val="1"/>
+              <ma14:wrappingTextBoxFlag xmlns="" xmlns:ma14="http://schemas.microsoft.com/office/mac/drawingml/2011/main" val="1"/>
             </a:ext>
           </a:extLst>
         </p:spPr>
@@ -6616,7 +6378,7 @@
           </a:ln>
           <a:extLst>
             <a:ext uri="{C572A759-6A51-4108-AA02-DFA0A04FC94B}">
-              <ma14:wrappingTextBoxFlag xmlns:ma14="http://schemas.microsoft.com/office/mac/drawingml/2011/main" xmlns="" val="1"/>
+              <ma14:wrappingTextBoxFlag xmlns="" xmlns:ma14="http://schemas.microsoft.com/office/mac/drawingml/2011/main" val="1"/>
             </a:ext>
           </a:extLst>
         </p:spPr>
@@ -6663,7 +6425,7 @@
           </a:ln>
           <a:extLst>
             <a:ext uri="{C572A759-6A51-4108-AA02-DFA0A04FC94B}">
-              <ma14:wrappingTextBoxFlag xmlns:ma14="http://schemas.microsoft.com/office/mac/drawingml/2011/main" xmlns="" val="1"/>
+              <ma14:wrappingTextBoxFlag xmlns="" xmlns:ma14="http://schemas.microsoft.com/office/mac/drawingml/2011/main" val="1"/>
             </a:ext>
           </a:extLst>
         </p:spPr>
@@ -6838,7 +6600,7 @@
           </a:ln>
           <a:extLst>
             <a:ext uri="{C572A759-6A51-4108-AA02-DFA0A04FC94B}">
-              <ma14:wrappingTextBoxFlag xmlns:ma14="http://schemas.microsoft.com/office/mac/drawingml/2011/main" xmlns="" val="1"/>
+              <ma14:wrappingTextBoxFlag xmlns="" xmlns:ma14="http://schemas.microsoft.com/office/mac/drawingml/2011/main" val="1"/>
             </a:ext>
           </a:extLst>
         </p:spPr>
@@ -6877,7 +6639,7 @@
           </a:ln>
           <a:extLst>
             <a:ext uri="{C572A759-6A51-4108-AA02-DFA0A04FC94B}">
-              <ma14:wrappingTextBoxFlag xmlns:ma14="http://schemas.microsoft.com/office/mac/drawingml/2011/main" xmlns="" val="1"/>
+              <ma14:wrappingTextBoxFlag xmlns="" xmlns:ma14="http://schemas.microsoft.com/office/mac/drawingml/2011/main" val="1"/>
             </a:ext>
           </a:extLst>
         </p:spPr>
@@ -7834,7 +7596,7 @@
           <p:cNvPr id="2" name="Title 1">
             <a:extLst>
               <a:ext uri="{FF2B5EF4-FFF2-40B4-BE49-F238E27FC236}">
-                <a16:creationId xmlns:a16="http://schemas.microsoft.com/office/drawing/2014/main" id="{DE57D191-5DF2-48DC-93FD-B4B7FEFDE570}"/>
+                <a16:creationId xmlns:a16="http://schemas.microsoft.com/office/drawing/2014/main" id="{BAC6A934-ED96-43F0-A5A2-DA88237C53A4}"/>
               </a:ext>
             </a:extLst>
           </p:cNvPr>
@@ -7847,13 +7609,16 @@
         </p:nvSpPr>
         <p:spPr/>
         <p:txBody>
-          <a:bodyPr/>
+          <a:bodyPr>
+            <a:normAutofit/>
+          </a:bodyPr>
           <a:lstStyle/>
           <a:p>
             <a:r>
-              <a:rPr lang="en-US" dirty="0"/>
-              <a:t>Interacting with the cluster</a:t>
-            </a:r>
+              <a:rPr lang="it-IT" dirty="0"/>
+              <a:t>K8s dashboard</a:t>
+            </a:r>
+            <a:endParaRPr lang="en-US" dirty="0"/>
           </a:p>
         </p:txBody>
       </p:sp>
@@ -7862,7 +7627,7 @@
           <p:cNvPr id="3" name="Text Placeholder 2">
             <a:extLst>
               <a:ext uri="{FF2B5EF4-FFF2-40B4-BE49-F238E27FC236}">
-                <a16:creationId xmlns:a16="http://schemas.microsoft.com/office/drawing/2014/main" id="{B54A0047-9431-47DF-8590-1209339F7B6B}"/>
+                <a16:creationId xmlns:a16="http://schemas.microsoft.com/office/drawing/2014/main" id="{D94D1740-F99F-40A0-9705-CDCADB84BDCC}"/>
               </a:ext>
             </a:extLst>
           </p:cNvPr>
@@ -7887,7 +7652,7 @@
           <p:cNvPr id="4" name="Text Placeholder 3">
             <a:extLst>
               <a:ext uri="{FF2B5EF4-FFF2-40B4-BE49-F238E27FC236}">
-                <a16:creationId xmlns:a16="http://schemas.microsoft.com/office/drawing/2014/main" id="{3B363C71-73AB-4296-893D-63EF4C006CE7}"/>
+                <a16:creationId xmlns:a16="http://schemas.microsoft.com/office/drawing/2014/main" id="{97426872-BA82-4B79-9A35-20075E97E971}"/>
               </a:ext>
             </a:extLst>
           </p:cNvPr>
@@ -7903,72 +7668,47 @@
           <a:bodyPr/>
           <a:lstStyle/>
           <a:p>
-            <a:r>
-              <a:rPr lang="en-US" dirty="0"/>
-              <a:t>The API server is the only entry point to the cluster</a:t>
-            </a:r>
-          </a:p>
-          <a:p>
-            <a:pPr lvl="1"/>
-            <a:r>
-              <a:rPr lang="en-US" dirty="0"/>
-              <a:t>Likely you will never interact with the API server directly</a:t>
-            </a:r>
-          </a:p>
-          <a:p>
-            <a:r>
-              <a:rPr lang="en-US" dirty="0" err="1"/>
-              <a:t>Kubectl</a:t>
-            </a:r>
-            <a:r>
-              <a:rPr lang="en-US" dirty="0"/>
-              <a:t> is the mainstream tool (command line)</a:t>
-            </a:r>
-          </a:p>
-          <a:p>
-            <a:pPr lvl="1"/>
-            <a:r>
-              <a:rPr lang="en-US" dirty="0"/>
-              <a:t>Inspect the cluster</a:t>
-            </a:r>
-          </a:p>
-          <a:p>
-            <a:pPr lvl="1"/>
-            <a:r>
-              <a:rPr lang="en-US" dirty="0"/>
-              <a:t>Modify </a:t>
-            </a:r>
-          </a:p>
-          <a:p>
-            <a:pPr lvl="1"/>
-            <a:r>
-              <a:rPr lang="en-US" dirty="0"/>
-              <a:t>Deploy (mainly via yaml files, more on it later)</a:t>
-            </a:r>
-          </a:p>
-          <a:p>
-            <a:r>
-              <a:rPr lang="en-US" dirty="0"/>
-              <a:t>The K8s dashboard</a:t>
-            </a:r>
-          </a:p>
-          <a:p>
-            <a:pPr lvl="1"/>
-            <a:r>
-              <a:rPr lang="en-US" dirty="0"/>
-              <a:t>Can accomplish many kubectl tasks using a web UI </a:t>
-            </a:r>
-          </a:p>
-          <a:p>
-            <a:pPr lvl="1"/>
-            <a:endParaRPr lang="en-US" dirty="0"/>
-          </a:p>
-        </p:txBody>
-      </p:sp>
+            <a:pPr marL="508000" lvl="1" indent="0">
+              <a:buNone/>
+            </a:pPr>
+            <a:endParaRPr lang="it-IT" dirty="0"/>
+          </a:p>
+        </p:txBody>
+      </p:sp>
+      <p:pic>
+        <p:nvPicPr>
+          <p:cNvPr id="6" name="Picture 5">
+            <a:extLst>
+              <a:ext uri="{FF2B5EF4-FFF2-40B4-BE49-F238E27FC236}">
+                <a16:creationId xmlns:a16="http://schemas.microsoft.com/office/drawing/2014/main" id="{AC2B42AC-AF09-4C5A-AED4-1ACB4BA39B25}"/>
+              </a:ext>
+            </a:extLst>
+          </p:cNvPr>
+          <p:cNvPicPr>
+            <a:picLocks noChangeAspect="1"/>
+          </p:cNvPicPr>
+          <p:nvPr/>
+        </p:nvPicPr>
+        <p:blipFill>
+          <a:blip r:embed="rId3"/>
+          <a:stretch>
+            <a:fillRect/>
+          </a:stretch>
+        </p:blipFill>
+        <p:spPr>
+          <a:xfrm>
+            <a:off x="1805572" y="3793896"/>
+            <a:ext cx="18087975" cy="8943975"/>
+          </a:xfrm>
+          <a:prstGeom prst="rect">
+            <a:avLst/>
+          </a:prstGeom>
+        </p:spPr>
+      </p:pic>
     </p:spTree>
     <p:extLst>
       <p:ext uri="{BB962C8B-B14F-4D97-AF65-F5344CB8AC3E}">
-        <p14:creationId xmlns:p14="http://schemas.microsoft.com/office/powerpoint/2010/main" val="3010709768"/>
+        <p14:creationId xmlns:p14="http://schemas.microsoft.com/office/powerpoint/2010/main" val="1896964449"/>
       </p:ext>
     </p:extLst>
   </p:cSld>
@@ -8001,6 +7741,173 @@
           <p:cNvPr id="2" name="Title 1">
             <a:extLst>
               <a:ext uri="{FF2B5EF4-FFF2-40B4-BE49-F238E27FC236}">
+                <a16:creationId xmlns:a16="http://schemas.microsoft.com/office/drawing/2014/main" id="{DE57D191-5DF2-48DC-93FD-B4B7FEFDE570}"/>
+              </a:ext>
+            </a:extLst>
+          </p:cNvPr>
+          <p:cNvSpPr>
+            <a:spLocks noGrp="1"/>
+          </p:cNvSpPr>
+          <p:nvPr>
+            <p:ph type="title"/>
+          </p:nvPr>
+        </p:nvSpPr>
+        <p:spPr/>
+        <p:txBody>
+          <a:bodyPr/>
+          <a:lstStyle/>
+          <a:p>
+            <a:r>
+              <a:rPr lang="en-US" dirty="0"/>
+              <a:t>Interacting with the cluster</a:t>
+            </a:r>
+          </a:p>
+        </p:txBody>
+      </p:sp>
+      <p:sp>
+        <p:nvSpPr>
+          <p:cNvPr id="3" name="Text Placeholder 2">
+            <a:extLst>
+              <a:ext uri="{FF2B5EF4-FFF2-40B4-BE49-F238E27FC236}">
+                <a16:creationId xmlns:a16="http://schemas.microsoft.com/office/drawing/2014/main" id="{B54A0047-9431-47DF-8590-1209339F7B6B}"/>
+              </a:ext>
+            </a:extLst>
+          </p:cNvPr>
+          <p:cNvSpPr>
+            <a:spLocks noGrp="1"/>
+          </p:cNvSpPr>
+          <p:nvPr>
+            <p:ph type="body" sz="quarter" idx="13"/>
+          </p:nvPr>
+        </p:nvSpPr>
+        <p:spPr/>
+        <p:txBody>
+          <a:bodyPr/>
+          <a:lstStyle/>
+          <a:p>
+            <a:endParaRPr lang="en-US" dirty="0"/>
+          </a:p>
+        </p:txBody>
+      </p:sp>
+      <p:sp>
+        <p:nvSpPr>
+          <p:cNvPr id="4" name="Text Placeholder 3">
+            <a:extLst>
+              <a:ext uri="{FF2B5EF4-FFF2-40B4-BE49-F238E27FC236}">
+                <a16:creationId xmlns:a16="http://schemas.microsoft.com/office/drawing/2014/main" id="{3B363C71-73AB-4296-893D-63EF4C006CE7}"/>
+              </a:ext>
+            </a:extLst>
+          </p:cNvPr>
+          <p:cNvSpPr>
+            <a:spLocks noGrp="1"/>
+          </p:cNvSpPr>
+          <p:nvPr>
+            <p:ph type="body" idx="1"/>
+          </p:nvPr>
+        </p:nvSpPr>
+        <p:spPr/>
+        <p:txBody>
+          <a:bodyPr/>
+          <a:lstStyle/>
+          <a:p>
+            <a:r>
+              <a:rPr lang="en-US" dirty="0"/>
+              <a:t>The API server is the only entry point to the cluster</a:t>
+            </a:r>
+          </a:p>
+          <a:p>
+            <a:pPr lvl="1"/>
+            <a:r>
+              <a:rPr lang="en-US" dirty="0"/>
+              <a:t>Likely you will never interact with the API server directly</a:t>
+            </a:r>
+          </a:p>
+          <a:p>
+            <a:r>
+              <a:rPr lang="en-US" dirty="0" err="1"/>
+              <a:t>Kubectl</a:t>
+            </a:r>
+            <a:r>
+              <a:rPr lang="en-US" dirty="0"/>
+              <a:t> is the mainstream tool (command line)</a:t>
+            </a:r>
+          </a:p>
+          <a:p>
+            <a:pPr lvl="1"/>
+            <a:r>
+              <a:rPr lang="en-US" dirty="0"/>
+              <a:t>Inspect the cluster</a:t>
+            </a:r>
+          </a:p>
+          <a:p>
+            <a:pPr lvl="1"/>
+            <a:r>
+              <a:rPr lang="en-US" dirty="0"/>
+              <a:t>Modify </a:t>
+            </a:r>
+          </a:p>
+          <a:p>
+            <a:pPr lvl="1"/>
+            <a:r>
+              <a:rPr lang="en-US" dirty="0"/>
+              <a:t>Deploy (mainly via yaml files, more on it later)</a:t>
+            </a:r>
+          </a:p>
+          <a:p>
+            <a:r>
+              <a:rPr lang="en-US" dirty="0"/>
+              <a:t>The K8s dashboard</a:t>
+            </a:r>
+          </a:p>
+          <a:p>
+            <a:pPr lvl="1"/>
+            <a:r>
+              <a:rPr lang="en-US" dirty="0"/>
+              <a:t>Can accomplish many kubectl tasks using a web UI </a:t>
+            </a:r>
+          </a:p>
+          <a:p>
+            <a:pPr lvl="1"/>
+            <a:endParaRPr lang="en-US" dirty="0"/>
+          </a:p>
+        </p:txBody>
+      </p:sp>
+    </p:spTree>
+    <p:extLst>
+      <p:ext uri="{BB962C8B-B14F-4D97-AF65-F5344CB8AC3E}">
+        <p14:creationId xmlns:p14="http://schemas.microsoft.com/office/powerpoint/2010/main" val="3010709768"/>
+      </p:ext>
+    </p:extLst>
+  </p:cSld>
+  <p:clrMapOvr>
+    <a:masterClrMapping/>
+  </p:clrMapOvr>
+  <p:transition spd="med"/>
+</p:sld>
+</file>
+
+<file path=ppt/slides/slide12.xml><?xml version="1.0" encoding="utf-8"?>
+<p:sld xmlns:a="http://schemas.openxmlformats.org/drawingml/2006/main" xmlns:r="http://schemas.openxmlformats.org/officeDocument/2006/relationships" xmlns:p="http://schemas.openxmlformats.org/presentationml/2006/main">
+  <p:cSld>
+    <p:spTree>
+      <p:nvGrpSpPr>
+        <p:cNvPr id="1" name=""/>
+        <p:cNvGrpSpPr/>
+        <p:nvPr/>
+      </p:nvGrpSpPr>
+      <p:grpSpPr>
+        <a:xfrm>
+          <a:off x="0" y="0"/>
+          <a:ext cx="0" cy="0"/>
+          <a:chOff x="0" y="0"/>
+          <a:chExt cx="0" cy="0"/>
+        </a:xfrm>
+      </p:grpSpPr>
+      <p:sp>
+        <p:nvSpPr>
+          <p:cNvPr id="2" name="Title 1">
+            <a:extLst>
+              <a:ext uri="{FF2B5EF4-FFF2-40B4-BE49-F238E27FC236}">
                 <a16:creationId xmlns:a16="http://schemas.microsoft.com/office/drawing/2014/main" id="{8373B57A-6A23-49D0-A996-9F3263C6B4F2}"/>
               </a:ext>
             </a:extLst>
@@ -8232,7 +8139,7 @@
 </p:sld>
 </file>
 
-<file path=ppt/slides/slide12.xml><?xml version="1.0" encoding="utf-8"?>
+<file path=ppt/slides/slide13.xml><?xml version="1.0" encoding="utf-8"?>
 <p:sld xmlns:a="http://schemas.openxmlformats.org/drawingml/2006/main" xmlns:r="http://schemas.openxmlformats.org/officeDocument/2006/relationships" xmlns:p="http://schemas.openxmlformats.org/presentationml/2006/main">
   <p:cSld>
     <p:spTree>
@@ -8601,193 +8508,6 @@
 </p:sld>
 </file>
 
-<file path=ppt/slides/slide13.xml><?xml version="1.0" encoding="utf-8"?>
-<p:sld xmlns:a="http://schemas.openxmlformats.org/drawingml/2006/main" xmlns:r="http://schemas.openxmlformats.org/officeDocument/2006/relationships" xmlns:p="http://schemas.openxmlformats.org/presentationml/2006/main">
-  <p:cSld>
-    <p:spTree>
-      <p:nvGrpSpPr>
-        <p:cNvPr id="1" name=""/>
-        <p:cNvGrpSpPr/>
-        <p:nvPr/>
-      </p:nvGrpSpPr>
-      <p:grpSpPr>
-        <a:xfrm>
-          <a:off x="0" y="0"/>
-          <a:ext cx="0" cy="0"/>
-          <a:chOff x="0" y="0"/>
-          <a:chExt cx="0" cy="0"/>
-        </a:xfrm>
-      </p:grpSpPr>
-      <p:sp>
-        <p:nvSpPr>
-          <p:cNvPr id="2" name="Title 1">
-            <a:extLst>
-              <a:ext uri="{FF2B5EF4-FFF2-40B4-BE49-F238E27FC236}">
-                <a16:creationId xmlns:a16="http://schemas.microsoft.com/office/drawing/2014/main" id="{9523A741-9282-4641-8A8A-E89D6A8D7A67}"/>
-              </a:ext>
-            </a:extLst>
-          </p:cNvPr>
-          <p:cNvSpPr>
-            <a:spLocks noGrp="1"/>
-          </p:cNvSpPr>
-          <p:nvPr>
-            <p:ph type="title"/>
-          </p:nvPr>
-        </p:nvSpPr>
-        <p:spPr/>
-        <p:txBody>
-          <a:bodyPr/>
-          <a:lstStyle/>
-          <a:p>
-            <a:r>
-              <a:rPr lang="it-IT" dirty="0" err="1"/>
-              <a:t>Deploy</a:t>
-            </a:r>
-            <a:r>
-              <a:rPr lang="it-IT" dirty="0"/>
-              <a:t> to cluster– </a:t>
-            </a:r>
-            <a:r>
-              <a:rPr lang="it-IT" dirty="0" err="1"/>
-              <a:t>walkthrough</a:t>
-            </a:r>
-            <a:endParaRPr lang="en-US" dirty="0"/>
-          </a:p>
-        </p:txBody>
-      </p:sp>
-      <p:sp>
-        <p:nvSpPr>
-          <p:cNvPr id="3" name="Text Placeholder 2">
-            <a:extLst>
-              <a:ext uri="{FF2B5EF4-FFF2-40B4-BE49-F238E27FC236}">
-                <a16:creationId xmlns:a16="http://schemas.microsoft.com/office/drawing/2014/main" id="{BB4D3080-FD6D-4DFC-AFBF-5419BEDE805B}"/>
-              </a:ext>
-            </a:extLst>
-          </p:cNvPr>
-          <p:cNvSpPr>
-            <a:spLocks noGrp="1"/>
-          </p:cNvSpPr>
-          <p:nvPr>
-            <p:ph type="body" sz="quarter" idx="13"/>
-          </p:nvPr>
-        </p:nvSpPr>
-        <p:spPr/>
-        <p:txBody>
-          <a:bodyPr/>
-          <a:lstStyle/>
-          <a:p>
-            <a:r>
-              <a:rPr lang="it-IT" dirty="0"/>
-              <a:t>YAML</a:t>
-            </a:r>
-            <a:endParaRPr lang="en-US" dirty="0"/>
-          </a:p>
-        </p:txBody>
-      </p:sp>
-      <p:sp>
-        <p:nvSpPr>
-          <p:cNvPr id="4" name="Text Placeholder 3">
-            <a:extLst>
-              <a:ext uri="{FF2B5EF4-FFF2-40B4-BE49-F238E27FC236}">
-                <a16:creationId xmlns:a16="http://schemas.microsoft.com/office/drawing/2014/main" id="{3C0E5083-B208-4C42-B0E3-4341A595854E}"/>
-              </a:ext>
-            </a:extLst>
-          </p:cNvPr>
-          <p:cNvSpPr>
-            <a:spLocks noGrp="1"/>
-          </p:cNvSpPr>
-          <p:nvPr>
-            <p:ph type="body" idx="1"/>
-          </p:nvPr>
-        </p:nvSpPr>
-        <p:spPr>
-          <a:xfrm>
-            <a:off x="1805572" y="3637722"/>
-            <a:ext cx="21005801" cy="9039807"/>
-          </a:xfrm>
-        </p:spPr>
-        <p:txBody>
-          <a:bodyPr>
-            <a:normAutofit/>
-          </a:bodyPr>
-          <a:lstStyle/>
-          <a:p>
-            <a:r>
-              <a:rPr lang="en-US" dirty="0"/>
-              <a:t>Some basic commands can be sent straight through command line (e.g. create namespace)</a:t>
-            </a:r>
-          </a:p>
-          <a:p>
-            <a:r>
-              <a:rPr lang="en-US" dirty="0"/>
-              <a:t>Recommended way is to use a declarative approach. </a:t>
-            </a:r>
-            <a:r>
-              <a:rPr lang="en-US" b="1" dirty="0"/>
-              <a:t>Kubectl apply –f &lt;filename&gt;</a:t>
-            </a:r>
-          </a:p>
-          <a:p>
-            <a:pPr lvl="1"/>
-            <a:r>
-              <a:rPr lang="en-US" dirty="0"/>
-              <a:t>you tell the cluster what you want, not how accomplish what you want</a:t>
-            </a:r>
-          </a:p>
-          <a:p>
-            <a:pPr lvl="1"/>
-            <a:r>
-              <a:rPr lang="en-US" dirty="0"/>
-              <a:t>desired state expressed through yaml files </a:t>
-            </a:r>
-          </a:p>
-          <a:p>
-            <a:pPr lvl="1"/>
-            <a:r>
-              <a:rPr lang="en-US" dirty="0"/>
-              <a:t>Infrastructure as code (as azure arm templates)</a:t>
-            </a:r>
-          </a:p>
-          <a:p>
-            <a:r>
-              <a:rPr lang="en-US" dirty="0"/>
-              <a:t>Want to edit on the fly ? </a:t>
-            </a:r>
-            <a:br>
-              <a:rPr lang="en-US" dirty="0"/>
-            </a:br>
-            <a:r>
-              <a:rPr lang="en-US" dirty="0"/>
-              <a:t>kubectl edit deployment/&lt;deployment name&gt; -n &lt;namespace&gt; (download definition, open editor, push on save)</a:t>
-            </a:r>
-            <a:br>
-              <a:rPr lang="en-US" dirty="0"/>
-            </a:br>
-            <a:r>
-              <a:rPr lang="en-US" dirty="0"/>
-              <a:t>or do the same using the dashboard</a:t>
-            </a:r>
-          </a:p>
-          <a:p>
-            <a:pPr lvl="1"/>
-            <a:endParaRPr lang="en-US" dirty="0"/>
-          </a:p>
-        </p:txBody>
-      </p:sp>
-    </p:spTree>
-    <p:extLst>
-      <p:ext uri="{BB962C8B-B14F-4D97-AF65-F5344CB8AC3E}">
-        <p14:creationId xmlns:p14="http://schemas.microsoft.com/office/powerpoint/2010/main" val="208220828"/>
-      </p:ext>
-    </p:extLst>
-  </p:cSld>
-  <p:clrMapOvr>
-    <a:masterClrMapping/>
-  </p:clrMapOvr>
-  <p:transition spd="med"/>
-</p:sld>
-</file>
-
 <file path=ppt/slides/slide14.xml><?xml version="1.0" encoding="utf-8"?>
 <p:sld xmlns:a="http://schemas.openxmlformats.org/drawingml/2006/main" xmlns:r="http://schemas.openxmlformats.org/officeDocument/2006/relationships" xmlns:p="http://schemas.openxmlformats.org/presentationml/2006/main">
   <p:cSld>
@@ -8807,10 +8527,76 @@
       </p:grpSpPr>
       <p:sp>
         <p:nvSpPr>
+          <p:cNvPr id="2" name="Title 1">
+            <a:extLst>
+              <a:ext uri="{FF2B5EF4-FFF2-40B4-BE49-F238E27FC236}">
+                <a16:creationId xmlns:a16="http://schemas.microsoft.com/office/drawing/2014/main" id="{9523A741-9282-4641-8A8A-E89D6A8D7A67}"/>
+              </a:ext>
+            </a:extLst>
+          </p:cNvPr>
+          <p:cNvSpPr>
+            <a:spLocks noGrp="1"/>
+          </p:cNvSpPr>
+          <p:nvPr>
+            <p:ph type="title"/>
+          </p:nvPr>
+        </p:nvSpPr>
+        <p:spPr/>
+        <p:txBody>
+          <a:bodyPr/>
+          <a:lstStyle/>
+          <a:p>
+            <a:r>
+              <a:rPr lang="it-IT" dirty="0" err="1"/>
+              <a:t>Deploy</a:t>
+            </a:r>
+            <a:r>
+              <a:rPr lang="it-IT" dirty="0"/>
+              <a:t> to cluster– </a:t>
+            </a:r>
+            <a:r>
+              <a:rPr lang="it-IT" dirty="0" err="1"/>
+              <a:t>walkthrough</a:t>
+            </a:r>
+            <a:endParaRPr lang="en-US" dirty="0"/>
+          </a:p>
+        </p:txBody>
+      </p:sp>
+      <p:sp>
+        <p:nvSpPr>
+          <p:cNvPr id="3" name="Text Placeholder 2">
+            <a:extLst>
+              <a:ext uri="{FF2B5EF4-FFF2-40B4-BE49-F238E27FC236}">
+                <a16:creationId xmlns:a16="http://schemas.microsoft.com/office/drawing/2014/main" id="{BB4D3080-FD6D-4DFC-AFBF-5419BEDE805B}"/>
+              </a:ext>
+            </a:extLst>
+          </p:cNvPr>
+          <p:cNvSpPr>
+            <a:spLocks noGrp="1"/>
+          </p:cNvSpPr>
+          <p:nvPr>
+            <p:ph type="body" sz="quarter" idx="13"/>
+          </p:nvPr>
+        </p:nvSpPr>
+        <p:spPr/>
+        <p:txBody>
+          <a:bodyPr/>
+          <a:lstStyle/>
+          <a:p>
+            <a:r>
+              <a:rPr lang="it-IT" dirty="0"/>
+              <a:t>YAML</a:t>
+            </a:r>
+            <a:endParaRPr lang="en-US" dirty="0"/>
+          </a:p>
+        </p:txBody>
+      </p:sp>
+      <p:sp>
+        <p:nvSpPr>
           <p:cNvPr id="4" name="Text Placeholder 3">
             <a:extLst>
               <a:ext uri="{FF2B5EF4-FFF2-40B4-BE49-F238E27FC236}">
-                <a16:creationId xmlns:a16="http://schemas.microsoft.com/office/drawing/2014/main" id="{AE9FB48D-EC25-4212-8B3E-EA0779A843DA}"/>
+                <a16:creationId xmlns:a16="http://schemas.microsoft.com/office/drawing/2014/main" id="{3C0E5083-B208-4C42-B0E3-4341A595854E}"/>
               </a:ext>
             </a:extLst>
           </p:cNvPr>
@@ -8823,8 +8609,8 @@
         </p:nvSpPr>
         <p:spPr>
           <a:xfrm>
-            <a:off x="1805572" y="2596016"/>
-            <a:ext cx="21005801" cy="7170554"/>
+            <a:off x="1805572" y="3637722"/>
+            <a:ext cx="21005801" cy="9039807"/>
           </a:xfrm>
         </p:spPr>
         <p:txBody>
@@ -8833,154 +8619,72 @@
           </a:bodyPr>
           <a:lstStyle/>
           <a:p>
-            <a:pPr marL="0" indent="0">
-              <a:buNone/>
-            </a:pPr>
-            <a:r>
-              <a:rPr lang="en-US" dirty="0"/>
-              <a:t>One time cluster setup </a:t>
-            </a:r>
-          </a:p>
-          <a:p>
-            <a:pPr marL="514350" indent="-514350">
-              <a:buFont typeface="+mj-lt"/>
-              <a:buAutoNum type="arabicPeriod"/>
-            </a:pPr>
-            <a:r>
-              <a:rPr lang="en-US" dirty="0"/>
-              <a:t>Create the cluster</a:t>
-            </a:r>
-          </a:p>
-          <a:p>
-            <a:pPr marL="514350" indent="-514350">
-              <a:buFont typeface="+mj-lt"/>
-              <a:buAutoNum type="arabicPeriod"/>
-            </a:pPr>
-            <a:r>
-              <a:rPr lang="en-US" dirty="0"/>
-              <a:t>Install dashboard (skipped if available as built-in feature, as in </a:t>
-            </a:r>
-            <a:r>
-              <a:rPr lang="en-US" dirty="0" err="1"/>
-              <a:t>aks</a:t>
-            </a:r>
-            <a:r>
-              <a:rPr lang="en-US" dirty="0"/>
-              <a:t>)</a:t>
-            </a:r>
-          </a:p>
-          <a:p>
-            <a:pPr marL="1022350" lvl="1" indent="-514350">
-              <a:buFont typeface="+mj-lt"/>
-              <a:buAutoNum type="arabicPeriod"/>
-            </a:pPr>
-            <a:r>
-              <a:rPr lang="en-US" dirty="0"/>
-              <a:t>Adjust dashboard permissions</a:t>
-            </a:r>
-          </a:p>
-          <a:p>
-            <a:pPr marL="514350" indent="-514350">
-              <a:buFont typeface="+mj-lt"/>
-              <a:buAutoNum type="arabicPeriod"/>
-            </a:pPr>
-            <a:r>
-              <a:rPr lang="en-US" dirty="0"/>
-              <a:t>Install ingress controller (</a:t>
-            </a:r>
-            <a:r>
-              <a:rPr lang="en-US" dirty="0" err="1"/>
-              <a:t>ngnix</a:t>
-            </a:r>
-            <a:r>
-              <a:rPr lang="en-US" dirty="0"/>
-              <a:t> in the demo)</a:t>
-            </a:r>
-          </a:p>
-          <a:p>
-            <a:pPr marL="514350" indent="-514350">
-              <a:buFont typeface="+mj-lt"/>
-              <a:buAutoNum type="arabicPeriod"/>
-            </a:pPr>
-            <a:r>
-              <a:rPr lang="en-US" dirty="0"/>
-              <a:t>Install cert manager for https (AKS only)</a:t>
-            </a:r>
-          </a:p>
-          <a:p>
-            <a:pPr marL="514350" indent="-514350">
-              <a:buFont typeface="+mj-lt"/>
-              <a:buAutoNum type="arabicPeriod"/>
-            </a:pPr>
-            <a:r>
-              <a:rPr lang="en-US" dirty="0"/>
-              <a:t>Register </a:t>
-            </a:r>
-            <a:r>
-              <a:rPr lang="en-US" dirty="0" err="1"/>
-              <a:t>dns</a:t>
-            </a:r>
-            <a:r>
-              <a:rPr lang="en-US" dirty="0"/>
-              <a:t> name for the provided </a:t>
-            </a:r>
-            <a:r>
-              <a:rPr lang="en-US" dirty="0" err="1"/>
-              <a:t>LoadBalancer</a:t>
-            </a:r>
-            <a:r>
-              <a:rPr lang="en-US" dirty="0"/>
-              <a:t> Ip (AKS only)</a:t>
-            </a:r>
-          </a:p>
-          <a:p>
-            <a:pPr marL="514350" indent="-514350">
-              <a:buFont typeface="+mj-lt"/>
-              <a:buAutoNum type="arabicPeriod"/>
-            </a:pPr>
-            <a:r>
-              <a:rPr lang="en-US" dirty="0"/>
-              <a:t>Set up persistent storage (storage class and persistent volume claim) (to be explained in next slides)</a:t>
+            <a:r>
+              <a:rPr lang="en-US" dirty="0"/>
+              <a:t>Some basic commands can be sent straight through command line (e.g. create namespace)</a:t>
+            </a:r>
+          </a:p>
+          <a:p>
+            <a:r>
+              <a:rPr lang="en-US" dirty="0"/>
+              <a:t>Recommended way is to use a declarative approach. </a:t>
+            </a:r>
+            <a:r>
+              <a:rPr lang="en-US" b="1" dirty="0"/>
+              <a:t>Kubectl apply –f &lt;filename&gt;</a:t>
+            </a:r>
+          </a:p>
+          <a:p>
+            <a:pPr lvl="1"/>
+            <a:r>
+              <a:rPr lang="en-US" dirty="0"/>
+              <a:t>you tell the cluster what you want, not how accomplish what you want</a:t>
+            </a:r>
+          </a:p>
+          <a:p>
+            <a:pPr lvl="1"/>
+            <a:r>
+              <a:rPr lang="en-US" dirty="0"/>
+              <a:t>desired state expressed through yaml files </a:t>
+            </a:r>
+          </a:p>
+          <a:p>
+            <a:pPr lvl="1"/>
+            <a:r>
+              <a:rPr lang="en-US" dirty="0"/>
+              <a:t>Infrastructure as code (as azure arm templates)</a:t>
+            </a:r>
+          </a:p>
+          <a:p>
+            <a:r>
+              <a:rPr lang="en-US" dirty="0"/>
+              <a:t>Want to edit on the fly ? </a:t>
+            </a:r>
+            <a:br>
+              <a:rPr lang="en-US" dirty="0"/>
+            </a:br>
+            <a:r>
+              <a:rPr lang="en-US" dirty="0"/>
+              <a:t>kubectl edit deployment/&lt;deployment name&gt; -n &lt;namespace&gt; (download definition, open editor, push on save)</a:t>
+            </a:r>
+            <a:br>
+              <a:rPr lang="en-US" dirty="0"/>
+            </a:br>
+            <a:r>
+              <a:rPr lang="en-US" dirty="0"/>
+              <a:t>or do the same using the dashboard</a:t>
             </a:r>
           </a:p>
           <a:p>
             <a:pPr lvl="1"/>
             <a:endParaRPr lang="en-US" dirty="0"/>
-          </a:p>
-        </p:txBody>
-      </p:sp>
-      <p:sp>
-        <p:nvSpPr>
-          <p:cNvPr id="6" name="Title 5">
-            <a:extLst>
-              <a:ext uri="{FF2B5EF4-FFF2-40B4-BE49-F238E27FC236}">
-                <a16:creationId xmlns:a16="http://schemas.microsoft.com/office/drawing/2014/main" id="{C1647E81-962B-495E-A29A-0CB7BE4D552D}"/>
-              </a:ext>
-            </a:extLst>
-          </p:cNvPr>
-          <p:cNvSpPr>
-            <a:spLocks noGrp="1"/>
-          </p:cNvSpPr>
-          <p:nvPr>
-            <p:ph type="title"/>
-          </p:nvPr>
-        </p:nvSpPr>
-        <p:spPr/>
-        <p:txBody>
-          <a:bodyPr/>
-          <a:lstStyle/>
-          <a:p>
-            <a:r>
-              <a:rPr lang="en-US" dirty="0"/>
-              <a:t>Demo: Kind and AKS cluster</a:t>
-            </a:r>
           </a:p>
         </p:txBody>
       </p:sp>
     </p:spTree>
     <p:extLst>
       <p:ext uri="{BB962C8B-B14F-4D97-AF65-F5344CB8AC3E}">
-        <p14:creationId xmlns:p14="http://schemas.microsoft.com/office/powerpoint/2010/main" val="3979354483"/>
+        <p14:creationId xmlns:p14="http://schemas.microsoft.com/office/powerpoint/2010/main" val="208220828"/>
       </p:ext>
     </p:extLst>
   </p:cSld>
@@ -9010,10 +8714,154 @@
       </p:grpSpPr>
       <p:sp>
         <p:nvSpPr>
-          <p:cNvPr id="2" name="Title 1">
+          <p:cNvPr id="4" name="Text Placeholder 3">
             <a:extLst>
               <a:ext uri="{FF2B5EF4-FFF2-40B4-BE49-F238E27FC236}">
-                <a16:creationId xmlns:a16="http://schemas.microsoft.com/office/drawing/2014/main" id="{D079A862-12F3-45DE-913B-EAB3EEEAFAE7}"/>
+                <a16:creationId xmlns:a16="http://schemas.microsoft.com/office/drawing/2014/main" id="{AE9FB48D-EC25-4212-8B3E-EA0779A843DA}"/>
+              </a:ext>
+            </a:extLst>
+          </p:cNvPr>
+          <p:cNvSpPr>
+            <a:spLocks noGrp="1"/>
+          </p:cNvSpPr>
+          <p:nvPr>
+            <p:ph type="body" idx="1"/>
+          </p:nvPr>
+        </p:nvSpPr>
+        <p:spPr>
+          <a:xfrm>
+            <a:off x="1805572" y="2596016"/>
+            <a:ext cx="21005801" cy="7170554"/>
+          </a:xfrm>
+        </p:spPr>
+        <p:txBody>
+          <a:bodyPr>
+            <a:normAutofit/>
+          </a:bodyPr>
+          <a:lstStyle/>
+          <a:p>
+            <a:pPr marL="0" indent="0">
+              <a:buNone/>
+            </a:pPr>
+            <a:r>
+              <a:rPr lang="en-US" dirty="0"/>
+              <a:t>One time cluster setup </a:t>
+            </a:r>
+          </a:p>
+          <a:p>
+            <a:pPr marL="514350" indent="-514350">
+              <a:buFont typeface="+mj-lt"/>
+              <a:buAutoNum type="arabicPeriod"/>
+            </a:pPr>
+            <a:r>
+              <a:rPr lang="en-US" dirty="0"/>
+              <a:t>Create the cluster</a:t>
+            </a:r>
+          </a:p>
+          <a:p>
+            <a:pPr marL="514350" indent="-514350">
+              <a:buFont typeface="+mj-lt"/>
+              <a:buAutoNum type="arabicPeriod"/>
+            </a:pPr>
+            <a:r>
+              <a:rPr lang="en-US" dirty="0"/>
+              <a:t>Install dashboard (skipped if available as built-in feature, as in </a:t>
+            </a:r>
+            <a:r>
+              <a:rPr lang="en-US" dirty="0" err="1"/>
+              <a:t>aks</a:t>
+            </a:r>
+            <a:r>
+              <a:rPr lang="en-US" dirty="0"/>
+              <a:t>)</a:t>
+            </a:r>
+          </a:p>
+          <a:p>
+            <a:pPr marL="1022350" lvl="1" indent="-514350">
+              <a:buFont typeface="+mj-lt"/>
+              <a:buAutoNum type="arabicPeriod"/>
+            </a:pPr>
+            <a:r>
+              <a:rPr lang="en-US" dirty="0"/>
+              <a:t>Adjust dashboard permissions</a:t>
+            </a:r>
+          </a:p>
+          <a:p>
+            <a:pPr marL="514350" indent="-514350">
+              <a:buFont typeface="+mj-lt"/>
+              <a:buAutoNum type="arabicPeriod"/>
+            </a:pPr>
+            <a:r>
+              <a:rPr lang="en-US" dirty="0"/>
+              <a:t>Install ingress controller (</a:t>
+            </a:r>
+            <a:r>
+              <a:rPr lang="en-US" dirty="0" err="1"/>
+              <a:t>ngnix</a:t>
+            </a:r>
+            <a:r>
+              <a:rPr lang="en-US" dirty="0"/>
+              <a:t> in the demo)</a:t>
+            </a:r>
+          </a:p>
+          <a:p>
+            <a:pPr marL="514350" indent="-514350">
+              <a:buFont typeface="+mj-lt"/>
+              <a:buAutoNum type="arabicPeriod"/>
+            </a:pPr>
+            <a:r>
+              <a:rPr lang="en-US" dirty="0"/>
+              <a:t>Install cert manager for https (AKS only)</a:t>
+            </a:r>
+          </a:p>
+          <a:p>
+            <a:pPr marL="514350" indent="-514350">
+              <a:buFont typeface="+mj-lt"/>
+              <a:buAutoNum type="arabicPeriod"/>
+            </a:pPr>
+            <a:r>
+              <a:rPr lang="en-US" dirty="0"/>
+              <a:t>Register </a:t>
+            </a:r>
+            <a:r>
+              <a:rPr lang="en-US" dirty="0" err="1"/>
+              <a:t>dns</a:t>
+            </a:r>
+            <a:r>
+              <a:rPr lang="en-US" dirty="0"/>
+              <a:t> name for the provided </a:t>
+            </a:r>
+            <a:r>
+              <a:rPr lang="en-US" dirty="0" err="1"/>
+              <a:t>LoadBalancer</a:t>
+            </a:r>
+            <a:r>
+              <a:rPr lang="en-US" dirty="0"/>
+              <a:t> Ip (AKS only)</a:t>
+            </a:r>
+          </a:p>
+          <a:p>
+            <a:pPr marL="514350" indent="-514350">
+              <a:buFont typeface="+mj-lt"/>
+              <a:buAutoNum type="arabicPeriod"/>
+            </a:pPr>
+            <a:r>
+              <a:rPr lang="en-US" dirty="0"/>
+              <a:t>Set up persistent storage (storage class and persistent volume claim) (to be explained in next slides)</a:t>
+            </a:r>
+          </a:p>
+          <a:p>
+            <a:pPr lvl="1"/>
+            <a:endParaRPr lang="en-US" dirty="0"/>
+          </a:p>
+        </p:txBody>
+      </p:sp>
+      <p:sp>
+        <p:nvSpPr>
+          <p:cNvPr id="6" name="Title 5">
+            <a:extLst>
+              <a:ext uri="{FF2B5EF4-FFF2-40B4-BE49-F238E27FC236}">
+                <a16:creationId xmlns:a16="http://schemas.microsoft.com/office/drawing/2014/main" id="{C1647E81-962B-495E-A29A-0CB7BE4D552D}"/>
               </a:ext>
             </a:extLst>
           </p:cNvPr>
@@ -9030,84 +8878,8 @@
           <a:lstStyle/>
           <a:p>
             <a:r>
-              <a:rPr lang="it-IT" dirty="0" err="1"/>
-              <a:t>Deploy</a:t>
-            </a:r>
-            <a:r>
-              <a:rPr lang="it-IT" dirty="0"/>
-              <a:t> app to cluster</a:t>
-            </a:r>
-            <a:endParaRPr lang="en-US" dirty="0"/>
-          </a:p>
-        </p:txBody>
-      </p:sp>
-      <p:sp>
-        <p:nvSpPr>
-          <p:cNvPr id="3" name="Text Placeholder 2">
-            <a:extLst>
-              <a:ext uri="{FF2B5EF4-FFF2-40B4-BE49-F238E27FC236}">
-                <a16:creationId xmlns:a16="http://schemas.microsoft.com/office/drawing/2014/main" id="{318D02EE-C092-4263-A7B4-71A3C2DA81E3}"/>
-              </a:ext>
-            </a:extLst>
-          </p:cNvPr>
-          <p:cNvSpPr>
-            <a:spLocks noGrp="1"/>
-          </p:cNvSpPr>
-          <p:nvPr>
-            <p:ph type="body" sz="quarter" idx="13"/>
-          </p:nvPr>
-        </p:nvSpPr>
-        <p:spPr/>
-        <p:txBody>
-          <a:bodyPr/>
-          <a:lstStyle/>
-          <a:p>
-            <a:r>
-              <a:rPr lang="it-IT" dirty="0"/>
-              <a:t>Create </a:t>
-            </a:r>
-            <a:r>
-              <a:rPr lang="it-IT" dirty="0" err="1"/>
-              <a:t>Namespace</a:t>
-            </a:r>
-            <a:endParaRPr lang="en-US" dirty="0"/>
-          </a:p>
-        </p:txBody>
-      </p:sp>
-      <p:sp>
-        <p:nvSpPr>
-          <p:cNvPr id="6" name="Rectangle 5">
-            <a:extLst>
-              <a:ext uri="{FF2B5EF4-FFF2-40B4-BE49-F238E27FC236}">
-                <a16:creationId xmlns:a16="http://schemas.microsoft.com/office/drawing/2014/main" id="{9AA35EA6-901B-4663-BE75-C6B9CCD02188}"/>
-              </a:ext>
-            </a:extLst>
-          </p:cNvPr>
-          <p:cNvSpPr/>
-          <p:nvPr/>
-        </p:nvSpPr>
-        <p:spPr>
-          <a:xfrm>
-            <a:off x="413051" y="4480750"/>
-            <a:ext cx="6506909" cy="550920"/>
-          </a:xfrm>
-          <a:prstGeom prst="rect">
-            <a:avLst/>
-          </a:prstGeom>
-        </p:spPr>
-        <p:txBody>
-          <a:bodyPr wrap="none">
-            <a:spAutoFit/>
-          </a:bodyPr>
-          <a:lstStyle/>
-          <a:p>
-            <a:r>
-              <a:rPr lang="en-US" sz="4000" dirty="0" err="1"/>
-              <a:t>kubectl</a:t>
-            </a:r>
-            <a:r>
-              <a:rPr lang="en-US" sz="4000" dirty="0"/>
-              <a:t> create namespace dev</a:t>
+              <a:rPr lang="en-US" dirty="0"/>
+              <a:t>Demo: Kind and AKS cluster</a:t>
             </a:r>
           </a:p>
         </p:txBody>
@@ -9115,7 +8887,7 @@
     </p:spTree>
     <p:extLst>
       <p:ext uri="{BB962C8B-B14F-4D97-AF65-F5344CB8AC3E}">
-        <p14:creationId xmlns:p14="http://schemas.microsoft.com/office/powerpoint/2010/main" val="2909603245"/>
+        <p14:creationId xmlns:p14="http://schemas.microsoft.com/office/powerpoint/2010/main" val="3979354483"/>
       </p:ext>
     </p:extLst>
   </p:cSld>
@@ -9148,7 +8920,7 @@
           <p:cNvPr id="2" name="Title 1">
             <a:extLst>
               <a:ext uri="{FF2B5EF4-FFF2-40B4-BE49-F238E27FC236}">
-                <a16:creationId xmlns:a16="http://schemas.microsoft.com/office/drawing/2014/main" id="{64BDBF55-7CC9-40E2-9A3E-924D0C771E71}"/>
+                <a16:creationId xmlns:a16="http://schemas.microsoft.com/office/drawing/2014/main" id="{D079A862-12F3-45DE-913B-EAB3EEEAFAE7}"/>
               </a:ext>
             </a:extLst>
           </p:cNvPr>
@@ -9181,7 +8953,7 @@
           <p:cNvPr id="3" name="Text Placeholder 2">
             <a:extLst>
               <a:ext uri="{FF2B5EF4-FFF2-40B4-BE49-F238E27FC236}">
-                <a16:creationId xmlns:a16="http://schemas.microsoft.com/office/drawing/2014/main" id="{CA9025A8-1FF2-482B-8A32-9EB29EC0A351}"/>
+                <a16:creationId xmlns:a16="http://schemas.microsoft.com/office/drawing/2014/main" id="{318D02EE-C092-4263-A7B4-71A3C2DA81E3}"/>
               </a:ext>
             </a:extLst>
           </p:cNvPr>
@@ -9197,146 +8969,60 @@
           <a:bodyPr/>
           <a:lstStyle/>
           <a:p>
-            <a:endParaRPr lang="en-US"/>
-          </a:p>
-        </p:txBody>
-      </p:sp>
-      <p:sp>
-        <p:nvSpPr>
-          <p:cNvPr id="4" name="Text Placeholder 3">
+            <a:r>
+              <a:rPr lang="it-IT" dirty="0"/>
+              <a:t>Create </a:t>
+            </a:r>
+            <a:r>
+              <a:rPr lang="it-IT" dirty="0" err="1"/>
+              <a:t>Namespace</a:t>
+            </a:r>
+            <a:endParaRPr lang="en-US" dirty="0"/>
+          </a:p>
+        </p:txBody>
+      </p:sp>
+      <p:sp>
+        <p:nvSpPr>
+          <p:cNvPr id="6" name="Rectangle 5">
             <a:extLst>
               <a:ext uri="{FF2B5EF4-FFF2-40B4-BE49-F238E27FC236}">
-                <a16:creationId xmlns:a16="http://schemas.microsoft.com/office/drawing/2014/main" id="{9018B713-3F85-4D9F-B237-2CD6F1EEF2C0}"/>
+                <a16:creationId xmlns:a16="http://schemas.microsoft.com/office/drawing/2014/main" id="{9AA35EA6-901B-4663-BE75-C6B9CCD02188}"/>
               </a:ext>
             </a:extLst>
           </p:cNvPr>
-          <p:cNvSpPr>
-            <a:spLocks noGrp="1"/>
-          </p:cNvSpPr>
-          <p:nvPr>
-            <p:ph type="body" idx="1"/>
-          </p:nvPr>
-        </p:nvSpPr>
-        <p:spPr/>
-        <p:txBody>
-          <a:bodyPr/>
+          <p:cNvSpPr/>
+          <p:nvPr/>
+        </p:nvSpPr>
+        <p:spPr>
+          <a:xfrm>
+            <a:off x="413051" y="4480750"/>
+            <a:ext cx="6506909" cy="550920"/>
+          </a:xfrm>
+          <a:prstGeom prst="rect">
+            <a:avLst/>
+          </a:prstGeom>
+        </p:spPr>
+        <p:txBody>
+          <a:bodyPr wrap="none">
+            <a:spAutoFit/>
+          </a:bodyPr>
           <a:lstStyle/>
           <a:p>
             <a:r>
-              <a:rPr lang="en-US" dirty="0"/>
-              <a:t>To deploy an app running on the cluster to the outside world, you need at minimum 3 k8s resources defined in a yaml file</a:t>
-            </a:r>
-          </a:p>
-          <a:p>
-            <a:pPr lvl="1"/>
-            <a:r>
-              <a:rPr lang="en-US" b="1" dirty="0"/>
-              <a:t>Deployment</a:t>
-            </a:r>
-            <a:r>
-              <a:rPr lang="en-US" dirty="0"/>
-              <a:t> (what image to deploy, how many replicas, etc..)</a:t>
-            </a:r>
-          </a:p>
-          <a:p>
-            <a:pPr lvl="1"/>
-            <a:r>
-              <a:rPr lang="en-US" b="1" dirty="0"/>
-              <a:t>Service</a:t>
-            </a:r>
-            <a:r>
-              <a:rPr lang="en-US" dirty="0"/>
-              <a:t> (</a:t>
-            </a:r>
-            <a:r>
-              <a:rPr lang="en-US" dirty="0" err="1"/>
-              <a:t>ClusterIp</a:t>
-            </a:r>
-            <a:r>
-              <a:rPr lang="en-US"/>
-              <a:t>)</a:t>
-            </a:r>
-            <a:endParaRPr lang="en-US" dirty="0"/>
-          </a:p>
-          <a:p>
-            <a:pPr lvl="1"/>
-            <a:r>
-              <a:rPr lang="en-US" b="1" dirty="0"/>
-              <a:t>Ingress Rule </a:t>
-            </a:r>
-            <a:r>
-              <a:rPr lang="en-US" dirty="0"/>
-              <a:t>(requires an </a:t>
-            </a:r>
-            <a:r>
-              <a:rPr lang="en-US" b="1" i="1" dirty="0"/>
-              <a:t>ingress controller</a:t>
-            </a:r>
-            <a:r>
-              <a:rPr lang="en-US" dirty="0"/>
-              <a:t> available (installed up front) in the cluster </a:t>
-            </a:r>
-          </a:p>
-          <a:p>
-            <a:pPr lvl="2"/>
-            <a:r>
-              <a:rPr lang="en-US" dirty="0"/>
-              <a:t>Not strictly required, services can be of type </a:t>
-            </a:r>
-            <a:r>
-              <a:rPr lang="en-US" dirty="0" err="1"/>
-              <a:t>LoadBalancer</a:t>
-            </a:r>
-            <a:r>
-              <a:rPr lang="en-US" dirty="0"/>
-              <a:t>, but this implies a separate public IP for each web app, which is not an optimal solution, cloud providers put limits on public </a:t>
-            </a:r>
-            <a:r>
-              <a:rPr lang="en-US" dirty="0" err="1"/>
-              <a:t>ip</a:t>
-            </a:r>
-            <a:r>
-              <a:rPr lang="en-US" dirty="0"/>
-              <a:t> provisioning</a:t>
-            </a:r>
-          </a:p>
-          <a:p>
-            <a:pPr lvl="1"/>
-            <a:r>
-              <a:rPr lang="en-US" b="1" dirty="0" err="1"/>
-              <a:t>configMaps</a:t>
-            </a:r>
-            <a:r>
-              <a:rPr lang="en-US" b="1" dirty="0"/>
-              <a:t> </a:t>
-            </a:r>
-            <a:r>
-              <a:rPr lang="en-US" dirty="0"/>
-              <a:t>: define “per environment” settings for you app  (env variables or files injected into the container)</a:t>
-            </a:r>
-          </a:p>
-          <a:p>
-            <a:pPr lvl="2"/>
-            <a:r>
-              <a:rPr lang="en-US" dirty="0"/>
-              <a:t>For sure you don’t want to make an image for each environment</a:t>
-            </a:r>
-          </a:p>
-          <a:p>
-            <a:r>
-              <a:rPr lang="en-US" dirty="0"/>
-              <a:t>WATCH OUT: kubectl apply will do nothing if yaml file has not changed (“problematic” for deployment yaml: use of latest tag, changes in config map)</a:t>
-            </a:r>
-          </a:p>
-          <a:p>
-            <a:endParaRPr lang="en-US" dirty="0"/>
+              <a:rPr lang="en-US" sz="4000" dirty="0" err="1"/>
+              <a:t>kubectl</a:t>
+            </a:r>
+            <a:r>
+              <a:rPr lang="en-US" sz="4000" dirty="0"/>
+              <a:t> create namespace dev</a:t>
+            </a:r>
           </a:p>
         </p:txBody>
       </p:sp>
     </p:spTree>
     <p:extLst>
       <p:ext uri="{BB962C8B-B14F-4D97-AF65-F5344CB8AC3E}">
-        <p14:creationId xmlns:p14="http://schemas.microsoft.com/office/powerpoint/2010/main" val="1804269025"/>
+        <p14:creationId xmlns:p14="http://schemas.microsoft.com/office/powerpoint/2010/main" val="2909603245"/>
       </p:ext>
     </p:extLst>
   </p:cSld>
@@ -9369,7 +9055,7 @@
           <p:cNvPr id="2" name="Title 1">
             <a:extLst>
               <a:ext uri="{FF2B5EF4-FFF2-40B4-BE49-F238E27FC236}">
-                <a16:creationId xmlns:a16="http://schemas.microsoft.com/office/drawing/2014/main" id="{4A610F31-5704-4FB5-B8EE-2B146ABFDD54}"/>
+                <a16:creationId xmlns:a16="http://schemas.microsoft.com/office/drawing/2014/main" id="{64BDBF55-7CC9-40E2-9A3E-924D0C771E71}"/>
               </a:ext>
             </a:extLst>
           </p:cNvPr>
@@ -9391,7 +9077,7 @@
             </a:r>
             <a:r>
               <a:rPr lang="it-IT" dirty="0"/>
-              <a:t> to cluster</a:t>
+              <a:t> app to cluster</a:t>
             </a:r>
             <a:endParaRPr lang="en-US" dirty="0"/>
           </a:p>
@@ -9402,7 +9088,7 @@
           <p:cNvPr id="3" name="Text Placeholder 2">
             <a:extLst>
               <a:ext uri="{FF2B5EF4-FFF2-40B4-BE49-F238E27FC236}">
-                <a16:creationId xmlns:a16="http://schemas.microsoft.com/office/drawing/2014/main" id="{45547718-901D-4C08-BB56-1CB3D5574160}"/>
+                <a16:creationId xmlns:a16="http://schemas.microsoft.com/office/drawing/2014/main" id="{CA9025A8-1FF2-482B-8A32-9EB29EC0A351}"/>
               </a:ext>
             </a:extLst>
           </p:cNvPr>
@@ -9418,10 +9104,7 @@
           <a:bodyPr/>
           <a:lstStyle/>
           <a:p>
-            <a:r>
-              <a:rPr lang="en-US" dirty="0"/>
-              <a:t>Config Map</a:t>
-            </a:r>
+            <a:endParaRPr lang="en-US"/>
           </a:p>
         </p:txBody>
       </p:sp>
@@ -9430,7 +9113,7 @@
           <p:cNvPr id="4" name="Text Placeholder 3">
             <a:extLst>
               <a:ext uri="{FF2B5EF4-FFF2-40B4-BE49-F238E27FC236}">
-                <a16:creationId xmlns:a16="http://schemas.microsoft.com/office/drawing/2014/main" id="{11AFB451-7FE0-4A9C-858A-93D8A0337153}"/>
+                <a16:creationId xmlns:a16="http://schemas.microsoft.com/office/drawing/2014/main" id="{9018B713-3F85-4D9F-B237-2CD6F1EEF2C0}"/>
               </a:ext>
             </a:extLst>
           </p:cNvPr>
@@ -9441,230 +9124,126 @@
             <p:ph type="body" idx="1"/>
           </p:nvPr>
         </p:nvSpPr>
-        <p:spPr>
-          <a:xfrm>
-            <a:off x="6260841" y="3282869"/>
-            <a:ext cx="21005801" cy="9394660"/>
-          </a:xfrm>
-        </p:spPr>
-        <p:txBody>
-          <a:bodyPr>
-            <a:normAutofit/>
-          </a:bodyPr>
+        <p:spPr/>
+        <p:txBody>
+          <a:bodyPr/>
           <a:lstStyle/>
           <a:p>
-            <a:pPr marL="0" indent="0">
-              <a:buNone/>
-            </a:pPr>
-            <a:r>
-              <a:rPr lang="en-US" sz="4000" dirty="0" err="1">
-                <a:solidFill>
-                  <a:srgbClr val="FF0000"/>
-                </a:solidFill>
-              </a:rPr>
-              <a:t>apiVersion</a:t>
-            </a:r>
-            <a:r>
-              <a:rPr lang="en-US" sz="4000" dirty="0">
-                <a:solidFill>
-                  <a:srgbClr val="FF0000"/>
-                </a:solidFill>
-              </a:rPr>
-              <a:t>: v1</a:t>
-            </a:r>
-            <a:br>
-              <a:rPr lang="en-US" sz="4000" dirty="0">
-                <a:solidFill>
-                  <a:srgbClr val="FF0000"/>
-                </a:solidFill>
-              </a:rPr>
-            </a:br>
-            <a:r>
-              <a:rPr lang="en-US" sz="4000" dirty="0">
-                <a:solidFill>
-                  <a:srgbClr val="FF0000"/>
-                </a:solidFill>
-              </a:rPr>
-              <a:t>kind: </a:t>
-            </a:r>
-            <a:r>
-              <a:rPr lang="en-US" sz="4000" dirty="0" err="1">
-                <a:solidFill>
-                  <a:srgbClr val="FF0000"/>
-                </a:solidFill>
-              </a:rPr>
-              <a:t>ConfigMap</a:t>
-            </a:r>
-            <a:br>
-              <a:rPr lang="en-US" sz="4000" dirty="0">
-                <a:solidFill>
-                  <a:srgbClr val="FF0000"/>
-                </a:solidFill>
-              </a:rPr>
-            </a:br>
-            <a:r>
-              <a:rPr lang="en-US" sz="4000" dirty="0">
-                <a:solidFill>
-                  <a:srgbClr val="FF0000"/>
-                </a:solidFill>
-              </a:rPr>
-              <a:t>metadata:</a:t>
-            </a:r>
-            <a:br>
-              <a:rPr lang="en-US" sz="4000" dirty="0">
-                <a:solidFill>
-                  <a:srgbClr val="FF0000"/>
-                </a:solidFill>
-              </a:rPr>
-            </a:br>
-            <a:r>
-              <a:rPr lang="en-US" sz="4000" dirty="0">
-                <a:solidFill>
-                  <a:srgbClr val="FF0000"/>
-                </a:solidFill>
-              </a:rPr>
-              <a:t>  name: k8sdemo-config-map</a:t>
-            </a:r>
-            <a:br>
-              <a:rPr lang="en-US" sz="4000" dirty="0">
-                <a:solidFill>
-                  <a:srgbClr val="FF0000"/>
-                </a:solidFill>
-              </a:rPr>
-            </a:br>
-            <a:r>
-              <a:rPr lang="en-US" sz="4000" dirty="0">
-                <a:solidFill>
-                  <a:srgbClr val="FF0000"/>
-                </a:solidFill>
-              </a:rPr>
-              <a:t>  namespace: dev</a:t>
-            </a:r>
-            <a:br>
-              <a:rPr lang="en-US" sz="4000" dirty="0">
-                <a:solidFill>
-                  <a:srgbClr val="FF0000"/>
-                </a:solidFill>
-              </a:rPr>
-            </a:br>
-            <a:r>
-              <a:rPr lang="en-US" sz="4000" dirty="0">
-                <a:solidFill>
-                  <a:srgbClr val="FF0000"/>
-                </a:solidFill>
-              </a:rPr>
-              <a:t>data:</a:t>
-            </a:r>
-            <a:br>
-              <a:rPr lang="en-US" sz="4000" dirty="0">
-                <a:solidFill>
-                  <a:srgbClr val="FF0000"/>
-                </a:solidFill>
-              </a:rPr>
-            </a:br>
-            <a:r>
-              <a:rPr lang="en-US" sz="4000" dirty="0">
-                <a:solidFill>
-                  <a:srgbClr val="FF0000"/>
-                </a:solidFill>
-              </a:rPr>
-              <a:t>  ASPNETCOREENVIRONMENT: "kind-env“</a:t>
-            </a:r>
-            <a:br>
-              <a:rPr lang="en-US" sz="4000" dirty="0">
-                <a:solidFill>
-                  <a:srgbClr val="FF0000"/>
-                </a:solidFill>
-              </a:rPr>
-            </a:br>
-            <a:r>
-              <a:rPr lang="en-US" sz="4000" dirty="0">
-                <a:solidFill>
-                  <a:srgbClr val="FF0000"/>
-                </a:solidFill>
-              </a:rPr>
-              <a:t>  </a:t>
-            </a:r>
-            <a:r>
-              <a:rPr lang="en-US" sz="4000" dirty="0" err="1">
-                <a:solidFill>
-                  <a:srgbClr val="FF0000"/>
-                </a:solidFill>
-              </a:rPr>
-              <a:t>appsettings.kind-env.json</a:t>
-            </a:r>
-            <a:r>
-              <a:rPr lang="en-US" sz="4000" dirty="0">
-                <a:solidFill>
-                  <a:srgbClr val="FF0000"/>
-                </a:solidFill>
-              </a:rPr>
-              <a:t>: |-</a:t>
-            </a:r>
-            <a:br>
-              <a:rPr lang="en-US" sz="4000" dirty="0">
-                <a:solidFill>
-                  <a:srgbClr val="FF0000"/>
-                </a:solidFill>
-              </a:rPr>
-            </a:br>
-            <a:r>
-              <a:rPr lang="en-US" sz="4000" dirty="0">
-                <a:solidFill>
-                  <a:srgbClr val="FF0000"/>
-                </a:solidFill>
-              </a:rPr>
-              <a:t>    {</a:t>
-            </a:r>
-          </a:p>
-          <a:p>
-            <a:pPr marL="0" indent="0">
-              <a:buNone/>
-            </a:pPr>
-            <a:r>
-              <a:rPr lang="en-US" sz="4000" dirty="0">
-                <a:solidFill>
-                  <a:srgbClr val="FF0000"/>
-                </a:solidFill>
-              </a:rPr>
-              <a:t>      "</a:t>
-            </a:r>
-            <a:r>
-              <a:rPr lang="en-US" sz="4000" dirty="0" err="1">
-                <a:solidFill>
-                  <a:srgbClr val="FF0000"/>
-                </a:solidFill>
-              </a:rPr>
-              <a:t>MySetting</a:t>
-            </a:r>
-            <a:r>
-              <a:rPr lang="en-US" sz="4000" dirty="0">
-                <a:solidFill>
-                  <a:srgbClr val="FF0000"/>
-                </a:solidFill>
-              </a:rPr>
-              <a:t>": "kind-setting"</a:t>
-            </a:r>
-          </a:p>
-          <a:p>
-            <a:pPr marL="0" indent="0">
-              <a:buNone/>
-            </a:pPr>
-            <a:r>
-              <a:rPr lang="en-US" sz="4000" dirty="0">
-                <a:solidFill>
-                  <a:srgbClr val="FF0000"/>
-                </a:solidFill>
-              </a:rPr>
-              <a:t>    }</a:t>
-            </a:r>
+            <a:r>
+              <a:rPr lang="en-US" dirty="0"/>
+              <a:t>To deploy an app running on the cluster to the outside world, you need at minimum 3 k8s resources defined in a yaml file</a:t>
+            </a:r>
+          </a:p>
+          <a:p>
+            <a:pPr lvl="1"/>
+            <a:r>
+              <a:rPr lang="en-US" b="1" dirty="0"/>
+              <a:t>Deployment</a:t>
+            </a:r>
+            <a:r>
+              <a:rPr lang="en-US" dirty="0"/>
+              <a:t> (what image to deploy, how many replicas, etc..)</a:t>
+            </a:r>
+          </a:p>
+          <a:p>
+            <a:pPr lvl="1"/>
+            <a:r>
+              <a:rPr lang="en-US" b="1" dirty="0"/>
+              <a:t>Service</a:t>
+            </a:r>
+            <a:r>
+              <a:rPr lang="en-US" dirty="0"/>
+              <a:t> (</a:t>
+            </a:r>
+            <a:r>
+              <a:rPr lang="en-US" dirty="0" err="1"/>
+              <a:t>ClusterIp</a:t>
+            </a:r>
+            <a:r>
+              <a:rPr lang="en-US"/>
+              <a:t>)</a:t>
+            </a:r>
+            <a:endParaRPr lang="en-US" dirty="0"/>
+          </a:p>
+          <a:p>
+            <a:pPr lvl="1"/>
+            <a:r>
+              <a:rPr lang="en-US" b="1" dirty="0"/>
+              <a:t>Ingress Rule </a:t>
+            </a:r>
+            <a:r>
+              <a:rPr lang="en-US" dirty="0"/>
+              <a:t>(requires an </a:t>
+            </a:r>
+            <a:r>
+              <a:rPr lang="en-US" b="1" i="1" dirty="0"/>
+              <a:t>ingress controller</a:t>
+            </a:r>
+            <a:r>
+              <a:rPr lang="en-US" dirty="0"/>
+              <a:t> available (installed up front) in the cluster </a:t>
+            </a:r>
+          </a:p>
+          <a:p>
+            <a:pPr lvl="2"/>
+            <a:r>
+              <a:rPr lang="en-US" dirty="0"/>
+              <a:t>Not strictly required, services can be of type </a:t>
+            </a:r>
+            <a:r>
+              <a:rPr lang="en-US" dirty="0" err="1"/>
+              <a:t>LoadBalancer</a:t>
+            </a:r>
+            <a:r>
+              <a:rPr lang="en-US" dirty="0"/>
+              <a:t>, but this implies a separate public IP for each web app, which is not an optimal solution, cloud providers put limits on public </a:t>
+            </a:r>
+            <a:r>
+              <a:rPr lang="en-US" dirty="0" err="1"/>
+              <a:t>ip</a:t>
+            </a:r>
+            <a:r>
+              <a:rPr lang="en-US" dirty="0"/>
+              <a:t> provisioning</a:t>
+            </a:r>
+          </a:p>
+          <a:p>
+            <a:pPr lvl="1"/>
+            <a:r>
+              <a:rPr lang="en-US" b="1" dirty="0" err="1"/>
+              <a:t>configMaps</a:t>
+            </a:r>
+            <a:r>
+              <a:rPr lang="en-US" b="1" dirty="0"/>
+              <a:t> </a:t>
+            </a:r>
+            <a:r>
+              <a:rPr lang="en-US" dirty="0"/>
+              <a:t>: define “per environment” settings for you app  (env variables or files injected into the container)</a:t>
+            </a:r>
+          </a:p>
+          <a:p>
+            <a:pPr lvl="2"/>
+            <a:r>
+              <a:rPr lang="en-US" dirty="0"/>
+              <a:t>For sure you don’t want to make an image for each environment</a:t>
+            </a:r>
+          </a:p>
+          <a:p>
+            <a:r>
+              <a:rPr lang="en-US" dirty="0"/>
+              <a:t>WATCH OUT: kubectl apply will do nothing if yaml file has not changed (“problematic” for deployment yaml: use of latest tag, changes in config map)</a:t>
+            </a:r>
+          </a:p>
+          <a:p>
+            <a:endParaRPr lang="en-US" dirty="0"/>
           </a:p>
         </p:txBody>
       </p:sp>
     </p:spTree>
     <p:extLst>
       <p:ext uri="{BB962C8B-B14F-4D97-AF65-F5344CB8AC3E}">
-        <p14:creationId xmlns:p14="http://schemas.microsoft.com/office/powerpoint/2010/main" val="3905558041"/>
+        <p14:creationId xmlns:p14="http://schemas.microsoft.com/office/powerpoint/2010/main" val="1804269025"/>
       </p:ext>
     </p:extLst>
   </p:cSld>
@@ -9697,7 +9276,7 @@
           <p:cNvPr id="2" name="Title 1">
             <a:extLst>
               <a:ext uri="{FF2B5EF4-FFF2-40B4-BE49-F238E27FC236}">
-                <a16:creationId xmlns:a16="http://schemas.microsoft.com/office/drawing/2014/main" id="{86E57E8B-EA94-40A5-9213-AEBB8BAF0DD4}"/>
+                <a16:creationId xmlns:a16="http://schemas.microsoft.com/office/drawing/2014/main" id="{4A610F31-5704-4FB5-B8EE-2B146ABFDD54}"/>
               </a:ext>
             </a:extLst>
           </p:cNvPr>
@@ -9730,7 +9309,7 @@
           <p:cNvPr id="3" name="Text Placeholder 2">
             <a:extLst>
               <a:ext uri="{FF2B5EF4-FFF2-40B4-BE49-F238E27FC236}">
-                <a16:creationId xmlns:a16="http://schemas.microsoft.com/office/drawing/2014/main" id="{1AAAED32-57B9-4801-BD2C-E713FEEAB6BD}"/>
+                <a16:creationId xmlns:a16="http://schemas.microsoft.com/office/drawing/2014/main" id="{45547718-901D-4C08-BB56-1CB3D5574160}"/>
               </a:ext>
             </a:extLst>
           </p:cNvPr>
@@ -9747,385 +9326,252 @@
           <a:lstStyle/>
           <a:p>
             <a:r>
-              <a:rPr lang="it-IT" dirty="0"/>
-              <a:t>Deployment</a:t>
-            </a:r>
-            <a:endParaRPr lang="en-US" dirty="0"/>
-          </a:p>
-        </p:txBody>
-      </p:sp>
-      <p:sp>
-        <p:nvSpPr>
-          <p:cNvPr id="5" name="Rectangle 4">
+              <a:rPr lang="en-US" dirty="0"/>
+              <a:t>Config Map</a:t>
+            </a:r>
+          </a:p>
+        </p:txBody>
+      </p:sp>
+      <p:sp>
+        <p:nvSpPr>
+          <p:cNvPr id="4" name="Text Placeholder 3">
             <a:extLst>
               <a:ext uri="{FF2B5EF4-FFF2-40B4-BE49-F238E27FC236}">
-                <a16:creationId xmlns:a16="http://schemas.microsoft.com/office/drawing/2014/main" id="{9943757B-B1F3-4FCE-98AF-1EA57A299199}"/>
+                <a16:creationId xmlns:a16="http://schemas.microsoft.com/office/drawing/2014/main" id="{11AFB451-7FE0-4A9C-858A-93D8A0337153}"/>
               </a:ext>
             </a:extLst>
           </p:cNvPr>
-          <p:cNvSpPr/>
-          <p:nvPr/>
+          <p:cNvSpPr>
+            <a:spLocks noGrp="1"/>
+          </p:cNvSpPr>
+          <p:nvPr>
+            <p:ph type="body" idx="1"/>
+          </p:nvPr>
         </p:nvSpPr>
         <p:spPr>
           <a:xfrm>
-            <a:off x="8252986" y="594586"/>
-            <a:ext cx="19679478" cy="11874917"/>
+            <a:off x="6260841" y="3282869"/>
+            <a:ext cx="21005801" cy="9394660"/>
           </a:xfrm>
-          <a:prstGeom prst="rect">
-            <a:avLst/>
-          </a:prstGeom>
         </p:spPr>
         <p:txBody>
-          <a:bodyPr wrap="square">
-            <a:spAutoFit/>
+          <a:bodyPr>
+            <a:normAutofit/>
           </a:bodyPr>
           <a:lstStyle/>
           <a:p>
-            <a:r>
-              <a:rPr lang="en-US" sz="2800" dirty="0" err="1"/>
+            <a:pPr marL="0" indent="0">
+              <a:buNone/>
+            </a:pPr>
+            <a:r>
+              <a:rPr lang="en-US" sz="4000" dirty="0" err="1">
+                <a:solidFill>
+                  <a:srgbClr val="FF0000"/>
+                </a:solidFill>
+              </a:rPr>
               <a:t>apiVersion</a:t>
             </a:r>
             <a:r>
-              <a:rPr lang="en-US" sz="2800" dirty="0"/>
-              <a:t>: apps/v1</a:t>
-            </a:r>
-          </a:p>
-          <a:p>
-            <a:r>
-              <a:rPr lang="en-US" sz="2800" dirty="0"/>
-              <a:t>kind: Deployment</a:t>
-            </a:r>
-          </a:p>
-          <a:p>
-            <a:r>
-              <a:rPr lang="en-US" sz="2800" dirty="0"/>
+              <a:rPr lang="en-US" sz="4000" dirty="0">
+                <a:solidFill>
+                  <a:srgbClr val="FF0000"/>
+                </a:solidFill>
+              </a:rPr>
+              <a:t>: v1</a:t>
+            </a:r>
+            <a:br>
+              <a:rPr lang="en-US" sz="4000" dirty="0">
+                <a:solidFill>
+                  <a:srgbClr val="FF0000"/>
+                </a:solidFill>
+              </a:rPr>
+            </a:br>
+            <a:r>
+              <a:rPr lang="en-US" sz="4000" dirty="0">
+                <a:solidFill>
+                  <a:srgbClr val="FF0000"/>
+                </a:solidFill>
+              </a:rPr>
+              <a:t>kind: </a:t>
+            </a:r>
+            <a:r>
+              <a:rPr lang="en-US" sz="4000" dirty="0" err="1">
+                <a:solidFill>
+                  <a:srgbClr val="FF0000"/>
+                </a:solidFill>
+              </a:rPr>
+              <a:t>ConfigMap</a:t>
+            </a:r>
+            <a:br>
+              <a:rPr lang="en-US" sz="4000" dirty="0">
+                <a:solidFill>
+                  <a:srgbClr val="FF0000"/>
+                </a:solidFill>
+              </a:rPr>
+            </a:br>
+            <a:r>
+              <a:rPr lang="en-US" sz="4000" dirty="0">
+                <a:solidFill>
+                  <a:srgbClr val="FF0000"/>
+                </a:solidFill>
+              </a:rPr>
               <a:t>metadata:</a:t>
             </a:r>
-          </a:p>
-          <a:p>
-            <a:r>
-              <a:rPr lang="en-US" sz="2800" dirty="0"/>
-              <a:t>  name: k8sdemo</a:t>
-            </a:r>
-          </a:p>
-          <a:p>
-            <a:r>
-              <a:rPr lang="en-US" sz="2800" dirty="0"/>
+            <a:br>
+              <a:rPr lang="en-US" sz="4000" dirty="0">
+                <a:solidFill>
+                  <a:srgbClr val="FF0000"/>
+                </a:solidFill>
+              </a:rPr>
+            </a:br>
+            <a:r>
+              <a:rPr lang="en-US" sz="4000" dirty="0">
+                <a:solidFill>
+                  <a:srgbClr val="FF0000"/>
+                </a:solidFill>
+              </a:rPr>
+              <a:t>  name: k8sdemo-config-map</a:t>
+            </a:r>
+            <a:br>
+              <a:rPr lang="en-US" sz="4000" dirty="0">
+                <a:solidFill>
+                  <a:srgbClr val="FF0000"/>
+                </a:solidFill>
+              </a:rPr>
+            </a:br>
+            <a:r>
+              <a:rPr lang="en-US" sz="4000" dirty="0">
+                <a:solidFill>
+                  <a:srgbClr val="FF0000"/>
+                </a:solidFill>
+              </a:rPr>
               <a:t>  namespace: dev</a:t>
             </a:r>
-          </a:p>
-          <a:p>
-            <a:r>
-              <a:rPr lang="en-US" sz="2800" dirty="0"/>
-              <a:t>  labels:</a:t>
-            </a:r>
-          </a:p>
-          <a:p>
-            <a:r>
-              <a:rPr lang="en-US" sz="2800" dirty="0"/>
-              <a:t>    app: k8sdemo</a:t>
-            </a:r>
-          </a:p>
-          <a:p>
-            <a:r>
-              <a:rPr lang="en-US" sz="2800" dirty="0"/>
-              <a:t>spec:</a:t>
-            </a:r>
-          </a:p>
-          <a:p>
-            <a:r>
-              <a:rPr lang="en-US" sz="2800" b="1" dirty="0"/>
-              <a:t>  replicas: 1</a:t>
-            </a:r>
-          </a:p>
-          <a:p>
-            <a:r>
-              <a:rPr lang="en-US" sz="2800" dirty="0"/>
+            <a:br>
+              <a:rPr lang="en-US" sz="4000" dirty="0">
+                <a:solidFill>
+                  <a:srgbClr val="FF0000"/>
+                </a:solidFill>
+              </a:rPr>
+            </a:br>
+            <a:r>
+              <a:rPr lang="en-US" sz="4000" dirty="0">
+                <a:solidFill>
+                  <a:srgbClr val="FF0000"/>
+                </a:solidFill>
+              </a:rPr>
+              <a:t>data:</a:t>
+            </a:r>
+            <a:br>
+              <a:rPr lang="en-US" sz="4000" dirty="0">
+                <a:solidFill>
+                  <a:srgbClr val="FF0000"/>
+                </a:solidFill>
+              </a:rPr>
+            </a:br>
+            <a:r>
+              <a:rPr lang="en-US" sz="4000" dirty="0">
+                <a:solidFill>
+                  <a:srgbClr val="FF0000"/>
+                </a:solidFill>
+              </a:rPr>
+              <a:t>  ASPNETCOREENVIRONMENT: "kind-env“</a:t>
+            </a:r>
+            <a:br>
+              <a:rPr lang="en-US" sz="4000" dirty="0">
+                <a:solidFill>
+                  <a:srgbClr val="FF0000"/>
+                </a:solidFill>
+              </a:rPr>
+            </a:br>
+            <a:r>
+              <a:rPr lang="en-US" sz="4000" dirty="0">
+                <a:solidFill>
+                  <a:srgbClr val="FF0000"/>
+                </a:solidFill>
+              </a:rPr>
               <a:t>  </a:t>
             </a:r>
             <a:r>
-              <a:rPr lang="en-US" sz="2800" b="1" dirty="0"/>
-              <a:t>selector:</a:t>
-            </a:r>
-          </a:p>
-          <a:p>
-            <a:r>
-              <a:rPr lang="en-US" sz="2800" b="1" dirty="0"/>
-              <a:t>    </a:t>
-            </a:r>
-            <a:r>
-              <a:rPr lang="en-US" sz="2800" b="1" dirty="0" err="1"/>
-              <a:t>matchLabels</a:t>
-            </a:r>
-            <a:r>
-              <a:rPr lang="en-US" sz="2800" b="1" dirty="0"/>
-              <a:t>:</a:t>
-            </a:r>
-          </a:p>
-          <a:p>
-            <a:r>
-              <a:rPr lang="en-US" sz="2800" b="1" dirty="0"/>
-              <a:t>      app: k8sdemo</a:t>
-            </a:r>
-          </a:p>
-          <a:p>
-            <a:r>
-              <a:rPr lang="en-US" sz="2800" dirty="0"/>
-              <a:t>  template:</a:t>
-            </a:r>
-          </a:p>
-          <a:p>
-            <a:r>
-              <a:rPr lang="en-US" sz="2800" dirty="0"/>
-              <a:t>    metadata:</a:t>
-            </a:r>
-          </a:p>
-          <a:p>
-            <a:r>
-              <a:rPr lang="en-US" sz="2800" dirty="0"/>
-              <a:t>      labels:</a:t>
-            </a:r>
-          </a:p>
-          <a:p>
-            <a:r>
-              <a:rPr lang="en-US" sz="2800" dirty="0"/>
-              <a:t>        app: k8sdemo</a:t>
-            </a:r>
-          </a:p>
-          <a:p>
-            <a:r>
-              <a:rPr lang="en-US" sz="2800" dirty="0"/>
-              <a:t>    spec:</a:t>
-            </a:r>
-          </a:p>
-          <a:p>
-            <a:r>
-              <a:rPr lang="en-US" sz="2800" dirty="0"/>
-              <a:t>      containers:</a:t>
-            </a:r>
-          </a:p>
-          <a:p>
-            <a:r>
-              <a:rPr lang="en-US" sz="2800" dirty="0"/>
-              <a:t>      - name: k8sdemo</a:t>
-            </a:r>
-          </a:p>
-          <a:p>
-            <a:r>
-              <a:rPr lang="en-US" sz="2800" b="1" dirty="0"/>
-              <a:t>        image: </a:t>
-            </a:r>
-            <a:r>
-              <a:rPr lang="en-US" sz="2800" b="1" dirty="0" err="1"/>
-              <a:t>sabbadino</a:t>
-            </a:r>
-            <a:r>
-              <a:rPr lang="en-US" sz="2800" b="1" dirty="0"/>
-              <a:t>/k8sdemo:1.2</a:t>
-            </a:r>
-          </a:p>
-          <a:p>
-            <a:r>
-              <a:rPr lang="en-US" sz="2800" b="1" dirty="0"/>
-              <a:t>        </a:t>
-            </a:r>
-            <a:r>
-              <a:rPr lang="en-US" sz="2800" b="1" dirty="0" err="1"/>
-              <a:t>imagePullPolicy</a:t>
-            </a:r>
-            <a:r>
-              <a:rPr lang="en-US" sz="2800" b="1" dirty="0"/>
-              <a:t>: Always</a:t>
-            </a:r>
-          </a:p>
-          <a:p>
-            <a:r>
-              <a:rPr lang="en-US" sz="2800" dirty="0"/>
-              <a:t>        resources: null</a:t>
-            </a:r>
-          </a:p>
-          <a:p>
-            <a:r>
-              <a:rPr lang="en-US" sz="2800" dirty="0"/>
-              <a:t>        ports:</a:t>
-            </a:r>
-          </a:p>
-          <a:p>
-            <a:r>
-              <a:rPr lang="en-US" sz="2800" dirty="0"/>
-              <a:t>          - name: http</a:t>
-            </a:r>
-          </a:p>
-          <a:p>
-            <a:r>
-              <a:rPr lang="en-US" sz="2800" dirty="0"/>
-              <a:t>            </a:t>
-            </a:r>
-            <a:r>
-              <a:rPr lang="en-US" sz="2800" dirty="0" err="1"/>
-              <a:t>containerPort</a:t>
-            </a:r>
-            <a:r>
-              <a:rPr lang="en-US" sz="2800" dirty="0"/>
-              <a:t>: 80</a:t>
-            </a:r>
-          </a:p>
-          <a:p>
-            <a:r>
-              <a:rPr lang="en-US" sz="2800" dirty="0"/>
-              <a:t>        env:</a:t>
-            </a:r>
-          </a:p>
-          <a:p>
-            <a:r>
-              <a:rPr lang="en-US" sz="2800" dirty="0"/>
-              <a:t>        - name: ASPNETCORE_ENVIRONMENT</a:t>
-            </a:r>
-          </a:p>
-          <a:p>
-            <a:r>
-              <a:rPr lang="en-US" sz="2800" dirty="0"/>
-              <a:t>          </a:t>
-            </a:r>
-            <a:r>
-              <a:rPr lang="en-US" sz="2800" b="1" dirty="0" err="1"/>
-              <a:t>valueFrom</a:t>
-            </a:r>
-            <a:r>
-              <a:rPr lang="en-US" sz="2800" b="1" dirty="0"/>
-              <a:t>:</a:t>
-            </a:r>
-          </a:p>
-          <a:p>
-            <a:r>
-              <a:rPr lang="en-US" sz="2800" b="1" dirty="0"/>
-              <a:t>              </a:t>
-            </a:r>
-            <a:r>
-              <a:rPr lang="en-US" sz="2800" b="1" dirty="0" err="1"/>
-              <a:t>configMapKeyRef</a:t>
-            </a:r>
-            <a:r>
-              <a:rPr lang="en-US" sz="2800" b="1" dirty="0"/>
-              <a:t>:</a:t>
-            </a:r>
-          </a:p>
-          <a:p>
-            <a:r>
-              <a:rPr lang="en-US" sz="2800" b="1" dirty="0"/>
-              <a:t>                name: k8sdemo-config-map</a:t>
-            </a:r>
-          </a:p>
-          <a:p>
-            <a:r>
-              <a:rPr lang="en-US" sz="2800" b="1" dirty="0"/>
-              <a:t>                key: ASPNETCOREENVIRONMENT</a:t>
-            </a:r>
-          </a:p>
-          <a:p>
-            <a:r>
-              <a:rPr lang="en-US" sz="2800" b="1" dirty="0"/>
-              <a:t>        </a:t>
-            </a:r>
-            <a:r>
-              <a:rPr lang="en-US" sz="2800" b="1" dirty="0" err="1"/>
-              <a:t>volumeMounts</a:t>
-            </a:r>
-            <a:r>
-              <a:rPr lang="en-US" sz="2800" b="1" dirty="0"/>
-              <a:t>:</a:t>
-            </a:r>
-          </a:p>
-          <a:p>
-            <a:r>
-              <a:rPr lang="en-US" sz="2800" b="1" dirty="0"/>
-              <a:t>        - name: settings-volume</a:t>
-            </a:r>
-          </a:p>
-          <a:p>
-            <a:r>
-              <a:rPr lang="en-US" sz="2800" b="1" dirty="0"/>
-              <a:t>          </a:t>
-            </a:r>
-            <a:r>
-              <a:rPr lang="en-US" sz="2800" b="1" dirty="0" err="1"/>
-              <a:t>mountPath</a:t>
-            </a:r>
-            <a:r>
-              <a:rPr lang="en-US" sz="2800" b="1" dirty="0"/>
-              <a:t>: /app/</a:t>
-            </a:r>
-            <a:r>
-              <a:rPr lang="en-US" sz="2800" b="1" dirty="0" err="1"/>
+              <a:rPr lang="en-US" sz="4000" dirty="0" err="1">
+                <a:solidFill>
+                  <a:srgbClr val="FF0000"/>
+                </a:solidFill>
+              </a:rPr>
               <a:t>appsettings.kind-env.json</a:t>
             </a:r>
-            <a:endParaRPr lang="en-US" sz="2800" b="1" dirty="0"/>
-          </a:p>
-          <a:p>
-            <a:r>
-              <a:rPr lang="en-US" sz="2800" b="1" dirty="0"/>
-              <a:t>          </a:t>
-            </a:r>
-            <a:r>
-              <a:rPr lang="en-US" sz="2800" b="1" dirty="0" err="1"/>
-              <a:t>subPath</a:t>
-            </a:r>
-            <a:r>
-              <a:rPr lang="en-US" sz="2800" b="1" dirty="0"/>
-              <a:t>: </a:t>
-            </a:r>
-            <a:r>
-              <a:rPr lang="en-US" sz="2800" b="1" dirty="0" err="1"/>
-              <a:t>appsettings.kind-env.json</a:t>
-            </a:r>
-            <a:r>
-              <a:rPr lang="en-US" sz="2800" b="1" dirty="0"/>
-              <a:t>            </a:t>
-            </a:r>
-          </a:p>
-          <a:p>
-            <a:r>
-              <a:rPr lang="en-US" sz="2800" dirty="0"/>
-              <a:t>      volumes:</a:t>
-            </a:r>
-          </a:p>
-          <a:p>
-            <a:r>
-              <a:rPr lang="en-US" sz="2800" dirty="0"/>
-              <a:t>      - name: settings-volume</a:t>
-            </a:r>
-          </a:p>
-          <a:p>
-            <a:r>
-              <a:rPr lang="en-US" sz="2800" dirty="0"/>
-              <a:t>        </a:t>
-            </a:r>
-            <a:r>
-              <a:rPr lang="en-US" sz="2800" dirty="0" err="1"/>
-              <a:t>configMap</a:t>
-            </a:r>
-            <a:r>
-              <a:rPr lang="en-US" sz="2800" dirty="0"/>
-              <a:t>:</a:t>
-            </a:r>
-          </a:p>
-          <a:p>
-            <a:r>
-              <a:rPr lang="en-US" sz="2800" dirty="0"/>
-              <a:t>          name: k8sdemo-config-map </a:t>
-            </a:r>
-            <a:endParaRPr lang="en-US" sz="2800" dirty="0">
-              <a:highlight>
-                <a:srgbClr val="FFFF00"/>
-              </a:highlight>
-            </a:endParaRPr>
+            <a:r>
+              <a:rPr lang="en-US" sz="4000" dirty="0">
+                <a:solidFill>
+                  <a:srgbClr val="FF0000"/>
+                </a:solidFill>
+              </a:rPr>
+              <a:t>: |-</a:t>
+            </a:r>
+            <a:br>
+              <a:rPr lang="en-US" sz="4000" dirty="0">
+                <a:solidFill>
+                  <a:srgbClr val="FF0000"/>
+                </a:solidFill>
+              </a:rPr>
+            </a:br>
+            <a:r>
+              <a:rPr lang="en-US" sz="4000" dirty="0">
+                <a:solidFill>
+                  <a:srgbClr val="FF0000"/>
+                </a:solidFill>
+              </a:rPr>
+              <a:t>    {</a:t>
+            </a:r>
+          </a:p>
+          <a:p>
+            <a:pPr marL="0" indent="0">
+              <a:buNone/>
+            </a:pPr>
+            <a:r>
+              <a:rPr lang="en-US" sz="4000" dirty="0">
+                <a:solidFill>
+                  <a:srgbClr val="FF0000"/>
+                </a:solidFill>
+              </a:rPr>
+              <a:t>      "</a:t>
+            </a:r>
+            <a:r>
+              <a:rPr lang="en-US" sz="4000" dirty="0" err="1">
+                <a:solidFill>
+                  <a:srgbClr val="FF0000"/>
+                </a:solidFill>
+              </a:rPr>
+              <a:t>MySetting</a:t>
+            </a:r>
+            <a:r>
+              <a:rPr lang="en-US" sz="4000" dirty="0">
+                <a:solidFill>
+                  <a:srgbClr val="FF0000"/>
+                </a:solidFill>
+              </a:rPr>
+              <a:t>": "kind-setting"</a:t>
+            </a:r>
+          </a:p>
+          <a:p>
+            <a:pPr marL="0" indent="0">
+              <a:buNone/>
+            </a:pPr>
+            <a:r>
+              <a:rPr lang="en-US" sz="4000" dirty="0">
+                <a:solidFill>
+                  <a:srgbClr val="FF0000"/>
+                </a:solidFill>
+              </a:rPr>
+              <a:t>    }</a:t>
+            </a:r>
           </a:p>
         </p:txBody>
       </p:sp>
     </p:spTree>
     <p:extLst>
       <p:ext uri="{BB962C8B-B14F-4D97-AF65-F5344CB8AC3E}">
-        <p14:creationId xmlns:p14="http://schemas.microsoft.com/office/powerpoint/2010/main" val="3866036662"/>
+        <p14:creationId xmlns:p14="http://schemas.microsoft.com/office/powerpoint/2010/main" val="3905558041"/>
       </p:ext>
     </p:extLst>
   </p:cSld>
@@ -10209,7 +9655,7 @@
           <a:p>
             <a:r>
               <a:rPr lang="it-IT" dirty="0"/>
-              <a:t>Service</a:t>
+              <a:t>Deployment</a:t>
             </a:r>
             <a:endParaRPr lang="en-US" dirty="0"/>
           </a:p>
@@ -10229,8 +9675,8 @@
         </p:nvSpPr>
         <p:spPr>
           <a:xfrm>
-            <a:off x="1152939" y="5157471"/>
-            <a:ext cx="19679478" cy="7014228"/>
+            <a:off x="8252986" y="594586"/>
+            <a:ext cx="19679478" cy="11874917"/>
           </a:xfrm>
           <a:prstGeom prst="rect">
             <a:avLst/>
@@ -10243,179 +9689,350 @@
           <a:lstStyle/>
           <a:p>
             <a:r>
-              <a:rPr lang="en-US" sz="4000" dirty="0" err="1"/>
+              <a:rPr lang="en-US" sz="2800" dirty="0" err="1"/>
               <a:t>apiVersion</a:t>
             </a:r>
             <a:r>
-              <a:rPr lang="en-US" sz="4000" dirty="0"/>
-              <a:t>: v1</a:t>
-            </a:r>
-          </a:p>
-          <a:p>
-            <a:r>
-              <a:rPr lang="en-US" sz="4000" dirty="0"/>
-              <a:t>kind: Service</a:t>
-            </a:r>
-          </a:p>
-          <a:p>
-            <a:r>
-              <a:rPr lang="en-US" sz="4000" dirty="0"/>
+              <a:rPr lang="en-US" sz="2800" dirty="0"/>
+              <a:t>: apps/v1</a:t>
+            </a:r>
+          </a:p>
+          <a:p>
+            <a:r>
+              <a:rPr lang="en-US" sz="2800" dirty="0"/>
+              <a:t>kind: Deployment</a:t>
+            </a:r>
+          </a:p>
+          <a:p>
+            <a:r>
+              <a:rPr lang="en-US" sz="2800" dirty="0"/>
               <a:t>metadata:</a:t>
             </a:r>
           </a:p>
           <a:p>
             <a:r>
-              <a:rPr lang="en-US" sz="4000" dirty="0"/>
+              <a:rPr lang="en-US" sz="2800" dirty="0"/>
               <a:t>  name: k8sdemo</a:t>
             </a:r>
           </a:p>
           <a:p>
             <a:r>
-              <a:rPr lang="en-US" sz="4000" dirty="0"/>
+              <a:rPr lang="en-US" sz="2800" dirty="0"/>
               <a:t>  namespace: dev</a:t>
             </a:r>
           </a:p>
           <a:p>
             <a:r>
-              <a:rPr lang="en-US" sz="4000" dirty="0"/>
+              <a:rPr lang="en-US" sz="2800" dirty="0"/>
+              <a:t>  labels:</a:t>
+            </a:r>
+          </a:p>
+          <a:p>
+            <a:r>
+              <a:rPr lang="en-US" sz="2800" dirty="0"/>
+              <a:t>    app: k8sdemo</a:t>
+            </a:r>
+          </a:p>
+          <a:p>
+            <a:r>
+              <a:rPr lang="en-US" sz="2800" dirty="0"/>
               <a:t>spec:</a:t>
             </a:r>
           </a:p>
           <a:p>
             <a:r>
-              <a:rPr lang="en-US" sz="4000" dirty="0"/>
+              <a:rPr lang="en-US" sz="2800" b="1" dirty="0"/>
+              <a:t>  replicas: 1</a:t>
+            </a:r>
+          </a:p>
+          <a:p>
+            <a:r>
+              <a:rPr lang="en-US" sz="2800" dirty="0"/>
               <a:t>  </a:t>
             </a:r>
             <a:r>
-              <a:rPr lang="en-US" sz="4000" b="1" dirty="0"/>
-              <a:t>type: </a:t>
-            </a:r>
-            <a:r>
-              <a:rPr lang="en-US" sz="4000" b="1" dirty="0" err="1"/>
-              <a:t>ClusterIP</a:t>
-            </a:r>
-            <a:endParaRPr lang="en-US" sz="4000" b="1" dirty="0"/>
-          </a:p>
-          <a:p>
-            <a:r>
-              <a:rPr lang="en-US" sz="4000" dirty="0"/>
-              <a:t>  ports:</a:t>
-            </a:r>
-          </a:p>
-          <a:p>
-            <a:r>
-              <a:rPr lang="en-US" sz="4000" dirty="0"/>
-              <a:t>    - port: 80</a:t>
-            </a:r>
-          </a:p>
-          <a:p>
-            <a:r>
-              <a:rPr lang="en-US" sz="4000" dirty="0"/>
-              <a:t>      </a:t>
-            </a:r>
-            <a:r>
-              <a:rPr lang="en-US" sz="4000" dirty="0" err="1"/>
-              <a:t>targetPort</a:t>
-            </a:r>
-            <a:r>
-              <a:rPr lang="en-US" sz="4000" dirty="0"/>
+              <a:rPr lang="en-US" sz="2800" b="1" dirty="0"/>
+              <a:t>selector:</a:t>
+            </a:r>
+          </a:p>
+          <a:p>
+            <a:r>
+              <a:rPr lang="en-US" sz="2800" b="1" dirty="0"/>
+              <a:t>    </a:t>
+            </a:r>
+            <a:r>
+              <a:rPr lang="en-US" sz="2800" b="1" dirty="0" err="1"/>
+              <a:t>matchLabels</a:t>
+            </a:r>
+            <a:r>
+              <a:rPr lang="en-US" sz="2800" b="1" dirty="0"/>
+              <a:t>:</a:t>
+            </a:r>
+          </a:p>
+          <a:p>
+            <a:r>
+              <a:rPr lang="en-US" sz="2800" b="1" dirty="0"/>
+              <a:t>      app: k8sdemo</a:t>
+            </a:r>
+          </a:p>
+          <a:p>
+            <a:r>
+              <a:rPr lang="en-US" sz="2800" dirty="0"/>
+              <a:t>  template:</a:t>
+            </a:r>
+          </a:p>
+          <a:p>
+            <a:r>
+              <a:rPr lang="en-US" sz="2800" dirty="0"/>
+              <a:t>    metadata:</a:t>
+            </a:r>
+          </a:p>
+          <a:p>
+            <a:r>
+              <a:rPr lang="en-US" sz="2800" dirty="0"/>
+              <a:t>      labels:</a:t>
+            </a:r>
+          </a:p>
+          <a:p>
+            <a:r>
+              <a:rPr lang="en-US" sz="2800" dirty="0"/>
+              <a:t>        app: k8sdemo</a:t>
+            </a:r>
+          </a:p>
+          <a:p>
+            <a:r>
+              <a:rPr lang="en-US" sz="2800" dirty="0"/>
+              <a:t>    spec:</a:t>
+            </a:r>
+          </a:p>
+          <a:p>
+            <a:r>
+              <a:rPr lang="en-US" sz="2800" dirty="0"/>
+              <a:t>      containers:</a:t>
+            </a:r>
+          </a:p>
+          <a:p>
+            <a:r>
+              <a:rPr lang="en-US" sz="2800" dirty="0"/>
+              <a:t>      - name: k8sdemo</a:t>
+            </a:r>
+          </a:p>
+          <a:p>
+            <a:r>
+              <a:rPr lang="en-US" sz="2800" b="1" dirty="0"/>
+              <a:t>        image: </a:t>
+            </a:r>
+            <a:r>
+              <a:rPr lang="en-US" sz="2800" b="1" dirty="0" err="1"/>
+              <a:t>sabbadino</a:t>
+            </a:r>
+            <a:r>
+              <a:rPr lang="en-US" sz="2800" b="1" dirty="0"/>
+              <a:t>/k8sdemo:1.2</a:t>
+            </a:r>
+          </a:p>
+          <a:p>
+            <a:r>
+              <a:rPr lang="en-US" sz="2800" b="1" dirty="0"/>
+              <a:t>        </a:t>
+            </a:r>
+            <a:r>
+              <a:rPr lang="en-US" sz="2800" b="1" dirty="0" err="1"/>
+              <a:t>imagePullPolicy</a:t>
+            </a:r>
+            <a:r>
+              <a:rPr lang="en-US" sz="2800" b="1" dirty="0"/>
+              <a:t>: Always</a:t>
+            </a:r>
+          </a:p>
+          <a:p>
+            <a:r>
+              <a:rPr lang="en-US" sz="2800" dirty="0"/>
+              <a:t>        resources: null</a:t>
+            </a:r>
+          </a:p>
+          <a:p>
+            <a:r>
+              <a:rPr lang="en-US" sz="2800" dirty="0"/>
+              <a:t>        ports:</a:t>
+            </a:r>
+          </a:p>
+          <a:p>
+            <a:r>
+              <a:rPr lang="en-US" sz="2800" dirty="0"/>
+              <a:t>          - name: http</a:t>
+            </a:r>
+          </a:p>
+          <a:p>
+            <a:r>
+              <a:rPr lang="en-US" sz="2800" dirty="0"/>
+              <a:t>            </a:t>
+            </a:r>
+            <a:r>
+              <a:rPr lang="en-US" sz="2800" dirty="0" err="1"/>
+              <a:t>containerPort</a:t>
+            </a:r>
+            <a:r>
+              <a:rPr lang="en-US" sz="2800" dirty="0"/>
               <a:t>: 80</a:t>
             </a:r>
           </a:p>
           <a:p>
             <a:r>
-              <a:rPr lang="en-US" sz="4000" dirty="0"/>
-              <a:t>  selector:</a:t>
-            </a:r>
-          </a:p>
-          <a:p>
-            <a:r>
-              <a:rPr lang="en-US" sz="4000" b="1" dirty="0"/>
-              <a:t>    app: k8sdemo</a:t>
-            </a:r>
-            <a:r>
-              <a:rPr lang="en-US" sz="4000" dirty="0"/>
-              <a:t> //selector for pods, can be a list</a:t>
-            </a:r>
-          </a:p>
-          <a:p>
-            <a:endParaRPr lang="en-US" sz="4000" dirty="0">
+              <a:rPr lang="en-US" sz="2800" dirty="0"/>
+              <a:t>        env:</a:t>
+            </a:r>
+          </a:p>
+          <a:p>
+            <a:r>
+              <a:rPr lang="en-US" sz="2800" dirty="0"/>
+              <a:t>        - name: ASPNETCORE_ENVIRONMENT</a:t>
+            </a:r>
+          </a:p>
+          <a:p>
+            <a:r>
+              <a:rPr lang="en-US" sz="2800" dirty="0"/>
+              <a:t>          </a:t>
+            </a:r>
+            <a:r>
+              <a:rPr lang="en-US" sz="2800" b="1" dirty="0" err="1"/>
+              <a:t>valueFrom</a:t>
+            </a:r>
+            <a:r>
+              <a:rPr lang="en-US" sz="2800" b="1" dirty="0"/>
+              <a:t>:</a:t>
+            </a:r>
+          </a:p>
+          <a:p>
+            <a:r>
+              <a:rPr lang="en-US" sz="2800" b="1" dirty="0"/>
+              <a:t>              </a:t>
+            </a:r>
+            <a:r>
+              <a:rPr lang="en-US" sz="2800" b="1" dirty="0" err="1"/>
+              <a:t>configMapKeyRef</a:t>
+            </a:r>
+            <a:r>
+              <a:rPr lang="en-US" sz="2800" b="1" dirty="0"/>
+              <a:t>:</a:t>
+            </a:r>
+          </a:p>
+          <a:p>
+            <a:r>
+              <a:rPr lang="en-US" sz="2800" b="1" dirty="0"/>
+              <a:t>                name: k8sdemo-config-map</a:t>
+            </a:r>
+          </a:p>
+          <a:p>
+            <a:r>
+              <a:rPr lang="en-US" sz="2800" b="1" dirty="0"/>
+              <a:t>                key: ASPNETCOREENVIRONMENT</a:t>
+            </a:r>
+          </a:p>
+          <a:p>
+            <a:r>
+              <a:rPr lang="en-US" sz="2800" b="1" dirty="0"/>
+              <a:t>        </a:t>
+            </a:r>
+            <a:r>
+              <a:rPr lang="en-US" sz="2800" b="1" dirty="0" err="1"/>
+              <a:t>volumeMounts</a:t>
+            </a:r>
+            <a:r>
+              <a:rPr lang="en-US" sz="2800" b="1" dirty="0"/>
+              <a:t>:</a:t>
+            </a:r>
+          </a:p>
+          <a:p>
+            <a:r>
+              <a:rPr lang="en-US" sz="2800" b="1" dirty="0"/>
+              <a:t>        - name: settings-volume</a:t>
+            </a:r>
+          </a:p>
+          <a:p>
+            <a:r>
+              <a:rPr lang="en-US" sz="2800" b="1" dirty="0"/>
+              <a:t>          </a:t>
+            </a:r>
+            <a:r>
+              <a:rPr lang="en-US" sz="2800" b="1" dirty="0" err="1"/>
+              <a:t>mountPath</a:t>
+            </a:r>
+            <a:r>
+              <a:rPr lang="en-US" sz="2800" b="1" dirty="0"/>
+              <a:t>: /app/</a:t>
+            </a:r>
+            <a:r>
+              <a:rPr lang="en-US" sz="2800" b="1" dirty="0" err="1"/>
+              <a:t>appsettings.kind-env.json</a:t>
+            </a:r>
+            <a:endParaRPr lang="en-US" sz="2800" b="1" dirty="0"/>
+          </a:p>
+          <a:p>
+            <a:r>
+              <a:rPr lang="en-US" sz="2800" b="1" dirty="0"/>
+              <a:t>          </a:t>
+            </a:r>
+            <a:r>
+              <a:rPr lang="en-US" sz="2800" b="1" dirty="0" err="1"/>
+              <a:t>subPath</a:t>
+            </a:r>
+            <a:r>
+              <a:rPr lang="en-US" sz="2800" b="1" dirty="0"/>
+              <a:t>: </a:t>
+            </a:r>
+            <a:r>
+              <a:rPr lang="en-US" sz="2800" b="1" dirty="0" err="1"/>
+              <a:t>appsettings.kind-env.json</a:t>
+            </a:r>
+            <a:r>
+              <a:rPr lang="en-US" sz="2800" b="1" dirty="0"/>
+              <a:t>            </a:t>
+            </a:r>
+          </a:p>
+          <a:p>
+            <a:r>
+              <a:rPr lang="en-US" sz="2800" dirty="0"/>
+              <a:t>      volumes:</a:t>
+            </a:r>
+          </a:p>
+          <a:p>
+            <a:r>
+              <a:rPr lang="en-US" sz="2800" dirty="0"/>
+              <a:t>      - name: settings-volume</a:t>
+            </a:r>
+          </a:p>
+          <a:p>
+            <a:r>
+              <a:rPr lang="en-US" sz="2800" dirty="0"/>
+              <a:t>        </a:t>
+            </a:r>
+            <a:r>
+              <a:rPr lang="en-US" sz="2800" dirty="0" err="1"/>
+              <a:t>configMap</a:t>
+            </a:r>
+            <a:r>
+              <a:rPr lang="en-US" sz="2800" dirty="0"/>
+              <a:t>:</a:t>
+            </a:r>
+          </a:p>
+          <a:p>
+            <a:r>
+              <a:rPr lang="en-US" sz="2800" dirty="0"/>
+              <a:t>          name: k8sdemo-config-map </a:t>
+            </a:r>
+            <a:endParaRPr lang="en-US" sz="2800" dirty="0">
               <a:highlight>
                 <a:srgbClr val="FFFF00"/>
               </a:highlight>
             </a:endParaRPr>
           </a:p>
-          <a:p>
-            <a:endParaRPr lang="en-US" sz="4000" dirty="0">
-              <a:highlight>
-                <a:srgbClr val="FFFF00"/>
-              </a:highlight>
-            </a:endParaRPr>
-          </a:p>
-          <a:p>
-            <a:r>
-              <a:rPr lang="en-US" sz="4000" dirty="0">
-                <a:highlight>
-                  <a:srgbClr val="C0C0C0"/>
-                </a:highlight>
-              </a:rPr>
-              <a:t>Type: </a:t>
-            </a:r>
-            <a:r>
-              <a:rPr lang="en-US" sz="4000" dirty="0" err="1">
-                <a:highlight>
-                  <a:srgbClr val="C0C0C0"/>
-                </a:highlight>
-              </a:rPr>
-              <a:t>ClusterIp</a:t>
-            </a:r>
-            <a:r>
-              <a:rPr lang="en-US" sz="4000" dirty="0">
-                <a:highlight>
-                  <a:srgbClr val="C0C0C0"/>
-                </a:highlight>
-              </a:rPr>
-              <a:t>, </a:t>
-            </a:r>
-            <a:r>
-              <a:rPr lang="en-US" sz="4000" dirty="0" err="1">
-                <a:highlight>
-                  <a:srgbClr val="C0C0C0"/>
-                </a:highlight>
-              </a:rPr>
-              <a:t>NodePort</a:t>
-            </a:r>
-            <a:r>
-              <a:rPr lang="en-US" sz="4000" dirty="0">
-                <a:highlight>
-                  <a:srgbClr val="C0C0C0"/>
-                </a:highlight>
-              </a:rPr>
-              <a:t>, </a:t>
-            </a:r>
-            <a:r>
-              <a:rPr lang="en-US" sz="4000" dirty="0" err="1">
-                <a:highlight>
-                  <a:srgbClr val="C0C0C0"/>
-                </a:highlight>
-              </a:rPr>
-              <a:t>LoadBalancer</a:t>
-            </a:r>
-            <a:endParaRPr lang="en-US" sz="4000" dirty="0">
-              <a:highlight>
-                <a:srgbClr val="C0C0C0"/>
-              </a:highlight>
-            </a:endParaRPr>
-          </a:p>
-          <a:p>
-            <a:endParaRPr lang="en-US" sz="4000" dirty="0"/>
-          </a:p>
         </p:txBody>
       </p:sp>
     </p:spTree>
     <p:extLst>
       <p:ext uri="{BB962C8B-B14F-4D97-AF65-F5344CB8AC3E}">
-        <p14:creationId xmlns:p14="http://schemas.microsoft.com/office/powerpoint/2010/main" val="4042995166"/>
+        <p14:creationId xmlns:p14="http://schemas.microsoft.com/office/powerpoint/2010/main" val="3866036662"/>
       </p:ext>
     </p:extLst>
   </p:cSld>
@@ -10463,7 +10080,7 @@
           </a:prstGeom>
           <a:extLst>
             <a:ext uri="{C572A759-6A51-4108-AA02-DFA0A04FC94B}">
-              <ma14:wrappingTextBoxFlag xmlns:ma14="http://schemas.microsoft.com/office/mac/drawingml/2011/main" xmlns="" val="1"/>
+              <ma14:wrappingTextBoxFlag xmlns="" xmlns:ma14="http://schemas.microsoft.com/office/mac/drawingml/2011/main" val="1"/>
             </a:ext>
           </a:extLst>
         </p:spPr>
@@ -10698,7 +10315,7 @@
           </a:ln>
           <a:extLst>
             <a:ext uri="{C572A759-6A51-4108-AA02-DFA0A04FC94B}">
-              <ma14:wrappingTextBoxFlag xmlns:ma14="http://schemas.microsoft.com/office/mac/drawingml/2011/main" xmlns="" val="1"/>
+              <ma14:wrappingTextBoxFlag xmlns="" xmlns:ma14="http://schemas.microsoft.com/office/mac/drawingml/2011/main" val="1"/>
             </a:ext>
           </a:extLst>
         </p:spPr>
@@ -10811,8 +10428,8 @@
           <a:lstStyle/>
           <a:p>
             <a:r>
-              <a:rPr lang="it-IT" dirty="0" err="1"/>
-              <a:t>Ingress</a:t>
+              <a:rPr lang="it-IT" dirty="0"/>
+              <a:t>Service</a:t>
             </a:r>
             <a:endParaRPr lang="en-US" dirty="0"/>
           </a:p>
@@ -10833,7 +10450,7 @@
         <p:spPr>
           <a:xfrm>
             <a:off x="1152939" y="5157471"/>
-            <a:ext cx="19679478" cy="7445115"/>
+            <a:ext cx="19679478" cy="7014228"/>
           </a:xfrm>
           <a:prstGeom prst="rect">
             <a:avLst/>
@@ -10851,13 +10468,13 @@
             </a:r>
             <a:r>
               <a:rPr lang="en-US" sz="4000" dirty="0"/>
-              <a:t>: extensions/v1beta1</a:t>
+              <a:t>: v1</a:t>
             </a:r>
           </a:p>
           <a:p>
             <a:r>
               <a:rPr lang="en-US" sz="4000" dirty="0"/>
-              <a:t>kind: Ingress</a:t>
+              <a:t>kind: Service</a:t>
             </a:r>
           </a:p>
           <a:p>
@@ -10881,122 +10498,144 @@
           <a:p>
             <a:r>
               <a:rPr lang="en-US" sz="4000" dirty="0"/>
-              <a:t>  annotations:</a:t>
+              <a:t>spec:</a:t>
             </a:r>
           </a:p>
           <a:p>
             <a:r>
               <a:rPr lang="en-US" sz="4000" dirty="0"/>
-              <a:t>    kubernetes.io/</a:t>
+              <a:t>  </a:t>
+            </a:r>
+            <a:r>
+              <a:rPr lang="en-US" sz="4000" b="1" dirty="0"/>
+              <a:t>type: </a:t>
+            </a:r>
+            <a:r>
+              <a:rPr lang="en-US" sz="4000" b="1" dirty="0" err="1"/>
+              <a:t>ClusterIP</a:t>
+            </a:r>
+            <a:endParaRPr lang="en-US" sz="4000" b="1" dirty="0"/>
+          </a:p>
+          <a:p>
+            <a:r>
+              <a:rPr lang="en-US" sz="4000" dirty="0"/>
+              <a:t>  ports:</a:t>
+            </a:r>
+          </a:p>
+          <a:p>
+            <a:r>
+              <a:rPr lang="en-US" sz="4000" dirty="0"/>
+              <a:t>    - port: 80</a:t>
+            </a:r>
+          </a:p>
+          <a:p>
+            <a:r>
+              <a:rPr lang="en-US" sz="4000" dirty="0"/>
+              <a:t>      </a:t>
             </a:r>
             <a:r>
               <a:rPr lang="en-US" sz="4000" dirty="0" err="1"/>
-              <a:t>ingress.class</a:t>
-            </a:r>
-            <a:r>
-              <a:rPr lang="en-US" sz="4000" dirty="0"/>
-              <a:t>: </a:t>
-            </a:r>
-            <a:r>
-              <a:rPr lang="en-US" sz="4000" dirty="0" err="1"/>
-              <a:t>nginx</a:t>
-            </a:r>
-            <a:endParaRPr lang="en-US" sz="4000" dirty="0"/>
-          </a:p>
-          <a:p>
-            <a:r>
-              <a:rPr lang="en-US" sz="4000" b="1" dirty="0"/>
-              <a:t>    nginx.ingress.kubernetes.io/rewrite-target: /$2</a:t>
-            </a:r>
-          </a:p>
-          <a:p>
-            <a:r>
-              <a:rPr lang="en-US" sz="4000" dirty="0"/>
-              <a:t>spec:</a:t>
-            </a:r>
-          </a:p>
-          <a:p>
-            <a:r>
-              <a:rPr lang="en-US" sz="4000" dirty="0"/>
-              <a:t>  rules:</a:t>
-            </a:r>
-          </a:p>
-          <a:p>
-            <a:r>
-              <a:rPr lang="en-US" sz="4000" dirty="0"/>
-              <a:t>    - host: localhost</a:t>
-            </a:r>
-          </a:p>
-          <a:p>
-            <a:r>
-              <a:rPr lang="en-US" sz="4000" dirty="0"/>
-              <a:t>      http:</a:t>
-            </a:r>
-          </a:p>
-          <a:p>
-            <a:r>
-              <a:rPr lang="en-US" sz="4000" dirty="0"/>
-              <a:t>        paths:</a:t>
-            </a:r>
-          </a:p>
-          <a:p>
-            <a:r>
-              <a:rPr lang="en-US" sz="4000" dirty="0"/>
-              <a:t>          - </a:t>
-            </a:r>
-            <a:r>
-              <a:rPr lang="en-US" sz="4000" b="1" dirty="0"/>
-              <a:t>path: /</a:t>
-            </a:r>
-            <a:r>
-              <a:rPr lang="en-US" sz="4000" b="1" dirty="0" err="1"/>
-              <a:t>demoapi</a:t>
-            </a:r>
-            <a:r>
-              <a:rPr lang="en-US" sz="4000" b="1" dirty="0"/>
-              <a:t>(/|$)(.*)</a:t>
-            </a:r>
-          </a:p>
-          <a:p>
-            <a:r>
-              <a:rPr lang="en-US" sz="4000" dirty="0"/>
-              <a:t>            backend:</a:t>
-            </a:r>
-          </a:p>
-          <a:p>
-            <a:r>
-              <a:rPr lang="en-US" sz="4000" b="1" dirty="0"/>
-              <a:t>              </a:t>
-            </a:r>
-            <a:r>
-              <a:rPr lang="en-US" sz="4000" b="1" dirty="0" err="1"/>
-              <a:t>serviceName</a:t>
-            </a:r>
-            <a:r>
-              <a:rPr lang="en-US" sz="4000" b="1" dirty="0"/>
-              <a:t>: k8sdemo</a:t>
-            </a:r>
-          </a:p>
-          <a:p>
-            <a:r>
-              <a:rPr lang="en-US" sz="4000" dirty="0"/>
-              <a:t>              </a:t>
-            </a:r>
-            <a:r>
-              <a:rPr lang="en-US" sz="4000" dirty="0" err="1"/>
-              <a:t>servicePort</a:t>
+              <a:t>targetPort</a:t>
             </a:r>
             <a:r>
               <a:rPr lang="en-US" sz="4000" dirty="0"/>
               <a:t>: 80</a:t>
             </a:r>
+          </a:p>
+          <a:p>
+            <a:r>
+              <a:rPr lang="en-US" sz="4000" dirty="0"/>
+              <a:t>  selector:</a:t>
+            </a:r>
+          </a:p>
+          <a:p>
+            <a:r>
+              <a:rPr lang="en-US" sz="4000" b="1" dirty="0"/>
+              <a:t>    app: k8sdemo</a:t>
+            </a:r>
+            <a:r>
+              <a:rPr lang="en-US" sz="4000" dirty="0"/>
+              <a:t> //selector for pods, can be a list</a:t>
+            </a:r>
+          </a:p>
+          <a:p>
+            <a:endParaRPr lang="en-US" sz="4000" dirty="0">
+              <a:highlight>
+                <a:srgbClr val="FFFF00"/>
+              </a:highlight>
+            </a:endParaRPr>
+          </a:p>
+          <a:p>
+            <a:endParaRPr lang="en-US" sz="4000" dirty="0">
+              <a:highlight>
+                <a:srgbClr val="FFFF00"/>
+              </a:highlight>
+            </a:endParaRPr>
+          </a:p>
+          <a:p>
+            <a:r>
+              <a:rPr lang="en-US" sz="4000" dirty="0">
+                <a:highlight>
+                  <a:srgbClr val="C0C0C0"/>
+                </a:highlight>
+              </a:rPr>
+              <a:t>Type: </a:t>
+            </a:r>
+            <a:r>
+              <a:rPr lang="en-US" sz="4000" dirty="0" err="1">
+                <a:highlight>
+                  <a:srgbClr val="C0C0C0"/>
+                </a:highlight>
+              </a:rPr>
+              <a:t>ClusterIp</a:t>
+            </a:r>
+            <a:r>
+              <a:rPr lang="en-US" sz="4000" dirty="0">
+                <a:highlight>
+                  <a:srgbClr val="C0C0C0"/>
+                </a:highlight>
+              </a:rPr>
+              <a:t>, </a:t>
+            </a:r>
+            <a:r>
+              <a:rPr lang="en-US" sz="4000" dirty="0" err="1">
+                <a:highlight>
+                  <a:srgbClr val="C0C0C0"/>
+                </a:highlight>
+              </a:rPr>
+              <a:t>NodePort</a:t>
+            </a:r>
+            <a:r>
+              <a:rPr lang="en-US" sz="4000" dirty="0">
+                <a:highlight>
+                  <a:srgbClr val="C0C0C0"/>
+                </a:highlight>
+              </a:rPr>
+              <a:t>, </a:t>
+            </a:r>
+            <a:r>
+              <a:rPr lang="en-US" sz="4000" dirty="0" err="1">
+                <a:highlight>
+                  <a:srgbClr val="C0C0C0"/>
+                </a:highlight>
+              </a:rPr>
+              <a:t>LoadBalancer</a:t>
+            </a:r>
+            <a:endParaRPr lang="en-US" sz="4000" dirty="0">
+              <a:highlight>
+                <a:srgbClr val="C0C0C0"/>
+              </a:highlight>
+            </a:endParaRPr>
+          </a:p>
+          <a:p>
+            <a:endParaRPr lang="en-US" sz="4000" dirty="0"/>
           </a:p>
         </p:txBody>
       </p:sp>
     </p:spTree>
     <p:extLst>
       <p:ext uri="{BB962C8B-B14F-4D97-AF65-F5344CB8AC3E}">
-        <p14:creationId xmlns:p14="http://schemas.microsoft.com/office/powerpoint/2010/main" val="3838510198"/>
+        <p14:creationId xmlns:p14="http://schemas.microsoft.com/office/powerpoint/2010/main" val="4042995166"/>
       </p:ext>
     </p:extLst>
   </p:cSld>
@@ -11029,7 +10668,7 @@
           <p:cNvPr id="2" name="Title 1">
             <a:extLst>
               <a:ext uri="{FF2B5EF4-FFF2-40B4-BE49-F238E27FC236}">
-                <a16:creationId xmlns:a16="http://schemas.microsoft.com/office/drawing/2014/main" id="{EE70F559-8251-4D46-9246-DA5D35B10B4C}"/>
+                <a16:creationId xmlns:a16="http://schemas.microsoft.com/office/drawing/2014/main" id="{86E57E8B-EA94-40A5-9213-AEBB8BAF0DD4}"/>
               </a:ext>
             </a:extLst>
           </p:cNvPr>
@@ -11046,12 +10685,12 @@
           <a:lstStyle/>
           <a:p>
             <a:r>
+              <a:rPr lang="it-IT" dirty="0" err="1"/>
+              <a:t>Deploy</a:t>
+            </a:r>
+            <a:r>
               <a:rPr lang="it-IT" dirty="0"/>
-              <a:t>In-cluster </a:t>
-            </a:r>
-            <a:r>
-              <a:rPr lang="it-IT" dirty="0" err="1"/>
-              <a:t>communication</a:t>
+              <a:t> to cluster</a:t>
             </a:r>
             <a:endParaRPr lang="en-US" dirty="0"/>
           </a:p>
@@ -11062,7 +10701,7 @@
           <p:cNvPr id="3" name="Text Placeholder 2">
             <a:extLst>
               <a:ext uri="{FF2B5EF4-FFF2-40B4-BE49-F238E27FC236}">
-                <a16:creationId xmlns:a16="http://schemas.microsoft.com/office/drawing/2014/main" id="{21DEBC65-BA00-4C38-B817-4CA076455813}"/>
+                <a16:creationId xmlns:a16="http://schemas.microsoft.com/office/drawing/2014/main" id="{1AAAED32-57B9-4801-BD2C-E713FEEAB6BD}"/>
               </a:ext>
             </a:extLst>
           </p:cNvPr>
@@ -11078,193 +10717,193 @@
           <a:bodyPr/>
           <a:lstStyle/>
           <a:p>
-            <a:endParaRPr lang="en-US"/>
-          </a:p>
-        </p:txBody>
-      </p:sp>
-      <p:sp>
-        <p:nvSpPr>
-          <p:cNvPr id="4" name="Text Placeholder 3">
+            <a:r>
+              <a:rPr lang="it-IT" dirty="0" err="1"/>
+              <a:t>Ingress</a:t>
+            </a:r>
+            <a:endParaRPr lang="en-US" dirty="0"/>
+          </a:p>
+        </p:txBody>
+      </p:sp>
+      <p:sp>
+        <p:nvSpPr>
+          <p:cNvPr id="5" name="Rectangle 4">
             <a:extLst>
               <a:ext uri="{FF2B5EF4-FFF2-40B4-BE49-F238E27FC236}">
-                <a16:creationId xmlns:a16="http://schemas.microsoft.com/office/drawing/2014/main" id="{316286F4-F5FF-44D0-A8DA-87B9CB209965}"/>
+                <a16:creationId xmlns:a16="http://schemas.microsoft.com/office/drawing/2014/main" id="{9943757B-B1F3-4FCE-98AF-1EA57A299199}"/>
               </a:ext>
             </a:extLst>
           </p:cNvPr>
-          <p:cNvSpPr>
-            <a:spLocks noGrp="1"/>
-          </p:cNvSpPr>
-          <p:nvPr>
-            <p:ph type="body" idx="1"/>
-          </p:nvPr>
-        </p:nvSpPr>
-        <p:spPr/>
-        <p:txBody>
-          <a:bodyPr/>
+          <p:cNvSpPr/>
+          <p:nvPr/>
+        </p:nvSpPr>
+        <p:spPr>
+          <a:xfrm>
+            <a:off x="1152939" y="5157471"/>
+            <a:ext cx="19679478" cy="7445115"/>
+          </a:xfrm>
+          <a:prstGeom prst="rect">
+            <a:avLst/>
+          </a:prstGeom>
+        </p:spPr>
+        <p:txBody>
+          <a:bodyPr wrap="square">
+            <a:spAutoFit/>
+          </a:bodyPr>
           <a:lstStyle/>
           <a:p>
             <a:r>
-              <a:rPr lang="en-US" dirty="0"/>
-              <a:t>Cross pod communication does not need to pass through an ingress:, better to go through services </a:t>
-            </a:r>
-          </a:p>
-          <a:p>
-            <a:r>
-              <a:rPr lang="en-US" dirty="0"/>
-              <a:t>Scenario : WEB Ap1 1 needs to call Web API 2</a:t>
-            </a:r>
-          </a:p>
-          <a:p>
-            <a:pPr lvl="1"/>
-            <a:r>
-              <a:rPr lang="en-US" dirty="0"/>
-              <a:t>Use the </a:t>
-            </a:r>
-            <a:r>
-              <a:rPr lang="en-US" i="1" dirty="0"/>
-              <a:t>service name</a:t>
-            </a:r>
-            <a:r>
-              <a:rPr lang="en-US" dirty="0"/>
-              <a:t> : </a:t>
-            </a:r>
-          </a:p>
-          <a:p>
-            <a:pPr lvl="2"/>
-            <a:r>
-              <a:rPr lang="en-US" dirty="0"/>
-              <a:t>Same namespace: </a:t>
-            </a:r>
-            <a:r>
-              <a:rPr lang="en-US" dirty="0">
-                <a:hlinkClick r:id="rId2"/>
-              </a:rPr>
-              <a:t>http://</a:t>
-            </a:r>
-            <a:r>
-              <a:rPr lang="en-US" dirty="0">
-                <a:sym typeface="Wingdings" panose="05000000000000000000" pitchFamily="2" charset="2"/>
-              </a:rPr>
-              <a:t>&lt;</a:t>
-            </a:r>
-            <a:r>
-              <a:rPr lang="en-US" dirty="0" err="1">
-                <a:sym typeface="Wingdings" panose="05000000000000000000" pitchFamily="2" charset="2"/>
-              </a:rPr>
-              <a:t>targetservicename</a:t>
-            </a:r>
-            <a:r>
-              <a:rPr lang="en-US" dirty="0">
-                <a:sym typeface="Wingdings" panose="05000000000000000000" pitchFamily="2" charset="2"/>
-              </a:rPr>
-              <a:t>&gt;</a:t>
-            </a:r>
-            <a:r>
-              <a:rPr lang="en-US" dirty="0">
-                <a:hlinkClick r:id="rId2"/>
-              </a:rPr>
-              <a:t>/</a:t>
-            </a:r>
-            <a:r>
-              <a:rPr lang="en-US" dirty="0"/>
-              <a:t>.. (doesn’t change from dev to prod </a:t>
-            </a:r>
-            <a:r>
-              <a:rPr lang="en-US" dirty="0">
-                <a:sym typeface="Wingdings" panose="05000000000000000000" pitchFamily="2" charset="2"/>
-              </a:rPr>
-              <a:t> ) </a:t>
-            </a:r>
-          </a:p>
-          <a:p>
-            <a:pPr lvl="2"/>
-            <a:r>
-              <a:rPr lang="en-US" dirty="0">
-                <a:sym typeface="Wingdings" panose="05000000000000000000" pitchFamily="2" charset="2"/>
-              </a:rPr>
-              <a:t>Different </a:t>
-            </a:r>
-            <a:r>
-              <a:rPr lang="en-US" dirty="0" err="1">
-                <a:sym typeface="Wingdings" panose="05000000000000000000" pitchFamily="2" charset="2"/>
-              </a:rPr>
-              <a:t>namesapace</a:t>
-            </a:r>
-            <a:r>
-              <a:rPr lang="en-US" dirty="0">
-                <a:sym typeface="Wingdings" panose="05000000000000000000" pitchFamily="2" charset="2"/>
-              </a:rPr>
-              <a:t>: http://&lt;targetservicename&gt;.&lt;target namespace where service resides&gt;</a:t>
-            </a:r>
-          </a:p>
-          <a:p>
-            <a:pPr lvl="1"/>
-            <a:r>
-              <a:rPr lang="en-US" dirty="0">
-                <a:sym typeface="Wingdings" panose="05000000000000000000" pitchFamily="2" charset="2"/>
-              </a:rPr>
-              <a:t>Ingress is only for http/https (uses an http reverse proxy)</a:t>
-            </a:r>
-          </a:p>
-          <a:p>
-            <a:pPr lvl="1"/>
-            <a:r>
-              <a:rPr lang="en-US" dirty="0">
-                <a:sym typeface="Wingdings" panose="05000000000000000000" pitchFamily="2" charset="2"/>
-              </a:rPr>
-              <a:t>through services any traffic on any port is fine </a:t>
-            </a:r>
-            <a:br>
-              <a:rPr lang="en-US" dirty="0">
-                <a:sym typeface="Wingdings" panose="05000000000000000000" pitchFamily="2" charset="2"/>
-              </a:rPr>
-            </a:br>
-            <a:br>
-              <a:rPr lang="en-US" dirty="0">
-                <a:sym typeface="Wingdings" panose="05000000000000000000" pitchFamily="2" charset="2"/>
-              </a:rPr>
-            </a:br>
-            <a:r>
-              <a:rPr lang="en-US" dirty="0">
-                <a:sym typeface="Wingdings" panose="05000000000000000000" pitchFamily="2" charset="2"/>
-              </a:rPr>
-              <a:t>"</a:t>
-            </a:r>
-            <a:r>
-              <a:rPr lang="en-US" dirty="0" err="1">
-                <a:sym typeface="Wingdings" panose="05000000000000000000" pitchFamily="2" charset="2"/>
-              </a:rPr>
-              <a:t>mongodb</a:t>
-            </a:r>
-            <a:r>
-              <a:rPr lang="en-US" dirty="0">
-                <a:sym typeface="Wingdings" panose="05000000000000000000" pitchFamily="2" charset="2"/>
-              </a:rPr>
-              <a:t>://user:pwd@</a:t>
-            </a:r>
-            <a:r>
-              <a:rPr lang="en-US" dirty="0">
-                <a:highlight>
-                  <a:srgbClr val="FFFF00"/>
-                </a:highlight>
-                <a:sym typeface="Wingdings" panose="05000000000000000000" pitchFamily="2" charset="2"/>
-              </a:rPr>
-              <a:t>mongodbsrv.mongodbnamespace</a:t>
-            </a:r>
-            <a:r>
-              <a:rPr lang="en-US" dirty="0">
-                <a:sym typeface="Wingdings" panose="05000000000000000000" pitchFamily="2" charset="2"/>
-              </a:rPr>
-              <a:t>:27017 .."</a:t>
-            </a:r>
-            <a:endParaRPr lang="en-US" dirty="0"/>
+              <a:rPr lang="en-US" sz="4000" dirty="0" err="1"/>
+              <a:t>apiVersion</a:t>
+            </a:r>
+            <a:r>
+              <a:rPr lang="en-US" sz="4000" dirty="0"/>
+              <a:t>: extensions/v1beta1</a:t>
+            </a:r>
+          </a:p>
+          <a:p>
+            <a:r>
+              <a:rPr lang="en-US" sz="4000" dirty="0"/>
+              <a:t>kind: Ingress</a:t>
+            </a:r>
+          </a:p>
+          <a:p>
+            <a:r>
+              <a:rPr lang="en-US" sz="4000" dirty="0"/>
+              <a:t>metadata:</a:t>
+            </a:r>
+          </a:p>
+          <a:p>
+            <a:r>
+              <a:rPr lang="en-US" sz="4000" dirty="0"/>
+              <a:t>  name: k8sdemo</a:t>
+            </a:r>
+          </a:p>
+          <a:p>
+            <a:r>
+              <a:rPr lang="en-US" sz="4000" dirty="0"/>
+              <a:t>  namespace: dev</a:t>
+            </a:r>
+          </a:p>
+          <a:p>
+            <a:r>
+              <a:rPr lang="en-US" sz="4000" dirty="0"/>
+              <a:t>  annotations:</a:t>
+            </a:r>
+          </a:p>
+          <a:p>
+            <a:r>
+              <a:rPr lang="en-US" sz="4000" dirty="0"/>
+              <a:t>    kubernetes.io/</a:t>
+            </a:r>
+            <a:r>
+              <a:rPr lang="en-US" sz="4000" dirty="0" err="1"/>
+              <a:t>ingress.class</a:t>
+            </a:r>
+            <a:r>
+              <a:rPr lang="en-US" sz="4000" dirty="0"/>
+              <a:t>: </a:t>
+            </a:r>
+            <a:r>
+              <a:rPr lang="en-US" sz="4000" dirty="0" err="1"/>
+              <a:t>nginx</a:t>
+            </a:r>
+            <a:endParaRPr lang="en-US" sz="4000" dirty="0"/>
+          </a:p>
+          <a:p>
+            <a:r>
+              <a:rPr lang="en-US" sz="4000" b="1" dirty="0"/>
+              <a:t>    nginx.ingress.kubernetes.io/rewrite-target: /$2</a:t>
+            </a:r>
+          </a:p>
+          <a:p>
+            <a:r>
+              <a:rPr lang="en-US" sz="4000" dirty="0"/>
+              <a:t>spec:</a:t>
+            </a:r>
+          </a:p>
+          <a:p>
+            <a:r>
+              <a:rPr lang="en-US" sz="4000" dirty="0"/>
+              <a:t>  rules:</a:t>
+            </a:r>
+          </a:p>
+          <a:p>
+            <a:r>
+              <a:rPr lang="en-US" sz="4000" dirty="0"/>
+              <a:t>    - host: localhost</a:t>
+            </a:r>
+          </a:p>
+          <a:p>
+            <a:r>
+              <a:rPr lang="en-US" sz="4000" dirty="0"/>
+              <a:t>      http:</a:t>
+            </a:r>
+          </a:p>
+          <a:p>
+            <a:r>
+              <a:rPr lang="en-US" sz="4000" dirty="0"/>
+              <a:t>        paths:</a:t>
+            </a:r>
+          </a:p>
+          <a:p>
+            <a:r>
+              <a:rPr lang="en-US" sz="4000" dirty="0"/>
+              <a:t>          - </a:t>
+            </a:r>
+            <a:r>
+              <a:rPr lang="en-US" sz="4000" b="1" dirty="0"/>
+              <a:t>path: /</a:t>
+            </a:r>
+            <a:r>
+              <a:rPr lang="en-US" sz="4000" b="1" dirty="0" err="1"/>
+              <a:t>demoapi</a:t>
+            </a:r>
+            <a:r>
+              <a:rPr lang="en-US" sz="4000" b="1" dirty="0"/>
+              <a:t>(/|$)(.*)</a:t>
+            </a:r>
+          </a:p>
+          <a:p>
+            <a:r>
+              <a:rPr lang="en-US" sz="4000" dirty="0"/>
+              <a:t>            backend:</a:t>
+            </a:r>
+          </a:p>
+          <a:p>
+            <a:r>
+              <a:rPr lang="en-US" sz="4000" b="1" dirty="0"/>
+              <a:t>              </a:t>
+            </a:r>
+            <a:r>
+              <a:rPr lang="en-US" sz="4000" b="1" dirty="0" err="1"/>
+              <a:t>serviceName</a:t>
+            </a:r>
+            <a:r>
+              <a:rPr lang="en-US" sz="4000" b="1" dirty="0"/>
+              <a:t>: k8sdemo</a:t>
+            </a:r>
+          </a:p>
+          <a:p>
+            <a:r>
+              <a:rPr lang="en-US" sz="4000" dirty="0"/>
+              <a:t>              </a:t>
+            </a:r>
+            <a:r>
+              <a:rPr lang="en-US" sz="4000" dirty="0" err="1"/>
+              <a:t>servicePort</a:t>
+            </a:r>
+            <a:r>
+              <a:rPr lang="en-US" sz="4000" dirty="0"/>
+              <a:t>: 80</a:t>
+            </a:r>
           </a:p>
         </p:txBody>
       </p:sp>
     </p:spTree>
     <p:extLst>
       <p:ext uri="{BB962C8B-B14F-4D97-AF65-F5344CB8AC3E}">
-        <p14:creationId xmlns:p14="http://schemas.microsoft.com/office/powerpoint/2010/main" val="4156343219"/>
+        <p14:creationId xmlns:p14="http://schemas.microsoft.com/office/powerpoint/2010/main" val="3838510198"/>
       </p:ext>
     </p:extLst>
   </p:cSld>
@@ -13244,7 +12883,7 @@
           </a:prstGeom>
           <a:extLst>
             <a:ext uri="{C572A759-6A51-4108-AA02-DFA0A04FC94B}">
-              <ma14:wrappingTextBoxFlag xmlns:ma14="http://schemas.microsoft.com/office/mac/drawingml/2011/main" xmlns="" val="1"/>
+              <ma14:wrappingTextBoxFlag xmlns="" xmlns:ma14="http://schemas.microsoft.com/office/mac/drawingml/2011/main" val="1"/>
             </a:ext>
           </a:extLst>
         </p:spPr>
@@ -13434,7 +13073,7 @@
           </a:ln>
           <a:extLst>
             <a:ext uri="{C572A759-6A51-4108-AA02-DFA0A04FC94B}">
-              <ma14:wrappingTextBoxFlag xmlns:ma14="http://schemas.microsoft.com/office/mac/drawingml/2011/main" xmlns="" val="1"/>
+              <ma14:wrappingTextBoxFlag xmlns="" xmlns:ma14="http://schemas.microsoft.com/office/mac/drawingml/2011/main" val="1"/>
             </a:ext>
           </a:extLst>
         </p:spPr>
@@ -13717,7 +13356,7 @@
           </a:prstGeom>
           <a:extLst>
             <a:ext uri="{C572A759-6A51-4108-AA02-DFA0A04FC94B}">
-              <ma14:wrappingTextBoxFlag xmlns:ma14="http://schemas.microsoft.com/office/mac/drawingml/2011/main" xmlns="" val="1"/>
+              <ma14:wrappingTextBoxFlag xmlns="" xmlns:ma14="http://schemas.microsoft.com/office/mac/drawingml/2011/main" val="1"/>
             </a:ext>
           </a:extLst>
         </p:spPr>
@@ -13961,7 +13600,7 @@
           </a:ln>
           <a:extLst>
             <a:ext uri="{C572A759-6A51-4108-AA02-DFA0A04FC94B}">
-              <ma14:wrappingTextBoxFlag xmlns:ma14="http://schemas.microsoft.com/office/mac/drawingml/2011/main" xmlns="" val="1"/>
+              <ma14:wrappingTextBoxFlag xmlns="" xmlns:ma14="http://schemas.microsoft.com/office/mac/drawingml/2011/main" val="1"/>
             </a:ext>
           </a:extLst>
         </p:spPr>
@@ -14164,151 +13803,6 @@
       </p:grpSpPr>
       <p:sp>
         <p:nvSpPr>
-          <p:cNvPr id="2" name="Title 1">
-            <a:extLst>
-              <a:ext uri="{FF2B5EF4-FFF2-40B4-BE49-F238E27FC236}">
-                <a16:creationId xmlns:a16="http://schemas.microsoft.com/office/drawing/2014/main" id="{BAC6A934-ED96-43F0-A5A2-DA88237C53A4}"/>
-              </a:ext>
-            </a:extLst>
-          </p:cNvPr>
-          <p:cNvSpPr>
-            <a:spLocks noGrp="1"/>
-          </p:cNvSpPr>
-          <p:nvPr>
-            <p:ph type="title"/>
-          </p:nvPr>
-        </p:nvSpPr>
-        <p:spPr/>
-        <p:txBody>
-          <a:bodyPr>
-            <a:normAutofit/>
-          </a:bodyPr>
-          <a:lstStyle/>
-          <a:p>
-            <a:r>
-              <a:rPr lang="it-IT" dirty="0"/>
-              <a:t>K8s dashboard</a:t>
-            </a:r>
-            <a:endParaRPr lang="en-US" dirty="0"/>
-          </a:p>
-        </p:txBody>
-      </p:sp>
-      <p:sp>
-        <p:nvSpPr>
-          <p:cNvPr id="3" name="Text Placeholder 2">
-            <a:extLst>
-              <a:ext uri="{FF2B5EF4-FFF2-40B4-BE49-F238E27FC236}">
-                <a16:creationId xmlns:a16="http://schemas.microsoft.com/office/drawing/2014/main" id="{D94D1740-F99F-40A0-9705-CDCADB84BDCC}"/>
-              </a:ext>
-            </a:extLst>
-          </p:cNvPr>
-          <p:cNvSpPr>
-            <a:spLocks noGrp="1"/>
-          </p:cNvSpPr>
-          <p:nvPr>
-            <p:ph type="body" sz="quarter" idx="13"/>
-          </p:nvPr>
-        </p:nvSpPr>
-        <p:spPr/>
-        <p:txBody>
-          <a:bodyPr/>
-          <a:lstStyle/>
-          <a:p>
-            <a:endParaRPr lang="en-US" dirty="0"/>
-          </a:p>
-        </p:txBody>
-      </p:sp>
-      <p:sp>
-        <p:nvSpPr>
-          <p:cNvPr id="4" name="Text Placeholder 3">
-            <a:extLst>
-              <a:ext uri="{FF2B5EF4-FFF2-40B4-BE49-F238E27FC236}">
-                <a16:creationId xmlns:a16="http://schemas.microsoft.com/office/drawing/2014/main" id="{97426872-BA82-4B79-9A35-20075E97E971}"/>
-              </a:ext>
-            </a:extLst>
-          </p:cNvPr>
-          <p:cNvSpPr>
-            <a:spLocks noGrp="1"/>
-          </p:cNvSpPr>
-          <p:nvPr>
-            <p:ph type="body" idx="1"/>
-          </p:nvPr>
-        </p:nvSpPr>
-        <p:spPr/>
-        <p:txBody>
-          <a:bodyPr/>
-          <a:lstStyle/>
-          <a:p>
-            <a:pPr marL="508000" lvl="1" indent="0">
-              <a:buNone/>
-            </a:pPr>
-            <a:endParaRPr lang="it-IT" dirty="0"/>
-          </a:p>
-        </p:txBody>
-      </p:sp>
-      <p:pic>
-        <p:nvPicPr>
-          <p:cNvPr id="6" name="Picture 5">
-            <a:extLst>
-              <a:ext uri="{FF2B5EF4-FFF2-40B4-BE49-F238E27FC236}">
-                <a16:creationId xmlns:a16="http://schemas.microsoft.com/office/drawing/2014/main" id="{AC2B42AC-AF09-4C5A-AED4-1ACB4BA39B25}"/>
-              </a:ext>
-            </a:extLst>
-          </p:cNvPr>
-          <p:cNvPicPr>
-            <a:picLocks noChangeAspect="1"/>
-          </p:cNvPicPr>
-          <p:nvPr/>
-        </p:nvPicPr>
-        <p:blipFill>
-          <a:blip r:embed="rId3"/>
-          <a:stretch>
-            <a:fillRect/>
-          </a:stretch>
-        </p:blipFill>
-        <p:spPr>
-          <a:xfrm>
-            <a:off x="1805572" y="3793896"/>
-            <a:ext cx="18087975" cy="8943975"/>
-          </a:xfrm>
-          <a:prstGeom prst="rect">
-            <a:avLst/>
-          </a:prstGeom>
-        </p:spPr>
-      </p:pic>
-    </p:spTree>
-    <p:extLst>
-      <p:ext uri="{BB962C8B-B14F-4D97-AF65-F5344CB8AC3E}">
-        <p14:creationId xmlns:p14="http://schemas.microsoft.com/office/powerpoint/2010/main" val="1896964449"/>
-      </p:ext>
-    </p:extLst>
-  </p:cSld>
-  <p:clrMapOvr>
-    <a:masterClrMapping/>
-  </p:clrMapOvr>
-  <p:transition spd="med"/>
-</p:sld>
-</file>
-
-<file path=ppt/slides/slide8.xml><?xml version="1.0" encoding="utf-8"?>
-<p:sld xmlns:a="http://schemas.openxmlformats.org/drawingml/2006/main" xmlns:r="http://schemas.openxmlformats.org/officeDocument/2006/relationships" xmlns:p="http://schemas.openxmlformats.org/presentationml/2006/main">
-  <p:cSld>
-    <p:spTree>
-      <p:nvGrpSpPr>
-        <p:cNvPr id="1" name=""/>
-        <p:cNvGrpSpPr/>
-        <p:nvPr/>
-      </p:nvGrpSpPr>
-      <p:grpSpPr>
-        <a:xfrm>
-          <a:off x="0" y="0"/>
-          <a:ext cx="0" cy="0"/>
-          <a:chOff x="0" y="0"/>
-          <a:chExt cx="0" cy="0"/>
-        </a:xfrm>
-      </p:grpSpPr>
-      <p:sp>
-        <p:nvSpPr>
           <p:cNvPr id="282" name="Slide Number"/>
           <p:cNvSpPr txBox="1">
             <a:spLocks noGrp="1"/>
@@ -14327,7 +13821,7 @@
           </a:prstGeom>
           <a:extLst>
             <a:ext uri="{C572A759-6A51-4108-AA02-DFA0A04FC94B}">
-              <ma14:wrappingTextBoxFlag xmlns:ma14="http://schemas.microsoft.com/office/mac/drawingml/2011/main" xmlns="" val="1"/>
+              <ma14:wrappingTextBoxFlag xmlns="" xmlns:ma14="http://schemas.microsoft.com/office/mac/drawingml/2011/main" val="1"/>
             </a:ext>
           </a:extLst>
         </p:spPr>
@@ -14336,7 +13830,7 @@
           <a:lstStyle/>
           <a:p>
             <a:fld id="{86CB4B4D-7CA3-9044-876B-883B54F8677D}" type="slidenum">
-              <a:t>8</a:t>
+              <a:t>7</a:t>
             </a:fld>
             <a:endParaRPr/>
           </a:p>
@@ -14578,7 +14072,7 @@
           </a:ln>
           <a:extLst>
             <a:ext uri="{C572A759-6A51-4108-AA02-DFA0A04FC94B}">
-              <ma14:wrappingTextBoxFlag xmlns:ma14="http://schemas.microsoft.com/office/mac/drawingml/2011/main" xmlns="" val="1"/>
+              <ma14:wrappingTextBoxFlag xmlns="" xmlns:ma14="http://schemas.microsoft.com/office/mac/drawingml/2011/main" val="1"/>
             </a:ext>
           </a:extLst>
         </p:spPr>
@@ -14619,7 +14113,7 @@
 </p:sld>
 </file>
 
-<file path=ppt/slides/slide9.xml><?xml version="1.0" encoding="utf-8"?>
+<file path=ppt/slides/slide8.xml><?xml version="1.0" encoding="utf-8"?>
 <p:sld xmlns:a="http://schemas.openxmlformats.org/drawingml/2006/main" xmlns:r="http://schemas.openxmlformats.org/officeDocument/2006/relationships" xmlns:p="http://schemas.openxmlformats.org/presentationml/2006/main">
   <p:cSld>
     <p:spTree>
@@ -14858,6 +14352,274 @@
     <p:extLst>
       <p:ext uri="{BB962C8B-B14F-4D97-AF65-F5344CB8AC3E}">
         <p14:creationId xmlns:p14="http://schemas.microsoft.com/office/powerpoint/2010/main" val="2611050659"/>
+      </p:ext>
+    </p:extLst>
+  </p:cSld>
+  <p:clrMapOvr>
+    <a:masterClrMapping/>
+  </p:clrMapOvr>
+  <p:transition spd="med"/>
+</p:sld>
+</file>
+
+<file path=ppt/slides/slide9.xml><?xml version="1.0" encoding="utf-8"?>
+<p:sld xmlns:a="http://schemas.openxmlformats.org/drawingml/2006/main" xmlns:r="http://schemas.openxmlformats.org/officeDocument/2006/relationships" xmlns:p="http://schemas.openxmlformats.org/presentationml/2006/main">
+  <p:cSld>
+    <p:spTree>
+      <p:nvGrpSpPr>
+        <p:cNvPr id="1" name=""/>
+        <p:cNvGrpSpPr/>
+        <p:nvPr/>
+      </p:nvGrpSpPr>
+      <p:grpSpPr>
+        <a:xfrm>
+          <a:off x="0" y="0"/>
+          <a:ext cx="0" cy="0"/>
+          <a:chOff x="0" y="0"/>
+          <a:chExt cx="0" cy="0"/>
+        </a:xfrm>
+      </p:grpSpPr>
+      <p:sp>
+        <p:nvSpPr>
+          <p:cNvPr id="2" name="Title 1">
+            <a:extLst>
+              <a:ext uri="{FF2B5EF4-FFF2-40B4-BE49-F238E27FC236}">
+                <a16:creationId xmlns:a16="http://schemas.microsoft.com/office/drawing/2014/main" id="{EE70F559-8251-4D46-9246-DA5D35B10B4C}"/>
+              </a:ext>
+            </a:extLst>
+          </p:cNvPr>
+          <p:cNvSpPr>
+            <a:spLocks noGrp="1"/>
+          </p:cNvSpPr>
+          <p:nvPr>
+            <p:ph type="title"/>
+          </p:nvPr>
+        </p:nvSpPr>
+        <p:spPr/>
+        <p:txBody>
+          <a:bodyPr/>
+          <a:lstStyle/>
+          <a:p>
+            <a:r>
+              <a:rPr lang="it-IT" dirty="0"/>
+              <a:t>In-cluster </a:t>
+            </a:r>
+            <a:r>
+              <a:rPr lang="it-IT" dirty="0" err="1"/>
+              <a:t>communication</a:t>
+            </a:r>
+            <a:endParaRPr lang="en-US" dirty="0"/>
+          </a:p>
+        </p:txBody>
+      </p:sp>
+      <p:sp>
+        <p:nvSpPr>
+          <p:cNvPr id="3" name="Text Placeholder 2">
+            <a:extLst>
+              <a:ext uri="{FF2B5EF4-FFF2-40B4-BE49-F238E27FC236}">
+                <a16:creationId xmlns:a16="http://schemas.microsoft.com/office/drawing/2014/main" id="{21DEBC65-BA00-4C38-B817-4CA076455813}"/>
+              </a:ext>
+            </a:extLst>
+          </p:cNvPr>
+          <p:cNvSpPr>
+            <a:spLocks noGrp="1"/>
+          </p:cNvSpPr>
+          <p:nvPr>
+            <p:ph type="body" sz="quarter" idx="13"/>
+          </p:nvPr>
+        </p:nvSpPr>
+        <p:spPr/>
+        <p:txBody>
+          <a:bodyPr/>
+          <a:lstStyle/>
+          <a:p>
+            <a:endParaRPr lang="en-US"/>
+          </a:p>
+        </p:txBody>
+      </p:sp>
+      <p:sp>
+        <p:nvSpPr>
+          <p:cNvPr id="4" name="Text Placeholder 3">
+            <a:extLst>
+              <a:ext uri="{FF2B5EF4-FFF2-40B4-BE49-F238E27FC236}">
+                <a16:creationId xmlns:a16="http://schemas.microsoft.com/office/drawing/2014/main" id="{316286F4-F5FF-44D0-A8DA-87B9CB209965}"/>
+              </a:ext>
+            </a:extLst>
+          </p:cNvPr>
+          <p:cNvSpPr>
+            <a:spLocks noGrp="1"/>
+          </p:cNvSpPr>
+          <p:nvPr>
+            <p:ph type="body" idx="1"/>
+          </p:nvPr>
+        </p:nvSpPr>
+        <p:spPr/>
+        <p:txBody>
+          <a:bodyPr/>
+          <a:lstStyle/>
+          <a:p>
+            <a:r>
+              <a:rPr lang="en-US" dirty="0"/>
+              <a:t>Cross pod communication does not need to pass through an ingress:, better to go through services </a:t>
+            </a:r>
+          </a:p>
+          <a:p>
+            <a:r>
+              <a:rPr lang="en-US" dirty="0"/>
+              <a:t>Scenario : WEB Ap1 1 needs to call Web API 2</a:t>
+            </a:r>
+          </a:p>
+          <a:p>
+            <a:pPr lvl="1"/>
+            <a:r>
+              <a:rPr lang="en-US" dirty="0"/>
+              <a:t>Use the </a:t>
+            </a:r>
+            <a:r>
+              <a:rPr lang="en-US" i="1" dirty="0"/>
+              <a:t>service name</a:t>
+            </a:r>
+            <a:r>
+              <a:rPr lang="en-US" dirty="0"/>
+              <a:t> : </a:t>
+            </a:r>
+          </a:p>
+          <a:p>
+            <a:pPr lvl="2"/>
+            <a:r>
+              <a:rPr lang="en-US" dirty="0"/>
+              <a:t>Same namespace: </a:t>
+            </a:r>
+            <a:r>
+              <a:rPr lang="en-US" dirty="0">
+                <a:hlinkClick r:id="rId2"/>
+              </a:rPr>
+              <a:t>http://</a:t>
+            </a:r>
+            <a:r>
+              <a:rPr lang="en-US" dirty="0">
+                <a:sym typeface="Wingdings" panose="05000000000000000000" pitchFamily="2" charset="2"/>
+              </a:rPr>
+              <a:t>&lt;</a:t>
+            </a:r>
+            <a:r>
+              <a:rPr lang="en-US" dirty="0" err="1">
+                <a:sym typeface="Wingdings" panose="05000000000000000000" pitchFamily="2" charset="2"/>
+              </a:rPr>
+              <a:t>targetservicename</a:t>
+            </a:r>
+            <a:r>
+              <a:rPr lang="en-US" dirty="0">
+                <a:sym typeface="Wingdings" panose="05000000000000000000" pitchFamily="2" charset="2"/>
+              </a:rPr>
+              <a:t>&gt;</a:t>
+            </a:r>
+            <a:r>
+              <a:rPr lang="en-US" dirty="0">
+                <a:hlinkClick r:id="rId2"/>
+              </a:rPr>
+              <a:t>/</a:t>
+            </a:r>
+            <a:r>
+              <a:rPr lang="en-US" dirty="0"/>
+              <a:t>.. (doesn’t change from dev to prod </a:t>
+            </a:r>
+            <a:r>
+              <a:rPr lang="en-US" dirty="0">
+                <a:sym typeface="Wingdings" panose="05000000000000000000" pitchFamily="2" charset="2"/>
+              </a:rPr>
+              <a:t> ) </a:t>
+            </a:r>
+          </a:p>
+          <a:p>
+            <a:pPr lvl="2"/>
+            <a:r>
+              <a:rPr lang="en-US" dirty="0">
+                <a:sym typeface="Wingdings" panose="05000000000000000000" pitchFamily="2" charset="2"/>
+              </a:rPr>
+              <a:t>Different </a:t>
+            </a:r>
+            <a:r>
+              <a:rPr lang="en-US" dirty="0" err="1">
+                <a:sym typeface="Wingdings" panose="05000000000000000000" pitchFamily="2" charset="2"/>
+              </a:rPr>
+              <a:t>namesapace</a:t>
+            </a:r>
+            <a:r>
+              <a:rPr lang="en-US" dirty="0">
+                <a:sym typeface="Wingdings" panose="05000000000000000000" pitchFamily="2" charset="2"/>
+              </a:rPr>
+              <a:t>: http://&lt;targetservicename&gt;.&lt;target namespace where service resides&gt;</a:t>
+            </a:r>
+          </a:p>
+          <a:p>
+            <a:pPr lvl="1"/>
+            <a:r>
+              <a:rPr lang="en-US" dirty="0">
+                <a:sym typeface="Wingdings" panose="05000000000000000000" pitchFamily="2" charset="2"/>
+              </a:rPr>
+              <a:t>Ingress is only for http/https (uses an http reverse proxy)</a:t>
+            </a:r>
+          </a:p>
+          <a:p>
+            <a:pPr lvl="1"/>
+            <a:r>
+              <a:rPr lang="en-US" dirty="0">
+                <a:sym typeface="Wingdings" panose="05000000000000000000" pitchFamily="2" charset="2"/>
+              </a:rPr>
+              <a:t>through services any traffic on any port is fine </a:t>
+            </a:r>
+            <a:br>
+              <a:rPr lang="en-US" dirty="0">
+                <a:sym typeface="Wingdings" panose="05000000000000000000" pitchFamily="2" charset="2"/>
+              </a:rPr>
+            </a:br>
+            <a:br>
+              <a:rPr lang="en-US" dirty="0">
+                <a:sym typeface="Wingdings" panose="05000000000000000000" pitchFamily="2" charset="2"/>
+              </a:rPr>
+            </a:br>
+            <a:r>
+              <a:rPr lang="en-US" dirty="0">
+                <a:sym typeface="Wingdings" panose="05000000000000000000" pitchFamily="2" charset="2"/>
+              </a:rPr>
+              <a:t>"</a:t>
+            </a:r>
+            <a:r>
+              <a:rPr lang="en-US" dirty="0" err="1">
+                <a:sym typeface="Wingdings" panose="05000000000000000000" pitchFamily="2" charset="2"/>
+              </a:rPr>
+              <a:t>mongodb</a:t>
+            </a:r>
+            <a:r>
+              <a:rPr lang="en-US" dirty="0">
+                <a:sym typeface="Wingdings" panose="05000000000000000000" pitchFamily="2" charset="2"/>
+              </a:rPr>
+              <a:t>://user:pwd@</a:t>
+            </a:r>
+            <a:r>
+              <a:rPr lang="en-US" dirty="0">
+                <a:highlight>
+                  <a:srgbClr val="FFFF00"/>
+                </a:highlight>
+                <a:sym typeface="Wingdings" panose="05000000000000000000" pitchFamily="2" charset="2"/>
+              </a:rPr>
+              <a:t>mongodbsrv.mongodbnamespace</a:t>
+            </a:r>
+            <a:r>
+              <a:rPr lang="en-US" dirty="0">
+                <a:sym typeface="Wingdings" panose="05000000000000000000" pitchFamily="2" charset="2"/>
+              </a:rPr>
+              <a:t>:27017 .."</a:t>
+            </a:r>
+            <a:endParaRPr lang="en-US" dirty="0"/>
+          </a:p>
+        </p:txBody>
+      </p:sp>
+    </p:spTree>
+    <p:extLst>
+      <p:ext uri="{BB962C8B-B14F-4D97-AF65-F5344CB8AC3E}">
+        <p14:creationId xmlns:p14="http://schemas.microsoft.com/office/powerpoint/2010/main" val="4156343219"/>
       </p:ext>
     </p:extLst>
   </p:cSld>
@@ -17356,6 +17118,21 @@
 </file>
 
 <file path=customXml/item1.xml><?xml version="1.0" encoding="utf-8"?>
+<p:properties xmlns:p="http://schemas.microsoft.com/office/2006/metadata/properties" xmlns:xsi="http://www.w3.org/2001/XMLSchema-instance" xmlns:pc="http://schemas.microsoft.com/office/infopath/2007/PartnerControls">
+  <documentManagement/>
+</p:properties>
+</file>
+
+<file path=customXml/item2.xml><?xml version="1.0" encoding="utf-8"?>
+<?mso-contentType ?>
+<FormTemplates xmlns="http://schemas.microsoft.com/sharepoint/v3/contenttype/forms">
+  <Display>DocumentLibraryForm</Display>
+  <Edit>DocumentLibraryForm</Edit>
+  <New>DocumentLibraryForm</New>
+</FormTemplates>
+</file>
+
+<file path=customXml/item3.xml><?xml version="1.0" encoding="utf-8"?>
 <ct:contentTypeSchema xmlns:ct="http://schemas.microsoft.com/office/2006/metadata/contentType" xmlns:ma="http://schemas.microsoft.com/office/2006/metadata/properties/metaAttributes" ct:_="" ma:_="" ma:contentTypeName="Documento" ma:contentTypeID="0x010100E6A5A58969A45D48A3FDE48C16D47668" ma:contentTypeVersion="7" ma:contentTypeDescription="Creare un nuovo documento." ma:contentTypeScope="" ma:versionID="6a156910bfe1709bd52a834455f674b1">
   <xsd:schema xmlns:xsd="http://www.w3.org/2001/XMLSchema" xmlns:xs="http://www.w3.org/2001/XMLSchema" xmlns:p="http://schemas.microsoft.com/office/2006/metadata/properties" xmlns:ns2="c3ffa819-a771-4877-ad4d-25f776e91fc1" xmlns:ns3="9fad99a4-1f10-4083-bdc6-95bb547585ec" targetNamespace="http://schemas.microsoft.com/office/2006/metadata/properties" ma:root="true" ma:fieldsID="dccc4f762faa72a8390d0658fd5f380b" ns2:_="" ns3:_="">
     <xsd:import namespace="c3ffa819-a771-4877-ad4d-25f776e91fc1"/>
@@ -17540,22 +17317,32 @@
 </ct:contentTypeSchema>
 </file>
 
-<file path=customXml/item2.xml><?xml version="1.0" encoding="utf-8"?>
-<?mso-contentType ?>
-<FormTemplates xmlns="http://schemas.microsoft.com/sharepoint/v3/contenttype/forms">
-  <Display>DocumentLibraryForm</Display>
-  <Edit>DocumentLibraryForm</Edit>
-  <New>DocumentLibraryForm</New>
-</FormTemplates>
+<file path=customXml/itemProps1.xml><?xml version="1.0" encoding="utf-8"?>
+<ds:datastoreItem xmlns:ds="http://schemas.openxmlformats.org/officeDocument/2006/customXml" ds:itemID="{37F187F3-04C2-4986-B925-C49BDDD739C4}">
+  <ds:schemaRefs>
+    <ds:schemaRef ds:uri="http://purl.org/dc/elements/1.1/"/>
+    <ds:schemaRef ds:uri="http://schemas.microsoft.com/office/2006/metadata/properties"/>
+    <ds:schemaRef ds:uri="c3ffa819-a771-4877-ad4d-25f776e91fc1"/>
+    <ds:schemaRef ds:uri="9fad99a4-1f10-4083-bdc6-95bb547585ec"/>
+    <ds:schemaRef ds:uri="http://purl.org/dc/terms/"/>
+    <ds:schemaRef ds:uri="http://schemas.microsoft.com/office/infopath/2007/PartnerControls"/>
+    <ds:schemaRef ds:uri="http://schemas.microsoft.com/office/2006/documentManagement/types"/>
+    <ds:schemaRef ds:uri="http://schemas.openxmlformats.org/package/2006/metadata/core-properties"/>
+    <ds:schemaRef ds:uri="http://www.w3.org/XML/1998/namespace"/>
+    <ds:schemaRef ds:uri="http://purl.org/dc/dcmitype/"/>
+  </ds:schemaRefs>
+</ds:datastoreItem>
 </file>
 
-<file path=customXml/item3.xml><?xml version="1.0" encoding="utf-8"?>
-<p:properties xmlns:p="http://schemas.microsoft.com/office/2006/metadata/properties" xmlns:xsi="http://www.w3.org/2001/XMLSchema-instance" xmlns:pc="http://schemas.microsoft.com/office/infopath/2007/PartnerControls">
-  <documentManagement/>
-</p:properties>
+<file path=customXml/itemProps2.xml><?xml version="1.0" encoding="utf-8"?>
+<ds:datastoreItem xmlns:ds="http://schemas.openxmlformats.org/officeDocument/2006/customXml" ds:itemID="{81BFDE8D-C4DF-4F86-84B9-52E0C5AFDCD4}">
+  <ds:schemaRefs>
+    <ds:schemaRef ds:uri="http://schemas.microsoft.com/sharepoint/v3/contenttype/forms"/>
+  </ds:schemaRefs>
+</ds:datastoreItem>
 </file>
 
-<file path=customXml/itemProps1.xml><?xml version="1.0" encoding="utf-8"?>
+<file path=customXml/itemProps3.xml><?xml version="1.0" encoding="utf-8"?>
 <ds:datastoreItem xmlns:ds="http://schemas.openxmlformats.org/officeDocument/2006/customXml" ds:itemID="{7F298B02-FB17-484A-BB72-42168D5F181C}">
   <ds:schemaRefs>
     <ds:schemaRef ds:uri="http://schemas.microsoft.com/office/2006/metadata/contentType"/>
@@ -17572,29 +17359,4 @@
     <ds:schemaRef ds:uri="http://schemas.microsoft.com/internal/obd"/>
   </ds:schemaRefs>
 </ds:datastoreItem>
-</file>
-
-<file path=customXml/itemProps2.xml><?xml version="1.0" encoding="utf-8"?>
-<ds:datastoreItem xmlns:ds="http://schemas.openxmlformats.org/officeDocument/2006/customXml" ds:itemID="{81BFDE8D-C4DF-4F86-84B9-52E0C5AFDCD4}">
-  <ds:schemaRefs>
-    <ds:schemaRef ds:uri="http://schemas.microsoft.com/sharepoint/v3/contenttype/forms"/>
-  </ds:schemaRefs>
-</ds:datastoreItem>
-</file>
-
-<file path=customXml/itemProps3.xml><?xml version="1.0" encoding="utf-8"?>
-<ds:datastoreItem xmlns:ds="http://schemas.openxmlformats.org/officeDocument/2006/customXml" ds:itemID="{37F187F3-04C2-4986-B925-C49BDDD739C4}">
-  <ds:schemaRefs>
-    <ds:schemaRef ds:uri="http://purl.org/dc/elements/1.1/"/>
-    <ds:schemaRef ds:uri="http://schemas.microsoft.com/office/2006/metadata/properties"/>
-    <ds:schemaRef ds:uri="c3ffa819-a771-4877-ad4d-25f776e91fc1"/>
-    <ds:schemaRef ds:uri="9fad99a4-1f10-4083-bdc6-95bb547585ec"/>
-    <ds:schemaRef ds:uri="http://purl.org/dc/terms/"/>
-    <ds:schemaRef ds:uri="http://schemas.microsoft.com/office/infopath/2007/PartnerControls"/>
-    <ds:schemaRef ds:uri="http://schemas.microsoft.com/office/2006/documentManagement/types"/>
-    <ds:schemaRef ds:uri="http://schemas.openxmlformats.org/package/2006/metadata/core-properties"/>
-    <ds:schemaRef ds:uri="http://www.w3.org/XML/1998/namespace"/>
-    <ds:schemaRef ds:uri="http://purl.org/dc/dcmitype/"/>
-  </ds:schemaRefs>
-</ds:datastoreItem>
 </file>
--- a/K8s-basic.pptx
+++ b/K8s-basic.pptx
@@ -445,7 +445,7 @@
           <a:p>
             <a:fld id="{2772BE4E-48FD-A347-A676-3904A5044681}" type="datetimeFigureOut">
               <a:rPr lang="it-IT" smtClean="0"/>
-              <a:t>27/05/2020</a:t>
+              <a:t>29/05/2020</a:t>
             </a:fld>
             <a:endParaRPr lang="it-IT" dirty="0"/>
           </a:p>
@@ -1863,7 +1863,7 @@
           </a:ln>
           <a:extLst>
             <a:ext uri="{C572A759-6A51-4108-AA02-DFA0A04FC94B}">
-              <ma14:wrappingTextBoxFlag xmlns="" xmlns:ma14="http://schemas.microsoft.com/office/mac/drawingml/2011/main" val="1"/>
+              <ma14:wrappingTextBoxFlag xmlns:ma14="http://schemas.microsoft.com/office/mac/drawingml/2011/main" xmlns="" val="1"/>
             </a:ext>
           </a:extLst>
         </p:spPr>
@@ -2271,7 +2271,7 @@
           </a:ln>
           <a:extLst>
             <a:ext uri="{C572A759-6A51-4108-AA02-DFA0A04FC94B}">
-              <ma14:wrappingTextBoxFlag xmlns="" xmlns:ma14="http://schemas.microsoft.com/office/mac/drawingml/2011/main" val="1"/>
+              <ma14:wrappingTextBoxFlag xmlns:ma14="http://schemas.microsoft.com/office/mac/drawingml/2011/main" xmlns="" val="1"/>
             </a:ext>
           </a:extLst>
         </p:spPr>
@@ -2417,7 +2417,7 @@
           </a:ln>
           <a:extLst>
             <a:ext uri="{C572A759-6A51-4108-AA02-DFA0A04FC94B}">
-              <ma14:wrappingTextBoxFlag xmlns="" xmlns:ma14="http://schemas.microsoft.com/office/mac/drawingml/2011/main" val="1"/>
+              <ma14:wrappingTextBoxFlag xmlns:ma14="http://schemas.microsoft.com/office/mac/drawingml/2011/main" xmlns="" val="1"/>
             </a:ext>
           </a:extLst>
         </p:spPr>
@@ -3978,7 +3978,7 @@
           </a:ln>
           <a:extLst>
             <a:ext uri="{C572A759-6A51-4108-AA02-DFA0A04FC94B}">
-              <ma14:wrappingTextBoxFlag xmlns="" xmlns:ma14="http://schemas.microsoft.com/office/mac/drawingml/2011/main" val="1"/>
+              <ma14:wrappingTextBoxFlag xmlns:ma14="http://schemas.microsoft.com/office/mac/drawingml/2011/main" xmlns="" val="1"/>
             </a:ext>
           </a:extLst>
         </p:spPr>
@@ -4189,7 +4189,7 @@
           </a:ln>
           <a:extLst>
             <a:ext uri="{C572A759-6A51-4108-AA02-DFA0A04FC94B}">
-              <ma14:wrappingTextBoxFlag xmlns="" xmlns:ma14="http://schemas.microsoft.com/office/mac/drawingml/2011/main" val="1"/>
+              <ma14:wrappingTextBoxFlag xmlns:ma14="http://schemas.microsoft.com/office/mac/drawingml/2011/main" xmlns="" val="1"/>
             </a:ext>
           </a:extLst>
         </p:spPr>
@@ -4423,7 +4423,7 @@
           </a:ln>
           <a:extLst>
             <a:ext uri="{C572A759-6A51-4108-AA02-DFA0A04FC94B}">
-              <ma14:wrappingTextBoxFlag xmlns="" xmlns:ma14="http://schemas.microsoft.com/office/mac/drawingml/2011/main" val="1"/>
+              <ma14:wrappingTextBoxFlag xmlns:ma14="http://schemas.microsoft.com/office/mac/drawingml/2011/main" xmlns="" val="1"/>
             </a:ext>
           </a:extLst>
         </p:spPr>
@@ -4805,7 +4805,7 @@
           </a:ln>
           <a:extLst>
             <a:ext uri="{C572A759-6A51-4108-AA02-DFA0A04FC94B}">
-              <ma14:wrappingTextBoxFlag xmlns="" xmlns:ma14="http://schemas.microsoft.com/office/mac/drawingml/2011/main" val="1"/>
+              <ma14:wrappingTextBoxFlag xmlns:ma14="http://schemas.microsoft.com/office/mac/drawingml/2011/main" xmlns="" val="1"/>
             </a:ext>
           </a:extLst>
         </p:spPr>
@@ -6378,7 +6378,7 @@
           </a:ln>
           <a:extLst>
             <a:ext uri="{C572A759-6A51-4108-AA02-DFA0A04FC94B}">
-              <ma14:wrappingTextBoxFlag xmlns="" xmlns:ma14="http://schemas.microsoft.com/office/mac/drawingml/2011/main" val="1"/>
+              <ma14:wrappingTextBoxFlag xmlns:ma14="http://schemas.microsoft.com/office/mac/drawingml/2011/main" xmlns="" val="1"/>
             </a:ext>
           </a:extLst>
         </p:spPr>
@@ -6425,7 +6425,7 @@
           </a:ln>
           <a:extLst>
             <a:ext uri="{C572A759-6A51-4108-AA02-DFA0A04FC94B}">
-              <ma14:wrappingTextBoxFlag xmlns="" xmlns:ma14="http://schemas.microsoft.com/office/mac/drawingml/2011/main" val="1"/>
+              <ma14:wrappingTextBoxFlag xmlns:ma14="http://schemas.microsoft.com/office/mac/drawingml/2011/main" xmlns="" val="1"/>
             </a:ext>
           </a:extLst>
         </p:spPr>
@@ -6600,7 +6600,7 @@
           </a:ln>
           <a:extLst>
             <a:ext uri="{C572A759-6A51-4108-AA02-DFA0A04FC94B}">
-              <ma14:wrappingTextBoxFlag xmlns="" xmlns:ma14="http://schemas.microsoft.com/office/mac/drawingml/2011/main" val="1"/>
+              <ma14:wrappingTextBoxFlag xmlns:ma14="http://schemas.microsoft.com/office/mac/drawingml/2011/main" xmlns="" val="1"/>
             </a:ext>
           </a:extLst>
         </p:spPr>
@@ -6639,7 +6639,7 @@
           </a:ln>
           <a:extLst>
             <a:ext uri="{C572A759-6A51-4108-AA02-DFA0A04FC94B}">
-              <ma14:wrappingTextBoxFlag xmlns="" xmlns:ma14="http://schemas.microsoft.com/office/mac/drawingml/2011/main" val="1"/>
+              <ma14:wrappingTextBoxFlag xmlns:ma14="http://schemas.microsoft.com/office/mac/drawingml/2011/main" xmlns="" val="1"/>
             </a:ext>
           </a:extLst>
         </p:spPr>
@@ -7503,66 +7503,42 @@
           <a:chExt cx="0" cy="0"/>
         </a:xfrm>
       </p:grpSpPr>
-      <p:sp>
-        <p:nvSpPr>
-          <p:cNvPr id="237" name="Subtitle"/>
-          <p:cNvSpPr txBox="1">
-            <a:spLocks noGrp="1"/>
-          </p:cNvSpPr>
-          <p:nvPr>
-            <p:ph type="body" idx="13"/>
-          </p:nvPr>
-        </p:nvSpPr>
+      <p:pic>
+        <p:nvPicPr>
+          <p:cNvPr id="3" name="Picture 2" descr="A screen shot of a store&#10;&#10;Description automatically generated">
+            <a:extLst>
+              <a:ext uri="{FF2B5EF4-FFF2-40B4-BE49-F238E27FC236}">
+                <a16:creationId xmlns:a16="http://schemas.microsoft.com/office/drawing/2014/main" id="{DC995901-ADCD-400C-8784-74BD36EC832C}"/>
+              </a:ext>
+            </a:extLst>
+          </p:cNvPr>
+          <p:cNvPicPr>
+            <a:picLocks noChangeAspect="1"/>
+          </p:cNvPicPr>
+          <p:nvPr/>
+        </p:nvPicPr>
+        <p:blipFill>
+          <a:blip r:embed="rId3">
+            <a:extLst>
+              <a:ext uri="{28A0092B-C50C-407E-A947-70E740481C1C}">
+                <a14:useLocalDpi xmlns:a14="http://schemas.microsoft.com/office/drawing/2010/main" val="0"/>
+              </a:ext>
+            </a:extLst>
+          </a:blip>
+          <a:stretch>
+            <a:fillRect/>
+          </a:stretch>
+        </p:blipFill>
         <p:spPr>
           <a:xfrm>
-            <a:off x="414464" y="5097081"/>
-            <a:ext cx="9048952" cy="859274"/>
+            <a:off x="308740" y="1264596"/>
+            <a:ext cx="23190740" cy="11595370"/>
           </a:xfrm>
           <a:prstGeom prst="rect">
             <a:avLst/>
           </a:prstGeom>
         </p:spPr>
-        <p:txBody>
-          <a:bodyPr/>
-          <a:lstStyle/>
-          <a:p>
-            <a:r>
-              <a:rPr lang="en-US" dirty="0"/>
-              <a:t>Kubernetes (k8s) in action</a:t>
-            </a:r>
-          </a:p>
-        </p:txBody>
-      </p:sp>
-      <p:sp>
-        <p:nvSpPr>
-          <p:cNvPr id="238" name="www.deltatre.com"/>
-          <p:cNvSpPr txBox="1">
-            <a:spLocks noGrp="1"/>
-          </p:cNvSpPr>
-          <p:nvPr>
-            <p:ph type="body" idx="14"/>
-          </p:nvPr>
-        </p:nvSpPr>
-        <p:spPr>
-          <a:xfrm>
-            <a:off x="401675" y="6930281"/>
-            <a:ext cx="4025141" cy="561179"/>
-          </a:xfrm>
-          <a:prstGeom prst="rect">
-            <a:avLst/>
-          </a:prstGeom>
-        </p:spPr>
-        <p:txBody>
-          <a:bodyPr/>
-          <a:lstStyle/>
-          <a:p>
-            <a:r>
-              <a:rPr lang="en-US"/>
-              <a:t>www.deltatre.com</a:t>
-            </a:r>
-          </a:p>
-        </p:txBody>
-      </p:sp>
+      </p:pic>
     </p:spTree>
   </p:cSld>
   <p:clrMapOvr>
@@ -10080,7 +10056,7 @@
           </a:prstGeom>
           <a:extLst>
             <a:ext uri="{C572A759-6A51-4108-AA02-DFA0A04FC94B}">
-              <ma14:wrappingTextBoxFlag xmlns="" xmlns:ma14="http://schemas.microsoft.com/office/mac/drawingml/2011/main" val="1"/>
+              <ma14:wrappingTextBoxFlag xmlns:ma14="http://schemas.microsoft.com/office/mac/drawingml/2011/main" xmlns="" val="1"/>
             </a:ext>
           </a:extLst>
         </p:spPr>
@@ -10315,7 +10291,7 @@
           </a:ln>
           <a:extLst>
             <a:ext uri="{C572A759-6A51-4108-AA02-DFA0A04FC94B}">
-              <ma14:wrappingTextBoxFlag xmlns="" xmlns:ma14="http://schemas.microsoft.com/office/mac/drawingml/2011/main" val="1"/>
+              <ma14:wrappingTextBoxFlag xmlns:ma14="http://schemas.microsoft.com/office/mac/drawingml/2011/main" xmlns="" val="1"/>
             </a:ext>
           </a:extLst>
         </p:spPr>
@@ -12883,7 +12859,7 @@
           </a:prstGeom>
           <a:extLst>
             <a:ext uri="{C572A759-6A51-4108-AA02-DFA0A04FC94B}">
-              <ma14:wrappingTextBoxFlag xmlns="" xmlns:ma14="http://schemas.microsoft.com/office/mac/drawingml/2011/main" val="1"/>
+              <ma14:wrappingTextBoxFlag xmlns:ma14="http://schemas.microsoft.com/office/mac/drawingml/2011/main" xmlns="" val="1"/>
             </a:ext>
           </a:extLst>
         </p:spPr>
@@ -13073,7 +13049,7 @@
           </a:ln>
           <a:extLst>
             <a:ext uri="{C572A759-6A51-4108-AA02-DFA0A04FC94B}">
-              <ma14:wrappingTextBoxFlag xmlns="" xmlns:ma14="http://schemas.microsoft.com/office/mac/drawingml/2011/main" val="1"/>
+              <ma14:wrappingTextBoxFlag xmlns:ma14="http://schemas.microsoft.com/office/mac/drawingml/2011/main" xmlns="" val="1"/>
             </a:ext>
           </a:extLst>
         </p:spPr>
@@ -13356,7 +13332,7 @@
           </a:prstGeom>
           <a:extLst>
             <a:ext uri="{C572A759-6A51-4108-AA02-DFA0A04FC94B}">
-              <ma14:wrappingTextBoxFlag xmlns="" xmlns:ma14="http://schemas.microsoft.com/office/mac/drawingml/2011/main" val="1"/>
+              <ma14:wrappingTextBoxFlag xmlns:ma14="http://schemas.microsoft.com/office/mac/drawingml/2011/main" xmlns="" val="1"/>
             </a:ext>
           </a:extLst>
         </p:spPr>
@@ -13600,7 +13576,7 @@
           </a:ln>
           <a:extLst>
             <a:ext uri="{C572A759-6A51-4108-AA02-DFA0A04FC94B}">
-              <ma14:wrappingTextBoxFlag xmlns="" xmlns:ma14="http://schemas.microsoft.com/office/mac/drawingml/2011/main" val="1"/>
+              <ma14:wrappingTextBoxFlag xmlns:ma14="http://schemas.microsoft.com/office/mac/drawingml/2011/main" xmlns="" val="1"/>
             </a:ext>
           </a:extLst>
         </p:spPr>
@@ -13821,7 +13797,7 @@
           </a:prstGeom>
           <a:extLst>
             <a:ext uri="{C572A759-6A51-4108-AA02-DFA0A04FC94B}">
-              <ma14:wrappingTextBoxFlag xmlns="" xmlns:ma14="http://schemas.microsoft.com/office/mac/drawingml/2011/main" val="1"/>
+              <ma14:wrappingTextBoxFlag xmlns:ma14="http://schemas.microsoft.com/office/mac/drawingml/2011/main" xmlns="" val="1"/>
             </a:ext>
           </a:extLst>
         </p:spPr>
@@ -14072,7 +14048,7 @@
           </a:ln>
           <a:extLst>
             <a:ext uri="{C572A759-6A51-4108-AA02-DFA0A04FC94B}">
-              <ma14:wrappingTextBoxFlag xmlns="" xmlns:ma14="http://schemas.microsoft.com/office/mac/drawingml/2011/main" val="1"/>
+              <ma14:wrappingTextBoxFlag xmlns:ma14="http://schemas.microsoft.com/office/mac/drawingml/2011/main" xmlns="" val="1"/>
             </a:ext>
           </a:extLst>
         </p:spPr>
@@ -17118,21 +17094,6 @@
 </file>
 
 <file path=customXml/item1.xml><?xml version="1.0" encoding="utf-8"?>
-<p:properties xmlns:p="http://schemas.microsoft.com/office/2006/metadata/properties" xmlns:xsi="http://www.w3.org/2001/XMLSchema-instance" xmlns:pc="http://schemas.microsoft.com/office/infopath/2007/PartnerControls">
-  <documentManagement/>
-</p:properties>
-</file>
-
-<file path=customXml/item2.xml><?xml version="1.0" encoding="utf-8"?>
-<?mso-contentType ?>
-<FormTemplates xmlns="http://schemas.microsoft.com/sharepoint/v3/contenttype/forms">
-  <Display>DocumentLibraryForm</Display>
-  <Edit>DocumentLibraryForm</Edit>
-  <New>DocumentLibraryForm</New>
-</FormTemplates>
-</file>
-
-<file path=customXml/item3.xml><?xml version="1.0" encoding="utf-8"?>
 <ct:contentTypeSchema xmlns:ct="http://schemas.microsoft.com/office/2006/metadata/contentType" xmlns:ma="http://schemas.microsoft.com/office/2006/metadata/properties/metaAttributes" ct:_="" ma:_="" ma:contentTypeName="Documento" ma:contentTypeID="0x010100E6A5A58969A45D48A3FDE48C16D47668" ma:contentTypeVersion="7" ma:contentTypeDescription="Creare un nuovo documento." ma:contentTypeScope="" ma:versionID="6a156910bfe1709bd52a834455f674b1">
   <xsd:schema xmlns:xsd="http://www.w3.org/2001/XMLSchema" xmlns:xs="http://www.w3.org/2001/XMLSchema" xmlns:p="http://schemas.microsoft.com/office/2006/metadata/properties" xmlns:ns2="c3ffa819-a771-4877-ad4d-25f776e91fc1" xmlns:ns3="9fad99a4-1f10-4083-bdc6-95bb547585ec" targetNamespace="http://schemas.microsoft.com/office/2006/metadata/properties" ma:root="true" ma:fieldsID="dccc4f762faa72a8390d0658fd5f380b" ns2:_="" ns3:_="">
     <xsd:import namespace="c3ffa819-a771-4877-ad4d-25f776e91fc1"/>
@@ -17317,32 +17278,22 @@
 </ct:contentTypeSchema>
 </file>
 
-<file path=customXml/itemProps1.xml><?xml version="1.0" encoding="utf-8"?>
-<ds:datastoreItem xmlns:ds="http://schemas.openxmlformats.org/officeDocument/2006/customXml" ds:itemID="{37F187F3-04C2-4986-B925-C49BDDD739C4}">
-  <ds:schemaRefs>
-    <ds:schemaRef ds:uri="http://purl.org/dc/elements/1.1/"/>
-    <ds:schemaRef ds:uri="http://schemas.microsoft.com/office/2006/metadata/properties"/>
-    <ds:schemaRef ds:uri="c3ffa819-a771-4877-ad4d-25f776e91fc1"/>
-    <ds:schemaRef ds:uri="9fad99a4-1f10-4083-bdc6-95bb547585ec"/>
-    <ds:schemaRef ds:uri="http://purl.org/dc/terms/"/>
-    <ds:schemaRef ds:uri="http://schemas.microsoft.com/office/infopath/2007/PartnerControls"/>
-    <ds:schemaRef ds:uri="http://schemas.microsoft.com/office/2006/documentManagement/types"/>
-    <ds:schemaRef ds:uri="http://schemas.openxmlformats.org/package/2006/metadata/core-properties"/>
-    <ds:schemaRef ds:uri="http://www.w3.org/XML/1998/namespace"/>
-    <ds:schemaRef ds:uri="http://purl.org/dc/dcmitype/"/>
-  </ds:schemaRefs>
-</ds:datastoreItem>
+<file path=customXml/item2.xml><?xml version="1.0" encoding="utf-8"?>
+<?mso-contentType ?>
+<FormTemplates xmlns="http://schemas.microsoft.com/sharepoint/v3/contenttype/forms">
+  <Display>DocumentLibraryForm</Display>
+  <Edit>DocumentLibraryForm</Edit>
+  <New>DocumentLibraryForm</New>
+</FormTemplates>
 </file>
 
-<file path=customXml/itemProps2.xml><?xml version="1.0" encoding="utf-8"?>
-<ds:datastoreItem xmlns:ds="http://schemas.openxmlformats.org/officeDocument/2006/customXml" ds:itemID="{81BFDE8D-C4DF-4F86-84B9-52E0C5AFDCD4}">
-  <ds:schemaRefs>
-    <ds:schemaRef ds:uri="http://schemas.microsoft.com/sharepoint/v3/contenttype/forms"/>
-  </ds:schemaRefs>
-</ds:datastoreItem>
+<file path=customXml/item3.xml><?xml version="1.0" encoding="utf-8"?>
+<p:properties xmlns:p="http://schemas.microsoft.com/office/2006/metadata/properties" xmlns:xsi="http://www.w3.org/2001/XMLSchema-instance" xmlns:pc="http://schemas.microsoft.com/office/infopath/2007/PartnerControls">
+  <documentManagement/>
+</p:properties>
 </file>
 
-<file path=customXml/itemProps3.xml><?xml version="1.0" encoding="utf-8"?>
+<file path=customXml/itemProps1.xml><?xml version="1.0" encoding="utf-8"?>
 <ds:datastoreItem xmlns:ds="http://schemas.openxmlformats.org/officeDocument/2006/customXml" ds:itemID="{7F298B02-FB17-484A-BB72-42168D5F181C}">
   <ds:schemaRefs>
     <ds:schemaRef ds:uri="http://schemas.microsoft.com/office/2006/metadata/contentType"/>
@@ -17359,4 +17310,29 @@
     <ds:schemaRef ds:uri="http://schemas.microsoft.com/internal/obd"/>
   </ds:schemaRefs>
 </ds:datastoreItem>
+</file>
+
+<file path=customXml/itemProps2.xml><?xml version="1.0" encoding="utf-8"?>
+<ds:datastoreItem xmlns:ds="http://schemas.openxmlformats.org/officeDocument/2006/customXml" ds:itemID="{81BFDE8D-C4DF-4F86-84B9-52E0C5AFDCD4}">
+  <ds:schemaRefs>
+    <ds:schemaRef ds:uri="http://schemas.microsoft.com/sharepoint/v3/contenttype/forms"/>
+  </ds:schemaRefs>
+</ds:datastoreItem>
+</file>
+
+<file path=customXml/itemProps3.xml><?xml version="1.0" encoding="utf-8"?>
+<ds:datastoreItem xmlns:ds="http://schemas.openxmlformats.org/officeDocument/2006/customXml" ds:itemID="{37F187F3-04C2-4986-B925-C49BDDD739C4}">
+  <ds:schemaRefs>
+    <ds:schemaRef ds:uri="http://purl.org/dc/elements/1.1/"/>
+    <ds:schemaRef ds:uri="http://schemas.microsoft.com/office/2006/metadata/properties"/>
+    <ds:schemaRef ds:uri="c3ffa819-a771-4877-ad4d-25f776e91fc1"/>
+    <ds:schemaRef ds:uri="9fad99a4-1f10-4083-bdc6-95bb547585ec"/>
+    <ds:schemaRef ds:uri="http://purl.org/dc/terms/"/>
+    <ds:schemaRef ds:uri="http://schemas.microsoft.com/office/infopath/2007/PartnerControls"/>
+    <ds:schemaRef ds:uri="http://schemas.microsoft.com/office/2006/documentManagement/types"/>
+    <ds:schemaRef ds:uri="http://schemas.openxmlformats.org/package/2006/metadata/core-properties"/>
+    <ds:schemaRef ds:uri="http://www.w3.org/XML/1998/namespace"/>
+    <ds:schemaRef ds:uri="http://purl.org/dc/dcmitype/"/>
+  </ds:schemaRefs>
+</ds:datastoreItem>
 </file>
--- a/K8s-basic.pptx
+++ b/K8s-basic.pptx
@@ -20,12 +20,12 @@
     <p:sldId id="300" r:id="rId11"/>
     <p:sldId id="325" r:id="rId12"/>
     <p:sldId id="311" r:id="rId13"/>
-    <p:sldId id="304" r:id="rId14"/>
-    <p:sldId id="301" r:id="rId15"/>
-    <p:sldId id="302" r:id="rId16"/>
-    <p:sldId id="303" r:id="rId17"/>
-    <p:sldId id="305" r:id="rId18"/>
-    <p:sldId id="322" r:id="rId19"/>
+    <p:sldId id="322" r:id="rId14"/>
+    <p:sldId id="304" r:id="rId15"/>
+    <p:sldId id="301" r:id="rId16"/>
+    <p:sldId id="302" r:id="rId17"/>
+    <p:sldId id="303" r:id="rId18"/>
+    <p:sldId id="305" r:id="rId19"/>
     <p:sldId id="310" r:id="rId20"/>
     <p:sldId id="309" r:id="rId21"/>
     <p:sldId id="328" r:id="rId22"/>
@@ -1863,7 +1863,7 @@
           </a:ln>
           <a:extLst>
             <a:ext uri="{C572A759-6A51-4108-AA02-DFA0A04FC94B}">
-              <ma14:wrappingTextBoxFlag xmlns:ma14="http://schemas.microsoft.com/office/mac/drawingml/2011/main" xmlns="" val="1"/>
+              <ma14:wrappingTextBoxFlag xmlns="" xmlns:ma14="http://schemas.microsoft.com/office/mac/drawingml/2011/main" val="1"/>
             </a:ext>
           </a:extLst>
         </p:spPr>
@@ -2271,7 +2271,7 @@
           </a:ln>
           <a:extLst>
             <a:ext uri="{C572A759-6A51-4108-AA02-DFA0A04FC94B}">
-              <ma14:wrappingTextBoxFlag xmlns:ma14="http://schemas.microsoft.com/office/mac/drawingml/2011/main" xmlns="" val="1"/>
+              <ma14:wrappingTextBoxFlag xmlns="" xmlns:ma14="http://schemas.microsoft.com/office/mac/drawingml/2011/main" val="1"/>
             </a:ext>
           </a:extLst>
         </p:spPr>
@@ -2417,7 +2417,7 @@
           </a:ln>
           <a:extLst>
             <a:ext uri="{C572A759-6A51-4108-AA02-DFA0A04FC94B}">
-              <ma14:wrappingTextBoxFlag xmlns:ma14="http://schemas.microsoft.com/office/mac/drawingml/2011/main" xmlns="" val="1"/>
+              <ma14:wrappingTextBoxFlag xmlns="" xmlns:ma14="http://schemas.microsoft.com/office/mac/drawingml/2011/main" val="1"/>
             </a:ext>
           </a:extLst>
         </p:spPr>
@@ -3978,7 +3978,7 @@
           </a:ln>
           <a:extLst>
             <a:ext uri="{C572A759-6A51-4108-AA02-DFA0A04FC94B}">
-              <ma14:wrappingTextBoxFlag xmlns:ma14="http://schemas.microsoft.com/office/mac/drawingml/2011/main" xmlns="" val="1"/>
+              <ma14:wrappingTextBoxFlag xmlns="" xmlns:ma14="http://schemas.microsoft.com/office/mac/drawingml/2011/main" val="1"/>
             </a:ext>
           </a:extLst>
         </p:spPr>
@@ -4189,7 +4189,7 @@
           </a:ln>
           <a:extLst>
             <a:ext uri="{C572A759-6A51-4108-AA02-DFA0A04FC94B}">
-              <ma14:wrappingTextBoxFlag xmlns:ma14="http://schemas.microsoft.com/office/mac/drawingml/2011/main" xmlns="" val="1"/>
+              <ma14:wrappingTextBoxFlag xmlns="" xmlns:ma14="http://schemas.microsoft.com/office/mac/drawingml/2011/main" val="1"/>
             </a:ext>
           </a:extLst>
         </p:spPr>
@@ -4423,7 +4423,7 @@
           </a:ln>
           <a:extLst>
             <a:ext uri="{C572A759-6A51-4108-AA02-DFA0A04FC94B}">
-              <ma14:wrappingTextBoxFlag xmlns:ma14="http://schemas.microsoft.com/office/mac/drawingml/2011/main" xmlns="" val="1"/>
+              <ma14:wrappingTextBoxFlag xmlns="" xmlns:ma14="http://schemas.microsoft.com/office/mac/drawingml/2011/main" val="1"/>
             </a:ext>
           </a:extLst>
         </p:spPr>
@@ -4805,7 +4805,7 @@
           </a:ln>
           <a:extLst>
             <a:ext uri="{C572A759-6A51-4108-AA02-DFA0A04FC94B}">
-              <ma14:wrappingTextBoxFlag xmlns:ma14="http://schemas.microsoft.com/office/mac/drawingml/2011/main" xmlns="" val="1"/>
+              <ma14:wrappingTextBoxFlag xmlns="" xmlns:ma14="http://schemas.microsoft.com/office/mac/drawingml/2011/main" val="1"/>
             </a:ext>
           </a:extLst>
         </p:spPr>
@@ -6378,7 +6378,7 @@
           </a:ln>
           <a:extLst>
             <a:ext uri="{C572A759-6A51-4108-AA02-DFA0A04FC94B}">
-              <ma14:wrappingTextBoxFlag xmlns:ma14="http://schemas.microsoft.com/office/mac/drawingml/2011/main" xmlns="" val="1"/>
+              <ma14:wrappingTextBoxFlag xmlns="" xmlns:ma14="http://schemas.microsoft.com/office/mac/drawingml/2011/main" val="1"/>
             </a:ext>
           </a:extLst>
         </p:spPr>
@@ -6425,7 +6425,7 @@
           </a:ln>
           <a:extLst>
             <a:ext uri="{C572A759-6A51-4108-AA02-DFA0A04FC94B}">
-              <ma14:wrappingTextBoxFlag xmlns:ma14="http://schemas.microsoft.com/office/mac/drawingml/2011/main" xmlns="" val="1"/>
+              <ma14:wrappingTextBoxFlag xmlns="" xmlns:ma14="http://schemas.microsoft.com/office/mac/drawingml/2011/main" val="1"/>
             </a:ext>
           </a:extLst>
         </p:spPr>
@@ -6600,7 +6600,7 @@
           </a:ln>
           <a:extLst>
             <a:ext uri="{C572A759-6A51-4108-AA02-DFA0A04FC94B}">
-              <ma14:wrappingTextBoxFlag xmlns:ma14="http://schemas.microsoft.com/office/mac/drawingml/2011/main" xmlns="" val="1"/>
+              <ma14:wrappingTextBoxFlag xmlns="" xmlns:ma14="http://schemas.microsoft.com/office/mac/drawingml/2011/main" val="1"/>
             </a:ext>
           </a:extLst>
         </p:spPr>
@@ -6639,7 +6639,7 @@
           </a:ln>
           <a:extLst>
             <a:ext uri="{C572A759-6A51-4108-AA02-DFA0A04FC94B}">
-              <ma14:wrappingTextBoxFlag xmlns:ma14="http://schemas.microsoft.com/office/mac/drawingml/2011/main" xmlns="" val="1"/>
+              <ma14:wrappingTextBoxFlag xmlns="" xmlns:ma14="http://schemas.microsoft.com/office/mac/drawingml/2011/main" val="1"/>
             </a:ext>
           </a:extLst>
         </p:spPr>
@@ -7569,6 +7569,209 @@
       </p:grpSpPr>
       <p:sp>
         <p:nvSpPr>
+          <p:cNvPr id="4" name="Text Placeholder 3">
+            <a:extLst>
+              <a:ext uri="{FF2B5EF4-FFF2-40B4-BE49-F238E27FC236}">
+                <a16:creationId xmlns:a16="http://schemas.microsoft.com/office/drawing/2014/main" id="{AE9FB48D-EC25-4212-8B3E-EA0779A843DA}"/>
+              </a:ext>
+            </a:extLst>
+          </p:cNvPr>
+          <p:cNvSpPr>
+            <a:spLocks noGrp="1"/>
+          </p:cNvSpPr>
+          <p:nvPr>
+            <p:ph type="body" idx="1"/>
+          </p:nvPr>
+        </p:nvSpPr>
+        <p:spPr>
+          <a:xfrm>
+            <a:off x="1805572" y="2596016"/>
+            <a:ext cx="21005801" cy="7170554"/>
+          </a:xfrm>
+        </p:spPr>
+        <p:txBody>
+          <a:bodyPr>
+            <a:normAutofit/>
+          </a:bodyPr>
+          <a:lstStyle/>
+          <a:p>
+            <a:pPr marL="0" indent="0">
+              <a:buNone/>
+            </a:pPr>
+            <a:r>
+              <a:rPr lang="en-US" dirty="0"/>
+              <a:t>One time cluster setup </a:t>
+            </a:r>
+          </a:p>
+          <a:p>
+            <a:pPr marL="514350" indent="-514350">
+              <a:buFont typeface="+mj-lt"/>
+              <a:buAutoNum type="arabicPeriod"/>
+            </a:pPr>
+            <a:r>
+              <a:rPr lang="en-US" dirty="0"/>
+              <a:t>Create the cluster</a:t>
+            </a:r>
+          </a:p>
+          <a:p>
+            <a:pPr marL="514350" indent="-514350">
+              <a:buFont typeface="+mj-lt"/>
+              <a:buAutoNum type="arabicPeriod"/>
+            </a:pPr>
+            <a:r>
+              <a:rPr lang="en-US" dirty="0"/>
+              <a:t>Install dashboard (skipped if available as built-in feature, as in </a:t>
+            </a:r>
+            <a:r>
+              <a:rPr lang="en-US" dirty="0" err="1"/>
+              <a:t>aks</a:t>
+            </a:r>
+            <a:r>
+              <a:rPr lang="en-US" dirty="0"/>
+              <a:t>)</a:t>
+            </a:r>
+          </a:p>
+          <a:p>
+            <a:pPr marL="1022350" lvl="1" indent="-514350">
+              <a:buFont typeface="+mj-lt"/>
+              <a:buAutoNum type="arabicPeriod"/>
+            </a:pPr>
+            <a:r>
+              <a:rPr lang="en-US" dirty="0"/>
+              <a:t>Adjust dashboard permissions</a:t>
+            </a:r>
+          </a:p>
+          <a:p>
+            <a:pPr marL="514350" indent="-514350">
+              <a:buFont typeface="+mj-lt"/>
+              <a:buAutoNum type="arabicPeriod"/>
+            </a:pPr>
+            <a:r>
+              <a:rPr lang="en-US" dirty="0"/>
+              <a:t>Install ingress controller (</a:t>
+            </a:r>
+            <a:r>
+              <a:rPr lang="en-US" dirty="0" err="1"/>
+              <a:t>ngnix</a:t>
+            </a:r>
+            <a:r>
+              <a:rPr lang="en-US" dirty="0"/>
+              <a:t> in the demo)</a:t>
+            </a:r>
+          </a:p>
+          <a:p>
+            <a:pPr marL="514350" indent="-514350">
+              <a:buFont typeface="+mj-lt"/>
+              <a:buAutoNum type="arabicPeriod"/>
+            </a:pPr>
+            <a:r>
+              <a:rPr lang="en-US" dirty="0"/>
+              <a:t>Install cert manager for https (AKS only)</a:t>
+            </a:r>
+          </a:p>
+          <a:p>
+            <a:pPr marL="514350" indent="-514350">
+              <a:buFont typeface="+mj-lt"/>
+              <a:buAutoNum type="arabicPeriod"/>
+            </a:pPr>
+            <a:r>
+              <a:rPr lang="en-US" dirty="0"/>
+              <a:t>Register </a:t>
+            </a:r>
+            <a:r>
+              <a:rPr lang="en-US" dirty="0" err="1"/>
+              <a:t>dns</a:t>
+            </a:r>
+            <a:r>
+              <a:rPr lang="en-US" dirty="0"/>
+              <a:t> name for the provided </a:t>
+            </a:r>
+            <a:r>
+              <a:rPr lang="en-US" dirty="0" err="1"/>
+              <a:t>LoadBalancer</a:t>
+            </a:r>
+            <a:r>
+              <a:rPr lang="en-US" dirty="0"/>
+              <a:t> Ip (AKS only)</a:t>
+            </a:r>
+          </a:p>
+          <a:p>
+            <a:pPr marL="514350" indent="-514350">
+              <a:buFont typeface="+mj-lt"/>
+              <a:buAutoNum type="arabicPeriod"/>
+            </a:pPr>
+            <a:r>
+              <a:rPr lang="en-US" dirty="0"/>
+              <a:t>Set up persistent storage (storage class and persistent volume claim) (to be explained in next slides)</a:t>
+            </a:r>
+          </a:p>
+          <a:p>
+            <a:pPr lvl="1"/>
+            <a:endParaRPr lang="en-US" dirty="0"/>
+          </a:p>
+        </p:txBody>
+      </p:sp>
+      <p:sp>
+        <p:nvSpPr>
+          <p:cNvPr id="6" name="Title 5">
+            <a:extLst>
+              <a:ext uri="{FF2B5EF4-FFF2-40B4-BE49-F238E27FC236}">
+                <a16:creationId xmlns:a16="http://schemas.microsoft.com/office/drawing/2014/main" id="{C1647E81-962B-495E-A29A-0CB7BE4D552D}"/>
+              </a:ext>
+            </a:extLst>
+          </p:cNvPr>
+          <p:cNvSpPr>
+            <a:spLocks noGrp="1"/>
+          </p:cNvSpPr>
+          <p:nvPr>
+            <p:ph type="title"/>
+          </p:nvPr>
+        </p:nvSpPr>
+        <p:spPr/>
+        <p:txBody>
+          <a:bodyPr/>
+          <a:lstStyle/>
+          <a:p>
+            <a:r>
+              <a:rPr lang="en-US" dirty="0"/>
+              <a:t>Demos scenario: Kind and AKS cluster</a:t>
+            </a:r>
+          </a:p>
+        </p:txBody>
+      </p:sp>
+    </p:spTree>
+    <p:extLst>
+      <p:ext uri="{BB962C8B-B14F-4D97-AF65-F5344CB8AC3E}">
+        <p14:creationId xmlns:p14="http://schemas.microsoft.com/office/powerpoint/2010/main" val="3979354483"/>
+      </p:ext>
+    </p:extLst>
+  </p:cSld>
+  <p:clrMapOvr>
+    <a:masterClrMapping/>
+  </p:clrMapOvr>
+  <p:transition spd="med"/>
+</p:sld>
+</file>
+
+<file path=ppt/slides/slide11.xml><?xml version="1.0" encoding="utf-8"?>
+<p:sld xmlns:a="http://schemas.openxmlformats.org/drawingml/2006/main" xmlns:r="http://schemas.openxmlformats.org/officeDocument/2006/relationships" xmlns:p="http://schemas.openxmlformats.org/presentationml/2006/main">
+  <p:cSld>
+    <p:spTree>
+      <p:nvGrpSpPr>
+        <p:cNvPr id="1" name=""/>
+        <p:cNvGrpSpPr/>
+        <p:nvPr/>
+      </p:nvGrpSpPr>
+      <p:grpSpPr>
+        <a:xfrm>
+          <a:off x="0" y="0"/>
+          <a:ext cx="0" cy="0"/>
+          <a:chOff x="0" y="0"/>
+          <a:chExt cx="0" cy="0"/>
+        </a:xfrm>
+      </p:grpSpPr>
+      <p:sp>
+        <p:nvSpPr>
           <p:cNvPr id="2" name="Title 1">
             <a:extLst>
               <a:ext uri="{FF2B5EF4-FFF2-40B4-BE49-F238E27FC236}">
@@ -7695,173 +7898,6 @@
 </p:sld>
 </file>
 
-<file path=ppt/slides/slide11.xml><?xml version="1.0" encoding="utf-8"?>
-<p:sld xmlns:a="http://schemas.openxmlformats.org/drawingml/2006/main" xmlns:r="http://schemas.openxmlformats.org/officeDocument/2006/relationships" xmlns:p="http://schemas.openxmlformats.org/presentationml/2006/main">
-  <p:cSld>
-    <p:spTree>
-      <p:nvGrpSpPr>
-        <p:cNvPr id="1" name=""/>
-        <p:cNvGrpSpPr/>
-        <p:nvPr/>
-      </p:nvGrpSpPr>
-      <p:grpSpPr>
-        <a:xfrm>
-          <a:off x="0" y="0"/>
-          <a:ext cx="0" cy="0"/>
-          <a:chOff x="0" y="0"/>
-          <a:chExt cx="0" cy="0"/>
-        </a:xfrm>
-      </p:grpSpPr>
-      <p:sp>
-        <p:nvSpPr>
-          <p:cNvPr id="2" name="Title 1">
-            <a:extLst>
-              <a:ext uri="{FF2B5EF4-FFF2-40B4-BE49-F238E27FC236}">
-                <a16:creationId xmlns:a16="http://schemas.microsoft.com/office/drawing/2014/main" id="{DE57D191-5DF2-48DC-93FD-B4B7FEFDE570}"/>
-              </a:ext>
-            </a:extLst>
-          </p:cNvPr>
-          <p:cNvSpPr>
-            <a:spLocks noGrp="1"/>
-          </p:cNvSpPr>
-          <p:nvPr>
-            <p:ph type="title"/>
-          </p:nvPr>
-        </p:nvSpPr>
-        <p:spPr/>
-        <p:txBody>
-          <a:bodyPr/>
-          <a:lstStyle/>
-          <a:p>
-            <a:r>
-              <a:rPr lang="en-US" dirty="0"/>
-              <a:t>Interacting with the cluster</a:t>
-            </a:r>
-          </a:p>
-        </p:txBody>
-      </p:sp>
-      <p:sp>
-        <p:nvSpPr>
-          <p:cNvPr id="3" name="Text Placeholder 2">
-            <a:extLst>
-              <a:ext uri="{FF2B5EF4-FFF2-40B4-BE49-F238E27FC236}">
-                <a16:creationId xmlns:a16="http://schemas.microsoft.com/office/drawing/2014/main" id="{B54A0047-9431-47DF-8590-1209339F7B6B}"/>
-              </a:ext>
-            </a:extLst>
-          </p:cNvPr>
-          <p:cNvSpPr>
-            <a:spLocks noGrp="1"/>
-          </p:cNvSpPr>
-          <p:nvPr>
-            <p:ph type="body" sz="quarter" idx="13"/>
-          </p:nvPr>
-        </p:nvSpPr>
-        <p:spPr/>
-        <p:txBody>
-          <a:bodyPr/>
-          <a:lstStyle/>
-          <a:p>
-            <a:endParaRPr lang="en-US" dirty="0"/>
-          </a:p>
-        </p:txBody>
-      </p:sp>
-      <p:sp>
-        <p:nvSpPr>
-          <p:cNvPr id="4" name="Text Placeholder 3">
-            <a:extLst>
-              <a:ext uri="{FF2B5EF4-FFF2-40B4-BE49-F238E27FC236}">
-                <a16:creationId xmlns:a16="http://schemas.microsoft.com/office/drawing/2014/main" id="{3B363C71-73AB-4296-893D-63EF4C006CE7}"/>
-              </a:ext>
-            </a:extLst>
-          </p:cNvPr>
-          <p:cNvSpPr>
-            <a:spLocks noGrp="1"/>
-          </p:cNvSpPr>
-          <p:nvPr>
-            <p:ph type="body" idx="1"/>
-          </p:nvPr>
-        </p:nvSpPr>
-        <p:spPr/>
-        <p:txBody>
-          <a:bodyPr/>
-          <a:lstStyle/>
-          <a:p>
-            <a:r>
-              <a:rPr lang="en-US" dirty="0"/>
-              <a:t>The API server is the only entry point to the cluster</a:t>
-            </a:r>
-          </a:p>
-          <a:p>
-            <a:pPr lvl="1"/>
-            <a:r>
-              <a:rPr lang="en-US" dirty="0"/>
-              <a:t>Likely you will never interact with the API server directly</a:t>
-            </a:r>
-          </a:p>
-          <a:p>
-            <a:r>
-              <a:rPr lang="en-US" dirty="0" err="1"/>
-              <a:t>Kubectl</a:t>
-            </a:r>
-            <a:r>
-              <a:rPr lang="en-US" dirty="0"/>
-              <a:t> is the mainstream tool (command line)</a:t>
-            </a:r>
-          </a:p>
-          <a:p>
-            <a:pPr lvl="1"/>
-            <a:r>
-              <a:rPr lang="en-US" dirty="0"/>
-              <a:t>Inspect the cluster</a:t>
-            </a:r>
-          </a:p>
-          <a:p>
-            <a:pPr lvl="1"/>
-            <a:r>
-              <a:rPr lang="en-US" dirty="0"/>
-              <a:t>Modify </a:t>
-            </a:r>
-          </a:p>
-          <a:p>
-            <a:pPr lvl="1"/>
-            <a:r>
-              <a:rPr lang="en-US" dirty="0"/>
-              <a:t>Deploy (mainly via yaml files, more on it later)</a:t>
-            </a:r>
-          </a:p>
-          <a:p>
-            <a:r>
-              <a:rPr lang="en-US" dirty="0"/>
-              <a:t>The K8s dashboard</a:t>
-            </a:r>
-          </a:p>
-          <a:p>
-            <a:pPr lvl="1"/>
-            <a:r>
-              <a:rPr lang="en-US" dirty="0"/>
-              <a:t>Can accomplish many kubectl tasks using a web UI </a:t>
-            </a:r>
-          </a:p>
-          <a:p>
-            <a:pPr lvl="1"/>
-            <a:endParaRPr lang="en-US" dirty="0"/>
-          </a:p>
-        </p:txBody>
-      </p:sp>
-    </p:spTree>
-    <p:extLst>
-      <p:ext uri="{BB962C8B-B14F-4D97-AF65-F5344CB8AC3E}">
-        <p14:creationId xmlns:p14="http://schemas.microsoft.com/office/powerpoint/2010/main" val="3010709768"/>
-      </p:ext>
-    </p:extLst>
-  </p:cSld>
-  <p:clrMapOvr>
-    <a:masterClrMapping/>
-  </p:clrMapOvr>
-  <p:transition spd="med"/>
-</p:sld>
-</file>
-
 <file path=ppt/slides/slide12.xml><?xml version="1.0" encoding="utf-8"?>
 <p:sld xmlns:a="http://schemas.openxmlformats.org/drawingml/2006/main" xmlns:r="http://schemas.openxmlformats.org/officeDocument/2006/relationships" xmlns:p="http://schemas.openxmlformats.org/presentationml/2006/main">
   <p:cSld>
@@ -7884,6 +7920,173 @@
           <p:cNvPr id="2" name="Title 1">
             <a:extLst>
               <a:ext uri="{FF2B5EF4-FFF2-40B4-BE49-F238E27FC236}">
+                <a16:creationId xmlns:a16="http://schemas.microsoft.com/office/drawing/2014/main" id="{DE57D191-5DF2-48DC-93FD-B4B7FEFDE570}"/>
+              </a:ext>
+            </a:extLst>
+          </p:cNvPr>
+          <p:cNvSpPr>
+            <a:spLocks noGrp="1"/>
+          </p:cNvSpPr>
+          <p:nvPr>
+            <p:ph type="title"/>
+          </p:nvPr>
+        </p:nvSpPr>
+        <p:spPr/>
+        <p:txBody>
+          <a:bodyPr/>
+          <a:lstStyle/>
+          <a:p>
+            <a:r>
+              <a:rPr lang="en-US" dirty="0"/>
+              <a:t>Interacting with the cluster</a:t>
+            </a:r>
+          </a:p>
+        </p:txBody>
+      </p:sp>
+      <p:sp>
+        <p:nvSpPr>
+          <p:cNvPr id="3" name="Text Placeholder 2">
+            <a:extLst>
+              <a:ext uri="{FF2B5EF4-FFF2-40B4-BE49-F238E27FC236}">
+                <a16:creationId xmlns:a16="http://schemas.microsoft.com/office/drawing/2014/main" id="{B54A0047-9431-47DF-8590-1209339F7B6B}"/>
+              </a:ext>
+            </a:extLst>
+          </p:cNvPr>
+          <p:cNvSpPr>
+            <a:spLocks noGrp="1"/>
+          </p:cNvSpPr>
+          <p:nvPr>
+            <p:ph type="body" sz="quarter" idx="13"/>
+          </p:nvPr>
+        </p:nvSpPr>
+        <p:spPr/>
+        <p:txBody>
+          <a:bodyPr/>
+          <a:lstStyle/>
+          <a:p>
+            <a:endParaRPr lang="en-US" dirty="0"/>
+          </a:p>
+        </p:txBody>
+      </p:sp>
+      <p:sp>
+        <p:nvSpPr>
+          <p:cNvPr id="4" name="Text Placeholder 3">
+            <a:extLst>
+              <a:ext uri="{FF2B5EF4-FFF2-40B4-BE49-F238E27FC236}">
+                <a16:creationId xmlns:a16="http://schemas.microsoft.com/office/drawing/2014/main" id="{3B363C71-73AB-4296-893D-63EF4C006CE7}"/>
+              </a:ext>
+            </a:extLst>
+          </p:cNvPr>
+          <p:cNvSpPr>
+            <a:spLocks noGrp="1"/>
+          </p:cNvSpPr>
+          <p:nvPr>
+            <p:ph type="body" idx="1"/>
+          </p:nvPr>
+        </p:nvSpPr>
+        <p:spPr/>
+        <p:txBody>
+          <a:bodyPr/>
+          <a:lstStyle/>
+          <a:p>
+            <a:r>
+              <a:rPr lang="en-US" dirty="0"/>
+              <a:t>The API server is the only entry point to the cluster</a:t>
+            </a:r>
+          </a:p>
+          <a:p>
+            <a:pPr lvl="1"/>
+            <a:r>
+              <a:rPr lang="en-US" dirty="0"/>
+              <a:t>Likely you will never interact with the API server directly</a:t>
+            </a:r>
+          </a:p>
+          <a:p>
+            <a:r>
+              <a:rPr lang="en-US" dirty="0" err="1"/>
+              <a:t>Kubectl</a:t>
+            </a:r>
+            <a:r>
+              <a:rPr lang="en-US" dirty="0"/>
+              <a:t> is the mainstream tool (command line)</a:t>
+            </a:r>
+          </a:p>
+          <a:p>
+            <a:pPr lvl="1"/>
+            <a:r>
+              <a:rPr lang="en-US" dirty="0"/>
+              <a:t>Inspect the cluster</a:t>
+            </a:r>
+          </a:p>
+          <a:p>
+            <a:pPr lvl="1"/>
+            <a:r>
+              <a:rPr lang="en-US" dirty="0"/>
+              <a:t>Modify </a:t>
+            </a:r>
+          </a:p>
+          <a:p>
+            <a:pPr lvl="1"/>
+            <a:r>
+              <a:rPr lang="en-US" dirty="0"/>
+              <a:t>Deploy (mainly via yaml files, more on it later)</a:t>
+            </a:r>
+          </a:p>
+          <a:p>
+            <a:r>
+              <a:rPr lang="en-US" dirty="0"/>
+              <a:t>The K8s dashboard</a:t>
+            </a:r>
+          </a:p>
+          <a:p>
+            <a:pPr lvl="1"/>
+            <a:r>
+              <a:rPr lang="en-US" dirty="0"/>
+              <a:t>Can accomplish many kubectl tasks using a web UI </a:t>
+            </a:r>
+          </a:p>
+          <a:p>
+            <a:pPr lvl="1"/>
+            <a:endParaRPr lang="en-US" dirty="0"/>
+          </a:p>
+        </p:txBody>
+      </p:sp>
+    </p:spTree>
+    <p:extLst>
+      <p:ext uri="{BB962C8B-B14F-4D97-AF65-F5344CB8AC3E}">
+        <p14:creationId xmlns:p14="http://schemas.microsoft.com/office/powerpoint/2010/main" val="3010709768"/>
+      </p:ext>
+    </p:extLst>
+  </p:cSld>
+  <p:clrMapOvr>
+    <a:masterClrMapping/>
+  </p:clrMapOvr>
+  <p:transition spd="med"/>
+</p:sld>
+</file>
+
+<file path=ppt/slides/slide13.xml><?xml version="1.0" encoding="utf-8"?>
+<p:sld xmlns:a="http://schemas.openxmlformats.org/drawingml/2006/main" xmlns:r="http://schemas.openxmlformats.org/officeDocument/2006/relationships" xmlns:p="http://schemas.openxmlformats.org/presentationml/2006/main">
+  <p:cSld>
+    <p:spTree>
+      <p:nvGrpSpPr>
+        <p:cNvPr id="1" name=""/>
+        <p:cNvGrpSpPr/>
+        <p:nvPr/>
+      </p:nvGrpSpPr>
+      <p:grpSpPr>
+        <a:xfrm>
+          <a:off x="0" y="0"/>
+          <a:ext cx="0" cy="0"/>
+          <a:chOff x="0" y="0"/>
+          <a:chExt cx="0" cy="0"/>
+        </a:xfrm>
+      </p:grpSpPr>
+      <p:sp>
+        <p:nvSpPr>
+          <p:cNvPr id="2" name="Title 1">
+            <a:extLst>
+              <a:ext uri="{FF2B5EF4-FFF2-40B4-BE49-F238E27FC236}">
                 <a16:creationId xmlns:a16="http://schemas.microsoft.com/office/drawing/2014/main" id="{8373B57A-6A23-49D0-A996-9F3263C6B4F2}"/>
               </a:ext>
             </a:extLst>
@@ -8115,7 +8318,7 @@
 </p:sld>
 </file>
 
-<file path=ppt/slides/slide13.xml><?xml version="1.0" encoding="utf-8"?>
+<file path=ppt/slides/slide14.xml><?xml version="1.0" encoding="utf-8"?>
 <p:sld xmlns:a="http://schemas.openxmlformats.org/drawingml/2006/main" xmlns:r="http://schemas.openxmlformats.org/officeDocument/2006/relationships" xmlns:p="http://schemas.openxmlformats.org/presentationml/2006/main">
   <p:cSld>
     <p:spTree>
@@ -8484,193 +8687,6 @@
 </p:sld>
 </file>
 
-<file path=ppt/slides/slide14.xml><?xml version="1.0" encoding="utf-8"?>
-<p:sld xmlns:a="http://schemas.openxmlformats.org/drawingml/2006/main" xmlns:r="http://schemas.openxmlformats.org/officeDocument/2006/relationships" xmlns:p="http://schemas.openxmlformats.org/presentationml/2006/main">
-  <p:cSld>
-    <p:spTree>
-      <p:nvGrpSpPr>
-        <p:cNvPr id="1" name=""/>
-        <p:cNvGrpSpPr/>
-        <p:nvPr/>
-      </p:nvGrpSpPr>
-      <p:grpSpPr>
-        <a:xfrm>
-          <a:off x="0" y="0"/>
-          <a:ext cx="0" cy="0"/>
-          <a:chOff x="0" y="0"/>
-          <a:chExt cx="0" cy="0"/>
-        </a:xfrm>
-      </p:grpSpPr>
-      <p:sp>
-        <p:nvSpPr>
-          <p:cNvPr id="2" name="Title 1">
-            <a:extLst>
-              <a:ext uri="{FF2B5EF4-FFF2-40B4-BE49-F238E27FC236}">
-                <a16:creationId xmlns:a16="http://schemas.microsoft.com/office/drawing/2014/main" id="{9523A741-9282-4641-8A8A-E89D6A8D7A67}"/>
-              </a:ext>
-            </a:extLst>
-          </p:cNvPr>
-          <p:cNvSpPr>
-            <a:spLocks noGrp="1"/>
-          </p:cNvSpPr>
-          <p:nvPr>
-            <p:ph type="title"/>
-          </p:nvPr>
-        </p:nvSpPr>
-        <p:spPr/>
-        <p:txBody>
-          <a:bodyPr/>
-          <a:lstStyle/>
-          <a:p>
-            <a:r>
-              <a:rPr lang="it-IT" dirty="0" err="1"/>
-              <a:t>Deploy</a:t>
-            </a:r>
-            <a:r>
-              <a:rPr lang="it-IT" dirty="0"/>
-              <a:t> to cluster– </a:t>
-            </a:r>
-            <a:r>
-              <a:rPr lang="it-IT" dirty="0" err="1"/>
-              <a:t>walkthrough</a:t>
-            </a:r>
-            <a:endParaRPr lang="en-US" dirty="0"/>
-          </a:p>
-        </p:txBody>
-      </p:sp>
-      <p:sp>
-        <p:nvSpPr>
-          <p:cNvPr id="3" name="Text Placeholder 2">
-            <a:extLst>
-              <a:ext uri="{FF2B5EF4-FFF2-40B4-BE49-F238E27FC236}">
-                <a16:creationId xmlns:a16="http://schemas.microsoft.com/office/drawing/2014/main" id="{BB4D3080-FD6D-4DFC-AFBF-5419BEDE805B}"/>
-              </a:ext>
-            </a:extLst>
-          </p:cNvPr>
-          <p:cNvSpPr>
-            <a:spLocks noGrp="1"/>
-          </p:cNvSpPr>
-          <p:nvPr>
-            <p:ph type="body" sz="quarter" idx="13"/>
-          </p:nvPr>
-        </p:nvSpPr>
-        <p:spPr/>
-        <p:txBody>
-          <a:bodyPr/>
-          <a:lstStyle/>
-          <a:p>
-            <a:r>
-              <a:rPr lang="it-IT" dirty="0"/>
-              <a:t>YAML</a:t>
-            </a:r>
-            <a:endParaRPr lang="en-US" dirty="0"/>
-          </a:p>
-        </p:txBody>
-      </p:sp>
-      <p:sp>
-        <p:nvSpPr>
-          <p:cNvPr id="4" name="Text Placeholder 3">
-            <a:extLst>
-              <a:ext uri="{FF2B5EF4-FFF2-40B4-BE49-F238E27FC236}">
-                <a16:creationId xmlns:a16="http://schemas.microsoft.com/office/drawing/2014/main" id="{3C0E5083-B208-4C42-B0E3-4341A595854E}"/>
-              </a:ext>
-            </a:extLst>
-          </p:cNvPr>
-          <p:cNvSpPr>
-            <a:spLocks noGrp="1"/>
-          </p:cNvSpPr>
-          <p:nvPr>
-            <p:ph type="body" idx="1"/>
-          </p:nvPr>
-        </p:nvSpPr>
-        <p:spPr>
-          <a:xfrm>
-            <a:off x="1805572" y="3637722"/>
-            <a:ext cx="21005801" cy="9039807"/>
-          </a:xfrm>
-        </p:spPr>
-        <p:txBody>
-          <a:bodyPr>
-            <a:normAutofit/>
-          </a:bodyPr>
-          <a:lstStyle/>
-          <a:p>
-            <a:r>
-              <a:rPr lang="en-US" dirty="0"/>
-              <a:t>Some basic commands can be sent straight through command line (e.g. create namespace)</a:t>
-            </a:r>
-          </a:p>
-          <a:p>
-            <a:r>
-              <a:rPr lang="en-US" dirty="0"/>
-              <a:t>Recommended way is to use a declarative approach. </a:t>
-            </a:r>
-            <a:r>
-              <a:rPr lang="en-US" b="1" dirty="0"/>
-              <a:t>Kubectl apply –f &lt;filename&gt;</a:t>
-            </a:r>
-          </a:p>
-          <a:p>
-            <a:pPr lvl="1"/>
-            <a:r>
-              <a:rPr lang="en-US" dirty="0"/>
-              <a:t>you tell the cluster what you want, not how accomplish what you want</a:t>
-            </a:r>
-          </a:p>
-          <a:p>
-            <a:pPr lvl="1"/>
-            <a:r>
-              <a:rPr lang="en-US" dirty="0"/>
-              <a:t>desired state expressed through yaml files </a:t>
-            </a:r>
-          </a:p>
-          <a:p>
-            <a:pPr lvl="1"/>
-            <a:r>
-              <a:rPr lang="en-US" dirty="0"/>
-              <a:t>Infrastructure as code (as azure arm templates)</a:t>
-            </a:r>
-          </a:p>
-          <a:p>
-            <a:r>
-              <a:rPr lang="en-US" dirty="0"/>
-              <a:t>Want to edit on the fly ? </a:t>
-            </a:r>
-            <a:br>
-              <a:rPr lang="en-US" dirty="0"/>
-            </a:br>
-            <a:r>
-              <a:rPr lang="en-US" dirty="0"/>
-              <a:t>kubectl edit deployment/&lt;deployment name&gt; -n &lt;namespace&gt; (download definition, open editor, push on save)</a:t>
-            </a:r>
-            <a:br>
-              <a:rPr lang="en-US" dirty="0"/>
-            </a:br>
-            <a:r>
-              <a:rPr lang="en-US" dirty="0"/>
-              <a:t>or do the same using the dashboard</a:t>
-            </a:r>
-          </a:p>
-          <a:p>
-            <a:pPr lvl="1"/>
-            <a:endParaRPr lang="en-US" dirty="0"/>
-          </a:p>
-        </p:txBody>
-      </p:sp>
-    </p:spTree>
-    <p:extLst>
-      <p:ext uri="{BB962C8B-B14F-4D97-AF65-F5344CB8AC3E}">
-        <p14:creationId xmlns:p14="http://schemas.microsoft.com/office/powerpoint/2010/main" val="208220828"/>
-      </p:ext>
-    </p:extLst>
-  </p:cSld>
-  <p:clrMapOvr>
-    <a:masterClrMapping/>
-  </p:clrMapOvr>
-  <p:transition spd="med"/>
-</p:sld>
-</file>
-
 <file path=ppt/slides/slide15.xml><?xml version="1.0" encoding="utf-8"?>
 <p:sld xmlns:a="http://schemas.openxmlformats.org/drawingml/2006/main" xmlns:r="http://schemas.openxmlformats.org/officeDocument/2006/relationships" xmlns:p="http://schemas.openxmlformats.org/presentationml/2006/main">
   <p:cSld>
@@ -8690,10 +8706,76 @@
       </p:grpSpPr>
       <p:sp>
         <p:nvSpPr>
+          <p:cNvPr id="2" name="Title 1">
+            <a:extLst>
+              <a:ext uri="{FF2B5EF4-FFF2-40B4-BE49-F238E27FC236}">
+                <a16:creationId xmlns:a16="http://schemas.microsoft.com/office/drawing/2014/main" id="{9523A741-9282-4641-8A8A-E89D6A8D7A67}"/>
+              </a:ext>
+            </a:extLst>
+          </p:cNvPr>
+          <p:cNvSpPr>
+            <a:spLocks noGrp="1"/>
+          </p:cNvSpPr>
+          <p:nvPr>
+            <p:ph type="title"/>
+          </p:nvPr>
+        </p:nvSpPr>
+        <p:spPr/>
+        <p:txBody>
+          <a:bodyPr/>
+          <a:lstStyle/>
+          <a:p>
+            <a:r>
+              <a:rPr lang="it-IT" dirty="0" err="1"/>
+              <a:t>Deploy</a:t>
+            </a:r>
+            <a:r>
+              <a:rPr lang="it-IT" dirty="0"/>
+              <a:t> to cluster– </a:t>
+            </a:r>
+            <a:r>
+              <a:rPr lang="it-IT" dirty="0" err="1"/>
+              <a:t>walkthrough</a:t>
+            </a:r>
+            <a:endParaRPr lang="en-US" dirty="0"/>
+          </a:p>
+        </p:txBody>
+      </p:sp>
+      <p:sp>
+        <p:nvSpPr>
+          <p:cNvPr id="3" name="Text Placeholder 2">
+            <a:extLst>
+              <a:ext uri="{FF2B5EF4-FFF2-40B4-BE49-F238E27FC236}">
+                <a16:creationId xmlns:a16="http://schemas.microsoft.com/office/drawing/2014/main" id="{BB4D3080-FD6D-4DFC-AFBF-5419BEDE805B}"/>
+              </a:ext>
+            </a:extLst>
+          </p:cNvPr>
+          <p:cNvSpPr>
+            <a:spLocks noGrp="1"/>
+          </p:cNvSpPr>
+          <p:nvPr>
+            <p:ph type="body" sz="quarter" idx="13"/>
+          </p:nvPr>
+        </p:nvSpPr>
+        <p:spPr/>
+        <p:txBody>
+          <a:bodyPr/>
+          <a:lstStyle/>
+          <a:p>
+            <a:r>
+              <a:rPr lang="it-IT" dirty="0"/>
+              <a:t>YAML</a:t>
+            </a:r>
+            <a:endParaRPr lang="en-US" dirty="0"/>
+          </a:p>
+        </p:txBody>
+      </p:sp>
+      <p:sp>
+        <p:nvSpPr>
           <p:cNvPr id="4" name="Text Placeholder 3">
             <a:extLst>
               <a:ext uri="{FF2B5EF4-FFF2-40B4-BE49-F238E27FC236}">
-                <a16:creationId xmlns:a16="http://schemas.microsoft.com/office/drawing/2014/main" id="{AE9FB48D-EC25-4212-8B3E-EA0779A843DA}"/>
+                <a16:creationId xmlns:a16="http://schemas.microsoft.com/office/drawing/2014/main" id="{3C0E5083-B208-4C42-B0E3-4341A595854E}"/>
               </a:ext>
             </a:extLst>
           </p:cNvPr>
@@ -8706,8 +8788,8 @@
         </p:nvSpPr>
         <p:spPr>
           <a:xfrm>
-            <a:off x="1805572" y="2596016"/>
-            <a:ext cx="21005801" cy="7170554"/>
+            <a:off x="1805572" y="3637722"/>
+            <a:ext cx="21005801" cy="9039807"/>
           </a:xfrm>
         </p:spPr>
         <p:txBody>
@@ -8716,154 +8798,72 @@
           </a:bodyPr>
           <a:lstStyle/>
           <a:p>
-            <a:pPr marL="0" indent="0">
-              <a:buNone/>
-            </a:pPr>
-            <a:r>
-              <a:rPr lang="en-US" dirty="0"/>
-              <a:t>One time cluster setup </a:t>
-            </a:r>
-          </a:p>
-          <a:p>
-            <a:pPr marL="514350" indent="-514350">
-              <a:buFont typeface="+mj-lt"/>
-              <a:buAutoNum type="arabicPeriod"/>
-            </a:pPr>
-            <a:r>
-              <a:rPr lang="en-US" dirty="0"/>
-              <a:t>Create the cluster</a:t>
-            </a:r>
-          </a:p>
-          <a:p>
-            <a:pPr marL="514350" indent="-514350">
-              <a:buFont typeface="+mj-lt"/>
-              <a:buAutoNum type="arabicPeriod"/>
-            </a:pPr>
-            <a:r>
-              <a:rPr lang="en-US" dirty="0"/>
-              <a:t>Install dashboard (skipped if available as built-in feature, as in </a:t>
-            </a:r>
-            <a:r>
-              <a:rPr lang="en-US" dirty="0" err="1"/>
-              <a:t>aks</a:t>
-            </a:r>
-            <a:r>
-              <a:rPr lang="en-US" dirty="0"/>
-              <a:t>)</a:t>
-            </a:r>
-          </a:p>
-          <a:p>
-            <a:pPr marL="1022350" lvl="1" indent="-514350">
-              <a:buFont typeface="+mj-lt"/>
-              <a:buAutoNum type="arabicPeriod"/>
-            </a:pPr>
-            <a:r>
-              <a:rPr lang="en-US" dirty="0"/>
-              <a:t>Adjust dashboard permissions</a:t>
-            </a:r>
-          </a:p>
-          <a:p>
-            <a:pPr marL="514350" indent="-514350">
-              <a:buFont typeface="+mj-lt"/>
-              <a:buAutoNum type="arabicPeriod"/>
-            </a:pPr>
-            <a:r>
-              <a:rPr lang="en-US" dirty="0"/>
-              <a:t>Install ingress controller (</a:t>
-            </a:r>
-            <a:r>
-              <a:rPr lang="en-US" dirty="0" err="1"/>
-              <a:t>ngnix</a:t>
-            </a:r>
-            <a:r>
-              <a:rPr lang="en-US" dirty="0"/>
-              <a:t> in the demo)</a:t>
-            </a:r>
-          </a:p>
-          <a:p>
-            <a:pPr marL="514350" indent="-514350">
-              <a:buFont typeface="+mj-lt"/>
-              <a:buAutoNum type="arabicPeriod"/>
-            </a:pPr>
-            <a:r>
-              <a:rPr lang="en-US" dirty="0"/>
-              <a:t>Install cert manager for https (AKS only)</a:t>
-            </a:r>
-          </a:p>
-          <a:p>
-            <a:pPr marL="514350" indent="-514350">
-              <a:buFont typeface="+mj-lt"/>
-              <a:buAutoNum type="arabicPeriod"/>
-            </a:pPr>
-            <a:r>
-              <a:rPr lang="en-US" dirty="0"/>
-              <a:t>Register </a:t>
-            </a:r>
-            <a:r>
-              <a:rPr lang="en-US" dirty="0" err="1"/>
-              <a:t>dns</a:t>
-            </a:r>
-            <a:r>
-              <a:rPr lang="en-US" dirty="0"/>
-              <a:t> name for the provided </a:t>
-            </a:r>
-            <a:r>
-              <a:rPr lang="en-US" dirty="0" err="1"/>
-              <a:t>LoadBalancer</a:t>
-            </a:r>
-            <a:r>
-              <a:rPr lang="en-US" dirty="0"/>
-              <a:t> Ip (AKS only)</a:t>
-            </a:r>
-          </a:p>
-          <a:p>
-            <a:pPr marL="514350" indent="-514350">
-              <a:buFont typeface="+mj-lt"/>
-              <a:buAutoNum type="arabicPeriod"/>
-            </a:pPr>
-            <a:r>
-              <a:rPr lang="en-US" dirty="0"/>
-              <a:t>Set up persistent storage (storage class and persistent volume claim) (to be explained in next slides)</a:t>
+            <a:r>
+              <a:rPr lang="en-US" dirty="0"/>
+              <a:t>Some basic commands can be sent straight through command line (e.g. create namespace)</a:t>
+            </a:r>
+          </a:p>
+          <a:p>
+            <a:r>
+              <a:rPr lang="en-US" dirty="0"/>
+              <a:t>Recommended way is to use a declarative approach. </a:t>
+            </a:r>
+            <a:r>
+              <a:rPr lang="en-US" b="1" dirty="0"/>
+              <a:t>Kubectl apply –f &lt;filename&gt;</a:t>
+            </a:r>
+          </a:p>
+          <a:p>
+            <a:pPr lvl="1"/>
+            <a:r>
+              <a:rPr lang="en-US" dirty="0"/>
+              <a:t>you tell the cluster what you want, not how accomplish what you want</a:t>
+            </a:r>
+          </a:p>
+          <a:p>
+            <a:pPr lvl="1"/>
+            <a:r>
+              <a:rPr lang="en-US" dirty="0"/>
+              <a:t>desired state expressed through yaml files </a:t>
+            </a:r>
+          </a:p>
+          <a:p>
+            <a:pPr lvl="1"/>
+            <a:r>
+              <a:rPr lang="en-US" dirty="0"/>
+              <a:t>Infrastructure as code (as azure arm templates)</a:t>
+            </a:r>
+          </a:p>
+          <a:p>
+            <a:r>
+              <a:rPr lang="en-US" dirty="0"/>
+              <a:t>Want to edit on the fly ? </a:t>
+            </a:r>
+            <a:br>
+              <a:rPr lang="en-US" dirty="0"/>
+            </a:br>
+            <a:r>
+              <a:rPr lang="en-US" dirty="0"/>
+              <a:t>kubectl edit deployment/&lt;deployment name&gt; -n &lt;namespace&gt; (download definition, open editor, push on save)</a:t>
+            </a:r>
+            <a:br>
+              <a:rPr lang="en-US" dirty="0"/>
+            </a:br>
+            <a:r>
+              <a:rPr lang="en-US" dirty="0"/>
+              <a:t>or do the same using the dashboard</a:t>
             </a:r>
           </a:p>
           <a:p>
             <a:pPr lvl="1"/>
             <a:endParaRPr lang="en-US" dirty="0"/>
-          </a:p>
-        </p:txBody>
-      </p:sp>
-      <p:sp>
-        <p:nvSpPr>
-          <p:cNvPr id="6" name="Title 5">
-            <a:extLst>
-              <a:ext uri="{FF2B5EF4-FFF2-40B4-BE49-F238E27FC236}">
-                <a16:creationId xmlns:a16="http://schemas.microsoft.com/office/drawing/2014/main" id="{C1647E81-962B-495E-A29A-0CB7BE4D552D}"/>
-              </a:ext>
-            </a:extLst>
-          </p:cNvPr>
-          <p:cNvSpPr>
-            <a:spLocks noGrp="1"/>
-          </p:cNvSpPr>
-          <p:nvPr>
-            <p:ph type="title"/>
-          </p:nvPr>
-        </p:nvSpPr>
-        <p:spPr/>
-        <p:txBody>
-          <a:bodyPr/>
-          <a:lstStyle/>
-          <a:p>
-            <a:r>
-              <a:rPr lang="en-US" dirty="0"/>
-              <a:t>Demo: Kind and AKS cluster</a:t>
-            </a:r>
           </a:p>
         </p:txBody>
       </p:sp>
     </p:spTree>
     <p:extLst>
       <p:ext uri="{BB962C8B-B14F-4D97-AF65-F5344CB8AC3E}">
-        <p14:creationId xmlns:p14="http://schemas.microsoft.com/office/powerpoint/2010/main" val="3979354483"/>
+        <p14:creationId xmlns:p14="http://schemas.microsoft.com/office/powerpoint/2010/main" val="208220828"/>
       </p:ext>
     </p:extLst>
   </p:cSld>
@@ -10056,7 +10056,7 @@
           </a:prstGeom>
           <a:extLst>
             <a:ext uri="{C572A759-6A51-4108-AA02-DFA0A04FC94B}">
-              <ma14:wrappingTextBoxFlag xmlns:ma14="http://schemas.microsoft.com/office/mac/drawingml/2011/main" xmlns="" val="1"/>
+              <ma14:wrappingTextBoxFlag xmlns="" xmlns:ma14="http://schemas.microsoft.com/office/mac/drawingml/2011/main" val="1"/>
             </a:ext>
           </a:extLst>
         </p:spPr>
@@ -10291,7 +10291,7 @@
           </a:ln>
           <a:extLst>
             <a:ext uri="{C572A759-6A51-4108-AA02-DFA0A04FC94B}">
-              <ma14:wrappingTextBoxFlag xmlns:ma14="http://schemas.microsoft.com/office/mac/drawingml/2011/main" xmlns="" val="1"/>
+              <ma14:wrappingTextBoxFlag xmlns="" xmlns:ma14="http://schemas.microsoft.com/office/mac/drawingml/2011/main" val="1"/>
             </a:ext>
           </a:extLst>
         </p:spPr>
@@ -12859,7 +12859,7 @@
           </a:prstGeom>
           <a:extLst>
             <a:ext uri="{C572A759-6A51-4108-AA02-DFA0A04FC94B}">
-              <ma14:wrappingTextBoxFlag xmlns:ma14="http://schemas.microsoft.com/office/mac/drawingml/2011/main" xmlns="" val="1"/>
+              <ma14:wrappingTextBoxFlag xmlns="" xmlns:ma14="http://schemas.microsoft.com/office/mac/drawingml/2011/main" val="1"/>
             </a:ext>
           </a:extLst>
         </p:spPr>
@@ -13049,7 +13049,7 @@
           </a:ln>
           <a:extLst>
             <a:ext uri="{C572A759-6A51-4108-AA02-DFA0A04FC94B}">
-              <ma14:wrappingTextBoxFlag xmlns:ma14="http://schemas.microsoft.com/office/mac/drawingml/2011/main" xmlns="" val="1"/>
+              <ma14:wrappingTextBoxFlag xmlns="" xmlns:ma14="http://schemas.microsoft.com/office/mac/drawingml/2011/main" val="1"/>
             </a:ext>
           </a:extLst>
         </p:spPr>
@@ -13332,7 +13332,7 @@
           </a:prstGeom>
           <a:extLst>
             <a:ext uri="{C572A759-6A51-4108-AA02-DFA0A04FC94B}">
-              <ma14:wrappingTextBoxFlag xmlns:ma14="http://schemas.microsoft.com/office/mac/drawingml/2011/main" xmlns="" val="1"/>
+              <ma14:wrappingTextBoxFlag xmlns="" xmlns:ma14="http://schemas.microsoft.com/office/mac/drawingml/2011/main" val="1"/>
             </a:ext>
           </a:extLst>
         </p:spPr>
@@ -13576,7 +13576,7 @@
           </a:ln>
           <a:extLst>
             <a:ext uri="{C572A759-6A51-4108-AA02-DFA0A04FC94B}">
-              <ma14:wrappingTextBoxFlag xmlns:ma14="http://schemas.microsoft.com/office/mac/drawingml/2011/main" xmlns="" val="1"/>
+              <ma14:wrappingTextBoxFlag xmlns="" xmlns:ma14="http://schemas.microsoft.com/office/mac/drawingml/2011/main" val="1"/>
             </a:ext>
           </a:extLst>
         </p:spPr>
@@ -13797,7 +13797,7 @@
           </a:prstGeom>
           <a:extLst>
             <a:ext uri="{C572A759-6A51-4108-AA02-DFA0A04FC94B}">
-              <ma14:wrappingTextBoxFlag xmlns:ma14="http://schemas.microsoft.com/office/mac/drawingml/2011/main" xmlns="" val="1"/>
+              <ma14:wrappingTextBoxFlag xmlns="" xmlns:ma14="http://schemas.microsoft.com/office/mac/drawingml/2011/main" val="1"/>
             </a:ext>
           </a:extLst>
         </p:spPr>
@@ -14048,7 +14048,7 @@
           </a:ln>
           <a:extLst>
             <a:ext uri="{C572A759-6A51-4108-AA02-DFA0A04FC94B}">
-              <ma14:wrappingTextBoxFlag xmlns:ma14="http://schemas.microsoft.com/office/mac/drawingml/2011/main" xmlns="" val="1"/>
+              <ma14:wrappingTextBoxFlag xmlns="" xmlns:ma14="http://schemas.microsoft.com/office/mac/drawingml/2011/main" val="1"/>
             </a:ext>
           </a:extLst>
         </p:spPr>
@@ -17094,6 +17094,21 @@
 </file>
 
 <file path=customXml/item1.xml><?xml version="1.0" encoding="utf-8"?>
+<p:properties xmlns:p="http://schemas.microsoft.com/office/2006/metadata/properties" xmlns:xsi="http://www.w3.org/2001/XMLSchema-instance" xmlns:pc="http://schemas.microsoft.com/office/infopath/2007/PartnerControls">
+  <documentManagement/>
+</p:properties>
+</file>
+
+<file path=customXml/item2.xml><?xml version="1.0" encoding="utf-8"?>
+<?mso-contentType ?>
+<FormTemplates xmlns="http://schemas.microsoft.com/sharepoint/v3/contenttype/forms">
+  <Display>DocumentLibraryForm</Display>
+  <Edit>DocumentLibraryForm</Edit>
+  <New>DocumentLibraryForm</New>
+</FormTemplates>
+</file>
+
+<file path=customXml/item3.xml><?xml version="1.0" encoding="utf-8"?>
 <ct:contentTypeSchema xmlns:ct="http://schemas.microsoft.com/office/2006/metadata/contentType" xmlns:ma="http://schemas.microsoft.com/office/2006/metadata/properties/metaAttributes" ct:_="" ma:_="" ma:contentTypeName="Documento" ma:contentTypeID="0x010100E6A5A58969A45D48A3FDE48C16D47668" ma:contentTypeVersion="7" ma:contentTypeDescription="Creare un nuovo documento." ma:contentTypeScope="" ma:versionID="6a156910bfe1709bd52a834455f674b1">
   <xsd:schema xmlns:xsd="http://www.w3.org/2001/XMLSchema" xmlns:xs="http://www.w3.org/2001/XMLSchema" xmlns:p="http://schemas.microsoft.com/office/2006/metadata/properties" xmlns:ns2="c3ffa819-a771-4877-ad4d-25f776e91fc1" xmlns:ns3="9fad99a4-1f10-4083-bdc6-95bb547585ec" targetNamespace="http://schemas.microsoft.com/office/2006/metadata/properties" ma:root="true" ma:fieldsID="dccc4f762faa72a8390d0658fd5f380b" ns2:_="" ns3:_="">
     <xsd:import namespace="c3ffa819-a771-4877-ad4d-25f776e91fc1"/>
@@ -17278,22 +17293,32 @@
 </ct:contentTypeSchema>
 </file>
 
-<file path=customXml/item2.xml><?xml version="1.0" encoding="utf-8"?>
-<?mso-contentType ?>
-<FormTemplates xmlns="http://schemas.microsoft.com/sharepoint/v3/contenttype/forms">
-  <Display>DocumentLibraryForm</Display>
-  <Edit>DocumentLibraryForm</Edit>
-  <New>DocumentLibraryForm</New>
-</FormTemplates>
+<file path=customXml/itemProps1.xml><?xml version="1.0" encoding="utf-8"?>
+<ds:datastoreItem xmlns:ds="http://schemas.openxmlformats.org/officeDocument/2006/customXml" ds:itemID="{37F187F3-04C2-4986-B925-C49BDDD739C4}">
+  <ds:schemaRefs>
+    <ds:schemaRef ds:uri="http://purl.org/dc/elements/1.1/"/>
+    <ds:schemaRef ds:uri="http://schemas.microsoft.com/office/2006/metadata/properties"/>
+    <ds:schemaRef ds:uri="c3ffa819-a771-4877-ad4d-25f776e91fc1"/>
+    <ds:schemaRef ds:uri="9fad99a4-1f10-4083-bdc6-95bb547585ec"/>
+    <ds:schemaRef ds:uri="http://purl.org/dc/terms/"/>
+    <ds:schemaRef ds:uri="http://schemas.microsoft.com/office/infopath/2007/PartnerControls"/>
+    <ds:schemaRef ds:uri="http://schemas.microsoft.com/office/2006/documentManagement/types"/>
+    <ds:schemaRef ds:uri="http://schemas.openxmlformats.org/package/2006/metadata/core-properties"/>
+    <ds:schemaRef ds:uri="http://www.w3.org/XML/1998/namespace"/>
+    <ds:schemaRef ds:uri="http://purl.org/dc/dcmitype/"/>
+  </ds:schemaRefs>
+</ds:datastoreItem>
 </file>
 
-<file path=customXml/item3.xml><?xml version="1.0" encoding="utf-8"?>
-<p:properties xmlns:p="http://schemas.microsoft.com/office/2006/metadata/properties" xmlns:xsi="http://www.w3.org/2001/XMLSchema-instance" xmlns:pc="http://schemas.microsoft.com/office/infopath/2007/PartnerControls">
-  <documentManagement/>
-</p:properties>
+<file path=customXml/itemProps2.xml><?xml version="1.0" encoding="utf-8"?>
+<ds:datastoreItem xmlns:ds="http://schemas.openxmlformats.org/officeDocument/2006/customXml" ds:itemID="{81BFDE8D-C4DF-4F86-84B9-52E0C5AFDCD4}">
+  <ds:schemaRefs>
+    <ds:schemaRef ds:uri="http://schemas.microsoft.com/sharepoint/v3/contenttype/forms"/>
+  </ds:schemaRefs>
+</ds:datastoreItem>
 </file>
 
-<file path=customXml/itemProps1.xml><?xml version="1.0" encoding="utf-8"?>
+<file path=customXml/itemProps3.xml><?xml version="1.0" encoding="utf-8"?>
 <ds:datastoreItem xmlns:ds="http://schemas.openxmlformats.org/officeDocument/2006/customXml" ds:itemID="{7F298B02-FB17-484A-BB72-42168D5F181C}">
   <ds:schemaRefs>
     <ds:schemaRef ds:uri="http://schemas.microsoft.com/office/2006/metadata/contentType"/>
@@ -17310,29 +17335,4 @@
     <ds:schemaRef ds:uri="http://schemas.microsoft.com/internal/obd"/>
   </ds:schemaRefs>
 </ds:datastoreItem>
-</file>
-
-<file path=customXml/itemProps2.xml><?xml version="1.0" encoding="utf-8"?>
-<ds:datastoreItem xmlns:ds="http://schemas.openxmlformats.org/officeDocument/2006/customXml" ds:itemID="{81BFDE8D-C4DF-4F86-84B9-52E0C5AFDCD4}">
-  <ds:schemaRefs>
-    <ds:schemaRef ds:uri="http://schemas.microsoft.com/sharepoint/v3/contenttype/forms"/>
-  </ds:schemaRefs>
-</ds:datastoreItem>
-</file>
-
-<file path=customXml/itemProps3.xml><?xml version="1.0" encoding="utf-8"?>
-<ds:datastoreItem xmlns:ds="http://schemas.openxmlformats.org/officeDocument/2006/customXml" ds:itemID="{37F187F3-04C2-4986-B925-C49BDDD739C4}">
-  <ds:schemaRefs>
-    <ds:schemaRef ds:uri="http://purl.org/dc/elements/1.1/"/>
-    <ds:schemaRef ds:uri="http://schemas.microsoft.com/office/2006/metadata/properties"/>
-    <ds:schemaRef ds:uri="c3ffa819-a771-4877-ad4d-25f776e91fc1"/>
-    <ds:schemaRef ds:uri="9fad99a4-1f10-4083-bdc6-95bb547585ec"/>
-    <ds:schemaRef ds:uri="http://purl.org/dc/terms/"/>
-    <ds:schemaRef ds:uri="http://schemas.microsoft.com/office/infopath/2007/PartnerControls"/>
-    <ds:schemaRef ds:uri="http://schemas.microsoft.com/office/2006/documentManagement/types"/>
-    <ds:schemaRef ds:uri="http://schemas.openxmlformats.org/package/2006/metadata/core-properties"/>
-    <ds:schemaRef ds:uri="http://www.w3.org/XML/1998/namespace"/>
-    <ds:schemaRef ds:uri="http://purl.org/dc/dcmitype/"/>
-  </ds:schemaRefs>
-</ds:datastoreItem>
 </file>
--- a/K8s-basic.pptx
+++ b/K8s-basic.pptx
@@ -15,12 +15,12 @@
     <p:sldId id="295" r:id="rId6"/>
     <p:sldId id="296" r:id="rId7"/>
     <p:sldId id="326" r:id="rId8"/>
-    <p:sldId id="297" r:id="rId9"/>
-    <p:sldId id="298" r:id="rId10"/>
-    <p:sldId id="300" r:id="rId11"/>
-    <p:sldId id="325" r:id="rId12"/>
-    <p:sldId id="311" r:id="rId13"/>
-    <p:sldId id="322" r:id="rId14"/>
+    <p:sldId id="322" r:id="rId9"/>
+    <p:sldId id="297" r:id="rId10"/>
+    <p:sldId id="298" r:id="rId11"/>
+    <p:sldId id="300" r:id="rId12"/>
+    <p:sldId id="325" r:id="rId13"/>
+    <p:sldId id="311" r:id="rId14"/>
     <p:sldId id="304" r:id="rId15"/>
     <p:sldId id="301" r:id="rId16"/>
     <p:sldId id="302" r:id="rId17"/>
@@ -445,7 +445,7 @@
           <a:p>
             <a:fld id="{2772BE4E-48FD-A347-A676-3904A5044681}" type="datetimeFigureOut">
               <a:rPr lang="it-IT" smtClean="0"/>
-              <a:t>29/05/2020</a:t>
+              <a:t>30/05/2020</a:t>
             </a:fld>
             <a:endParaRPr lang="it-IT" dirty="0"/>
           </a:p>
@@ -1863,7 +1863,7 @@
           </a:ln>
           <a:extLst>
             <a:ext uri="{C572A759-6A51-4108-AA02-DFA0A04FC94B}">
-              <ma14:wrappingTextBoxFlag xmlns="" xmlns:ma14="http://schemas.microsoft.com/office/mac/drawingml/2011/main" val="1"/>
+              <ma14:wrappingTextBoxFlag xmlns:ma14="http://schemas.microsoft.com/office/mac/drawingml/2011/main" xmlns="" val="1"/>
             </a:ext>
           </a:extLst>
         </p:spPr>
@@ -2271,7 +2271,7 @@
           </a:ln>
           <a:extLst>
             <a:ext uri="{C572A759-6A51-4108-AA02-DFA0A04FC94B}">
-              <ma14:wrappingTextBoxFlag xmlns="" xmlns:ma14="http://schemas.microsoft.com/office/mac/drawingml/2011/main" val="1"/>
+              <ma14:wrappingTextBoxFlag xmlns:ma14="http://schemas.microsoft.com/office/mac/drawingml/2011/main" xmlns="" val="1"/>
             </a:ext>
           </a:extLst>
         </p:spPr>
@@ -2417,7 +2417,7 @@
           </a:ln>
           <a:extLst>
             <a:ext uri="{C572A759-6A51-4108-AA02-DFA0A04FC94B}">
-              <ma14:wrappingTextBoxFlag xmlns="" xmlns:ma14="http://schemas.microsoft.com/office/mac/drawingml/2011/main" val="1"/>
+              <ma14:wrappingTextBoxFlag xmlns:ma14="http://schemas.microsoft.com/office/mac/drawingml/2011/main" xmlns="" val="1"/>
             </a:ext>
           </a:extLst>
         </p:spPr>
@@ -3978,7 +3978,7 @@
           </a:ln>
           <a:extLst>
             <a:ext uri="{C572A759-6A51-4108-AA02-DFA0A04FC94B}">
-              <ma14:wrappingTextBoxFlag xmlns="" xmlns:ma14="http://schemas.microsoft.com/office/mac/drawingml/2011/main" val="1"/>
+              <ma14:wrappingTextBoxFlag xmlns:ma14="http://schemas.microsoft.com/office/mac/drawingml/2011/main" xmlns="" val="1"/>
             </a:ext>
           </a:extLst>
         </p:spPr>
@@ -4189,7 +4189,7 @@
           </a:ln>
           <a:extLst>
             <a:ext uri="{C572A759-6A51-4108-AA02-DFA0A04FC94B}">
-              <ma14:wrappingTextBoxFlag xmlns="" xmlns:ma14="http://schemas.microsoft.com/office/mac/drawingml/2011/main" val="1"/>
+              <ma14:wrappingTextBoxFlag xmlns:ma14="http://schemas.microsoft.com/office/mac/drawingml/2011/main" xmlns="" val="1"/>
             </a:ext>
           </a:extLst>
         </p:spPr>
@@ -4423,7 +4423,7 @@
           </a:ln>
           <a:extLst>
             <a:ext uri="{C572A759-6A51-4108-AA02-DFA0A04FC94B}">
-              <ma14:wrappingTextBoxFlag xmlns="" xmlns:ma14="http://schemas.microsoft.com/office/mac/drawingml/2011/main" val="1"/>
+              <ma14:wrappingTextBoxFlag xmlns:ma14="http://schemas.microsoft.com/office/mac/drawingml/2011/main" xmlns="" val="1"/>
             </a:ext>
           </a:extLst>
         </p:spPr>
@@ -4805,7 +4805,7 @@
           </a:ln>
           <a:extLst>
             <a:ext uri="{C572A759-6A51-4108-AA02-DFA0A04FC94B}">
-              <ma14:wrappingTextBoxFlag xmlns="" xmlns:ma14="http://schemas.microsoft.com/office/mac/drawingml/2011/main" val="1"/>
+              <ma14:wrappingTextBoxFlag xmlns:ma14="http://schemas.microsoft.com/office/mac/drawingml/2011/main" xmlns="" val="1"/>
             </a:ext>
           </a:extLst>
         </p:spPr>
@@ -6378,7 +6378,7 @@
           </a:ln>
           <a:extLst>
             <a:ext uri="{C572A759-6A51-4108-AA02-DFA0A04FC94B}">
-              <ma14:wrappingTextBoxFlag xmlns="" xmlns:ma14="http://schemas.microsoft.com/office/mac/drawingml/2011/main" val="1"/>
+              <ma14:wrappingTextBoxFlag xmlns:ma14="http://schemas.microsoft.com/office/mac/drawingml/2011/main" xmlns="" val="1"/>
             </a:ext>
           </a:extLst>
         </p:spPr>
@@ -6425,7 +6425,7 @@
           </a:ln>
           <a:extLst>
             <a:ext uri="{C572A759-6A51-4108-AA02-DFA0A04FC94B}">
-              <ma14:wrappingTextBoxFlag xmlns="" xmlns:ma14="http://schemas.microsoft.com/office/mac/drawingml/2011/main" val="1"/>
+              <ma14:wrappingTextBoxFlag xmlns:ma14="http://schemas.microsoft.com/office/mac/drawingml/2011/main" xmlns="" val="1"/>
             </a:ext>
           </a:extLst>
         </p:spPr>
@@ -6600,7 +6600,7 @@
           </a:ln>
           <a:extLst>
             <a:ext uri="{C572A759-6A51-4108-AA02-DFA0A04FC94B}">
-              <ma14:wrappingTextBoxFlag xmlns="" xmlns:ma14="http://schemas.microsoft.com/office/mac/drawingml/2011/main" val="1"/>
+              <ma14:wrappingTextBoxFlag xmlns:ma14="http://schemas.microsoft.com/office/mac/drawingml/2011/main" xmlns="" val="1"/>
             </a:ext>
           </a:extLst>
         </p:spPr>
@@ -6639,7 +6639,7 @@
           </a:ln>
           <a:extLst>
             <a:ext uri="{C572A759-6A51-4108-AA02-DFA0A04FC94B}">
-              <ma14:wrappingTextBoxFlag xmlns="" xmlns:ma14="http://schemas.microsoft.com/office/mac/drawingml/2011/main" val="1"/>
+              <ma14:wrappingTextBoxFlag xmlns:ma14="http://schemas.microsoft.com/office/mac/drawingml/2011/main" xmlns="" val="1"/>
             </a:ext>
           </a:extLst>
         </p:spPr>
@@ -7569,10 +7569,68 @@
       </p:grpSpPr>
       <p:sp>
         <p:nvSpPr>
+          <p:cNvPr id="2" name="Title 1">
+            <a:extLst>
+              <a:ext uri="{FF2B5EF4-FFF2-40B4-BE49-F238E27FC236}">
+                <a16:creationId xmlns:a16="http://schemas.microsoft.com/office/drawing/2014/main" id="{EE70F559-8251-4D46-9246-DA5D35B10B4C}"/>
+              </a:ext>
+            </a:extLst>
+          </p:cNvPr>
+          <p:cNvSpPr>
+            <a:spLocks noGrp="1"/>
+          </p:cNvSpPr>
+          <p:nvPr>
+            <p:ph type="title"/>
+          </p:nvPr>
+        </p:nvSpPr>
+        <p:spPr/>
+        <p:txBody>
+          <a:bodyPr/>
+          <a:lstStyle/>
+          <a:p>
+            <a:r>
+              <a:rPr lang="it-IT" dirty="0"/>
+              <a:t>In-cluster </a:t>
+            </a:r>
+            <a:r>
+              <a:rPr lang="it-IT" dirty="0" err="1"/>
+              <a:t>communication</a:t>
+            </a:r>
+            <a:endParaRPr lang="en-US" dirty="0"/>
+          </a:p>
+        </p:txBody>
+      </p:sp>
+      <p:sp>
+        <p:nvSpPr>
+          <p:cNvPr id="3" name="Text Placeholder 2">
+            <a:extLst>
+              <a:ext uri="{FF2B5EF4-FFF2-40B4-BE49-F238E27FC236}">
+                <a16:creationId xmlns:a16="http://schemas.microsoft.com/office/drawing/2014/main" id="{21DEBC65-BA00-4C38-B817-4CA076455813}"/>
+              </a:ext>
+            </a:extLst>
+          </p:cNvPr>
+          <p:cNvSpPr>
+            <a:spLocks noGrp="1"/>
+          </p:cNvSpPr>
+          <p:nvPr>
+            <p:ph type="body" sz="quarter" idx="13"/>
+          </p:nvPr>
+        </p:nvSpPr>
+        <p:spPr/>
+        <p:txBody>
+          <a:bodyPr/>
+          <a:lstStyle/>
+          <a:p>
+            <a:endParaRPr lang="en-US"/>
+          </a:p>
+        </p:txBody>
+      </p:sp>
+      <p:sp>
+        <p:nvSpPr>
           <p:cNvPr id="4" name="Text Placeholder 3">
             <a:extLst>
               <a:ext uri="{FF2B5EF4-FFF2-40B4-BE49-F238E27FC236}">
-                <a16:creationId xmlns:a16="http://schemas.microsoft.com/office/drawing/2014/main" id="{AE9FB48D-EC25-4212-8B3E-EA0779A843DA}"/>
+                <a16:creationId xmlns:a16="http://schemas.microsoft.com/office/drawing/2014/main" id="{316286F4-F5FF-44D0-A8DA-87B9CB209965}"/>
               </a:ext>
             </a:extLst>
           </p:cNvPr>
@@ -7583,150 +7641,6 @@
             <p:ph type="body" idx="1"/>
           </p:nvPr>
         </p:nvSpPr>
-        <p:spPr>
-          <a:xfrm>
-            <a:off x="1805572" y="2596016"/>
-            <a:ext cx="21005801" cy="7170554"/>
-          </a:xfrm>
-        </p:spPr>
-        <p:txBody>
-          <a:bodyPr>
-            <a:normAutofit/>
-          </a:bodyPr>
-          <a:lstStyle/>
-          <a:p>
-            <a:pPr marL="0" indent="0">
-              <a:buNone/>
-            </a:pPr>
-            <a:r>
-              <a:rPr lang="en-US" dirty="0"/>
-              <a:t>One time cluster setup </a:t>
-            </a:r>
-          </a:p>
-          <a:p>
-            <a:pPr marL="514350" indent="-514350">
-              <a:buFont typeface="+mj-lt"/>
-              <a:buAutoNum type="arabicPeriod"/>
-            </a:pPr>
-            <a:r>
-              <a:rPr lang="en-US" dirty="0"/>
-              <a:t>Create the cluster</a:t>
-            </a:r>
-          </a:p>
-          <a:p>
-            <a:pPr marL="514350" indent="-514350">
-              <a:buFont typeface="+mj-lt"/>
-              <a:buAutoNum type="arabicPeriod"/>
-            </a:pPr>
-            <a:r>
-              <a:rPr lang="en-US" dirty="0"/>
-              <a:t>Install dashboard (skipped if available as built-in feature, as in </a:t>
-            </a:r>
-            <a:r>
-              <a:rPr lang="en-US" dirty="0" err="1"/>
-              <a:t>aks</a:t>
-            </a:r>
-            <a:r>
-              <a:rPr lang="en-US" dirty="0"/>
-              <a:t>)</a:t>
-            </a:r>
-          </a:p>
-          <a:p>
-            <a:pPr marL="1022350" lvl="1" indent="-514350">
-              <a:buFont typeface="+mj-lt"/>
-              <a:buAutoNum type="arabicPeriod"/>
-            </a:pPr>
-            <a:r>
-              <a:rPr lang="en-US" dirty="0"/>
-              <a:t>Adjust dashboard permissions</a:t>
-            </a:r>
-          </a:p>
-          <a:p>
-            <a:pPr marL="514350" indent="-514350">
-              <a:buFont typeface="+mj-lt"/>
-              <a:buAutoNum type="arabicPeriod"/>
-            </a:pPr>
-            <a:r>
-              <a:rPr lang="en-US" dirty="0"/>
-              <a:t>Install ingress controller (</a:t>
-            </a:r>
-            <a:r>
-              <a:rPr lang="en-US" dirty="0" err="1"/>
-              <a:t>ngnix</a:t>
-            </a:r>
-            <a:r>
-              <a:rPr lang="en-US" dirty="0"/>
-              <a:t> in the demo)</a:t>
-            </a:r>
-          </a:p>
-          <a:p>
-            <a:pPr marL="514350" indent="-514350">
-              <a:buFont typeface="+mj-lt"/>
-              <a:buAutoNum type="arabicPeriod"/>
-            </a:pPr>
-            <a:r>
-              <a:rPr lang="en-US" dirty="0"/>
-              <a:t>Install cert manager for https (AKS only)</a:t>
-            </a:r>
-          </a:p>
-          <a:p>
-            <a:pPr marL="514350" indent="-514350">
-              <a:buFont typeface="+mj-lt"/>
-              <a:buAutoNum type="arabicPeriod"/>
-            </a:pPr>
-            <a:r>
-              <a:rPr lang="en-US" dirty="0"/>
-              <a:t>Register </a:t>
-            </a:r>
-            <a:r>
-              <a:rPr lang="en-US" dirty="0" err="1"/>
-              <a:t>dns</a:t>
-            </a:r>
-            <a:r>
-              <a:rPr lang="en-US" dirty="0"/>
-              <a:t> name for the provided </a:t>
-            </a:r>
-            <a:r>
-              <a:rPr lang="en-US" dirty="0" err="1"/>
-              <a:t>LoadBalancer</a:t>
-            </a:r>
-            <a:r>
-              <a:rPr lang="en-US" dirty="0"/>
-              <a:t> Ip (AKS only)</a:t>
-            </a:r>
-          </a:p>
-          <a:p>
-            <a:pPr marL="514350" indent="-514350">
-              <a:buFont typeface="+mj-lt"/>
-              <a:buAutoNum type="arabicPeriod"/>
-            </a:pPr>
-            <a:r>
-              <a:rPr lang="en-US" dirty="0"/>
-              <a:t>Set up persistent storage (storage class and persistent volume claim) (to be explained in next slides)</a:t>
-            </a:r>
-          </a:p>
-          <a:p>
-            <a:pPr lvl="1"/>
-            <a:endParaRPr lang="en-US" dirty="0"/>
-          </a:p>
-        </p:txBody>
-      </p:sp>
-      <p:sp>
-        <p:nvSpPr>
-          <p:cNvPr id="6" name="Title 5">
-            <a:extLst>
-              <a:ext uri="{FF2B5EF4-FFF2-40B4-BE49-F238E27FC236}">
-                <a16:creationId xmlns:a16="http://schemas.microsoft.com/office/drawing/2014/main" id="{C1647E81-962B-495E-A29A-0CB7BE4D552D}"/>
-              </a:ext>
-            </a:extLst>
-          </p:cNvPr>
-          <p:cNvSpPr>
-            <a:spLocks noGrp="1"/>
-          </p:cNvSpPr>
-          <p:nvPr>
-            <p:ph type="title"/>
-          </p:nvPr>
-        </p:nvSpPr>
         <p:spPr/>
         <p:txBody>
           <a:bodyPr/>
@@ -7734,15 +7648,166 @@
           <a:p>
             <a:r>
               <a:rPr lang="en-US" dirty="0"/>
-              <a:t>Demos scenario: Kind and AKS cluster</a:t>
-            </a:r>
+              <a:t>Cross pod communication does not need to pass through an ingress:, better to go through services </a:t>
+            </a:r>
+          </a:p>
+          <a:p>
+            <a:r>
+              <a:rPr lang="en-US" dirty="0"/>
+              <a:t>Scenario : WEB Ap1 1 needs to call Web API 2</a:t>
+            </a:r>
+          </a:p>
+          <a:p>
+            <a:pPr lvl="1"/>
+            <a:r>
+              <a:rPr lang="en-US" dirty="0"/>
+              <a:t>Use the </a:t>
+            </a:r>
+            <a:r>
+              <a:rPr lang="en-US" i="1" dirty="0"/>
+              <a:t>service name</a:t>
+            </a:r>
+            <a:r>
+              <a:rPr lang="en-US" dirty="0"/>
+              <a:t> : </a:t>
+            </a:r>
+          </a:p>
+          <a:p>
+            <a:pPr lvl="2"/>
+            <a:r>
+              <a:rPr lang="en-US" dirty="0"/>
+              <a:t>Same namespace: </a:t>
+            </a:r>
+            <a:r>
+              <a:rPr lang="en-US" dirty="0">
+                <a:hlinkClick r:id="rId2"/>
+              </a:rPr>
+              <a:t>http://</a:t>
+            </a:r>
+            <a:r>
+              <a:rPr lang="en-US" dirty="0">
+                <a:sym typeface="Wingdings" panose="05000000000000000000" pitchFamily="2" charset="2"/>
+              </a:rPr>
+              <a:t>&lt;</a:t>
+            </a:r>
+            <a:r>
+              <a:rPr lang="en-US" dirty="0" err="1">
+                <a:sym typeface="Wingdings" panose="05000000000000000000" pitchFamily="2" charset="2"/>
+              </a:rPr>
+              <a:t>targetservicename</a:t>
+            </a:r>
+            <a:r>
+              <a:rPr lang="en-US" dirty="0">
+                <a:sym typeface="Wingdings" panose="05000000000000000000" pitchFamily="2" charset="2"/>
+              </a:rPr>
+              <a:t>&gt;</a:t>
+            </a:r>
+            <a:r>
+              <a:rPr lang="en-US" dirty="0">
+                <a:hlinkClick r:id="rId2"/>
+              </a:rPr>
+              <a:t>/</a:t>
+            </a:r>
+            <a:r>
+              <a:rPr lang="en-US" dirty="0"/>
+              <a:t>.. (doesn’t change from dev to prod </a:t>
+            </a:r>
+            <a:r>
+              <a:rPr lang="en-US" dirty="0">
+                <a:sym typeface="Wingdings" panose="05000000000000000000" pitchFamily="2" charset="2"/>
+              </a:rPr>
+              <a:t> ) </a:t>
+            </a:r>
+          </a:p>
+          <a:p>
+            <a:pPr lvl="2"/>
+            <a:r>
+              <a:rPr lang="en-US" dirty="0">
+                <a:sym typeface="Wingdings" panose="05000000000000000000" pitchFamily="2" charset="2"/>
+              </a:rPr>
+              <a:t>Different </a:t>
+            </a:r>
+            <a:r>
+              <a:rPr lang="en-US" dirty="0" err="1">
+                <a:sym typeface="Wingdings" panose="05000000000000000000" pitchFamily="2" charset="2"/>
+              </a:rPr>
+              <a:t>namesapace</a:t>
+            </a:r>
+            <a:r>
+              <a:rPr lang="en-US" dirty="0">
+                <a:sym typeface="Wingdings" panose="05000000000000000000" pitchFamily="2" charset="2"/>
+              </a:rPr>
+              <a:t>: http://&lt;targetservicename&gt;.&lt;target namespace where service resides&gt;</a:t>
+            </a:r>
+          </a:p>
+          <a:p>
+            <a:pPr lvl="1"/>
+            <a:r>
+              <a:rPr lang="en-US" dirty="0">
+                <a:sym typeface="Wingdings" panose="05000000000000000000" pitchFamily="2" charset="2"/>
+              </a:rPr>
+              <a:t>Ingress is only for http/https (uses an http reverse proxy)</a:t>
+            </a:r>
+          </a:p>
+          <a:p>
+            <a:pPr lvl="1"/>
+            <a:r>
+              <a:rPr lang="en-US" dirty="0">
+                <a:sym typeface="Wingdings" panose="05000000000000000000" pitchFamily="2" charset="2"/>
+              </a:rPr>
+              <a:t>through services any traffic on any port is fine </a:t>
+            </a:r>
+            <a:br>
+              <a:rPr lang="en-US" dirty="0">
+                <a:sym typeface="Wingdings" panose="05000000000000000000" pitchFamily="2" charset="2"/>
+              </a:rPr>
+            </a:br>
+            <a:br>
+              <a:rPr lang="en-US" dirty="0">
+                <a:sym typeface="Wingdings" panose="05000000000000000000" pitchFamily="2" charset="2"/>
+              </a:rPr>
+            </a:br>
+            <a:r>
+              <a:rPr lang="en-US" dirty="0">
+                <a:sym typeface="Wingdings" panose="05000000000000000000" pitchFamily="2" charset="2"/>
+              </a:rPr>
+              <a:t>"</a:t>
+            </a:r>
+            <a:r>
+              <a:rPr lang="en-US" dirty="0" err="1">
+                <a:sym typeface="Wingdings" panose="05000000000000000000" pitchFamily="2" charset="2"/>
+              </a:rPr>
+              <a:t>mongodb</a:t>
+            </a:r>
+            <a:r>
+              <a:rPr lang="en-US" dirty="0">
+                <a:sym typeface="Wingdings" panose="05000000000000000000" pitchFamily="2" charset="2"/>
+              </a:rPr>
+              <a:t>://user:pwd@</a:t>
+            </a:r>
+            <a:r>
+              <a:rPr lang="en-US" dirty="0">
+                <a:highlight>
+                  <a:srgbClr val="FFFF00"/>
+                </a:highlight>
+                <a:sym typeface="Wingdings" panose="05000000000000000000" pitchFamily="2" charset="2"/>
+              </a:rPr>
+              <a:t>mongodbsrv.mongodbnamespace</a:t>
+            </a:r>
+            <a:r>
+              <a:rPr lang="en-US" dirty="0">
+                <a:sym typeface="Wingdings" panose="05000000000000000000" pitchFamily="2" charset="2"/>
+              </a:rPr>
+              <a:t>:27017 .."</a:t>
+            </a:r>
+            <a:endParaRPr lang="en-US" dirty="0"/>
           </a:p>
         </p:txBody>
       </p:sp>
     </p:spTree>
     <p:extLst>
       <p:ext uri="{BB962C8B-B14F-4D97-AF65-F5344CB8AC3E}">
-        <p14:creationId xmlns:p14="http://schemas.microsoft.com/office/powerpoint/2010/main" val="3979354483"/>
+        <p14:creationId xmlns:p14="http://schemas.microsoft.com/office/powerpoint/2010/main" val="4156343219"/>
       </p:ext>
     </p:extLst>
   </p:cSld>
@@ -10056,7 +10121,7 @@
           </a:prstGeom>
           <a:extLst>
             <a:ext uri="{C572A759-6A51-4108-AA02-DFA0A04FC94B}">
-              <ma14:wrappingTextBoxFlag xmlns="" xmlns:ma14="http://schemas.microsoft.com/office/mac/drawingml/2011/main" val="1"/>
+              <ma14:wrappingTextBoxFlag xmlns:ma14="http://schemas.microsoft.com/office/mac/drawingml/2011/main" xmlns="" val="1"/>
             </a:ext>
           </a:extLst>
         </p:spPr>
@@ -10291,7 +10356,7 @@
           </a:ln>
           <a:extLst>
             <a:ext uri="{C572A759-6A51-4108-AA02-DFA0A04FC94B}">
-              <ma14:wrappingTextBoxFlag xmlns="" xmlns:ma14="http://schemas.microsoft.com/office/mac/drawingml/2011/main" val="1"/>
+              <ma14:wrappingTextBoxFlag xmlns:ma14="http://schemas.microsoft.com/office/mac/drawingml/2011/main" xmlns="" val="1"/>
             </a:ext>
           </a:extLst>
         </p:spPr>
@@ -12859,7 +12924,7 @@
           </a:prstGeom>
           <a:extLst>
             <a:ext uri="{C572A759-6A51-4108-AA02-DFA0A04FC94B}">
-              <ma14:wrappingTextBoxFlag xmlns="" xmlns:ma14="http://schemas.microsoft.com/office/mac/drawingml/2011/main" val="1"/>
+              <ma14:wrappingTextBoxFlag xmlns:ma14="http://schemas.microsoft.com/office/mac/drawingml/2011/main" xmlns="" val="1"/>
             </a:ext>
           </a:extLst>
         </p:spPr>
@@ -12960,28 +13025,28 @@
           <a:p>
             <a:r>
               <a:rPr lang="en-US" dirty="0"/>
-              <a:t>K8s is an orchestrator for Docker containers (and even more)</a:t>
+              <a:t>K8s is an orchestrator for Docker containers</a:t>
             </a:r>
           </a:p>
           <a:p>
             <a:pPr lvl="1"/>
             <a:r>
               <a:rPr lang="en-US" dirty="0"/>
-              <a:t>not the only one but the de-facto standard</a:t>
+              <a:t>Not the only one but the de-facto standard</a:t>
             </a:r>
           </a:p>
           <a:p>
             <a:pPr lvl="1"/>
             <a:r>
               <a:rPr lang="en-US" dirty="0"/>
-              <a:t>manages containers deployment and keeps them in the desired state</a:t>
+              <a:t>Manages containers deployment and keeps them in the desired state</a:t>
             </a:r>
           </a:p>
           <a:p>
             <a:pPr lvl="1"/>
             <a:r>
               <a:rPr lang="en-US" dirty="0"/>
-              <a:t>manages networking among the containers </a:t>
+              <a:t>Manages networking among the containers </a:t>
             </a:r>
           </a:p>
           <a:p>
@@ -12992,16 +13057,30 @@
             </a:r>
           </a:p>
           <a:p>
-            <a:r>
-              <a:rPr lang="en-US" dirty="0"/>
-              <a:t>provides an abstraction on the docker «stuff»</a:t>
-            </a:r>
-          </a:p>
-          <a:p>
             <a:pPr lvl="1"/>
             <a:r>
               <a:rPr lang="en-US" dirty="0"/>
-              <a:t>let you concentrate on higher level concerns</a:t>
+              <a:t>Provides more then one can expect from an orchestrator, somehow you can see it as a solution for a private cloud</a:t>
+            </a:r>
+          </a:p>
+          <a:p>
+            <a:pPr lvl="2"/>
+            <a:r>
+              <a:rPr lang="en-US" i="1" dirty="0"/>
+              <a:t>No cloud vendor lock-in. One of the main reason why deltatre has chosen k8s as its current reference platform</a:t>
+            </a:r>
+          </a:p>
+          <a:p>
+            <a:r>
+              <a:rPr lang="en-US" dirty="0"/>
+              <a:t>Provides an abstraction on the docker «stuff»</a:t>
+            </a:r>
+          </a:p>
+          <a:p>
+            <a:pPr lvl="1"/>
+            <a:r>
+              <a:rPr lang="en-US" dirty="0"/>
+              <a:t>Lets you concentrate on higher level concerns</a:t>
             </a:r>
           </a:p>
           <a:p>
@@ -13019,8 +13098,11 @@
             <a:pPr lvl="2"/>
             <a:r>
               <a:rPr lang="en-US" dirty="0"/>
-              <a:t>forget docker run, forget docker networking</a:t>
-            </a:r>
+              <a:t>Forget docker run, forget docker networking</a:t>
+            </a:r>
+          </a:p>
+          <a:p>
+            <a:endParaRPr lang="en-US" dirty="0"/>
           </a:p>
           <a:p>
             <a:pPr marL="0" indent="0">
@@ -13049,7 +13131,7 @@
           </a:ln>
           <a:extLst>
             <a:ext uri="{C572A759-6A51-4108-AA02-DFA0A04FC94B}">
-              <ma14:wrappingTextBoxFlag xmlns="" xmlns:ma14="http://schemas.microsoft.com/office/mac/drawingml/2011/main" val="1"/>
+              <ma14:wrappingTextBoxFlag xmlns:ma14="http://schemas.microsoft.com/office/mac/drawingml/2011/main" xmlns="" val="1"/>
             </a:ext>
           </a:extLst>
         </p:spPr>
@@ -13314,6 +13396,205 @@
       </p:grpSpPr>
       <p:sp>
         <p:nvSpPr>
+          <p:cNvPr id="4" name="Text Placeholder 3">
+            <a:extLst>
+              <a:ext uri="{FF2B5EF4-FFF2-40B4-BE49-F238E27FC236}">
+                <a16:creationId xmlns:a16="http://schemas.microsoft.com/office/drawing/2014/main" id="{AE9FB48D-EC25-4212-8B3E-EA0779A843DA}"/>
+              </a:ext>
+            </a:extLst>
+          </p:cNvPr>
+          <p:cNvSpPr>
+            <a:spLocks noGrp="1"/>
+          </p:cNvSpPr>
+          <p:nvPr>
+            <p:ph type="body" idx="1"/>
+          </p:nvPr>
+        </p:nvSpPr>
+        <p:spPr>
+          <a:xfrm>
+            <a:off x="1805572" y="2596016"/>
+            <a:ext cx="21005801" cy="7170554"/>
+          </a:xfrm>
+        </p:spPr>
+        <p:txBody>
+          <a:bodyPr>
+            <a:normAutofit/>
+          </a:bodyPr>
+          <a:lstStyle/>
+          <a:p>
+            <a:pPr marL="0" indent="0">
+              <a:buNone/>
+            </a:pPr>
+            <a:r>
+              <a:rPr lang="en-US" dirty="0"/>
+              <a:t>One time cluster setup done ahead:</a:t>
+            </a:r>
+          </a:p>
+          <a:p>
+            <a:pPr marL="514350" indent="-514350">
+              <a:buFont typeface="+mj-lt"/>
+              <a:buAutoNum type="arabicPeriod"/>
+            </a:pPr>
+            <a:r>
+              <a:rPr lang="en-US" dirty="0"/>
+              <a:t>Cluster creation</a:t>
+            </a:r>
+          </a:p>
+          <a:p>
+            <a:pPr marL="514350" indent="-514350">
+              <a:buFont typeface="+mj-lt"/>
+              <a:buAutoNum type="arabicPeriod"/>
+            </a:pPr>
+            <a:r>
+              <a:rPr lang="en-US" dirty="0"/>
+              <a:t>k8s dashboard installation (skipped if available as built-in feature, as in </a:t>
+            </a:r>
+            <a:r>
+              <a:rPr lang="en-US" dirty="0" err="1"/>
+              <a:t>aks</a:t>
+            </a:r>
+            <a:r>
+              <a:rPr lang="en-US" dirty="0"/>
+              <a:t>)</a:t>
+            </a:r>
+          </a:p>
+          <a:p>
+            <a:pPr marL="1022350" lvl="1" indent="-514350">
+              <a:buFont typeface="+mj-lt"/>
+              <a:buAutoNum type="arabicPeriod"/>
+            </a:pPr>
+            <a:r>
+              <a:rPr lang="en-US" dirty="0"/>
+              <a:t>Dashboard permissions adjusted</a:t>
+            </a:r>
+          </a:p>
+          <a:p>
+            <a:pPr marL="514350" indent="-514350">
+              <a:buFont typeface="+mj-lt"/>
+              <a:buAutoNum type="arabicPeriod"/>
+            </a:pPr>
+            <a:r>
+              <a:rPr lang="en-US" dirty="0"/>
+              <a:t>Ingress controller installation (</a:t>
+            </a:r>
+            <a:r>
+              <a:rPr lang="en-US" dirty="0" err="1"/>
+              <a:t>ngnix</a:t>
+            </a:r>
+            <a:r>
+              <a:rPr lang="en-US" dirty="0"/>
+              <a:t> in the demo)</a:t>
+            </a:r>
+          </a:p>
+          <a:p>
+            <a:pPr marL="514350" indent="-514350">
+              <a:buFont typeface="+mj-lt"/>
+              <a:buAutoNum type="arabicPeriod"/>
+            </a:pPr>
+            <a:r>
+              <a:rPr lang="en-US" dirty="0" err="1"/>
+              <a:t>CertManager</a:t>
+            </a:r>
+            <a:r>
+              <a:rPr lang="en-US" dirty="0"/>
+              <a:t> for https (AKS only) installation</a:t>
+            </a:r>
+          </a:p>
+          <a:p>
+            <a:pPr marL="514350" indent="-514350">
+              <a:buFont typeface="+mj-lt"/>
+              <a:buAutoNum type="arabicPeriod"/>
+            </a:pPr>
+            <a:r>
+              <a:rPr lang="en-US" dirty="0" err="1"/>
+              <a:t>Dns</a:t>
+            </a:r>
+            <a:r>
+              <a:rPr lang="en-US" dirty="0"/>
+              <a:t> name for the provided </a:t>
+            </a:r>
+            <a:r>
+              <a:rPr lang="en-US" dirty="0" err="1"/>
+              <a:t>LoadBalancer</a:t>
+            </a:r>
+            <a:r>
+              <a:rPr lang="en-US" dirty="0"/>
+              <a:t> Ip (AKS only) registration</a:t>
+            </a:r>
+          </a:p>
+          <a:p>
+            <a:pPr marL="514350" indent="-514350">
+              <a:buFont typeface="+mj-lt"/>
+              <a:buAutoNum type="arabicPeriod"/>
+            </a:pPr>
+            <a:r>
+              <a:rPr lang="en-US" dirty="0"/>
+              <a:t>Persistent storage set up </a:t>
+            </a:r>
+          </a:p>
+        </p:txBody>
+      </p:sp>
+      <p:sp>
+        <p:nvSpPr>
+          <p:cNvPr id="6" name="Title 5">
+            <a:extLst>
+              <a:ext uri="{FF2B5EF4-FFF2-40B4-BE49-F238E27FC236}">
+                <a16:creationId xmlns:a16="http://schemas.microsoft.com/office/drawing/2014/main" id="{C1647E81-962B-495E-A29A-0CB7BE4D552D}"/>
+              </a:ext>
+            </a:extLst>
+          </p:cNvPr>
+          <p:cNvSpPr>
+            <a:spLocks noGrp="1"/>
+          </p:cNvSpPr>
+          <p:nvPr>
+            <p:ph type="title"/>
+          </p:nvPr>
+        </p:nvSpPr>
+        <p:spPr/>
+        <p:txBody>
+          <a:bodyPr/>
+          <a:lstStyle/>
+          <a:p>
+            <a:r>
+              <a:rPr lang="en-US" dirty="0"/>
+              <a:t>What we use in this session: Kind and AKS clusters</a:t>
+            </a:r>
+          </a:p>
+        </p:txBody>
+      </p:sp>
+    </p:spTree>
+    <p:extLst>
+      <p:ext uri="{BB962C8B-B14F-4D97-AF65-F5344CB8AC3E}">
+        <p14:creationId xmlns:p14="http://schemas.microsoft.com/office/powerpoint/2010/main" val="3979354483"/>
+      </p:ext>
+    </p:extLst>
+  </p:cSld>
+  <p:clrMapOvr>
+    <a:masterClrMapping/>
+  </p:clrMapOvr>
+  <p:transition spd="med"/>
+</p:sld>
+</file>
+
+<file path=ppt/slides/slide6.xml><?xml version="1.0" encoding="utf-8"?>
+<p:sld xmlns:a="http://schemas.openxmlformats.org/drawingml/2006/main" xmlns:r="http://schemas.openxmlformats.org/officeDocument/2006/relationships" xmlns:p="http://schemas.openxmlformats.org/presentationml/2006/main">
+  <p:cSld>
+    <p:spTree>
+      <p:nvGrpSpPr>
+        <p:cNvPr id="1" name=""/>
+        <p:cNvGrpSpPr/>
+        <p:nvPr/>
+      </p:nvGrpSpPr>
+      <p:grpSpPr>
+        <a:xfrm>
+          <a:off x="0" y="0"/>
+          <a:ext cx="0" cy="0"/>
+          <a:chOff x="0" y="0"/>
+          <a:chExt cx="0" cy="0"/>
+        </a:xfrm>
+      </p:grpSpPr>
+      <p:sp>
+        <p:nvSpPr>
           <p:cNvPr id="282" name="Slide Number"/>
           <p:cNvSpPr txBox="1">
             <a:spLocks noGrp="1"/>
@@ -13332,7 +13613,7 @@
           </a:prstGeom>
           <a:extLst>
             <a:ext uri="{C572A759-6A51-4108-AA02-DFA0A04FC94B}">
-              <ma14:wrappingTextBoxFlag xmlns="" xmlns:ma14="http://schemas.microsoft.com/office/mac/drawingml/2011/main" val="1"/>
+              <ma14:wrappingTextBoxFlag xmlns:ma14="http://schemas.microsoft.com/office/mac/drawingml/2011/main" xmlns="" val="1"/>
             </a:ext>
           </a:extLst>
         </p:spPr>
@@ -13342,7 +13623,7 @@
           <a:p>
             <a:fld id="{86CB4B4D-7CA3-9044-876B-883B54F8677D}" type="slidenum">
               <a:rPr lang="en-US" smtClean="0"/>
-              <a:t>5</a:t>
+              <a:t>6</a:t>
             </a:fld>
             <a:endParaRPr lang="en-US"/>
           </a:p>
@@ -13576,7 +13857,7 @@
           </a:ln>
           <a:extLst>
             <a:ext uri="{C572A759-6A51-4108-AA02-DFA0A04FC94B}">
-              <ma14:wrappingTextBoxFlag xmlns="" xmlns:ma14="http://schemas.microsoft.com/office/mac/drawingml/2011/main" val="1"/>
+              <ma14:wrappingTextBoxFlag xmlns:ma14="http://schemas.microsoft.com/office/mac/drawingml/2011/main" xmlns="" val="1"/>
             </a:ext>
           </a:extLst>
         </p:spPr>
@@ -13618,7 +13899,7 @@
 </p:sld>
 </file>
 
-<file path=ppt/slides/slide6.xml><?xml version="1.0" encoding="utf-8"?>
+<file path=ppt/slides/slide7.xml><?xml version="1.0" encoding="utf-8"?>
 <p:sld xmlns:a="http://schemas.openxmlformats.org/drawingml/2006/main" xmlns:r="http://schemas.openxmlformats.org/officeDocument/2006/relationships" xmlns:p="http://schemas.openxmlformats.org/presentationml/2006/main">
   <p:cSld>
     <p:spTree>
@@ -13760,335 +14041,6 @@
 </p:sld>
 </file>
 
-<file path=ppt/slides/slide7.xml><?xml version="1.0" encoding="utf-8"?>
-<p:sld xmlns:a="http://schemas.openxmlformats.org/drawingml/2006/main" xmlns:r="http://schemas.openxmlformats.org/officeDocument/2006/relationships" xmlns:p="http://schemas.openxmlformats.org/presentationml/2006/main">
-  <p:cSld>
-    <p:spTree>
-      <p:nvGrpSpPr>
-        <p:cNvPr id="1" name=""/>
-        <p:cNvGrpSpPr/>
-        <p:nvPr/>
-      </p:nvGrpSpPr>
-      <p:grpSpPr>
-        <a:xfrm>
-          <a:off x="0" y="0"/>
-          <a:ext cx="0" cy="0"/>
-          <a:chOff x="0" y="0"/>
-          <a:chExt cx="0" cy="0"/>
-        </a:xfrm>
-      </p:grpSpPr>
-      <p:sp>
-        <p:nvSpPr>
-          <p:cNvPr id="282" name="Slide Number"/>
-          <p:cNvSpPr txBox="1">
-            <a:spLocks noGrp="1"/>
-          </p:cNvSpPr>
-          <p:nvPr>
-            <p:ph type="sldNum" sz="quarter" idx="2"/>
-          </p:nvPr>
-        </p:nvSpPr>
-        <p:spPr>
-          <a:xfrm>
-            <a:off x="23722788" y="592585"/>
-            <a:ext cx="283656" cy="330201"/>
-          </a:xfrm>
-          <a:prstGeom prst="rect">
-            <a:avLst/>
-          </a:prstGeom>
-          <a:extLst>
-            <a:ext uri="{C572A759-6A51-4108-AA02-DFA0A04FC94B}">
-              <ma14:wrappingTextBoxFlag xmlns="" xmlns:ma14="http://schemas.microsoft.com/office/mac/drawingml/2011/main" val="1"/>
-            </a:ext>
-          </a:extLst>
-        </p:spPr>
-        <p:txBody>
-          <a:bodyPr anchor="t"/>
-          <a:lstStyle/>
-          <a:p>
-            <a:fld id="{86CB4B4D-7CA3-9044-876B-883B54F8677D}" type="slidenum">
-              <a:t>7</a:t>
-            </a:fld>
-            <a:endParaRPr/>
-          </a:p>
-        </p:txBody>
-      </p:sp>
-      <p:sp>
-        <p:nvSpPr>
-          <p:cNvPr id="283" name="Title"/>
-          <p:cNvSpPr txBox="1">
-            <a:spLocks noGrp="1"/>
-          </p:cNvSpPr>
-          <p:nvPr>
-            <p:ph type="title"/>
-          </p:nvPr>
-        </p:nvSpPr>
-        <p:spPr>
-          <a:prstGeom prst="rect">
-            <a:avLst/>
-          </a:prstGeom>
-        </p:spPr>
-        <p:txBody>
-          <a:bodyPr>
-            <a:normAutofit fontScale="90000"/>
-          </a:bodyPr>
-          <a:lstStyle/>
-          <a:p>
-            <a:r>
-              <a:rPr lang="it-IT" dirty="0"/>
-              <a:t>Kubernetes </a:t>
-            </a:r>
-            <a:r>
-              <a:rPr lang="it-IT" dirty="0" err="1"/>
-              <a:t>Resources</a:t>
-            </a:r>
-            <a:br>
-              <a:rPr lang="it-IT" dirty="0"/>
-            </a:br>
-            <a:br>
-              <a:rPr lang="it-IT" dirty="0"/>
-            </a:br>
-            <a:endParaRPr dirty="0"/>
-          </a:p>
-        </p:txBody>
-      </p:sp>
-      <p:sp>
-        <p:nvSpPr>
-          <p:cNvPr id="284" name="Subtitle Text"/>
-          <p:cNvSpPr txBox="1">
-            <a:spLocks noGrp="1"/>
-          </p:cNvSpPr>
-          <p:nvPr>
-            <p:ph type="body" idx="13"/>
-          </p:nvPr>
-        </p:nvSpPr>
-        <p:spPr>
-          <a:prstGeom prst="rect">
-            <a:avLst/>
-          </a:prstGeom>
-        </p:spPr>
-        <p:txBody>
-          <a:bodyPr/>
-          <a:lstStyle/>
-          <a:p>
-            <a:endParaRPr lang="it-IT" dirty="0"/>
-          </a:p>
-        </p:txBody>
-      </p:sp>
-      <p:sp>
-        <p:nvSpPr>
-          <p:cNvPr id="285" name="Lorem ipsum dolor sit amet, consectetur adipiscing elit.…"/>
-          <p:cNvSpPr txBox="1">
-            <a:spLocks noGrp="1"/>
-          </p:cNvSpPr>
-          <p:nvPr>
-            <p:ph type="body" idx="1"/>
-          </p:nvPr>
-        </p:nvSpPr>
-        <p:spPr>
-          <a:xfrm>
-            <a:off x="1805572" y="3621741"/>
-            <a:ext cx="21005801" cy="9055788"/>
-          </a:xfrm>
-          <a:prstGeom prst="rect">
-            <a:avLst/>
-          </a:prstGeom>
-        </p:spPr>
-        <p:txBody>
-          <a:bodyPr/>
-          <a:lstStyle/>
-          <a:p>
-            <a:r>
-              <a:rPr lang="en-US" dirty="0"/>
-              <a:t>To understand k8s </a:t>
-            </a:r>
-            <a:r>
-              <a:rPr lang="en-US" i="1" dirty="0"/>
-              <a:t>you must learn quite a lot of new terms and concepts</a:t>
-            </a:r>
-          </a:p>
-          <a:p>
-            <a:r>
-              <a:rPr lang="en-US" b="1" dirty="0"/>
-              <a:t>Namespace</a:t>
-            </a:r>
-            <a:r>
-              <a:rPr lang="en-US" dirty="0"/>
-              <a:t>: most of the k8s resources lives inside a namespace</a:t>
-            </a:r>
-          </a:p>
-          <a:p>
-            <a:pPr lvl="1"/>
-            <a:r>
-              <a:rPr lang="en-US" dirty="0"/>
-              <a:t>there is a default namespace </a:t>
-            </a:r>
-          </a:p>
-          <a:p>
-            <a:r>
-              <a:rPr lang="en-US" b="1" dirty="0"/>
-              <a:t>Pod</a:t>
-            </a:r>
-            <a:r>
-              <a:rPr lang="en-US" dirty="0"/>
-              <a:t>: almost equivalent to a  container</a:t>
-            </a:r>
-          </a:p>
-          <a:p>
-            <a:pPr lvl="1"/>
-            <a:r>
-              <a:rPr lang="en-US" dirty="0"/>
-              <a:t>There can be more than one container in a pod, but this is for advanced scenarios (service mesh, sidecar containers, </a:t>
-            </a:r>
-            <a:r>
-              <a:rPr lang="en-US" dirty="0" err="1"/>
-              <a:t>init</a:t>
-            </a:r>
-            <a:r>
-              <a:rPr lang="en-US" dirty="0"/>
-              <a:t> </a:t>
-            </a:r>
-            <a:r>
-              <a:rPr lang="en-US" dirty="0" err="1"/>
-              <a:t>contaners</a:t>
-            </a:r>
-            <a:r>
-              <a:rPr lang="en-US" dirty="0"/>
-              <a:t>)</a:t>
-            </a:r>
-          </a:p>
-          <a:p>
-            <a:r>
-              <a:rPr lang="en-US" b="1" dirty="0"/>
-              <a:t>Service</a:t>
-            </a:r>
-            <a:r>
-              <a:rPr lang="en-US" dirty="0"/>
-              <a:t>: to enable connectivity among pods and the outside world</a:t>
-            </a:r>
-            <a:r>
-              <a:rPr lang="en-US" b="1" dirty="0"/>
-              <a:t>: </a:t>
-            </a:r>
-            <a:r>
-              <a:rPr lang="en-US" b="1" dirty="0" err="1"/>
-              <a:t>ClusterIp</a:t>
-            </a:r>
-            <a:r>
-              <a:rPr lang="en-US" b="1" dirty="0"/>
-              <a:t>, </a:t>
-            </a:r>
-            <a:r>
-              <a:rPr lang="en-US" b="1" dirty="0" err="1"/>
-              <a:t>NodePort</a:t>
-            </a:r>
-            <a:r>
-              <a:rPr lang="en-US" b="1" dirty="0"/>
-              <a:t>, </a:t>
-            </a:r>
-            <a:r>
-              <a:rPr lang="en-US" b="1" dirty="0" err="1"/>
-              <a:t>LoadBalancer</a:t>
-            </a:r>
-            <a:endParaRPr lang="en-US" b="1" dirty="0"/>
-          </a:p>
-          <a:p>
-            <a:r>
-              <a:rPr lang="en-US" b="1" dirty="0"/>
-              <a:t>Ingress rule</a:t>
-            </a:r>
-            <a:r>
-              <a:rPr lang="en-US" dirty="0"/>
-              <a:t>: to enable connectivity to the outside world in a more “efficient manner” (requires an ingress controller (a reverse proxy) installed in the cluster)</a:t>
-            </a:r>
-          </a:p>
-          <a:p>
-            <a:r>
-              <a:rPr lang="en-US" b="1" dirty="0" err="1"/>
-              <a:t>Configmap</a:t>
-            </a:r>
-            <a:r>
-              <a:rPr lang="en-US" dirty="0"/>
-              <a:t>: to store pieces of information in the cluster (basically for configuration: setting up env variables or config files to be injected in the container at startup)</a:t>
-            </a:r>
-          </a:p>
-          <a:p>
-            <a:r>
-              <a:rPr lang="en-US" b="1" dirty="0"/>
-              <a:t>Secrets</a:t>
-            </a:r>
-            <a:r>
-              <a:rPr lang="en-US" dirty="0"/>
-              <a:t>: protected pieces of data </a:t>
-            </a:r>
-          </a:p>
-          <a:p>
-            <a:r>
-              <a:rPr lang="en-US" dirty="0"/>
-              <a:t>.. And more </a:t>
-            </a:r>
-          </a:p>
-        </p:txBody>
-      </p:sp>
-      <p:sp>
-        <p:nvSpPr>
-          <p:cNvPr id="286" name="2018"/>
-          <p:cNvSpPr txBox="1"/>
-          <p:nvPr/>
-        </p:nvSpPr>
-        <p:spPr>
-          <a:xfrm>
-            <a:off x="382397" y="13071823"/>
-            <a:ext cx="707518" cy="330201"/>
-          </a:xfrm>
-          <a:prstGeom prst="rect">
-            <a:avLst/>
-          </a:prstGeom>
-          <a:ln w="12700">
-            <a:miter lim="400000"/>
-          </a:ln>
-          <a:extLst>
-            <a:ext uri="{C572A759-6A51-4108-AA02-DFA0A04FC94B}">
-              <ma14:wrappingTextBoxFlag xmlns="" xmlns:ma14="http://schemas.microsoft.com/office/mac/drawingml/2011/main" val="1"/>
-            </a:ext>
-          </a:extLst>
-        </p:spPr>
-        <p:txBody>
-          <a:bodyPr wrap="none" lIns="50800" tIns="50800" rIns="50800" bIns="50800" anchor="ctr">
-            <a:spAutoFit/>
-          </a:bodyPr>
-          <a:lstStyle>
-            <a:lvl1pPr>
-              <a:defRPr sz="1500">
-                <a:latin typeface="+mn-lt"/>
-                <a:ea typeface="+mn-ea"/>
-                <a:cs typeface="+mn-cs"/>
-                <a:sym typeface="PresicavTightLt-Regular"/>
-              </a:defRPr>
-            </a:lvl1pPr>
-          </a:lstStyle>
-          <a:p>
-            <a:r>
-              <a:t>2018</a:t>
-            </a:r>
-          </a:p>
-        </p:txBody>
-      </p:sp>
-    </p:spTree>
-    <p:extLst>
-      <p:ext uri="{BB962C8B-B14F-4D97-AF65-F5344CB8AC3E}">
-        <p14:creationId xmlns:p14="http://schemas.microsoft.com/office/powerpoint/2010/main" val="3565943798"/>
-      </p:ext>
-    </p:extLst>
-  </p:cSld>
-  <p:clrMapOvr>
-    <a:masterClrMapping/>
-  </p:clrMapOvr>
-  <p:transition spd="slow">
-    <p:push dir="u"/>
-  </p:transition>
-</p:sld>
-</file>
-
 <file path=ppt/slides/slide8.xml><?xml version="1.0" encoding="utf-8"?>
 <p:sld xmlns:a="http://schemas.openxmlformats.org/drawingml/2006/main" xmlns:r="http://schemas.openxmlformats.org/officeDocument/2006/relationships" xmlns:p="http://schemas.openxmlformats.org/presentationml/2006/main">
   <p:cSld>
@@ -14108,6 +14060,327 @@
       </p:grpSpPr>
       <p:sp>
         <p:nvSpPr>
+          <p:cNvPr id="282" name="Slide Number"/>
+          <p:cNvSpPr txBox="1">
+            <a:spLocks noGrp="1"/>
+          </p:cNvSpPr>
+          <p:nvPr>
+            <p:ph type="sldNum" sz="quarter" idx="2"/>
+          </p:nvPr>
+        </p:nvSpPr>
+        <p:spPr>
+          <a:xfrm>
+            <a:off x="23722788" y="592585"/>
+            <a:ext cx="283656" cy="330201"/>
+          </a:xfrm>
+          <a:prstGeom prst="rect">
+            <a:avLst/>
+          </a:prstGeom>
+          <a:extLst>
+            <a:ext uri="{C572A759-6A51-4108-AA02-DFA0A04FC94B}">
+              <ma14:wrappingTextBoxFlag xmlns:ma14="http://schemas.microsoft.com/office/mac/drawingml/2011/main" xmlns="" val="1"/>
+            </a:ext>
+          </a:extLst>
+        </p:spPr>
+        <p:txBody>
+          <a:bodyPr anchor="t"/>
+          <a:lstStyle/>
+          <a:p>
+            <a:fld id="{86CB4B4D-7CA3-9044-876B-883B54F8677D}" type="slidenum">
+              <a:t>8</a:t>
+            </a:fld>
+            <a:endParaRPr/>
+          </a:p>
+        </p:txBody>
+      </p:sp>
+      <p:sp>
+        <p:nvSpPr>
+          <p:cNvPr id="283" name="Title"/>
+          <p:cNvSpPr txBox="1">
+            <a:spLocks noGrp="1"/>
+          </p:cNvSpPr>
+          <p:nvPr>
+            <p:ph type="title"/>
+          </p:nvPr>
+        </p:nvSpPr>
+        <p:spPr>
+          <a:prstGeom prst="rect">
+            <a:avLst/>
+          </a:prstGeom>
+        </p:spPr>
+        <p:txBody>
+          <a:bodyPr>
+            <a:normAutofit fontScale="90000"/>
+          </a:bodyPr>
+          <a:lstStyle/>
+          <a:p>
+            <a:r>
+              <a:rPr lang="it-IT" dirty="0"/>
+              <a:t>Kubernetes </a:t>
+            </a:r>
+            <a:r>
+              <a:rPr lang="it-IT" dirty="0" err="1"/>
+              <a:t>Resources</a:t>
+            </a:r>
+            <a:br>
+              <a:rPr lang="it-IT" dirty="0"/>
+            </a:br>
+            <a:br>
+              <a:rPr lang="it-IT" dirty="0"/>
+            </a:br>
+            <a:endParaRPr dirty="0"/>
+          </a:p>
+        </p:txBody>
+      </p:sp>
+      <p:sp>
+        <p:nvSpPr>
+          <p:cNvPr id="284" name="Subtitle Text"/>
+          <p:cNvSpPr txBox="1">
+            <a:spLocks noGrp="1"/>
+          </p:cNvSpPr>
+          <p:nvPr>
+            <p:ph type="body" idx="13"/>
+          </p:nvPr>
+        </p:nvSpPr>
+        <p:spPr>
+          <a:prstGeom prst="rect">
+            <a:avLst/>
+          </a:prstGeom>
+        </p:spPr>
+        <p:txBody>
+          <a:bodyPr/>
+          <a:lstStyle/>
+          <a:p>
+            <a:endParaRPr lang="it-IT" dirty="0"/>
+          </a:p>
+        </p:txBody>
+      </p:sp>
+      <p:sp>
+        <p:nvSpPr>
+          <p:cNvPr id="285" name="Lorem ipsum dolor sit amet, consectetur adipiscing elit.…"/>
+          <p:cNvSpPr txBox="1">
+            <a:spLocks noGrp="1"/>
+          </p:cNvSpPr>
+          <p:nvPr>
+            <p:ph type="body" idx="1"/>
+          </p:nvPr>
+        </p:nvSpPr>
+        <p:spPr>
+          <a:xfrm>
+            <a:off x="1805572" y="3621741"/>
+            <a:ext cx="21005801" cy="9055788"/>
+          </a:xfrm>
+          <a:prstGeom prst="rect">
+            <a:avLst/>
+          </a:prstGeom>
+        </p:spPr>
+        <p:txBody>
+          <a:bodyPr/>
+          <a:lstStyle/>
+          <a:p>
+            <a:r>
+              <a:rPr lang="en-US" dirty="0"/>
+              <a:t>To understand k8s </a:t>
+            </a:r>
+            <a:r>
+              <a:rPr lang="en-US" i="1" dirty="0"/>
+              <a:t>you must learn quite a lot of new terms and concepts</a:t>
+            </a:r>
+          </a:p>
+          <a:p>
+            <a:r>
+              <a:rPr lang="en-US" b="1" dirty="0"/>
+              <a:t>Namespace</a:t>
+            </a:r>
+            <a:r>
+              <a:rPr lang="en-US" dirty="0"/>
+              <a:t>: most of the k8s resources lives inside a namespace</a:t>
+            </a:r>
+          </a:p>
+          <a:p>
+            <a:pPr lvl="1"/>
+            <a:r>
+              <a:rPr lang="en-US" dirty="0"/>
+              <a:t>there is a default namespace that has no name</a:t>
+            </a:r>
+          </a:p>
+          <a:p>
+            <a:r>
+              <a:rPr lang="en-US" b="1" dirty="0"/>
+              <a:t>Pod</a:t>
+            </a:r>
+            <a:r>
+              <a:rPr lang="en-US" dirty="0"/>
+              <a:t>: equivalent to a  container in basic scenarios</a:t>
+            </a:r>
+          </a:p>
+          <a:p>
+            <a:pPr lvl="1"/>
+            <a:r>
+              <a:rPr lang="en-US" dirty="0"/>
+              <a:t>There can be more than one container in a pod, but this is for advanced scenarios (service mesh, sidecar containers, </a:t>
+            </a:r>
+            <a:r>
+              <a:rPr lang="en-US" dirty="0" err="1"/>
+              <a:t>init</a:t>
+            </a:r>
+            <a:r>
+              <a:rPr lang="en-US" dirty="0"/>
+              <a:t> containers)</a:t>
+            </a:r>
+          </a:p>
+          <a:p>
+            <a:r>
+              <a:rPr lang="en-US" b="1" dirty="0"/>
+              <a:t>Service</a:t>
+            </a:r>
+            <a:r>
+              <a:rPr lang="en-US" dirty="0"/>
+              <a:t>: to enable connectivity among pods and the outside world</a:t>
+            </a:r>
+            <a:r>
+              <a:rPr lang="en-US" b="1" dirty="0"/>
+              <a:t>: </a:t>
+            </a:r>
+            <a:r>
+              <a:rPr lang="en-US" b="1" dirty="0" err="1"/>
+              <a:t>ClusterIp</a:t>
+            </a:r>
+            <a:r>
+              <a:rPr lang="en-US" b="1" dirty="0"/>
+              <a:t>, </a:t>
+            </a:r>
+            <a:r>
+              <a:rPr lang="en-US" b="1" dirty="0" err="1"/>
+              <a:t>NodePort</a:t>
+            </a:r>
+            <a:r>
+              <a:rPr lang="en-US" b="1" dirty="0"/>
+              <a:t>, </a:t>
+            </a:r>
+            <a:r>
+              <a:rPr lang="en-US" b="1" dirty="0" err="1"/>
+              <a:t>LoadBalancer</a:t>
+            </a:r>
+            <a:endParaRPr lang="en-US" b="1" dirty="0"/>
+          </a:p>
+          <a:p>
+            <a:r>
+              <a:rPr lang="en-US" b="1" dirty="0"/>
+              <a:t>Ingress rule</a:t>
+            </a:r>
+            <a:r>
+              <a:rPr lang="en-US" dirty="0"/>
+              <a:t>: to enable connectivity to the outside world in a more “efficient manner” (requires an ingress controller (a reverse proxy) installed in the cluster)</a:t>
+            </a:r>
+          </a:p>
+          <a:p>
+            <a:r>
+              <a:rPr lang="en-US" b="1" dirty="0" err="1"/>
+              <a:t>Configmap</a:t>
+            </a:r>
+            <a:r>
+              <a:rPr lang="en-US" dirty="0"/>
+              <a:t>: to store pieces of information in the cluster (basically for configuration: setting up env variables or config files to be injected in the container at startup)</a:t>
+            </a:r>
+          </a:p>
+          <a:p>
+            <a:r>
+              <a:rPr lang="en-US" b="1" dirty="0"/>
+              <a:t>Secrets</a:t>
+            </a:r>
+            <a:r>
+              <a:rPr lang="en-US" dirty="0"/>
+              <a:t>: protected pieces of data </a:t>
+            </a:r>
+          </a:p>
+          <a:p>
+            <a:r>
+              <a:rPr lang="en-US" dirty="0"/>
+              <a:t>.. And more </a:t>
+            </a:r>
+          </a:p>
+        </p:txBody>
+      </p:sp>
+      <p:sp>
+        <p:nvSpPr>
+          <p:cNvPr id="286" name="2018"/>
+          <p:cNvSpPr txBox="1"/>
+          <p:nvPr/>
+        </p:nvSpPr>
+        <p:spPr>
+          <a:xfrm>
+            <a:off x="382397" y="13071823"/>
+            <a:ext cx="707518" cy="330201"/>
+          </a:xfrm>
+          <a:prstGeom prst="rect">
+            <a:avLst/>
+          </a:prstGeom>
+          <a:ln w="12700">
+            <a:miter lim="400000"/>
+          </a:ln>
+          <a:extLst>
+            <a:ext uri="{C572A759-6A51-4108-AA02-DFA0A04FC94B}">
+              <ma14:wrappingTextBoxFlag xmlns:ma14="http://schemas.microsoft.com/office/mac/drawingml/2011/main" xmlns="" val="1"/>
+            </a:ext>
+          </a:extLst>
+        </p:spPr>
+        <p:txBody>
+          <a:bodyPr wrap="none" lIns="50800" tIns="50800" rIns="50800" bIns="50800" anchor="ctr">
+            <a:spAutoFit/>
+          </a:bodyPr>
+          <a:lstStyle>
+            <a:lvl1pPr>
+              <a:defRPr sz="1500">
+                <a:latin typeface="+mn-lt"/>
+                <a:ea typeface="+mn-ea"/>
+                <a:cs typeface="+mn-cs"/>
+                <a:sym typeface="PresicavTightLt-Regular"/>
+              </a:defRPr>
+            </a:lvl1pPr>
+          </a:lstStyle>
+          <a:p>
+            <a:r>
+              <a:t>2018</a:t>
+            </a:r>
+          </a:p>
+        </p:txBody>
+      </p:sp>
+    </p:spTree>
+    <p:extLst>
+      <p:ext uri="{BB962C8B-B14F-4D97-AF65-F5344CB8AC3E}">
+        <p14:creationId xmlns:p14="http://schemas.microsoft.com/office/powerpoint/2010/main" val="3565943798"/>
+      </p:ext>
+    </p:extLst>
+  </p:cSld>
+  <p:clrMapOvr>
+    <a:masterClrMapping/>
+  </p:clrMapOvr>
+  <p:transition spd="slow">
+    <p:push dir="u"/>
+  </p:transition>
+</p:sld>
+</file>
+
+<file path=ppt/slides/slide9.xml><?xml version="1.0" encoding="utf-8"?>
+<p:sld xmlns:a="http://schemas.openxmlformats.org/drawingml/2006/main" xmlns:r="http://schemas.openxmlformats.org/officeDocument/2006/relationships" xmlns:p="http://schemas.openxmlformats.org/presentationml/2006/main">
+  <p:cSld>
+    <p:spTree>
+      <p:nvGrpSpPr>
+        <p:cNvPr id="1" name=""/>
+        <p:cNvGrpSpPr/>
+        <p:nvPr/>
+      </p:nvGrpSpPr>
+      <p:grpSpPr>
+        <a:xfrm>
+          <a:off x="0" y="0"/>
+          <a:ext cx="0" cy="0"/>
+          <a:chOff x="0" y="0"/>
+          <a:chExt cx="0" cy="0"/>
+        </a:xfrm>
+      </p:grpSpPr>
+      <p:sp>
+        <p:nvSpPr>
           <p:cNvPr id="2" name="Title 1">
             <a:extLst>
               <a:ext uri="{FF2B5EF4-FFF2-40B4-BE49-F238E27FC236}">
@@ -14265,7 +14538,7 @@
             </a:r>
             <a:r>
               <a:rPr lang="en-US" dirty="0" err="1"/>
-              <a:t>certmanager</a:t>
+              <a:t>CertManager</a:t>
             </a:r>
             <a:r>
               <a:rPr lang="en-US" dirty="0"/>
@@ -14328,274 +14601,6 @@
     <p:extLst>
       <p:ext uri="{BB962C8B-B14F-4D97-AF65-F5344CB8AC3E}">
         <p14:creationId xmlns:p14="http://schemas.microsoft.com/office/powerpoint/2010/main" val="2611050659"/>
-      </p:ext>
-    </p:extLst>
-  </p:cSld>
-  <p:clrMapOvr>
-    <a:masterClrMapping/>
-  </p:clrMapOvr>
-  <p:transition spd="med"/>
-</p:sld>
-</file>
-
-<file path=ppt/slides/slide9.xml><?xml version="1.0" encoding="utf-8"?>
-<p:sld xmlns:a="http://schemas.openxmlformats.org/drawingml/2006/main" xmlns:r="http://schemas.openxmlformats.org/officeDocument/2006/relationships" xmlns:p="http://schemas.openxmlformats.org/presentationml/2006/main">
-  <p:cSld>
-    <p:spTree>
-      <p:nvGrpSpPr>
-        <p:cNvPr id="1" name=""/>
-        <p:cNvGrpSpPr/>
-        <p:nvPr/>
-      </p:nvGrpSpPr>
-      <p:grpSpPr>
-        <a:xfrm>
-          <a:off x="0" y="0"/>
-          <a:ext cx="0" cy="0"/>
-          <a:chOff x="0" y="0"/>
-          <a:chExt cx="0" cy="0"/>
-        </a:xfrm>
-      </p:grpSpPr>
-      <p:sp>
-        <p:nvSpPr>
-          <p:cNvPr id="2" name="Title 1">
-            <a:extLst>
-              <a:ext uri="{FF2B5EF4-FFF2-40B4-BE49-F238E27FC236}">
-                <a16:creationId xmlns:a16="http://schemas.microsoft.com/office/drawing/2014/main" id="{EE70F559-8251-4D46-9246-DA5D35B10B4C}"/>
-              </a:ext>
-            </a:extLst>
-          </p:cNvPr>
-          <p:cNvSpPr>
-            <a:spLocks noGrp="1"/>
-          </p:cNvSpPr>
-          <p:nvPr>
-            <p:ph type="title"/>
-          </p:nvPr>
-        </p:nvSpPr>
-        <p:spPr/>
-        <p:txBody>
-          <a:bodyPr/>
-          <a:lstStyle/>
-          <a:p>
-            <a:r>
-              <a:rPr lang="it-IT" dirty="0"/>
-              <a:t>In-cluster </a:t>
-            </a:r>
-            <a:r>
-              <a:rPr lang="it-IT" dirty="0" err="1"/>
-              <a:t>communication</a:t>
-            </a:r>
-            <a:endParaRPr lang="en-US" dirty="0"/>
-          </a:p>
-        </p:txBody>
-      </p:sp>
-      <p:sp>
-        <p:nvSpPr>
-          <p:cNvPr id="3" name="Text Placeholder 2">
-            <a:extLst>
-              <a:ext uri="{FF2B5EF4-FFF2-40B4-BE49-F238E27FC236}">
-                <a16:creationId xmlns:a16="http://schemas.microsoft.com/office/drawing/2014/main" id="{21DEBC65-BA00-4C38-B817-4CA076455813}"/>
-              </a:ext>
-            </a:extLst>
-          </p:cNvPr>
-          <p:cNvSpPr>
-            <a:spLocks noGrp="1"/>
-          </p:cNvSpPr>
-          <p:nvPr>
-            <p:ph type="body" sz="quarter" idx="13"/>
-          </p:nvPr>
-        </p:nvSpPr>
-        <p:spPr/>
-        <p:txBody>
-          <a:bodyPr/>
-          <a:lstStyle/>
-          <a:p>
-            <a:endParaRPr lang="en-US"/>
-          </a:p>
-        </p:txBody>
-      </p:sp>
-      <p:sp>
-        <p:nvSpPr>
-          <p:cNvPr id="4" name="Text Placeholder 3">
-            <a:extLst>
-              <a:ext uri="{FF2B5EF4-FFF2-40B4-BE49-F238E27FC236}">
-                <a16:creationId xmlns:a16="http://schemas.microsoft.com/office/drawing/2014/main" id="{316286F4-F5FF-44D0-A8DA-87B9CB209965}"/>
-              </a:ext>
-            </a:extLst>
-          </p:cNvPr>
-          <p:cNvSpPr>
-            <a:spLocks noGrp="1"/>
-          </p:cNvSpPr>
-          <p:nvPr>
-            <p:ph type="body" idx="1"/>
-          </p:nvPr>
-        </p:nvSpPr>
-        <p:spPr/>
-        <p:txBody>
-          <a:bodyPr/>
-          <a:lstStyle/>
-          <a:p>
-            <a:r>
-              <a:rPr lang="en-US" dirty="0"/>
-              <a:t>Cross pod communication does not need to pass through an ingress:, better to go through services </a:t>
-            </a:r>
-          </a:p>
-          <a:p>
-            <a:r>
-              <a:rPr lang="en-US" dirty="0"/>
-              <a:t>Scenario : WEB Ap1 1 needs to call Web API 2</a:t>
-            </a:r>
-          </a:p>
-          <a:p>
-            <a:pPr lvl="1"/>
-            <a:r>
-              <a:rPr lang="en-US" dirty="0"/>
-              <a:t>Use the </a:t>
-            </a:r>
-            <a:r>
-              <a:rPr lang="en-US" i="1" dirty="0"/>
-              <a:t>service name</a:t>
-            </a:r>
-            <a:r>
-              <a:rPr lang="en-US" dirty="0"/>
-              <a:t> : </a:t>
-            </a:r>
-          </a:p>
-          <a:p>
-            <a:pPr lvl="2"/>
-            <a:r>
-              <a:rPr lang="en-US" dirty="0"/>
-              <a:t>Same namespace: </a:t>
-            </a:r>
-            <a:r>
-              <a:rPr lang="en-US" dirty="0">
-                <a:hlinkClick r:id="rId2"/>
-              </a:rPr>
-              <a:t>http://</a:t>
-            </a:r>
-            <a:r>
-              <a:rPr lang="en-US" dirty="0">
-                <a:sym typeface="Wingdings" panose="05000000000000000000" pitchFamily="2" charset="2"/>
-              </a:rPr>
-              <a:t>&lt;</a:t>
-            </a:r>
-            <a:r>
-              <a:rPr lang="en-US" dirty="0" err="1">
-                <a:sym typeface="Wingdings" panose="05000000000000000000" pitchFamily="2" charset="2"/>
-              </a:rPr>
-              <a:t>targetservicename</a:t>
-            </a:r>
-            <a:r>
-              <a:rPr lang="en-US" dirty="0">
-                <a:sym typeface="Wingdings" panose="05000000000000000000" pitchFamily="2" charset="2"/>
-              </a:rPr>
-              <a:t>&gt;</a:t>
-            </a:r>
-            <a:r>
-              <a:rPr lang="en-US" dirty="0">
-                <a:hlinkClick r:id="rId2"/>
-              </a:rPr>
-              <a:t>/</a:t>
-            </a:r>
-            <a:r>
-              <a:rPr lang="en-US" dirty="0"/>
-              <a:t>.. (doesn’t change from dev to prod </a:t>
-            </a:r>
-            <a:r>
-              <a:rPr lang="en-US" dirty="0">
-                <a:sym typeface="Wingdings" panose="05000000000000000000" pitchFamily="2" charset="2"/>
-              </a:rPr>
-              <a:t> ) </a:t>
-            </a:r>
-          </a:p>
-          <a:p>
-            <a:pPr lvl="2"/>
-            <a:r>
-              <a:rPr lang="en-US" dirty="0">
-                <a:sym typeface="Wingdings" panose="05000000000000000000" pitchFamily="2" charset="2"/>
-              </a:rPr>
-              <a:t>Different </a:t>
-            </a:r>
-            <a:r>
-              <a:rPr lang="en-US" dirty="0" err="1">
-                <a:sym typeface="Wingdings" panose="05000000000000000000" pitchFamily="2" charset="2"/>
-              </a:rPr>
-              <a:t>namesapace</a:t>
-            </a:r>
-            <a:r>
-              <a:rPr lang="en-US" dirty="0">
-                <a:sym typeface="Wingdings" panose="05000000000000000000" pitchFamily="2" charset="2"/>
-              </a:rPr>
-              <a:t>: http://&lt;targetservicename&gt;.&lt;target namespace where service resides&gt;</a:t>
-            </a:r>
-          </a:p>
-          <a:p>
-            <a:pPr lvl="1"/>
-            <a:r>
-              <a:rPr lang="en-US" dirty="0">
-                <a:sym typeface="Wingdings" panose="05000000000000000000" pitchFamily="2" charset="2"/>
-              </a:rPr>
-              <a:t>Ingress is only for http/https (uses an http reverse proxy)</a:t>
-            </a:r>
-          </a:p>
-          <a:p>
-            <a:pPr lvl="1"/>
-            <a:r>
-              <a:rPr lang="en-US" dirty="0">
-                <a:sym typeface="Wingdings" panose="05000000000000000000" pitchFamily="2" charset="2"/>
-              </a:rPr>
-              <a:t>through services any traffic on any port is fine </a:t>
-            </a:r>
-            <a:br>
-              <a:rPr lang="en-US" dirty="0">
-                <a:sym typeface="Wingdings" panose="05000000000000000000" pitchFamily="2" charset="2"/>
-              </a:rPr>
-            </a:br>
-            <a:br>
-              <a:rPr lang="en-US" dirty="0">
-                <a:sym typeface="Wingdings" panose="05000000000000000000" pitchFamily="2" charset="2"/>
-              </a:rPr>
-            </a:br>
-            <a:r>
-              <a:rPr lang="en-US" dirty="0">
-                <a:sym typeface="Wingdings" panose="05000000000000000000" pitchFamily="2" charset="2"/>
-              </a:rPr>
-              <a:t>"</a:t>
-            </a:r>
-            <a:r>
-              <a:rPr lang="en-US" dirty="0" err="1">
-                <a:sym typeface="Wingdings" panose="05000000000000000000" pitchFamily="2" charset="2"/>
-              </a:rPr>
-              <a:t>mongodb</a:t>
-            </a:r>
-            <a:r>
-              <a:rPr lang="en-US" dirty="0">
-                <a:sym typeface="Wingdings" panose="05000000000000000000" pitchFamily="2" charset="2"/>
-              </a:rPr>
-              <a:t>://user:pwd@</a:t>
-            </a:r>
-            <a:r>
-              <a:rPr lang="en-US" dirty="0">
-                <a:highlight>
-                  <a:srgbClr val="FFFF00"/>
-                </a:highlight>
-                <a:sym typeface="Wingdings" panose="05000000000000000000" pitchFamily="2" charset="2"/>
-              </a:rPr>
-              <a:t>mongodbsrv.mongodbnamespace</a:t>
-            </a:r>
-            <a:r>
-              <a:rPr lang="en-US" dirty="0">
-                <a:sym typeface="Wingdings" panose="05000000000000000000" pitchFamily="2" charset="2"/>
-              </a:rPr>
-              <a:t>:27017 .."</a:t>
-            </a:r>
-            <a:endParaRPr lang="en-US" dirty="0"/>
-          </a:p>
-        </p:txBody>
-      </p:sp>
-    </p:spTree>
-    <p:extLst>
-      <p:ext uri="{BB962C8B-B14F-4D97-AF65-F5344CB8AC3E}">
-        <p14:creationId xmlns:p14="http://schemas.microsoft.com/office/powerpoint/2010/main" val="4156343219"/>
       </p:ext>
     </p:extLst>
   </p:cSld>
@@ -17094,21 +17099,6 @@
 </file>
 
 <file path=customXml/item1.xml><?xml version="1.0" encoding="utf-8"?>
-<p:properties xmlns:p="http://schemas.microsoft.com/office/2006/metadata/properties" xmlns:xsi="http://www.w3.org/2001/XMLSchema-instance" xmlns:pc="http://schemas.microsoft.com/office/infopath/2007/PartnerControls">
-  <documentManagement/>
-</p:properties>
-</file>
-
-<file path=customXml/item2.xml><?xml version="1.0" encoding="utf-8"?>
-<?mso-contentType ?>
-<FormTemplates xmlns="http://schemas.microsoft.com/sharepoint/v3/contenttype/forms">
-  <Display>DocumentLibraryForm</Display>
-  <Edit>DocumentLibraryForm</Edit>
-  <New>DocumentLibraryForm</New>
-</FormTemplates>
-</file>
-
-<file path=customXml/item3.xml><?xml version="1.0" encoding="utf-8"?>
 <ct:contentTypeSchema xmlns:ct="http://schemas.microsoft.com/office/2006/metadata/contentType" xmlns:ma="http://schemas.microsoft.com/office/2006/metadata/properties/metaAttributes" ct:_="" ma:_="" ma:contentTypeName="Documento" ma:contentTypeID="0x010100E6A5A58969A45D48A3FDE48C16D47668" ma:contentTypeVersion="7" ma:contentTypeDescription="Creare un nuovo documento." ma:contentTypeScope="" ma:versionID="6a156910bfe1709bd52a834455f674b1">
   <xsd:schema xmlns:xsd="http://www.w3.org/2001/XMLSchema" xmlns:xs="http://www.w3.org/2001/XMLSchema" xmlns:p="http://schemas.microsoft.com/office/2006/metadata/properties" xmlns:ns2="c3ffa819-a771-4877-ad4d-25f776e91fc1" xmlns:ns3="9fad99a4-1f10-4083-bdc6-95bb547585ec" targetNamespace="http://schemas.microsoft.com/office/2006/metadata/properties" ma:root="true" ma:fieldsID="dccc4f762faa72a8390d0658fd5f380b" ns2:_="" ns3:_="">
     <xsd:import namespace="c3ffa819-a771-4877-ad4d-25f776e91fc1"/>
@@ -17293,32 +17283,22 @@
 </ct:contentTypeSchema>
 </file>
 
-<file path=customXml/itemProps1.xml><?xml version="1.0" encoding="utf-8"?>
-<ds:datastoreItem xmlns:ds="http://schemas.openxmlformats.org/officeDocument/2006/customXml" ds:itemID="{37F187F3-04C2-4986-B925-C49BDDD739C4}">
-  <ds:schemaRefs>
-    <ds:schemaRef ds:uri="http://purl.org/dc/elements/1.1/"/>
-    <ds:schemaRef ds:uri="http://schemas.microsoft.com/office/2006/metadata/properties"/>
-    <ds:schemaRef ds:uri="c3ffa819-a771-4877-ad4d-25f776e91fc1"/>
-    <ds:schemaRef ds:uri="9fad99a4-1f10-4083-bdc6-95bb547585ec"/>
-    <ds:schemaRef ds:uri="http://purl.org/dc/terms/"/>
-    <ds:schemaRef ds:uri="http://schemas.microsoft.com/office/infopath/2007/PartnerControls"/>
-    <ds:schemaRef ds:uri="http://schemas.microsoft.com/office/2006/documentManagement/types"/>
-    <ds:schemaRef ds:uri="http://schemas.openxmlformats.org/package/2006/metadata/core-properties"/>
-    <ds:schemaRef ds:uri="http://www.w3.org/XML/1998/namespace"/>
-    <ds:schemaRef ds:uri="http://purl.org/dc/dcmitype/"/>
-  </ds:schemaRefs>
-</ds:datastoreItem>
+<file path=customXml/item2.xml><?xml version="1.0" encoding="utf-8"?>
+<?mso-contentType ?>
+<FormTemplates xmlns="http://schemas.microsoft.com/sharepoint/v3/contenttype/forms">
+  <Display>DocumentLibraryForm</Display>
+  <Edit>DocumentLibraryForm</Edit>
+  <New>DocumentLibraryForm</New>
+</FormTemplates>
 </file>
 
-<file path=customXml/itemProps2.xml><?xml version="1.0" encoding="utf-8"?>
-<ds:datastoreItem xmlns:ds="http://schemas.openxmlformats.org/officeDocument/2006/customXml" ds:itemID="{81BFDE8D-C4DF-4F86-84B9-52E0C5AFDCD4}">
-  <ds:schemaRefs>
-    <ds:schemaRef ds:uri="http://schemas.microsoft.com/sharepoint/v3/contenttype/forms"/>
-  </ds:schemaRefs>
-</ds:datastoreItem>
+<file path=customXml/item3.xml><?xml version="1.0" encoding="utf-8"?>
+<p:properties xmlns:p="http://schemas.microsoft.com/office/2006/metadata/properties" xmlns:xsi="http://www.w3.org/2001/XMLSchema-instance" xmlns:pc="http://schemas.microsoft.com/office/infopath/2007/PartnerControls">
+  <documentManagement/>
+</p:properties>
 </file>
 
-<file path=customXml/itemProps3.xml><?xml version="1.0" encoding="utf-8"?>
+<file path=customXml/itemProps1.xml><?xml version="1.0" encoding="utf-8"?>
 <ds:datastoreItem xmlns:ds="http://schemas.openxmlformats.org/officeDocument/2006/customXml" ds:itemID="{7F298B02-FB17-484A-BB72-42168D5F181C}">
   <ds:schemaRefs>
     <ds:schemaRef ds:uri="http://schemas.microsoft.com/office/2006/metadata/contentType"/>
@@ -17335,4 +17315,29 @@
     <ds:schemaRef ds:uri="http://schemas.microsoft.com/internal/obd"/>
   </ds:schemaRefs>
 </ds:datastoreItem>
+</file>
+
+<file path=customXml/itemProps2.xml><?xml version="1.0" encoding="utf-8"?>
+<ds:datastoreItem xmlns:ds="http://schemas.openxmlformats.org/officeDocument/2006/customXml" ds:itemID="{81BFDE8D-C4DF-4F86-84B9-52E0C5AFDCD4}">
+  <ds:schemaRefs>
+    <ds:schemaRef ds:uri="http://schemas.microsoft.com/sharepoint/v3/contenttype/forms"/>
+  </ds:schemaRefs>
+</ds:datastoreItem>
+</file>
+
+<file path=customXml/itemProps3.xml><?xml version="1.0" encoding="utf-8"?>
+<ds:datastoreItem xmlns:ds="http://schemas.openxmlformats.org/officeDocument/2006/customXml" ds:itemID="{37F187F3-04C2-4986-B925-C49BDDD739C4}">
+  <ds:schemaRefs>
+    <ds:schemaRef ds:uri="http://purl.org/dc/elements/1.1/"/>
+    <ds:schemaRef ds:uri="http://schemas.microsoft.com/office/2006/metadata/properties"/>
+    <ds:schemaRef ds:uri="c3ffa819-a771-4877-ad4d-25f776e91fc1"/>
+    <ds:schemaRef ds:uri="9fad99a4-1f10-4083-bdc6-95bb547585ec"/>
+    <ds:schemaRef ds:uri="http://purl.org/dc/terms/"/>
+    <ds:schemaRef ds:uri="http://schemas.microsoft.com/office/infopath/2007/PartnerControls"/>
+    <ds:schemaRef ds:uri="http://schemas.microsoft.com/office/2006/documentManagement/types"/>
+    <ds:schemaRef ds:uri="http://schemas.openxmlformats.org/package/2006/metadata/core-properties"/>
+    <ds:schemaRef ds:uri="http://www.w3.org/XML/1998/namespace"/>
+    <ds:schemaRef ds:uri="http://purl.org/dc/dcmitype/"/>
+  </ds:schemaRefs>
+</ds:datastoreItem>
 </file>
--- a/K8s-basic.pptx
+++ b/K8s-basic.pptx
@@ -445,7 +445,7 @@
           <a:p>
             <a:fld id="{2772BE4E-48FD-A347-A676-3904A5044681}" type="datetimeFigureOut">
               <a:rPr lang="it-IT" smtClean="0"/>
-              <a:t>30/05/2020</a:t>
+              <a:t>02/06/2020</a:t>
             </a:fld>
             <a:endParaRPr lang="it-IT" dirty="0"/>
           </a:p>
@@ -1863,7 +1863,7 @@
           </a:ln>
           <a:extLst>
             <a:ext uri="{C572A759-6A51-4108-AA02-DFA0A04FC94B}">
-              <ma14:wrappingTextBoxFlag xmlns:ma14="http://schemas.microsoft.com/office/mac/drawingml/2011/main" xmlns="" val="1"/>
+              <ma14:wrappingTextBoxFlag xmlns="" xmlns:ma14="http://schemas.microsoft.com/office/mac/drawingml/2011/main" val="1"/>
             </a:ext>
           </a:extLst>
         </p:spPr>
@@ -2271,7 +2271,7 @@
           </a:ln>
           <a:extLst>
             <a:ext uri="{C572A759-6A51-4108-AA02-DFA0A04FC94B}">
-              <ma14:wrappingTextBoxFlag xmlns:ma14="http://schemas.microsoft.com/office/mac/drawingml/2011/main" xmlns="" val="1"/>
+              <ma14:wrappingTextBoxFlag xmlns="" xmlns:ma14="http://schemas.microsoft.com/office/mac/drawingml/2011/main" val="1"/>
             </a:ext>
           </a:extLst>
         </p:spPr>
@@ -2417,7 +2417,7 @@
           </a:ln>
           <a:extLst>
             <a:ext uri="{C572A759-6A51-4108-AA02-DFA0A04FC94B}">
-              <ma14:wrappingTextBoxFlag xmlns:ma14="http://schemas.microsoft.com/office/mac/drawingml/2011/main" xmlns="" val="1"/>
+              <ma14:wrappingTextBoxFlag xmlns="" xmlns:ma14="http://schemas.microsoft.com/office/mac/drawingml/2011/main" val="1"/>
             </a:ext>
           </a:extLst>
         </p:spPr>
@@ -3978,7 +3978,7 @@
           </a:ln>
           <a:extLst>
             <a:ext uri="{C572A759-6A51-4108-AA02-DFA0A04FC94B}">
-              <ma14:wrappingTextBoxFlag xmlns:ma14="http://schemas.microsoft.com/office/mac/drawingml/2011/main" xmlns="" val="1"/>
+              <ma14:wrappingTextBoxFlag xmlns="" xmlns:ma14="http://schemas.microsoft.com/office/mac/drawingml/2011/main" val="1"/>
             </a:ext>
           </a:extLst>
         </p:spPr>
@@ -4189,7 +4189,7 @@
           </a:ln>
           <a:extLst>
             <a:ext uri="{C572A759-6A51-4108-AA02-DFA0A04FC94B}">
-              <ma14:wrappingTextBoxFlag xmlns:ma14="http://schemas.microsoft.com/office/mac/drawingml/2011/main" xmlns="" val="1"/>
+              <ma14:wrappingTextBoxFlag xmlns="" xmlns:ma14="http://schemas.microsoft.com/office/mac/drawingml/2011/main" val="1"/>
             </a:ext>
           </a:extLst>
         </p:spPr>
@@ -4423,7 +4423,7 @@
           </a:ln>
           <a:extLst>
             <a:ext uri="{C572A759-6A51-4108-AA02-DFA0A04FC94B}">
-              <ma14:wrappingTextBoxFlag xmlns:ma14="http://schemas.microsoft.com/office/mac/drawingml/2011/main" xmlns="" val="1"/>
+              <ma14:wrappingTextBoxFlag xmlns="" xmlns:ma14="http://schemas.microsoft.com/office/mac/drawingml/2011/main" val="1"/>
             </a:ext>
           </a:extLst>
         </p:spPr>
@@ -4805,7 +4805,7 @@
           </a:ln>
           <a:extLst>
             <a:ext uri="{C572A759-6A51-4108-AA02-DFA0A04FC94B}">
-              <ma14:wrappingTextBoxFlag xmlns:ma14="http://schemas.microsoft.com/office/mac/drawingml/2011/main" xmlns="" val="1"/>
+              <ma14:wrappingTextBoxFlag xmlns="" xmlns:ma14="http://schemas.microsoft.com/office/mac/drawingml/2011/main" val="1"/>
             </a:ext>
           </a:extLst>
         </p:spPr>
@@ -6378,7 +6378,7 @@
           </a:ln>
           <a:extLst>
             <a:ext uri="{C572A759-6A51-4108-AA02-DFA0A04FC94B}">
-              <ma14:wrappingTextBoxFlag xmlns:ma14="http://schemas.microsoft.com/office/mac/drawingml/2011/main" xmlns="" val="1"/>
+              <ma14:wrappingTextBoxFlag xmlns="" xmlns:ma14="http://schemas.microsoft.com/office/mac/drawingml/2011/main" val="1"/>
             </a:ext>
           </a:extLst>
         </p:spPr>
@@ -6425,7 +6425,7 @@
           </a:ln>
           <a:extLst>
             <a:ext uri="{C572A759-6A51-4108-AA02-DFA0A04FC94B}">
-              <ma14:wrappingTextBoxFlag xmlns:ma14="http://schemas.microsoft.com/office/mac/drawingml/2011/main" xmlns="" val="1"/>
+              <ma14:wrappingTextBoxFlag xmlns="" xmlns:ma14="http://schemas.microsoft.com/office/mac/drawingml/2011/main" val="1"/>
             </a:ext>
           </a:extLst>
         </p:spPr>
@@ -6600,7 +6600,7 @@
           </a:ln>
           <a:extLst>
             <a:ext uri="{C572A759-6A51-4108-AA02-DFA0A04FC94B}">
-              <ma14:wrappingTextBoxFlag xmlns:ma14="http://schemas.microsoft.com/office/mac/drawingml/2011/main" xmlns="" val="1"/>
+              <ma14:wrappingTextBoxFlag xmlns="" xmlns:ma14="http://schemas.microsoft.com/office/mac/drawingml/2011/main" val="1"/>
             </a:ext>
           </a:extLst>
         </p:spPr>
@@ -6639,7 +6639,7 @@
           </a:ln>
           <a:extLst>
             <a:ext uri="{C572A759-6A51-4108-AA02-DFA0A04FC94B}">
-              <ma14:wrappingTextBoxFlag xmlns:ma14="http://schemas.microsoft.com/office/mac/drawingml/2011/main" xmlns="" val="1"/>
+              <ma14:wrappingTextBoxFlag xmlns="" xmlns:ma14="http://schemas.microsoft.com/office/mac/drawingml/2011/main" val="1"/>
             </a:ext>
           </a:extLst>
         </p:spPr>
@@ -8532,15 +8532,7 @@
           <a:p>
             <a:r>
               <a:rPr lang="en-US" dirty="0"/>
-              <a:t>Log into a pod: </a:t>
-            </a:r>
-            <a:r>
-              <a:rPr lang="en-US" dirty="0" err="1"/>
-              <a:t>kubectl</a:t>
-            </a:r>
-            <a:r>
-              <a:rPr lang="en-US" dirty="0"/>
-              <a:t> exec -n &lt;namespace&gt; -it &lt;</a:t>
+              <a:t>Run command in container kubectl exec &lt;</a:t>
             </a:r>
             <a:r>
               <a:rPr lang="en-US" dirty="0" err="1"/>
@@ -8548,21 +8540,48 @@
             </a:r>
             <a:r>
               <a:rPr lang="en-US" dirty="0"/>
+              <a:t>&gt; -n &lt;namespace&gt; -- &lt;command&gt;</a:t>
+            </a:r>
+          </a:p>
+          <a:p>
+            <a:r>
+              <a:rPr lang="en-US" dirty="0"/>
+              <a:t>Log into a pod: kubectl exec -n &lt;namespace&gt; -it &lt;</a:t>
+            </a:r>
+            <a:r>
+              <a:rPr lang="en-US" dirty="0" err="1"/>
+              <a:t>podname</a:t>
+            </a:r>
+            <a:r>
+              <a:rPr lang="en-US" dirty="0"/>
               <a:t>&gt; -- /bin/bash (if bash installed in the image)</a:t>
             </a:r>
           </a:p>
           <a:p>
             <a:r>
               <a:rPr lang="en-US" dirty="0"/>
-              <a:t>Watch pod logs in streaming mode: </a:t>
+              <a:t>Copy files from pod to local (and vice versa)</a:t>
+            </a:r>
+          </a:p>
+          <a:p>
+            <a:pPr lvl="1"/>
+            <a:r>
+              <a:rPr lang="en-US" dirty="0"/>
+              <a:t>kubectl cp &lt;namespace&gt;/&lt;</a:t>
             </a:r>
             <a:r>
               <a:rPr lang="en-US" dirty="0" err="1"/>
-              <a:t>kubectl</a:t>
-            </a:r>
-            <a:r>
-              <a:rPr lang="en-US" dirty="0"/>
-              <a:t> logs -f &lt;</a:t>
+              <a:t>podname</a:t>
+            </a:r>
+            <a:r>
+              <a:rPr lang="en-US" dirty="0"/>
+              <a:t>&gt;:/app ./app</a:t>
+            </a:r>
+          </a:p>
+          <a:p>
+            <a:r>
+              <a:rPr lang="en-US" dirty="0"/>
+              <a:t>Watch pod logs in streaming mode: kubectl logs -f &lt;</a:t>
             </a:r>
             <a:r>
               <a:rPr lang="en-US" dirty="0" err="1"/>
@@ -10121,7 +10140,7 @@
           </a:prstGeom>
           <a:extLst>
             <a:ext uri="{C572A759-6A51-4108-AA02-DFA0A04FC94B}">
-              <ma14:wrappingTextBoxFlag xmlns:ma14="http://schemas.microsoft.com/office/mac/drawingml/2011/main" xmlns="" val="1"/>
+              <ma14:wrappingTextBoxFlag xmlns="" xmlns:ma14="http://schemas.microsoft.com/office/mac/drawingml/2011/main" val="1"/>
             </a:ext>
           </a:extLst>
         </p:spPr>
@@ -10356,7 +10375,7 @@
           </a:ln>
           <a:extLst>
             <a:ext uri="{C572A759-6A51-4108-AA02-DFA0A04FC94B}">
-              <ma14:wrappingTextBoxFlag xmlns:ma14="http://schemas.microsoft.com/office/mac/drawingml/2011/main" xmlns="" val="1"/>
+              <ma14:wrappingTextBoxFlag xmlns="" xmlns:ma14="http://schemas.microsoft.com/office/mac/drawingml/2011/main" val="1"/>
             </a:ext>
           </a:extLst>
         </p:spPr>
@@ -12924,7 +12943,7 @@
           </a:prstGeom>
           <a:extLst>
             <a:ext uri="{C572A759-6A51-4108-AA02-DFA0A04FC94B}">
-              <ma14:wrappingTextBoxFlag xmlns:ma14="http://schemas.microsoft.com/office/mac/drawingml/2011/main" xmlns="" val="1"/>
+              <ma14:wrappingTextBoxFlag xmlns="" xmlns:ma14="http://schemas.microsoft.com/office/mac/drawingml/2011/main" val="1"/>
             </a:ext>
           </a:extLst>
         </p:spPr>
@@ -13131,7 +13150,7 @@
           </a:ln>
           <a:extLst>
             <a:ext uri="{C572A759-6A51-4108-AA02-DFA0A04FC94B}">
-              <ma14:wrappingTextBoxFlag xmlns:ma14="http://schemas.microsoft.com/office/mac/drawingml/2011/main" xmlns="" val="1"/>
+              <ma14:wrappingTextBoxFlag xmlns="" xmlns:ma14="http://schemas.microsoft.com/office/mac/drawingml/2011/main" val="1"/>
             </a:ext>
           </a:extLst>
         </p:spPr>
@@ -13613,7 +13632,7 @@
           </a:prstGeom>
           <a:extLst>
             <a:ext uri="{C572A759-6A51-4108-AA02-DFA0A04FC94B}">
-              <ma14:wrappingTextBoxFlag xmlns:ma14="http://schemas.microsoft.com/office/mac/drawingml/2011/main" xmlns="" val="1"/>
+              <ma14:wrappingTextBoxFlag xmlns="" xmlns:ma14="http://schemas.microsoft.com/office/mac/drawingml/2011/main" val="1"/>
             </a:ext>
           </a:extLst>
         </p:spPr>
@@ -13857,7 +13876,7 @@
           </a:ln>
           <a:extLst>
             <a:ext uri="{C572A759-6A51-4108-AA02-DFA0A04FC94B}">
-              <ma14:wrappingTextBoxFlag xmlns:ma14="http://schemas.microsoft.com/office/mac/drawingml/2011/main" xmlns="" val="1"/>
+              <ma14:wrappingTextBoxFlag xmlns="" xmlns:ma14="http://schemas.microsoft.com/office/mac/drawingml/2011/main" val="1"/>
             </a:ext>
           </a:extLst>
         </p:spPr>
@@ -14078,7 +14097,7 @@
           </a:prstGeom>
           <a:extLst>
             <a:ext uri="{C572A759-6A51-4108-AA02-DFA0A04FC94B}">
-              <ma14:wrappingTextBoxFlag xmlns:ma14="http://schemas.microsoft.com/office/mac/drawingml/2011/main" xmlns="" val="1"/>
+              <ma14:wrappingTextBoxFlag xmlns="" xmlns:ma14="http://schemas.microsoft.com/office/mac/drawingml/2011/main" val="1"/>
             </a:ext>
           </a:extLst>
         </p:spPr>
@@ -14321,7 +14340,7 @@
           </a:ln>
           <a:extLst>
             <a:ext uri="{C572A759-6A51-4108-AA02-DFA0A04FC94B}">
-              <ma14:wrappingTextBoxFlag xmlns:ma14="http://schemas.microsoft.com/office/mac/drawingml/2011/main" xmlns="" val="1"/>
+              <ma14:wrappingTextBoxFlag xmlns="" xmlns:ma14="http://schemas.microsoft.com/office/mac/drawingml/2011/main" val="1"/>
             </a:ext>
           </a:extLst>
         </p:spPr>
@@ -17099,6 +17118,21 @@
 </file>
 
 <file path=customXml/item1.xml><?xml version="1.0" encoding="utf-8"?>
+<p:properties xmlns:p="http://schemas.microsoft.com/office/2006/metadata/properties" xmlns:xsi="http://www.w3.org/2001/XMLSchema-instance" xmlns:pc="http://schemas.microsoft.com/office/infopath/2007/PartnerControls">
+  <documentManagement/>
+</p:properties>
+</file>
+
+<file path=customXml/item2.xml><?xml version="1.0" encoding="utf-8"?>
+<?mso-contentType ?>
+<FormTemplates xmlns="http://schemas.microsoft.com/sharepoint/v3/contenttype/forms">
+  <Display>DocumentLibraryForm</Display>
+  <Edit>DocumentLibraryForm</Edit>
+  <New>DocumentLibraryForm</New>
+</FormTemplates>
+</file>
+
+<file path=customXml/item3.xml><?xml version="1.0" encoding="utf-8"?>
 <ct:contentTypeSchema xmlns:ct="http://schemas.microsoft.com/office/2006/metadata/contentType" xmlns:ma="http://schemas.microsoft.com/office/2006/metadata/properties/metaAttributes" ct:_="" ma:_="" ma:contentTypeName="Documento" ma:contentTypeID="0x010100E6A5A58969A45D48A3FDE48C16D47668" ma:contentTypeVersion="7" ma:contentTypeDescription="Creare un nuovo documento." ma:contentTypeScope="" ma:versionID="6a156910bfe1709bd52a834455f674b1">
   <xsd:schema xmlns:xsd="http://www.w3.org/2001/XMLSchema" xmlns:xs="http://www.w3.org/2001/XMLSchema" xmlns:p="http://schemas.microsoft.com/office/2006/metadata/properties" xmlns:ns2="c3ffa819-a771-4877-ad4d-25f776e91fc1" xmlns:ns3="9fad99a4-1f10-4083-bdc6-95bb547585ec" targetNamespace="http://schemas.microsoft.com/office/2006/metadata/properties" ma:root="true" ma:fieldsID="dccc4f762faa72a8390d0658fd5f380b" ns2:_="" ns3:_="">
     <xsd:import namespace="c3ffa819-a771-4877-ad4d-25f776e91fc1"/>
@@ -17283,22 +17317,32 @@
 </ct:contentTypeSchema>
 </file>
 
-<file path=customXml/item2.xml><?xml version="1.0" encoding="utf-8"?>
-<?mso-contentType ?>
-<FormTemplates xmlns="http://schemas.microsoft.com/sharepoint/v3/contenttype/forms">
-  <Display>DocumentLibraryForm</Display>
-  <Edit>DocumentLibraryForm</Edit>
-  <New>DocumentLibraryForm</New>
-</FormTemplates>
+<file path=customXml/itemProps1.xml><?xml version="1.0" encoding="utf-8"?>
+<ds:datastoreItem xmlns:ds="http://schemas.openxmlformats.org/officeDocument/2006/customXml" ds:itemID="{37F187F3-04C2-4986-B925-C49BDDD739C4}">
+  <ds:schemaRefs>
+    <ds:schemaRef ds:uri="http://purl.org/dc/elements/1.1/"/>
+    <ds:schemaRef ds:uri="http://schemas.microsoft.com/office/2006/metadata/properties"/>
+    <ds:schemaRef ds:uri="c3ffa819-a771-4877-ad4d-25f776e91fc1"/>
+    <ds:schemaRef ds:uri="9fad99a4-1f10-4083-bdc6-95bb547585ec"/>
+    <ds:schemaRef ds:uri="http://purl.org/dc/terms/"/>
+    <ds:schemaRef ds:uri="http://schemas.microsoft.com/office/infopath/2007/PartnerControls"/>
+    <ds:schemaRef ds:uri="http://schemas.microsoft.com/office/2006/documentManagement/types"/>
+    <ds:schemaRef ds:uri="http://schemas.openxmlformats.org/package/2006/metadata/core-properties"/>
+    <ds:schemaRef ds:uri="http://www.w3.org/XML/1998/namespace"/>
+    <ds:schemaRef ds:uri="http://purl.org/dc/dcmitype/"/>
+  </ds:schemaRefs>
+</ds:datastoreItem>
 </file>
 
-<file path=customXml/item3.xml><?xml version="1.0" encoding="utf-8"?>
-<p:properties xmlns:p="http://schemas.microsoft.com/office/2006/metadata/properties" xmlns:xsi="http://www.w3.org/2001/XMLSchema-instance" xmlns:pc="http://schemas.microsoft.com/office/infopath/2007/PartnerControls">
-  <documentManagement/>
-</p:properties>
+<file path=customXml/itemProps2.xml><?xml version="1.0" encoding="utf-8"?>
+<ds:datastoreItem xmlns:ds="http://schemas.openxmlformats.org/officeDocument/2006/customXml" ds:itemID="{81BFDE8D-C4DF-4F86-84B9-52E0C5AFDCD4}">
+  <ds:schemaRefs>
+    <ds:schemaRef ds:uri="http://schemas.microsoft.com/sharepoint/v3/contenttype/forms"/>
+  </ds:schemaRefs>
+</ds:datastoreItem>
 </file>
 
-<file path=customXml/itemProps1.xml><?xml version="1.0" encoding="utf-8"?>
+<file path=customXml/itemProps3.xml><?xml version="1.0" encoding="utf-8"?>
 <ds:datastoreItem xmlns:ds="http://schemas.openxmlformats.org/officeDocument/2006/customXml" ds:itemID="{7F298B02-FB17-484A-BB72-42168D5F181C}">
   <ds:schemaRefs>
     <ds:schemaRef ds:uri="http://schemas.microsoft.com/office/2006/metadata/contentType"/>
@@ -17315,29 +17359,4 @@
     <ds:schemaRef ds:uri="http://schemas.microsoft.com/internal/obd"/>
   </ds:schemaRefs>
 </ds:datastoreItem>
-</file>
-
-<file path=customXml/itemProps2.xml><?xml version="1.0" encoding="utf-8"?>
-<ds:datastoreItem xmlns:ds="http://schemas.openxmlformats.org/officeDocument/2006/customXml" ds:itemID="{81BFDE8D-C4DF-4F86-84B9-52E0C5AFDCD4}">
-  <ds:schemaRefs>
-    <ds:schemaRef ds:uri="http://schemas.microsoft.com/sharepoint/v3/contenttype/forms"/>
-  </ds:schemaRefs>
-</ds:datastoreItem>
-</file>
-
-<file path=customXml/itemProps3.xml><?xml version="1.0" encoding="utf-8"?>
-<ds:datastoreItem xmlns:ds="http://schemas.openxmlformats.org/officeDocument/2006/customXml" ds:itemID="{37F187F3-04C2-4986-B925-C49BDDD739C4}">
-  <ds:schemaRefs>
-    <ds:schemaRef ds:uri="http://purl.org/dc/elements/1.1/"/>
-    <ds:schemaRef ds:uri="http://schemas.microsoft.com/office/2006/metadata/properties"/>
-    <ds:schemaRef ds:uri="c3ffa819-a771-4877-ad4d-25f776e91fc1"/>
-    <ds:schemaRef ds:uri="9fad99a4-1f10-4083-bdc6-95bb547585ec"/>
-    <ds:schemaRef ds:uri="http://purl.org/dc/terms/"/>
-    <ds:schemaRef ds:uri="http://schemas.microsoft.com/office/infopath/2007/PartnerControls"/>
-    <ds:schemaRef ds:uri="http://schemas.microsoft.com/office/2006/documentManagement/types"/>
-    <ds:schemaRef ds:uri="http://schemas.openxmlformats.org/package/2006/metadata/core-properties"/>
-    <ds:schemaRef ds:uri="http://www.w3.org/XML/1998/namespace"/>
-    <ds:schemaRef ds:uri="http://purl.org/dc/dcmitype/"/>
-  </ds:schemaRefs>
-</ds:datastoreItem>
 </file>
--- a/K8s-basic.pptx
+++ b/K8s-basic.pptx
@@ -445,7 +445,7 @@
           <a:p>
             <a:fld id="{2772BE4E-48FD-A347-A676-3904A5044681}" type="datetimeFigureOut">
               <a:rPr lang="it-IT" smtClean="0"/>
-              <a:t>02/06/2020</a:t>
+              <a:t>03/06/2020</a:t>
             </a:fld>
             <a:endParaRPr lang="it-IT" dirty="0"/>
           </a:p>
@@ -792,6 +792,235 @@
 </p:notes>
 </file>
 
+<file path=ppt/notesSlides/notesSlide10.xml><?xml version="1.0" encoding="utf-8"?>
+<p:notes xmlns:a="http://schemas.openxmlformats.org/drawingml/2006/main" xmlns:r="http://schemas.openxmlformats.org/officeDocument/2006/relationships" xmlns:p="http://schemas.openxmlformats.org/presentationml/2006/main">
+  <p:cSld>
+    <p:spTree>
+      <p:nvGrpSpPr>
+        <p:cNvPr id="1" name=""/>
+        <p:cNvGrpSpPr/>
+        <p:nvPr/>
+      </p:nvGrpSpPr>
+      <p:grpSpPr>
+        <a:xfrm>
+          <a:off x="0" y="0"/>
+          <a:ext cx="0" cy="0"/>
+          <a:chOff x="0" y="0"/>
+          <a:chExt cx="0" cy="0"/>
+        </a:xfrm>
+      </p:grpSpPr>
+      <p:sp>
+        <p:nvSpPr>
+          <p:cNvPr id="2" name="Slide Image Placeholder 1"/>
+          <p:cNvSpPr>
+            <a:spLocks noGrp="1" noRot="1" noChangeAspect="1"/>
+          </p:cNvSpPr>
+          <p:nvPr>
+            <p:ph type="sldImg"/>
+          </p:nvPr>
+        </p:nvSpPr>
+        <p:spPr>
+          <a:xfrm>
+            <a:off x="381000" y="685800"/>
+            <a:ext cx="6096000" cy="3429000"/>
+          </a:xfrm>
+        </p:spPr>
+      </p:sp>
+      <p:sp>
+        <p:nvSpPr>
+          <p:cNvPr id="3" name="Notes Placeholder 2"/>
+          <p:cNvSpPr>
+            <a:spLocks noGrp="1"/>
+          </p:cNvSpPr>
+          <p:nvPr>
+            <p:ph type="body" idx="1"/>
+          </p:nvPr>
+        </p:nvSpPr>
+        <p:spPr/>
+        <p:txBody>
+          <a:bodyPr/>
+          <a:lstStyle/>
+          <a:p>
+            <a:r>
+              <a:rPr lang="en-US" sz="2000" b="0" i="0" dirty="0" err="1">
+                <a:solidFill>
+                  <a:srgbClr val="212553"/>
+                </a:solidFill>
+                <a:effectLst/>
+                <a:latin typeface="Gibson" panose="02000000000000000000" pitchFamily="2" charset="77"/>
+                <a:ea typeface="Helvetica Neue"/>
+                <a:cs typeface="Helvetica Neue"/>
+                <a:sym typeface="Helvetica Neue"/>
+              </a:rPr>
+              <a:t>PersistentVolumes</a:t>
+            </a:r>
+            <a:r>
+              <a:rPr lang="en-US" sz="2000" b="0" i="0" dirty="0">
+                <a:solidFill>
+                  <a:srgbClr val="212553"/>
+                </a:solidFill>
+                <a:effectLst/>
+                <a:latin typeface="Gibson" panose="02000000000000000000" pitchFamily="2" charset="77"/>
+                <a:ea typeface="Helvetica Neue"/>
+                <a:cs typeface="Helvetica Neue"/>
+                <a:sym typeface="Helvetica Neue"/>
+              </a:rPr>
+              <a:t> that are dynamically created by a </a:t>
+            </a:r>
+            <a:r>
+              <a:rPr lang="en-US" sz="2000" b="0" i="0" dirty="0" err="1">
+                <a:solidFill>
+                  <a:srgbClr val="212553"/>
+                </a:solidFill>
+                <a:effectLst/>
+                <a:latin typeface="Gibson" panose="02000000000000000000" pitchFamily="2" charset="77"/>
+                <a:ea typeface="Helvetica Neue"/>
+                <a:cs typeface="Helvetica Neue"/>
+                <a:sym typeface="Helvetica Neue"/>
+              </a:rPr>
+              <a:t>StorageClass</a:t>
+            </a:r>
+            <a:r>
+              <a:rPr lang="en-US" sz="2000" b="0" i="0" dirty="0">
+                <a:solidFill>
+                  <a:srgbClr val="212553"/>
+                </a:solidFill>
+                <a:effectLst/>
+                <a:latin typeface="Gibson" panose="02000000000000000000" pitchFamily="2" charset="77"/>
+                <a:ea typeface="Helvetica Neue"/>
+                <a:cs typeface="Helvetica Neue"/>
+                <a:sym typeface="Helvetica Neue"/>
+              </a:rPr>
+              <a:t> will have the reclaim policy specified in the </a:t>
+            </a:r>
+            <a:r>
+              <a:rPr lang="en-US" dirty="0" err="1"/>
+              <a:t>reclaimPolicy</a:t>
+            </a:r>
+            <a:r>
+              <a:rPr lang="en-US" sz="2000" b="0" i="0" dirty="0">
+                <a:solidFill>
+                  <a:srgbClr val="212553"/>
+                </a:solidFill>
+                <a:effectLst/>
+                <a:latin typeface="Gibson" panose="02000000000000000000" pitchFamily="2" charset="77"/>
+                <a:ea typeface="Helvetica Neue"/>
+                <a:cs typeface="Helvetica Neue"/>
+                <a:sym typeface="Helvetica Neue"/>
+              </a:rPr>
+              <a:t> field of the class, which can be either </a:t>
+            </a:r>
+            <a:r>
+              <a:rPr lang="en-US" dirty="0"/>
+              <a:t>Delete</a:t>
+            </a:r>
+            <a:r>
+              <a:rPr lang="en-US" sz="2000" b="0" i="0" dirty="0">
+                <a:solidFill>
+                  <a:srgbClr val="212553"/>
+                </a:solidFill>
+                <a:effectLst/>
+                <a:latin typeface="Gibson" panose="02000000000000000000" pitchFamily="2" charset="77"/>
+                <a:ea typeface="Helvetica Neue"/>
+                <a:cs typeface="Helvetica Neue"/>
+                <a:sym typeface="Helvetica Neue"/>
+              </a:rPr>
+              <a:t> or </a:t>
+            </a:r>
+            <a:r>
+              <a:rPr lang="en-US" dirty="0"/>
+              <a:t>Retain</a:t>
+            </a:r>
+            <a:r>
+              <a:rPr lang="en-US" sz="2000" b="0" i="0" dirty="0">
+                <a:solidFill>
+                  <a:srgbClr val="212553"/>
+                </a:solidFill>
+                <a:effectLst/>
+                <a:latin typeface="Gibson" panose="02000000000000000000" pitchFamily="2" charset="77"/>
+                <a:ea typeface="Helvetica Neue"/>
+                <a:cs typeface="Helvetica Neue"/>
+                <a:sym typeface="Helvetica Neue"/>
+              </a:rPr>
+              <a:t>. If no </a:t>
+            </a:r>
+            <a:r>
+              <a:rPr lang="en-US" dirty="0" err="1"/>
+              <a:t>reclaimPolicy</a:t>
+            </a:r>
+            <a:r>
+              <a:rPr lang="en-US" sz="2000" b="0" i="0" dirty="0">
+                <a:solidFill>
+                  <a:srgbClr val="212553"/>
+                </a:solidFill>
+                <a:effectLst/>
+                <a:latin typeface="Gibson" panose="02000000000000000000" pitchFamily="2" charset="77"/>
+                <a:ea typeface="Helvetica Neue"/>
+                <a:cs typeface="Helvetica Neue"/>
+                <a:sym typeface="Helvetica Neue"/>
+              </a:rPr>
+              <a:t> is specified when a </a:t>
+            </a:r>
+            <a:r>
+              <a:rPr lang="en-US" sz="2000" b="0" i="0" dirty="0" err="1">
+                <a:solidFill>
+                  <a:srgbClr val="212553"/>
+                </a:solidFill>
+                <a:effectLst/>
+                <a:latin typeface="Gibson" panose="02000000000000000000" pitchFamily="2" charset="77"/>
+                <a:ea typeface="Helvetica Neue"/>
+                <a:cs typeface="Helvetica Neue"/>
+                <a:sym typeface="Helvetica Neue"/>
+              </a:rPr>
+              <a:t>StorageClass</a:t>
+            </a:r>
+            <a:r>
+              <a:rPr lang="en-US" sz="2000" b="0" i="0" dirty="0">
+                <a:solidFill>
+                  <a:srgbClr val="212553"/>
+                </a:solidFill>
+                <a:effectLst/>
+                <a:latin typeface="Gibson" panose="02000000000000000000" pitchFamily="2" charset="77"/>
+                <a:ea typeface="Helvetica Neue"/>
+                <a:cs typeface="Helvetica Neue"/>
+                <a:sym typeface="Helvetica Neue"/>
+              </a:rPr>
+              <a:t> object is created, it will default to </a:t>
+            </a:r>
+            <a:r>
+              <a:rPr lang="en-US" dirty="0"/>
+              <a:t>Delete</a:t>
+            </a:r>
+            <a:r>
+              <a:rPr lang="en-US" sz="2000" b="0" i="0" dirty="0">
+                <a:solidFill>
+                  <a:srgbClr val="212553"/>
+                </a:solidFill>
+                <a:effectLst/>
+                <a:latin typeface="Gibson" panose="02000000000000000000" pitchFamily="2" charset="77"/>
+                <a:ea typeface="Helvetica Neue"/>
+                <a:cs typeface="Helvetica Neue"/>
+                <a:sym typeface="Helvetica Neue"/>
+              </a:rPr>
+              <a:t>.</a:t>
+            </a:r>
+            <a:endParaRPr lang="en-US" dirty="0"/>
+          </a:p>
+        </p:txBody>
+      </p:sp>
+    </p:spTree>
+    <p:extLst>
+      <p:ext uri="{BB962C8B-B14F-4D97-AF65-F5344CB8AC3E}">
+        <p14:creationId xmlns:p14="http://schemas.microsoft.com/office/powerpoint/2010/main" val="1579774968"/>
+      </p:ext>
+    </p:extLst>
+  </p:cSld>
+  <p:clrMapOvr>
+    <a:masterClrMapping/>
+  </p:clrMapOvr>
+</p:notes>
+</file>
+
 <file path=ppt/notesSlides/notesSlide2.xml><?xml version="1.0" encoding="utf-8"?>
 <p:notes xmlns:a="http://schemas.openxmlformats.org/drawingml/2006/main" xmlns:r="http://schemas.openxmlformats.org/officeDocument/2006/relationships" xmlns:p="http://schemas.openxmlformats.org/presentationml/2006/main">
   <p:cSld>
@@ -1480,14 +1709,17 @@
           <a:bodyPr/>
           <a:lstStyle/>
           <a:p>
-            <a:endParaRPr lang="en-US" dirty="0"/>
+            <a:r>
+              <a:rPr lang="en-US" dirty="0"/>
+              <a:t>DEMO-DIEGO</a:t>
+            </a:r>
           </a:p>
         </p:txBody>
       </p:sp>
     </p:spTree>
     <p:extLst>
       <p:ext uri="{BB962C8B-B14F-4D97-AF65-F5344CB8AC3E}">
-        <p14:creationId xmlns:p14="http://schemas.microsoft.com/office/powerpoint/2010/main" val="597189554"/>
+        <p14:creationId xmlns:p14="http://schemas.microsoft.com/office/powerpoint/2010/main" val="3173493888"/>
       </p:ext>
     </p:extLst>
   </p:cSld>
@@ -1546,169 +1778,6 @@
           <a:bodyPr/>
           <a:lstStyle/>
           <a:p>
-            <a:r>
-              <a:rPr lang="en-US" sz="2000" b="0" i="0" dirty="0" err="1">
-                <a:solidFill>
-                  <a:srgbClr val="212553"/>
-                </a:solidFill>
-                <a:effectLst/>
-                <a:latin typeface="Gibson" panose="02000000000000000000" pitchFamily="2" charset="77"/>
-                <a:ea typeface="Helvetica Neue"/>
-                <a:cs typeface="Helvetica Neue"/>
-                <a:sym typeface="Helvetica Neue"/>
-              </a:rPr>
-              <a:t>PersistentVolumes</a:t>
-            </a:r>
-            <a:r>
-              <a:rPr lang="en-US" sz="2000" b="0" i="0" dirty="0">
-                <a:solidFill>
-                  <a:srgbClr val="212553"/>
-                </a:solidFill>
-                <a:effectLst/>
-                <a:latin typeface="Gibson" panose="02000000000000000000" pitchFamily="2" charset="77"/>
-                <a:ea typeface="Helvetica Neue"/>
-                <a:cs typeface="Helvetica Neue"/>
-                <a:sym typeface="Helvetica Neue"/>
-              </a:rPr>
-              <a:t> that are dynamically created by a </a:t>
-            </a:r>
-            <a:r>
-              <a:rPr lang="en-US" sz="2000" b="0" i="0" dirty="0" err="1">
-                <a:solidFill>
-                  <a:srgbClr val="212553"/>
-                </a:solidFill>
-                <a:effectLst/>
-                <a:latin typeface="Gibson" panose="02000000000000000000" pitchFamily="2" charset="77"/>
-                <a:ea typeface="Helvetica Neue"/>
-                <a:cs typeface="Helvetica Neue"/>
-                <a:sym typeface="Helvetica Neue"/>
-              </a:rPr>
-              <a:t>StorageClass</a:t>
-            </a:r>
-            <a:r>
-              <a:rPr lang="en-US" sz="2000" b="0" i="0" dirty="0">
-                <a:solidFill>
-                  <a:srgbClr val="212553"/>
-                </a:solidFill>
-                <a:effectLst/>
-                <a:latin typeface="Gibson" panose="02000000000000000000" pitchFamily="2" charset="77"/>
-                <a:ea typeface="Helvetica Neue"/>
-                <a:cs typeface="Helvetica Neue"/>
-                <a:sym typeface="Helvetica Neue"/>
-              </a:rPr>
-              <a:t> will have the reclaim policy specified in the </a:t>
-            </a:r>
-            <a:r>
-              <a:rPr lang="en-US" dirty="0" err="1"/>
-              <a:t>reclaimPolicy</a:t>
-            </a:r>
-            <a:r>
-              <a:rPr lang="en-US" sz="2000" b="0" i="0" dirty="0">
-                <a:solidFill>
-                  <a:srgbClr val="212553"/>
-                </a:solidFill>
-                <a:effectLst/>
-                <a:latin typeface="Gibson" panose="02000000000000000000" pitchFamily="2" charset="77"/>
-                <a:ea typeface="Helvetica Neue"/>
-                <a:cs typeface="Helvetica Neue"/>
-                <a:sym typeface="Helvetica Neue"/>
-              </a:rPr>
-              <a:t> field of the class, which can be either </a:t>
-            </a:r>
-            <a:r>
-              <a:rPr lang="en-US" dirty="0"/>
-              <a:t>Delete</a:t>
-            </a:r>
-            <a:r>
-              <a:rPr lang="en-US" sz="2000" b="0" i="0" dirty="0">
-                <a:solidFill>
-                  <a:srgbClr val="212553"/>
-                </a:solidFill>
-                <a:effectLst/>
-                <a:latin typeface="Gibson" panose="02000000000000000000" pitchFamily="2" charset="77"/>
-                <a:ea typeface="Helvetica Neue"/>
-                <a:cs typeface="Helvetica Neue"/>
-                <a:sym typeface="Helvetica Neue"/>
-              </a:rPr>
-              <a:t> or </a:t>
-            </a:r>
-            <a:r>
-              <a:rPr lang="en-US" dirty="0"/>
-              <a:t>Retain</a:t>
-            </a:r>
-            <a:r>
-              <a:rPr lang="en-US" sz="2000" b="0" i="0" dirty="0">
-                <a:solidFill>
-                  <a:srgbClr val="212553"/>
-                </a:solidFill>
-                <a:effectLst/>
-                <a:latin typeface="Gibson" panose="02000000000000000000" pitchFamily="2" charset="77"/>
-                <a:ea typeface="Helvetica Neue"/>
-                <a:cs typeface="Helvetica Neue"/>
-                <a:sym typeface="Helvetica Neue"/>
-              </a:rPr>
-              <a:t>. If no </a:t>
-            </a:r>
-            <a:r>
-              <a:rPr lang="en-US" dirty="0" err="1"/>
-              <a:t>reclaimPolicy</a:t>
-            </a:r>
-            <a:r>
-              <a:rPr lang="en-US" sz="2000" b="0" i="0" dirty="0">
-                <a:solidFill>
-                  <a:srgbClr val="212553"/>
-                </a:solidFill>
-                <a:effectLst/>
-                <a:latin typeface="Gibson" panose="02000000000000000000" pitchFamily="2" charset="77"/>
-                <a:ea typeface="Helvetica Neue"/>
-                <a:cs typeface="Helvetica Neue"/>
-                <a:sym typeface="Helvetica Neue"/>
-              </a:rPr>
-              <a:t> is specified when a </a:t>
-            </a:r>
-            <a:r>
-              <a:rPr lang="en-US" sz="2000" b="0" i="0" dirty="0" err="1">
-                <a:solidFill>
-                  <a:srgbClr val="212553"/>
-                </a:solidFill>
-                <a:effectLst/>
-                <a:latin typeface="Gibson" panose="02000000000000000000" pitchFamily="2" charset="77"/>
-                <a:ea typeface="Helvetica Neue"/>
-                <a:cs typeface="Helvetica Neue"/>
-                <a:sym typeface="Helvetica Neue"/>
-              </a:rPr>
-              <a:t>StorageClass</a:t>
-            </a:r>
-            <a:r>
-              <a:rPr lang="en-US" sz="2000" b="0" i="0" dirty="0">
-                <a:solidFill>
-                  <a:srgbClr val="212553"/>
-                </a:solidFill>
-                <a:effectLst/>
-                <a:latin typeface="Gibson" panose="02000000000000000000" pitchFamily="2" charset="77"/>
-                <a:ea typeface="Helvetica Neue"/>
-                <a:cs typeface="Helvetica Neue"/>
-                <a:sym typeface="Helvetica Neue"/>
-              </a:rPr>
-              <a:t> object is created, it will default to </a:t>
-            </a:r>
-            <a:r>
-              <a:rPr lang="en-US" dirty="0"/>
-              <a:t>Delete</a:t>
-            </a:r>
-            <a:r>
-              <a:rPr lang="en-US" sz="2000" b="0" i="0" dirty="0">
-                <a:solidFill>
-                  <a:srgbClr val="212553"/>
-                </a:solidFill>
-                <a:effectLst/>
-                <a:latin typeface="Gibson" panose="02000000000000000000" pitchFamily="2" charset="77"/>
-                <a:ea typeface="Helvetica Neue"/>
-                <a:cs typeface="Helvetica Neue"/>
-                <a:sym typeface="Helvetica Neue"/>
-              </a:rPr>
-              <a:t>.</a:t>
-            </a:r>
             <a:endParaRPr lang="en-US" dirty="0"/>
           </a:p>
         </p:txBody>
@@ -1716,7 +1785,7 @@
     </p:spTree>
     <p:extLst>
       <p:ext uri="{BB962C8B-B14F-4D97-AF65-F5344CB8AC3E}">
-        <p14:creationId xmlns:p14="http://schemas.microsoft.com/office/powerpoint/2010/main" val="1579774968"/>
+        <p14:creationId xmlns:p14="http://schemas.microsoft.com/office/powerpoint/2010/main" val="597189554"/>
       </p:ext>
     </p:extLst>
   </p:cSld>
@@ -1863,7 +1932,7 @@
           </a:ln>
           <a:extLst>
             <a:ext uri="{C572A759-6A51-4108-AA02-DFA0A04FC94B}">
-              <ma14:wrappingTextBoxFlag xmlns="" xmlns:ma14="http://schemas.microsoft.com/office/mac/drawingml/2011/main" val="1"/>
+              <ma14:wrappingTextBoxFlag xmlns:ma14="http://schemas.microsoft.com/office/mac/drawingml/2011/main" xmlns="" val="1"/>
             </a:ext>
           </a:extLst>
         </p:spPr>
@@ -2271,7 +2340,7 @@
           </a:ln>
           <a:extLst>
             <a:ext uri="{C572A759-6A51-4108-AA02-DFA0A04FC94B}">
-              <ma14:wrappingTextBoxFlag xmlns="" xmlns:ma14="http://schemas.microsoft.com/office/mac/drawingml/2011/main" val="1"/>
+              <ma14:wrappingTextBoxFlag xmlns:ma14="http://schemas.microsoft.com/office/mac/drawingml/2011/main" xmlns="" val="1"/>
             </a:ext>
           </a:extLst>
         </p:spPr>
@@ -2417,7 +2486,7 @@
           </a:ln>
           <a:extLst>
             <a:ext uri="{C572A759-6A51-4108-AA02-DFA0A04FC94B}">
-              <ma14:wrappingTextBoxFlag xmlns="" xmlns:ma14="http://schemas.microsoft.com/office/mac/drawingml/2011/main" val="1"/>
+              <ma14:wrappingTextBoxFlag xmlns:ma14="http://schemas.microsoft.com/office/mac/drawingml/2011/main" xmlns="" val="1"/>
             </a:ext>
           </a:extLst>
         </p:spPr>
@@ -3978,7 +4047,7 @@
           </a:ln>
           <a:extLst>
             <a:ext uri="{C572A759-6A51-4108-AA02-DFA0A04FC94B}">
-              <ma14:wrappingTextBoxFlag xmlns="" xmlns:ma14="http://schemas.microsoft.com/office/mac/drawingml/2011/main" val="1"/>
+              <ma14:wrappingTextBoxFlag xmlns:ma14="http://schemas.microsoft.com/office/mac/drawingml/2011/main" xmlns="" val="1"/>
             </a:ext>
           </a:extLst>
         </p:spPr>
@@ -4189,7 +4258,7 @@
           </a:ln>
           <a:extLst>
             <a:ext uri="{C572A759-6A51-4108-AA02-DFA0A04FC94B}">
-              <ma14:wrappingTextBoxFlag xmlns="" xmlns:ma14="http://schemas.microsoft.com/office/mac/drawingml/2011/main" val="1"/>
+              <ma14:wrappingTextBoxFlag xmlns:ma14="http://schemas.microsoft.com/office/mac/drawingml/2011/main" xmlns="" val="1"/>
             </a:ext>
           </a:extLst>
         </p:spPr>
@@ -4423,7 +4492,7 @@
           </a:ln>
           <a:extLst>
             <a:ext uri="{C572A759-6A51-4108-AA02-DFA0A04FC94B}">
-              <ma14:wrappingTextBoxFlag xmlns="" xmlns:ma14="http://schemas.microsoft.com/office/mac/drawingml/2011/main" val="1"/>
+              <ma14:wrappingTextBoxFlag xmlns:ma14="http://schemas.microsoft.com/office/mac/drawingml/2011/main" xmlns="" val="1"/>
             </a:ext>
           </a:extLst>
         </p:spPr>
@@ -4805,7 +4874,7 @@
           </a:ln>
           <a:extLst>
             <a:ext uri="{C572A759-6A51-4108-AA02-DFA0A04FC94B}">
-              <ma14:wrappingTextBoxFlag xmlns="" xmlns:ma14="http://schemas.microsoft.com/office/mac/drawingml/2011/main" val="1"/>
+              <ma14:wrappingTextBoxFlag xmlns:ma14="http://schemas.microsoft.com/office/mac/drawingml/2011/main" xmlns="" val="1"/>
             </a:ext>
           </a:extLst>
         </p:spPr>
@@ -6378,7 +6447,7 @@
           </a:ln>
           <a:extLst>
             <a:ext uri="{C572A759-6A51-4108-AA02-DFA0A04FC94B}">
-              <ma14:wrappingTextBoxFlag xmlns="" xmlns:ma14="http://schemas.microsoft.com/office/mac/drawingml/2011/main" val="1"/>
+              <ma14:wrappingTextBoxFlag xmlns:ma14="http://schemas.microsoft.com/office/mac/drawingml/2011/main" xmlns="" val="1"/>
             </a:ext>
           </a:extLst>
         </p:spPr>
@@ -6425,7 +6494,7 @@
           </a:ln>
           <a:extLst>
             <a:ext uri="{C572A759-6A51-4108-AA02-DFA0A04FC94B}">
-              <ma14:wrappingTextBoxFlag xmlns="" xmlns:ma14="http://schemas.microsoft.com/office/mac/drawingml/2011/main" val="1"/>
+              <ma14:wrappingTextBoxFlag xmlns:ma14="http://schemas.microsoft.com/office/mac/drawingml/2011/main" xmlns="" val="1"/>
             </a:ext>
           </a:extLst>
         </p:spPr>
@@ -6600,7 +6669,7 @@
           </a:ln>
           <a:extLst>
             <a:ext uri="{C572A759-6A51-4108-AA02-DFA0A04FC94B}">
-              <ma14:wrappingTextBoxFlag xmlns="" xmlns:ma14="http://schemas.microsoft.com/office/mac/drawingml/2011/main" val="1"/>
+              <ma14:wrappingTextBoxFlag xmlns:ma14="http://schemas.microsoft.com/office/mac/drawingml/2011/main" xmlns="" val="1"/>
             </a:ext>
           </a:extLst>
         </p:spPr>
@@ -6639,7 +6708,7 @@
           </a:ln>
           <a:extLst>
             <a:ext uri="{C572A759-6A51-4108-AA02-DFA0A04FC94B}">
-              <ma14:wrappingTextBoxFlag xmlns="" xmlns:ma14="http://schemas.microsoft.com/office/mac/drawingml/2011/main" val="1"/>
+              <ma14:wrappingTextBoxFlag xmlns:ma14="http://schemas.microsoft.com/office/mac/drawingml/2011/main" xmlns="" val="1"/>
             </a:ext>
           </a:extLst>
         </p:spPr>
@@ -8233,20 +8302,28 @@
           <a:lstStyle/>
           <a:p>
             <a:r>
+              <a:rPr lang="en-US" dirty="0"/>
+              <a:t>kubectl: a command line tool, </a:t>
+            </a:r>
+            <a:r>
+              <a:rPr lang="en-US" i="1" dirty="0"/>
+              <a:t>the “current context” is the cluster it is connected to</a:t>
+            </a:r>
+            <a:endParaRPr lang="en-US" dirty="0"/>
+          </a:p>
+          <a:p>
+            <a:pPr lvl="1"/>
+            <a:r>
+              <a:rPr lang="en-US" dirty="0"/>
+              <a:t>Use –context &lt;</a:t>
+            </a:r>
+            <a:r>
               <a:rPr lang="en-US" dirty="0" err="1"/>
-              <a:t>kubectl</a:t>
-            </a:r>
-            <a:r>
-              <a:rPr lang="en-US" dirty="0"/>
-              <a:t>: a command line tool, can be «connected» to a cluster a the time (</a:t>
-            </a:r>
-            <a:r>
-              <a:rPr lang="en-US" i="1" dirty="0"/>
-              <a:t>the current context</a:t>
-            </a:r>
-            <a:r>
-              <a:rPr lang="en-US" dirty="0"/>
-              <a:t>) </a:t>
+              <a:t>clustrname</a:t>
+            </a:r>
+            <a:r>
+              <a:rPr lang="en-US" dirty="0"/>
+              <a:t>&gt; on commands to avoid switching active context </a:t>
             </a:r>
           </a:p>
           <a:p>
@@ -8294,22 +8371,7 @@
             <a:pPr lvl="1"/>
             <a:r>
               <a:rPr lang="en-US" dirty="0"/>
-              <a:t>Kubectl config use-context &lt;context name&gt;</a:t>
-            </a:r>
-          </a:p>
-          <a:p>
-            <a:pPr lvl="1"/>
-            <a:r>
-              <a:rPr lang="en-US" dirty="0"/>
-              <a:t>Use –context &lt;</a:t>
-            </a:r>
-            <a:r>
-              <a:rPr lang="en-US" dirty="0" err="1"/>
-              <a:t>clustrname</a:t>
-            </a:r>
-            <a:r>
-              <a:rPr lang="en-US" dirty="0"/>
-              <a:t>&gt; on commands to avoid switching active context </a:t>
+              <a:t>Kubectl config use-context &lt;context name&gt; : see active contexts</a:t>
             </a:r>
           </a:p>
           <a:p>
@@ -10140,7 +10202,7 @@
           </a:prstGeom>
           <a:extLst>
             <a:ext uri="{C572A759-6A51-4108-AA02-DFA0A04FC94B}">
-              <ma14:wrappingTextBoxFlag xmlns="" xmlns:ma14="http://schemas.microsoft.com/office/mac/drawingml/2011/main" val="1"/>
+              <ma14:wrappingTextBoxFlag xmlns:ma14="http://schemas.microsoft.com/office/mac/drawingml/2011/main" xmlns="" val="1"/>
             </a:ext>
           </a:extLst>
         </p:spPr>
@@ -10226,7 +10288,7 @@
         </p:spPr>
         <p:txBody>
           <a:bodyPr>
-            <a:normAutofit fontScale="85000" lnSpcReduction="20000"/>
+            <a:normAutofit fontScale="92500" lnSpcReduction="10000"/>
           </a:bodyPr>
           <a:lstStyle/>
           <a:p>
@@ -10239,7 +10301,7 @@
             <a:pPr lvl="1"/>
             <a:r>
               <a:rPr lang="en-US" dirty="0"/>
-              <a:t>From docker to K8s </a:t>
+              <a:t>From docker to K8s: orchestrators </a:t>
             </a:r>
           </a:p>
           <a:p>
@@ -10341,15 +10403,10 @@
           </a:p>
           <a:p>
             <a:r>
-              <a:rPr lang="en-US" dirty="0"/>
-              <a:t>Logging and tracing</a:t>
-            </a:r>
-          </a:p>
-          <a:p>
-            <a:r>
-              <a:rPr lang="en-US" dirty="0"/>
-              <a:t>Extras</a:t>
-            </a:r>
+              <a:rPr lang="en-US"/>
+              <a:t>Next sessions</a:t>
+            </a:r>
+            <a:endParaRPr lang="en-US" dirty="0"/>
           </a:p>
           <a:p>
             <a:endParaRPr lang="en-US" dirty="0"/>
@@ -10375,7 +10432,7 @@
           </a:ln>
           <a:extLst>
             <a:ext uri="{C572A759-6A51-4108-AA02-DFA0A04FC94B}">
-              <ma14:wrappingTextBoxFlag xmlns="" xmlns:ma14="http://schemas.microsoft.com/office/mac/drawingml/2011/main" val="1"/>
+              <ma14:wrappingTextBoxFlag xmlns:ma14="http://schemas.microsoft.com/office/mac/drawingml/2011/main" xmlns="" val="1"/>
             </a:ext>
           </a:extLst>
         </p:spPr>
@@ -12087,7 +12144,7 @@
             <a:pPr lvl="1"/>
             <a:r>
               <a:rPr lang="en-US" dirty="0"/>
-              <a:t>Link to cloud specific storage options, e.g. </a:t>
+              <a:t>Link to cloud or on premise specific storage options, e.g. </a:t>
             </a:r>
           </a:p>
           <a:p>
@@ -12184,18 +12241,6 @@
               <a:rPr lang="en-US" dirty="0"/>
               <a:t>PV can be provisioned dynamically or created upfront by the administrator</a:t>
             </a:r>
-          </a:p>
-          <a:p>
-            <a:pPr lvl="1"/>
-            <a:r>
-              <a:rPr lang="en-US" dirty="0"/>
-              <a:t>If created upfront, PVC pick up the PV referencing it or </a:t>
-            </a:r>
-            <a:r>
-              <a:rPr lang="en-US" dirty="0" err="1"/>
-              <a:t>viceversa</a:t>
-            </a:r>
-            <a:endParaRPr lang="en-US" dirty="0"/>
           </a:p>
           <a:p>
             <a:endParaRPr lang="en-US" dirty="0"/>
@@ -12309,7 +12354,7 @@
         <p:spPr/>
         <p:txBody>
           <a:bodyPr>
-            <a:normAutofit fontScale="92500" lnSpcReduction="20000"/>
+            <a:normAutofit lnSpcReduction="10000"/>
           </a:bodyPr>
           <a:lstStyle/>
           <a:p>
@@ -12398,7 +12443,7 @@
             </a:r>
             <a:r>
               <a:rPr lang="en-US" dirty="0"/>
-              <a:t> to subjects : user, groups or </a:t>
+              <a:t> to subjects : </a:t>
             </a:r>
             <a:r>
               <a:rPr lang="en-US" b="1" dirty="0" err="1"/>
@@ -12410,52 +12455,13 @@
             <a:pPr lvl="2"/>
             <a:r>
               <a:rPr lang="en-US" dirty="0"/>
-              <a:t>We will focus here on </a:t>
-            </a:r>
-            <a:r>
-              <a:rPr lang="en-US" b="1" dirty="0" err="1"/>
-              <a:t>serviceAccounts</a:t>
-            </a:r>
-            <a:endParaRPr lang="en-US" b="1" dirty="0"/>
-          </a:p>
-          <a:p>
-            <a:pPr lvl="2"/>
-            <a:r>
-              <a:rPr lang="en-US" dirty="0"/>
-              <a:t>K8s has no build in support for user authentication (run the </a:t>
+              <a:t>Each pod runs under a </a:t>
             </a:r>
             <a:r>
               <a:rPr lang="en-US" dirty="0" err="1"/>
-              <a:t>api</a:t>
-            </a:r>
-            <a:r>
-              <a:rPr lang="en-US" dirty="0"/>
-              <a:t> server with proper option passing a </a:t>
-            </a:r>
-            <a:r>
-              <a:rPr lang="en-US" dirty="0" err="1"/>
-              <a:t>pem</a:t>
-            </a:r>
-            <a:r>
-              <a:rPr lang="en-US" dirty="0"/>
-              <a:t> file, </a:t>
-            </a:r>
-            <a:r>
-              <a:rPr lang="en-US" dirty="0" err="1"/>
-              <a:t>usernameppwd</a:t>
-            </a:r>
-            <a:r>
-              <a:rPr lang="en-US" dirty="0"/>
-              <a:t> file, </a:t>
-            </a:r>
-            <a:r>
-              <a:rPr lang="en-US" dirty="0" err="1"/>
-              <a:t>etc</a:t>
-            </a:r>
-            <a:r>
-              <a:rPr lang="en-US" dirty="0"/>
-              <a:t>)</a:t>
-            </a:r>
+              <a:t>serviceAaccount</a:t>
+            </a:r>
+            <a:endParaRPr lang="en-US" dirty="0"/>
           </a:p>
         </p:txBody>
       </p:sp>
@@ -12635,7 +12641,7 @@
             </a:br>
             <a:r>
               <a:rPr lang="en-US" b="1" i="1" dirty="0"/>
-              <a:t>you cannot ignore RBAC (if enabled) for helm server (tiller) and the dashboard since they interact with the API server</a:t>
+              <a:t>you cannot ignore RBAC (if enabled) for the dashboard or any other pod accessing the k8s API server</a:t>
             </a:r>
           </a:p>
           <a:p>
@@ -12722,7 +12728,7 @@
           <a:p>
             <a:r>
               <a:rPr lang="en-US" dirty="0"/>
-              <a:t>Extras</a:t>
+              <a:t>In next sessions</a:t>
             </a:r>
           </a:p>
         </p:txBody>
@@ -12777,28 +12783,6 @@
         <p:txBody>
           <a:bodyPr/>
           <a:lstStyle/>
-          <a:p>
-            <a:r>
-              <a:rPr lang="en-US" dirty="0"/>
-              <a:t>Logging with </a:t>
-            </a:r>
-            <a:r>
-              <a:rPr lang="en-US" dirty="0" err="1"/>
-              <a:t>fluentd</a:t>
-            </a:r>
-            <a:r>
-              <a:rPr lang="en-US" dirty="0"/>
-              <a:t>, Prometheus, </a:t>
-            </a:r>
-            <a:r>
-              <a:rPr lang="en-US" dirty="0" err="1"/>
-              <a:t>logstash</a:t>
-            </a:r>
-            <a:r>
-              <a:rPr lang="en-US" dirty="0"/>
-              <a:t> </a:t>
-            </a:r>
-          </a:p>
           <a:p>
             <a:r>
               <a:rPr lang="en-US" dirty="0" err="1"/>
@@ -12943,7 +12927,7 @@
           </a:prstGeom>
           <a:extLst>
             <a:ext uri="{C572A759-6A51-4108-AA02-DFA0A04FC94B}">
-              <ma14:wrappingTextBoxFlag xmlns="" xmlns:ma14="http://schemas.microsoft.com/office/mac/drawingml/2011/main" val="1"/>
+              <ma14:wrappingTextBoxFlag xmlns:ma14="http://schemas.microsoft.com/office/mac/drawingml/2011/main" xmlns="" val="1"/>
             </a:ext>
           </a:extLst>
         </p:spPr>
@@ -13150,7 +13134,7 @@
           </a:ln>
           <a:extLst>
             <a:ext uri="{C572A759-6A51-4108-AA02-DFA0A04FC94B}">
-              <ma14:wrappingTextBoxFlag xmlns="" xmlns:ma14="http://schemas.microsoft.com/office/mac/drawingml/2011/main" val="1"/>
+              <ma14:wrappingTextBoxFlag xmlns:ma14="http://schemas.microsoft.com/office/mac/drawingml/2011/main" xmlns="" val="1"/>
             </a:ext>
           </a:extLst>
         </p:spPr>
@@ -13348,6 +13332,13 @@
             <a:r>
               <a:rPr lang="en-US" dirty="0"/>
               <a:t>You can simulate more than one node</a:t>
+            </a:r>
+          </a:p>
+          <a:p>
+            <a:pPr lvl="1"/>
+            <a:r>
+              <a:rPr lang="en-US" dirty="0"/>
+              <a:t>Microk8s</a:t>
             </a:r>
           </a:p>
         </p:txBody>
@@ -13632,7 +13623,7 @@
           </a:prstGeom>
           <a:extLst>
             <a:ext uri="{C572A759-6A51-4108-AA02-DFA0A04FC94B}">
-              <ma14:wrappingTextBoxFlag xmlns="" xmlns:ma14="http://schemas.microsoft.com/office/mac/drawingml/2011/main" val="1"/>
+              <ma14:wrappingTextBoxFlag xmlns:ma14="http://schemas.microsoft.com/office/mac/drawingml/2011/main" xmlns="" val="1"/>
             </a:ext>
           </a:extLst>
         </p:spPr>
@@ -13876,7 +13867,7 @@
           </a:ln>
           <a:extLst>
             <a:ext uri="{C572A759-6A51-4108-AA02-DFA0A04FC94B}">
-              <ma14:wrappingTextBoxFlag xmlns="" xmlns:ma14="http://schemas.microsoft.com/office/mac/drawingml/2011/main" val="1"/>
+              <ma14:wrappingTextBoxFlag xmlns:ma14="http://schemas.microsoft.com/office/mac/drawingml/2011/main" xmlns="" val="1"/>
             </a:ext>
           </a:extLst>
         </p:spPr>
@@ -14097,7 +14088,7 @@
           </a:prstGeom>
           <a:extLst>
             <a:ext uri="{C572A759-6A51-4108-AA02-DFA0A04FC94B}">
-              <ma14:wrappingTextBoxFlag xmlns="" xmlns:ma14="http://schemas.microsoft.com/office/mac/drawingml/2011/main" val="1"/>
+              <ma14:wrappingTextBoxFlag xmlns:ma14="http://schemas.microsoft.com/office/mac/drawingml/2011/main" xmlns="" val="1"/>
             </a:ext>
           </a:extLst>
         </p:spPr>
@@ -14316,7 +14307,7 @@
           <a:p>
             <a:r>
               <a:rPr lang="en-US" dirty="0"/>
-              <a:t>.. And more </a:t>
+              <a:t>.. And more, but these are the basic ones </a:t>
             </a:r>
           </a:p>
         </p:txBody>
@@ -14340,7 +14331,7 @@
           </a:ln>
           <a:extLst>
             <a:ext uri="{C572A759-6A51-4108-AA02-DFA0A04FC94B}">
-              <ma14:wrappingTextBoxFlag xmlns="" xmlns:ma14="http://schemas.microsoft.com/office/mac/drawingml/2011/main" val="1"/>
+              <ma14:wrappingTextBoxFlag xmlns:ma14="http://schemas.microsoft.com/office/mac/drawingml/2011/main" xmlns="" val="1"/>
             </a:ext>
           </a:extLst>
         </p:spPr>
@@ -17118,21 +17109,6 @@
 </file>
 
 <file path=customXml/item1.xml><?xml version="1.0" encoding="utf-8"?>
-<p:properties xmlns:p="http://schemas.microsoft.com/office/2006/metadata/properties" xmlns:xsi="http://www.w3.org/2001/XMLSchema-instance" xmlns:pc="http://schemas.microsoft.com/office/infopath/2007/PartnerControls">
-  <documentManagement/>
-</p:properties>
-</file>
-
-<file path=customXml/item2.xml><?xml version="1.0" encoding="utf-8"?>
-<?mso-contentType ?>
-<FormTemplates xmlns="http://schemas.microsoft.com/sharepoint/v3/contenttype/forms">
-  <Display>DocumentLibraryForm</Display>
-  <Edit>DocumentLibraryForm</Edit>
-  <New>DocumentLibraryForm</New>
-</FormTemplates>
-</file>
-
-<file path=customXml/item3.xml><?xml version="1.0" encoding="utf-8"?>
 <ct:contentTypeSchema xmlns:ct="http://schemas.microsoft.com/office/2006/metadata/contentType" xmlns:ma="http://schemas.microsoft.com/office/2006/metadata/properties/metaAttributes" ct:_="" ma:_="" ma:contentTypeName="Documento" ma:contentTypeID="0x010100E6A5A58969A45D48A3FDE48C16D47668" ma:contentTypeVersion="7" ma:contentTypeDescription="Creare un nuovo documento." ma:contentTypeScope="" ma:versionID="6a156910bfe1709bd52a834455f674b1">
   <xsd:schema xmlns:xsd="http://www.w3.org/2001/XMLSchema" xmlns:xs="http://www.w3.org/2001/XMLSchema" xmlns:p="http://schemas.microsoft.com/office/2006/metadata/properties" xmlns:ns2="c3ffa819-a771-4877-ad4d-25f776e91fc1" xmlns:ns3="9fad99a4-1f10-4083-bdc6-95bb547585ec" targetNamespace="http://schemas.microsoft.com/office/2006/metadata/properties" ma:root="true" ma:fieldsID="dccc4f762faa72a8390d0658fd5f380b" ns2:_="" ns3:_="">
     <xsd:import namespace="c3ffa819-a771-4877-ad4d-25f776e91fc1"/>
@@ -17317,32 +17293,22 @@
 </ct:contentTypeSchema>
 </file>
 
-<file path=customXml/itemProps1.xml><?xml version="1.0" encoding="utf-8"?>
-<ds:datastoreItem xmlns:ds="http://schemas.openxmlformats.org/officeDocument/2006/customXml" ds:itemID="{37F187F3-04C2-4986-B925-C49BDDD739C4}">
-  <ds:schemaRefs>
-    <ds:schemaRef ds:uri="http://purl.org/dc/elements/1.1/"/>
-    <ds:schemaRef ds:uri="http://schemas.microsoft.com/office/2006/metadata/properties"/>
-    <ds:schemaRef ds:uri="c3ffa819-a771-4877-ad4d-25f776e91fc1"/>
-    <ds:schemaRef ds:uri="9fad99a4-1f10-4083-bdc6-95bb547585ec"/>
-    <ds:schemaRef ds:uri="http://purl.org/dc/terms/"/>
-    <ds:schemaRef ds:uri="http://schemas.microsoft.com/office/infopath/2007/PartnerControls"/>
-    <ds:schemaRef ds:uri="http://schemas.microsoft.com/office/2006/documentManagement/types"/>
-    <ds:schemaRef ds:uri="http://schemas.openxmlformats.org/package/2006/metadata/core-properties"/>
-    <ds:schemaRef ds:uri="http://www.w3.org/XML/1998/namespace"/>
-    <ds:schemaRef ds:uri="http://purl.org/dc/dcmitype/"/>
-  </ds:schemaRefs>
-</ds:datastoreItem>
+<file path=customXml/item2.xml><?xml version="1.0" encoding="utf-8"?>
+<?mso-contentType ?>
+<FormTemplates xmlns="http://schemas.microsoft.com/sharepoint/v3/contenttype/forms">
+  <Display>DocumentLibraryForm</Display>
+  <Edit>DocumentLibraryForm</Edit>
+  <New>DocumentLibraryForm</New>
+</FormTemplates>
 </file>
 
-<file path=customXml/itemProps2.xml><?xml version="1.0" encoding="utf-8"?>
-<ds:datastoreItem xmlns:ds="http://schemas.openxmlformats.org/officeDocument/2006/customXml" ds:itemID="{81BFDE8D-C4DF-4F86-84B9-52E0C5AFDCD4}">
-  <ds:schemaRefs>
-    <ds:schemaRef ds:uri="http://schemas.microsoft.com/sharepoint/v3/contenttype/forms"/>
-  </ds:schemaRefs>
-</ds:datastoreItem>
+<file path=customXml/item3.xml><?xml version="1.0" encoding="utf-8"?>
+<p:properties xmlns:p="http://schemas.microsoft.com/office/2006/metadata/properties" xmlns:xsi="http://www.w3.org/2001/XMLSchema-instance" xmlns:pc="http://schemas.microsoft.com/office/infopath/2007/PartnerControls">
+  <documentManagement/>
+</p:properties>
 </file>
 
-<file path=customXml/itemProps3.xml><?xml version="1.0" encoding="utf-8"?>
+<file path=customXml/itemProps1.xml><?xml version="1.0" encoding="utf-8"?>
 <ds:datastoreItem xmlns:ds="http://schemas.openxmlformats.org/officeDocument/2006/customXml" ds:itemID="{7F298B02-FB17-484A-BB72-42168D5F181C}">
   <ds:schemaRefs>
     <ds:schemaRef ds:uri="http://schemas.microsoft.com/office/2006/metadata/contentType"/>
@@ -17359,4 +17325,29 @@
     <ds:schemaRef ds:uri="http://schemas.microsoft.com/internal/obd"/>
   </ds:schemaRefs>
 </ds:datastoreItem>
+</file>
+
+<file path=customXml/itemProps2.xml><?xml version="1.0" encoding="utf-8"?>
+<ds:datastoreItem xmlns:ds="http://schemas.openxmlformats.org/officeDocument/2006/customXml" ds:itemID="{81BFDE8D-C4DF-4F86-84B9-52E0C5AFDCD4}">
+  <ds:schemaRefs>
+    <ds:schemaRef ds:uri="http://schemas.microsoft.com/sharepoint/v3/contenttype/forms"/>
+  </ds:schemaRefs>
+</ds:datastoreItem>
+</file>
+
+<file path=customXml/itemProps3.xml><?xml version="1.0" encoding="utf-8"?>
+<ds:datastoreItem xmlns:ds="http://schemas.openxmlformats.org/officeDocument/2006/customXml" ds:itemID="{37F187F3-04C2-4986-B925-C49BDDD739C4}">
+  <ds:schemaRefs>
+    <ds:schemaRef ds:uri="http://purl.org/dc/elements/1.1/"/>
+    <ds:schemaRef ds:uri="http://schemas.microsoft.com/office/2006/metadata/properties"/>
+    <ds:schemaRef ds:uri="c3ffa819-a771-4877-ad4d-25f776e91fc1"/>
+    <ds:schemaRef ds:uri="9fad99a4-1f10-4083-bdc6-95bb547585ec"/>
+    <ds:schemaRef ds:uri="http://purl.org/dc/terms/"/>
+    <ds:schemaRef ds:uri="http://schemas.microsoft.com/office/infopath/2007/PartnerControls"/>
+    <ds:schemaRef ds:uri="http://schemas.microsoft.com/office/2006/documentManagement/types"/>
+    <ds:schemaRef ds:uri="http://schemas.openxmlformats.org/package/2006/metadata/core-properties"/>
+    <ds:schemaRef ds:uri="http://www.w3.org/XML/1998/namespace"/>
+    <ds:schemaRef ds:uri="http://purl.org/dc/dcmitype/"/>
+  </ds:schemaRefs>
+</ds:datastoreItem>
 </file>